--- a/game/copie modifs/examen oral.pptx
+++ b/game/copie modifs/examen oral.pptx
@@ -5,7 +5,7 @@
     <p:sldMasterId id="2147483745" r:id="rId1"/>
   </p:sldMasterIdLst>
   <p:notesMasterIdLst>
-    <p:notesMasterId r:id="rId32"/>
+    <p:notesMasterId r:id="rId37"/>
   </p:notesMasterIdLst>
   <p:sldIdLst>
     <p:sldId id="274" r:id="rId2"/>
@@ -21,23 +21,28 @@
     <p:sldId id="280" r:id="rId12"/>
     <p:sldId id="261" r:id="rId13"/>
     <p:sldId id="281" r:id="rId14"/>
-    <p:sldId id="262" r:id="rId15"/>
-    <p:sldId id="282" r:id="rId16"/>
-    <p:sldId id="264" r:id="rId17"/>
-    <p:sldId id="283" r:id="rId18"/>
-    <p:sldId id="265" r:id="rId19"/>
-    <p:sldId id="284" r:id="rId20"/>
-    <p:sldId id="271" r:id="rId21"/>
-    <p:sldId id="285" r:id="rId22"/>
-    <p:sldId id="266" r:id="rId23"/>
-    <p:sldId id="286" r:id="rId24"/>
-    <p:sldId id="272" r:id="rId25"/>
-    <p:sldId id="287" r:id="rId26"/>
-    <p:sldId id="288" r:id="rId27"/>
-    <p:sldId id="267" r:id="rId28"/>
-    <p:sldId id="273" r:id="rId29"/>
-    <p:sldId id="268" r:id="rId30"/>
-    <p:sldId id="269" r:id="rId31"/>
+    <p:sldId id="289" r:id="rId15"/>
+    <p:sldId id="262" r:id="rId16"/>
+    <p:sldId id="282" r:id="rId17"/>
+    <p:sldId id="264" r:id="rId18"/>
+    <p:sldId id="283" r:id="rId19"/>
+    <p:sldId id="265" r:id="rId20"/>
+    <p:sldId id="284" r:id="rId21"/>
+    <p:sldId id="271" r:id="rId22"/>
+    <p:sldId id="285" r:id="rId23"/>
+    <p:sldId id="266" r:id="rId24"/>
+    <p:sldId id="290" r:id="rId25"/>
+    <p:sldId id="286" r:id="rId26"/>
+    <p:sldId id="272" r:id="rId27"/>
+    <p:sldId id="287" r:id="rId28"/>
+    <p:sldId id="288" r:id="rId29"/>
+    <p:sldId id="267" r:id="rId30"/>
+    <p:sldId id="291" r:id="rId31"/>
+    <p:sldId id="273" r:id="rId32"/>
+    <p:sldId id="292" r:id="rId33"/>
+    <p:sldId id="268" r:id="rId34"/>
+    <p:sldId id="293" r:id="rId35"/>
+    <p:sldId id="269" r:id="rId36"/>
   </p:sldIdLst>
   <p:sldSz cx="12192000" cy="6858000"/>
   <p:notesSz cx="6858000" cy="9144000"/>
@@ -526,7 +531,7 @@
           <a:p>
             <a:fld id="{C5BC8565-3BE2-E84B-97A0-FA785777CB34}" type="slidenum">
               <a:rPr lang="fr-FR" smtClean="0"/>
-              <a:t>‹N°›</a:t>
+              <a:t>‹#›</a:t>
             </a:fld>
             <a:endParaRPr lang="fr-FR"/>
           </a:p>
@@ -784,7 +789,7 @@
           <a:p>
             <a:fld id="{C5BC8565-3BE2-E84B-97A0-FA785777CB34}" type="slidenum">
               <a:rPr lang="fr-FR" smtClean="0"/>
-              <a:t>22</a:t>
+              <a:t>23</a:t>
             </a:fld>
             <a:endParaRPr lang="fr-FR"/>
           </a:p>
@@ -868,7 +873,7 @@
           <a:p>
             <a:fld id="{C5BC8565-3BE2-E84B-97A0-FA785777CB34}" type="slidenum">
               <a:rPr lang="fr-FR" smtClean="0"/>
-              <a:t>24</a:t>
+              <a:t>26</a:t>
             </a:fld>
             <a:endParaRPr lang="fr-FR"/>
           </a:p>
@@ -952,7 +957,7 @@
           <a:p>
             <a:fld id="{C5BC8565-3BE2-E84B-97A0-FA785777CB34}" type="slidenum">
               <a:rPr lang="fr-FR" smtClean="0"/>
-              <a:t>27</a:t>
+              <a:t>29</a:t>
             </a:fld>
             <a:endParaRPr lang="fr-FR"/>
           </a:p>
@@ -1036,7 +1041,7 @@
           <a:p>
             <a:fld id="{C5BC8565-3BE2-E84B-97A0-FA785777CB34}" type="slidenum">
               <a:rPr lang="fr-FR" smtClean="0"/>
-              <a:t>28</a:t>
+              <a:t>31</a:t>
             </a:fld>
             <a:endParaRPr lang="fr-FR"/>
           </a:p>
@@ -1120,7 +1125,7 @@
           <a:p>
             <a:fld id="{C5BC8565-3BE2-E84B-97A0-FA785777CB34}" type="slidenum">
               <a:rPr lang="fr-FR" smtClean="0"/>
-              <a:t>29</a:t>
+              <a:t>33</a:t>
             </a:fld>
             <a:endParaRPr lang="fr-FR"/>
           </a:p>
@@ -1204,7 +1209,7 @@
           <a:p>
             <a:fld id="{C5BC8565-3BE2-E84B-97A0-FA785777CB34}" type="slidenum">
               <a:rPr lang="fr-FR" smtClean="0"/>
-              <a:t>30</a:t>
+              <a:t>35</a:t>
             </a:fld>
             <a:endParaRPr lang="fr-FR"/>
           </a:p>
@@ -1624,7 +1629,7 @@
           <a:p>
             <a:fld id="{C5BC8565-3BE2-E84B-97A0-FA785777CB34}" type="slidenum">
               <a:rPr lang="fr-FR" smtClean="0"/>
-              <a:t>14</a:t>
+              <a:t>15</a:t>
             </a:fld>
             <a:endParaRPr lang="fr-FR"/>
           </a:p>
@@ -1708,7 +1713,7 @@
           <a:p>
             <a:fld id="{C5BC8565-3BE2-E84B-97A0-FA785777CB34}" type="slidenum">
               <a:rPr lang="fr-FR" smtClean="0"/>
-              <a:t>16</a:t>
+              <a:t>17</a:t>
             </a:fld>
             <a:endParaRPr lang="fr-FR"/>
           </a:p>
@@ -1792,7 +1797,7 @@
           <a:p>
             <a:fld id="{C5BC8565-3BE2-E84B-97A0-FA785777CB34}" type="slidenum">
               <a:rPr lang="fr-FR" smtClean="0"/>
-              <a:t>18</a:t>
+              <a:t>19</a:t>
             </a:fld>
             <a:endParaRPr lang="fr-FR"/>
           </a:p>
@@ -1876,7 +1881,7 @@
           <a:p>
             <a:fld id="{C5BC8565-3BE2-E84B-97A0-FA785777CB34}" type="slidenum">
               <a:rPr lang="fr-FR" smtClean="0"/>
-              <a:t>20</a:t>
+              <a:t>21</a:t>
             </a:fld>
             <a:endParaRPr lang="fr-FR"/>
           </a:p>
@@ -2902,7 +2907,7 @@
           <a:p>
             <a:fld id="{8565C1E6-8FB8-4442-BEDC-4DDD643D2FC5}" type="slidenum">
               <a:rPr lang="fr-FR" smtClean="0"/>
-              <a:t>‹N°›</a:t>
+              <a:t>‹#›</a:t>
             </a:fld>
             <a:endParaRPr lang="fr-FR"/>
           </a:p>
@@ -3003,7 +3008,7 @@
           <a:p>
             <a:fld id="{8565C1E6-8FB8-4442-BEDC-4DDD643D2FC5}" type="slidenum">
               <a:rPr lang="fr-FR" smtClean="0"/>
-              <a:t>‹N°›</a:t>
+              <a:t>‹#›</a:t>
             </a:fld>
             <a:endParaRPr lang="fr-FR"/>
           </a:p>
@@ -3177,7 +3182,7 @@
           <a:p>
             <a:fld id="{8565C1E6-8FB8-4442-BEDC-4DDD643D2FC5}" type="slidenum">
               <a:rPr lang="fr-FR" smtClean="0"/>
-              <a:t>‹N°›</a:t>
+              <a:t>‹#›</a:t>
             </a:fld>
             <a:endParaRPr lang="fr-FR"/>
           </a:p>
@@ -4026,7 +4031,7 @@
           <a:p>
             <a:fld id="{8565C1E6-8FB8-4442-BEDC-4DDD643D2FC5}" type="slidenum">
               <a:rPr lang="fr-FR" smtClean="0"/>
-              <a:t>‹N°›</a:t>
+              <a:t>‹#›</a:t>
             </a:fld>
             <a:endParaRPr lang="fr-FR"/>
           </a:p>
@@ -4701,7 +4706,7 @@
           <a:p>
             <a:fld id="{8565C1E6-8FB8-4442-BEDC-4DDD643D2FC5}" type="slidenum">
               <a:rPr lang="fr-FR" smtClean="0"/>
-              <a:t>‹N°›</a:t>
+              <a:t>‹#›</a:t>
             </a:fld>
             <a:endParaRPr lang="fr-FR"/>
           </a:p>
@@ -5454,7 +5459,7 @@
           <a:p>
             <a:fld id="{8565C1E6-8FB8-4442-BEDC-4DDD643D2FC5}" type="slidenum">
               <a:rPr lang="fr-FR" smtClean="0"/>
-              <a:t>‹N°›</a:t>
+              <a:t>‹#›</a:t>
             </a:fld>
             <a:endParaRPr lang="fr-FR"/>
           </a:p>
@@ -5808,7 +5813,7 @@
           <a:p>
             <a:fld id="{8565C1E6-8FB8-4442-BEDC-4DDD643D2FC5}" type="slidenum">
               <a:rPr lang="fr-FR" smtClean="0"/>
-              <a:t>‹N°›</a:t>
+              <a:t>‹#›</a:t>
             </a:fld>
             <a:endParaRPr lang="fr-FR"/>
           </a:p>
@@ -18507,7 +18512,7 @@
           <a:p>
             <a:fld id="{8565C1E6-8FB8-4442-BEDC-4DDD643D2FC5}" type="slidenum">
               <a:rPr lang="fr-FR" smtClean="0"/>
-              <a:t>‹N°›</a:t>
+              <a:t>‹#›</a:t>
             </a:fld>
             <a:endParaRPr lang="fr-FR"/>
           </a:p>
@@ -20380,7 +20385,19 @@
           <a:bodyPr/>
           <a:lstStyle/>
           <a:p>
-            <a:endParaRPr lang="fr-CH"/>
+            <a:r>
+              <a:rPr lang="en-US" dirty="0" err="1"/>
+              <a:t>Classe</a:t>
+            </a:r>
+            <a:r>
+              <a:rPr lang="en-US" dirty="0"/>
+              <a:t> </a:t>
+            </a:r>
+            <a:r>
+              <a:rPr lang="en-US" dirty="0" err="1"/>
+              <a:t>joueur</a:t>
+            </a:r>
+            <a:endParaRPr lang="fr-CH" dirty="0"/>
           </a:p>
         </p:txBody>
       </p:sp>
@@ -20405,7 +20422,53 @@
           <a:bodyPr/>
           <a:lstStyle/>
           <a:p>
-            <a:endParaRPr lang="fr-CH"/>
+            <a:r>
+              <a:rPr lang="en-US" dirty="0" err="1"/>
+              <a:t>Fonctionne</a:t>
+            </a:r>
+            <a:r>
+              <a:rPr lang="en-US" dirty="0"/>
+              <a:t> à </a:t>
+            </a:r>
+            <a:r>
+              <a:rPr lang="en-US" dirty="0" err="1"/>
+              <a:t>l’aide</a:t>
+            </a:r>
+            <a:r>
+              <a:rPr lang="en-US" dirty="0"/>
+              <a:t> </a:t>
+            </a:r>
+            <a:r>
+              <a:rPr lang="en-US" dirty="0" err="1"/>
+              <a:t>d’une</a:t>
+            </a:r>
+            <a:r>
+              <a:rPr lang="en-US" dirty="0"/>
+              <a:t> </a:t>
+            </a:r>
+            <a:r>
+              <a:rPr lang="en-US" dirty="0" err="1"/>
+              <a:t>spritesheet</a:t>
+            </a:r>
+            <a:endParaRPr lang="en-US" dirty="0"/>
+          </a:p>
+          <a:p>
+            <a:endParaRPr lang="en-US" dirty="0"/>
+          </a:p>
+          <a:p>
+            <a:r>
+              <a:rPr lang="fr-CH" dirty="0"/>
+              <a:t>personnage  animé</a:t>
+            </a:r>
+          </a:p>
+          <a:p>
+            <a:endParaRPr lang="fr-CH" dirty="0"/>
+          </a:p>
+          <a:p>
+            <a:r>
+              <a:rPr lang="fr-CH" dirty="0"/>
+              <a:t>Possède des attributs tels que : une équipe, de l’argent, etc…</a:t>
+            </a:r>
           </a:p>
         </p:txBody>
       </p:sp>
@@ -20440,10 +20503,10 @@
       </p:sp>
       <p:sp>
         <p:nvSpPr>
-          <p:cNvPr id="5" name="Espace réservé du contenu 4">
+          <p:cNvPr id="9" name="Content Placeholder 8">
             <a:extLst>
               <a:ext uri="{FF2B5EF4-FFF2-40B4-BE49-F238E27FC236}">
-                <a16:creationId xmlns:a16="http://schemas.microsoft.com/office/drawing/2014/main" id="{76D3D6A4-E16C-4FA2-96A9-6096184FDAC2}"/>
+                <a16:creationId xmlns:a16="http://schemas.microsoft.com/office/drawing/2014/main" id="{60C84F78-EE4C-4C28-906E-B106A7F49FFA}"/>
               </a:ext>
             </a:extLst>
           </p:cNvPr>
@@ -20498,6 +20561,152 @@
           <p:cNvPr id="2" name="Titre 1">
             <a:extLst>
               <a:ext uri="{FF2B5EF4-FFF2-40B4-BE49-F238E27FC236}">
+                <a16:creationId xmlns:a16="http://schemas.microsoft.com/office/drawing/2014/main" id="{4515ACD0-48BB-45D8-92F4-F4DF8A09AF6B}"/>
+              </a:ext>
+            </a:extLst>
+          </p:cNvPr>
+          <p:cNvSpPr>
+            <a:spLocks noGrp="1"/>
+          </p:cNvSpPr>
+          <p:nvPr>
+            <p:ph type="title"/>
+          </p:nvPr>
+        </p:nvSpPr>
+        <p:spPr/>
+        <p:txBody>
+          <a:bodyPr/>
+          <a:lstStyle/>
+          <a:p>
+            <a:r>
+              <a:rPr lang="en-US" dirty="0"/>
+              <a:t>Notre </a:t>
+            </a:r>
+            <a:r>
+              <a:rPr lang="en-US" dirty="0" err="1"/>
+              <a:t>spritesheet</a:t>
+            </a:r>
+            <a:endParaRPr lang="fr-CH" dirty="0"/>
+          </a:p>
+        </p:txBody>
+      </p:sp>
+      <p:sp>
+        <p:nvSpPr>
+          <p:cNvPr id="3" name="Espace réservé du texte 2">
+            <a:extLst>
+              <a:ext uri="{FF2B5EF4-FFF2-40B4-BE49-F238E27FC236}">
+                <a16:creationId xmlns:a16="http://schemas.microsoft.com/office/drawing/2014/main" id="{2CD2F2DA-588B-4C0E-A136-9D1E1C5ED3C5}"/>
+              </a:ext>
+            </a:extLst>
+          </p:cNvPr>
+          <p:cNvSpPr>
+            <a:spLocks noGrp="1"/>
+          </p:cNvSpPr>
+          <p:nvPr>
+            <p:ph type="body" idx="1"/>
+          </p:nvPr>
+        </p:nvSpPr>
+        <p:spPr/>
+        <p:txBody>
+          <a:bodyPr/>
+          <a:lstStyle/>
+          <a:p>
+            <a:endParaRPr lang="fr-CH" dirty="0"/>
+          </a:p>
+        </p:txBody>
+      </p:sp>
+      <p:sp>
+        <p:nvSpPr>
+          <p:cNvPr id="4" name="Espace réservé du numéro de diapositive 3">
+            <a:extLst>
+              <a:ext uri="{FF2B5EF4-FFF2-40B4-BE49-F238E27FC236}">
+                <a16:creationId xmlns:a16="http://schemas.microsoft.com/office/drawing/2014/main" id="{0CD46413-BA83-4082-B57F-2A26D105F2C9}"/>
+              </a:ext>
+            </a:extLst>
+          </p:cNvPr>
+          <p:cNvSpPr>
+            <a:spLocks noGrp="1"/>
+          </p:cNvSpPr>
+          <p:nvPr>
+            <p:ph type="sldNum" idx="12"/>
+          </p:nvPr>
+        </p:nvSpPr>
+        <p:spPr/>
+        <p:txBody>
+          <a:bodyPr/>
+          <a:lstStyle/>
+          <a:p>
+            <a:fld id="{8565C1E6-8FB8-4442-BEDC-4DDD643D2FC5}" type="slidenum">
+              <a:rPr lang="fr-FR" smtClean="0"/>
+              <a:t>14</a:t>
+            </a:fld>
+            <a:endParaRPr lang="fr-FR"/>
+          </a:p>
+        </p:txBody>
+      </p:sp>
+      <p:pic>
+        <p:nvPicPr>
+          <p:cNvPr id="7" name="Content Placeholder 6" descr="A picture containing graphical user interface&#10;&#10;Description automatically generated">
+            <a:extLst>
+              <a:ext uri="{FF2B5EF4-FFF2-40B4-BE49-F238E27FC236}">
+                <a16:creationId xmlns:a16="http://schemas.microsoft.com/office/drawing/2014/main" id="{6BB164D7-2B8A-43A0-A0B9-653F1390A4D1}"/>
+              </a:ext>
+            </a:extLst>
+          </p:cNvPr>
+          <p:cNvPicPr>
+            <a:picLocks noGrp="1" noChangeAspect="1"/>
+          </p:cNvPicPr>
+          <p:nvPr>
+            <p:ph sz="quarter" idx="13"/>
+          </p:nvPr>
+        </p:nvPicPr>
+        <p:blipFill>
+          <a:blip r:embed="rId2"/>
+          <a:stretch>
+            <a:fillRect/>
+          </a:stretch>
+        </p:blipFill>
+        <p:spPr>
+          <a:xfrm>
+            <a:off x="4272480" y="2186861"/>
+            <a:ext cx="3214998" cy="3214998"/>
+          </a:xfrm>
+        </p:spPr>
+      </p:pic>
+    </p:spTree>
+    <p:extLst>
+      <p:ext uri="{BB962C8B-B14F-4D97-AF65-F5344CB8AC3E}">
+        <p14:creationId xmlns:p14="http://schemas.microsoft.com/office/powerpoint/2010/main" val="770731647"/>
+      </p:ext>
+    </p:extLst>
+  </p:cSld>
+  <p:clrMapOvr>
+    <a:masterClrMapping/>
+  </p:clrMapOvr>
+</p:sld>
+</file>
+
+<file path=ppt/slides/slide15.xml><?xml version="1.0" encoding="utf-8"?>
+<p:sld xmlns:a="http://schemas.openxmlformats.org/drawingml/2006/main" xmlns:r="http://schemas.openxmlformats.org/officeDocument/2006/relationships" xmlns:p="http://schemas.openxmlformats.org/presentationml/2006/main">
+  <p:cSld>
+    <p:spTree>
+      <p:nvGrpSpPr>
+        <p:cNvPr id="1" name=""/>
+        <p:cNvGrpSpPr/>
+        <p:nvPr/>
+      </p:nvGrpSpPr>
+      <p:grpSpPr>
+        <a:xfrm>
+          <a:off x="0" y="0"/>
+          <a:ext cx="0" cy="0"/>
+          <a:chOff x="0" y="0"/>
+          <a:chExt cx="0" cy="0"/>
+        </a:xfrm>
+      </p:grpSpPr>
+      <p:sp>
+        <p:nvSpPr>
+          <p:cNvPr id="2" name="Titre 1">
+            <a:extLst>
+              <a:ext uri="{FF2B5EF4-FFF2-40B4-BE49-F238E27FC236}">
                 <a16:creationId xmlns:a16="http://schemas.microsoft.com/office/drawing/2014/main" id="{D35E3A65-9994-0140-AA51-D5AC008FE53E}"/>
               </a:ext>
             </a:extLst>
@@ -20644,7 +20853,7 @@
           <a:p>
             <a:fld id="{8565C1E6-8FB8-4442-BEDC-4DDD643D2FC5}" type="slidenum">
               <a:rPr lang="fr-FR" smtClean="0"/>
-              <a:t>14</a:t>
+              <a:t>15</a:t>
             </a:fld>
             <a:endParaRPr lang="fr-FR"/>
           </a:p>
@@ -20663,7 +20872,7 @@
 </p:sld>
 </file>
 
-<file path=ppt/slides/slide15.xml><?xml version="1.0" encoding="utf-8"?>
+<file path=ppt/slides/slide16.xml><?xml version="1.0" encoding="utf-8"?>
 <p:sld xmlns:a="http://schemas.openxmlformats.org/drawingml/2006/main" xmlns:r="http://schemas.openxmlformats.org/officeDocument/2006/relationships" xmlns:p="http://schemas.openxmlformats.org/presentationml/2006/main">
   <p:cSld>
     <p:spTree>
@@ -20753,7 +20962,7 @@
           <a:p>
             <a:fld id="{8565C1E6-8FB8-4442-BEDC-4DDD643D2FC5}" type="slidenum">
               <a:rPr lang="fr-FR" smtClean="0"/>
-              <a:t>15</a:t>
+              <a:t>16</a:t>
             </a:fld>
             <a:endParaRPr lang="fr-FR"/>
           </a:p>
@@ -20797,7 +21006,7 @@
 </p:sld>
 </file>
 
-<file path=ppt/slides/slide16.xml><?xml version="1.0" encoding="utf-8"?>
+<file path=ppt/slides/slide17.xml><?xml version="1.0" encoding="utf-8"?>
 <p:sld xmlns:a="http://schemas.openxmlformats.org/drawingml/2006/main" xmlns:r="http://schemas.openxmlformats.org/officeDocument/2006/relationships" xmlns:p="http://schemas.openxmlformats.org/presentationml/2006/main">
   <p:cSld>
     <p:spTree>
@@ -20976,7 +21185,7 @@
           <a:p>
             <a:fld id="{8565C1E6-8FB8-4442-BEDC-4DDD643D2FC5}" type="slidenum">
               <a:rPr lang="fr-FR" smtClean="0"/>
-              <a:t>16</a:t>
+              <a:t>17</a:t>
             </a:fld>
             <a:endParaRPr lang="fr-FR"/>
           </a:p>
@@ -20995,7 +21204,7 @@
 </p:sld>
 </file>
 
-<file path=ppt/slides/slide17.xml><?xml version="1.0" encoding="utf-8"?>
+<file path=ppt/slides/slide18.xml><?xml version="1.0" encoding="utf-8"?>
 <p:sld xmlns:a="http://schemas.openxmlformats.org/drawingml/2006/main" xmlns:r="http://schemas.openxmlformats.org/officeDocument/2006/relationships" xmlns:p="http://schemas.openxmlformats.org/presentationml/2006/main">
   <p:cSld>
     <p:spTree>
@@ -21058,7 +21267,71 @@
           <a:bodyPr/>
           <a:lstStyle/>
           <a:p>
-            <a:endParaRPr lang="fr-CH"/>
+            <a:r>
+              <a:rPr lang="en-US" dirty="0"/>
+              <a:t>Une </a:t>
+            </a:r>
+            <a:r>
+              <a:rPr lang="en-US" dirty="0" err="1"/>
+              <a:t>classe</a:t>
+            </a:r>
+            <a:r>
+              <a:rPr lang="en-US" dirty="0"/>
+              <a:t> combat qui utilize des </a:t>
+            </a:r>
+            <a:r>
+              <a:rPr lang="en-US" dirty="0" err="1"/>
+              <a:t>attributs</a:t>
+            </a:r>
+            <a:r>
+              <a:rPr lang="en-US" dirty="0"/>
+              <a:t> </a:t>
+            </a:r>
+            <a:r>
+              <a:rPr lang="en-US" dirty="0" err="1"/>
+              <a:t>d’autres</a:t>
+            </a:r>
+            <a:r>
+              <a:rPr lang="en-US" dirty="0"/>
+              <a:t> classes tells que la </a:t>
+            </a:r>
+            <a:r>
+              <a:rPr lang="en-US" dirty="0" err="1"/>
+              <a:t>classe</a:t>
+            </a:r>
+            <a:r>
+              <a:rPr lang="en-US" dirty="0"/>
+              <a:t> </a:t>
+            </a:r>
+            <a:r>
+              <a:rPr lang="en-US" dirty="0" err="1"/>
+              <a:t>joueur</a:t>
+            </a:r>
+            <a:r>
+              <a:rPr lang="en-US" dirty="0"/>
+              <a:t> </a:t>
+            </a:r>
+            <a:r>
+              <a:rPr lang="en-US" dirty="0" err="1"/>
+              <a:t>ou</a:t>
+            </a:r>
+            <a:r>
+              <a:rPr lang="en-US" dirty="0"/>
+              <a:t> encore la </a:t>
+            </a:r>
+            <a:r>
+              <a:rPr lang="en-US" dirty="0" err="1"/>
+              <a:t>classe</a:t>
+            </a:r>
+            <a:r>
+              <a:rPr lang="en-US" dirty="0"/>
+              <a:t> </a:t>
+            </a:r>
+            <a:r>
+              <a:rPr lang="en-US" dirty="0" err="1"/>
+              <a:t>pokemon</a:t>
+            </a:r>
+            <a:endParaRPr lang="fr-CH" dirty="0"/>
           </a:p>
         </p:txBody>
       </p:sp>
@@ -21085,7 +21358,7 @@
           <a:p>
             <a:fld id="{8565C1E6-8FB8-4442-BEDC-4DDD643D2FC5}" type="slidenum">
               <a:rPr lang="fr-FR" smtClean="0"/>
-              <a:t>17</a:t>
+              <a:t>18</a:t>
             </a:fld>
             <a:endParaRPr lang="fr-FR"/>
           </a:p>
@@ -21129,7 +21402,7 @@
 </p:sld>
 </file>
 
-<file path=ppt/slides/slide18.xml><?xml version="1.0" encoding="utf-8"?>
+<file path=ppt/slides/slide19.xml><?xml version="1.0" encoding="utf-8"?>
 <p:sld xmlns:a="http://schemas.openxmlformats.org/drawingml/2006/main" xmlns:r="http://schemas.openxmlformats.org/officeDocument/2006/relationships" xmlns:p="http://schemas.openxmlformats.org/presentationml/2006/main">
   <p:cSld>
     <p:spTree>
@@ -21300,7 +21573,7 @@
           <a:p>
             <a:fld id="{8565C1E6-8FB8-4442-BEDC-4DDD643D2FC5}" type="slidenum">
               <a:rPr lang="fr-FR" smtClean="0"/>
-              <a:t>18</a:t>
+              <a:t>19</a:t>
             </a:fld>
             <a:endParaRPr lang="fr-FR"/>
           </a:p>
@@ -21310,140 +21583,6 @@
     <p:extLst>
       <p:ext uri="{BB962C8B-B14F-4D97-AF65-F5344CB8AC3E}">
         <p14:creationId xmlns:p14="http://schemas.microsoft.com/office/powerpoint/2010/main" val="3187019808"/>
-      </p:ext>
-    </p:extLst>
-  </p:cSld>
-  <p:clrMapOvr>
-    <a:masterClrMapping/>
-  </p:clrMapOvr>
-</p:sld>
-</file>
-
-<file path=ppt/slides/slide19.xml><?xml version="1.0" encoding="utf-8"?>
-<p:sld xmlns:a="http://schemas.openxmlformats.org/drawingml/2006/main" xmlns:r="http://schemas.openxmlformats.org/officeDocument/2006/relationships" xmlns:p="http://schemas.openxmlformats.org/presentationml/2006/main">
-  <p:cSld>
-    <p:spTree>
-      <p:nvGrpSpPr>
-        <p:cNvPr id="1" name=""/>
-        <p:cNvGrpSpPr/>
-        <p:nvPr/>
-      </p:nvGrpSpPr>
-      <p:grpSpPr>
-        <a:xfrm>
-          <a:off x="0" y="0"/>
-          <a:ext cx="0" cy="0"/>
-          <a:chOff x="0" y="0"/>
-          <a:chExt cx="0" cy="0"/>
-        </a:xfrm>
-      </p:grpSpPr>
-      <p:sp>
-        <p:nvSpPr>
-          <p:cNvPr id="2" name="Titre 1">
-            <a:extLst>
-              <a:ext uri="{FF2B5EF4-FFF2-40B4-BE49-F238E27FC236}">
-                <a16:creationId xmlns:a16="http://schemas.microsoft.com/office/drawing/2014/main" id="{A2654931-E439-4E35-A695-8A93915B3293}"/>
-              </a:ext>
-            </a:extLst>
-          </p:cNvPr>
-          <p:cNvSpPr>
-            <a:spLocks noGrp="1"/>
-          </p:cNvSpPr>
-          <p:nvPr>
-            <p:ph type="title"/>
-          </p:nvPr>
-        </p:nvSpPr>
-        <p:spPr/>
-        <p:txBody>
-          <a:bodyPr/>
-          <a:lstStyle/>
-          <a:p>
-            <a:endParaRPr lang="fr-CH"/>
-          </a:p>
-        </p:txBody>
-      </p:sp>
-      <p:sp>
-        <p:nvSpPr>
-          <p:cNvPr id="3" name="Espace réservé du texte 2">
-            <a:extLst>
-              <a:ext uri="{FF2B5EF4-FFF2-40B4-BE49-F238E27FC236}">
-                <a16:creationId xmlns:a16="http://schemas.microsoft.com/office/drawing/2014/main" id="{B9E89330-B4C7-4EA1-AEFE-025B9F14FCE7}"/>
-              </a:ext>
-            </a:extLst>
-          </p:cNvPr>
-          <p:cNvSpPr>
-            <a:spLocks noGrp="1"/>
-          </p:cNvSpPr>
-          <p:nvPr>
-            <p:ph type="body" idx="1"/>
-          </p:nvPr>
-        </p:nvSpPr>
-        <p:spPr/>
-        <p:txBody>
-          <a:bodyPr/>
-          <a:lstStyle/>
-          <a:p>
-            <a:endParaRPr lang="fr-CH"/>
-          </a:p>
-        </p:txBody>
-      </p:sp>
-      <p:sp>
-        <p:nvSpPr>
-          <p:cNvPr id="4" name="Espace réservé du numéro de diapositive 3">
-            <a:extLst>
-              <a:ext uri="{FF2B5EF4-FFF2-40B4-BE49-F238E27FC236}">
-                <a16:creationId xmlns:a16="http://schemas.microsoft.com/office/drawing/2014/main" id="{FB63A71E-355B-453A-A9D8-8BBE9F2A75AC}"/>
-              </a:ext>
-            </a:extLst>
-          </p:cNvPr>
-          <p:cNvSpPr>
-            <a:spLocks noGrp="1"/>
-          </p:cNvSpPr>
-          <p:nvPr>
-            <p:ph type="sldNum" idx="12"/>
-          </p:nvPr>
-        </p:nvSpPr>
-        <p:spPr/>
-        <p:txBody>
-          <a:bodyPr/>
-          <a:lstStyle/>
-          <a:p>
-            <a:fld id="{8565C1E6-8FB8-4442-BEDC-4DDD643D2FC5}" type="slidenum">
-              <a:rPr lang="fr-FR" smtClean="0"/>
-              <a:t>19</a:t>
-            </a:fld>
-            <a:endParaRPr lang="fr-FR"/>
-          </a:p>
-        </p:txBody>
-      </p:sp>
-      <p:sp>
-        <p:nvSpPr>
-          <p:cNvPr id="5" name="Espace réservé du contenu 4">
-            <a:extLst>
-              <a:ext uri="{FF2B5EF4-FFF2-40B4-BE49-F238E27FC236}">
-                <a16:creationId xmlns:a16="http://schemas.microsoft.com/office/drawing/2014/main" id="{4F40D2F6-3879-474B-B679-054A8F18F4B7}"/>
-              </a:ext>
-            </a:extLst>
-          </p:cNvPr>
-          <p:cNvSpPr>
-            <a:spLocks noGrp="1"/>
-          </p:cNvSpPr>
-          <p:nvPr>
-            <p:ph sz="quarter" idx="13"/>
-          </p:nvPr>
-        </p:nvSpPr>
-        <p:spPr/>
-        <p:txBody>
-          <a:bodyPr/>
-          <a:lstStyle/>
-          <a:p>
-            <a:endParaRPr lang="fr-CH"/>
-          </a:p>
-        </p:txBody>
-      </p:sp>
-    </p:spTree>
-    <p:extLst>
-      <p:ext uri="{BB962C8B-B14F-4D97-AF65-F5344CB8AC3E}">
-        <p14:creationId xmlns:p14="http://schemas.microsoft.com/office/powerpoint/2010/main" val="1105824075"/>
       </p:ext>
     </p:extLst>
   </p:cSld>
@@ -21664,6 +21803,140 @@
           <p:cNvPr id="2" name="Titre 1">
             <a:extLst>
               <a:ext uri="{FF2B5EF4-FFF2-40B4-BE49-F238E27FC236}">
+                <a16:creationId xmlns:a16="http://schemas.microsoft.com/office/drawing/2014/main" id="{A2654931-E439-4E35-A695-8A93915B3293}"/>
+              </a:ext>
+            </a:extLst>
+          </p:cNvPr>
+          <p:cNvSpPr>
+            <a:spLocks noGrp="1"/>
+          </p:cNvSpPr>
+          <p:nvPr>
+            <p:ph type="title"/>
+          </p:nvPr>
+        </p:nvSpPr>
+        <p:spPr/>
+        <p:txBody>
+          <a:bodyPr/>
+          <a:lstStyle/>
+          <a:p>
+            <a:endParaRPr lang="fr-CH"/>
+          </a:p>
+        </p:txBody>
+      </p:sp>
+      <p:sp>
+        <p:nvSpPr>
+          <p:cNvPr id="3" name="Espace réservé du texte 2">
+            <a:extLst>
+              <a:ext uri="{FF2B5EF4-FFF2-40B4-BE49-F238E27FC236}">
+                <a16:creationId xmlns:a16="http://schemas.microsoft.com/office/drawing/2014/main" id="{B9E89330-B4C7-4EA1-AEFE-025B9F14FCE7}"/>
+              </a:ext>
+            </a:extLst>
+          </p:cNvPr>
+          <p:cNvSpPr>
+            <a:spLocks noGrp="1"/>
+          </p:cNvSpPr>
+          <p:nvPr>
+            <p:ph type="body" idx="1"/>
+          </p:nvPr>
+        </p:nvSpPr>
+        <p:spPr/>
+        <p:txBody>
+          <a:bodyPr/>
+          <a:lstStyle/>
+          <a:p>
+            <a:endParaRPr lang="fr-CH"/>
+          </a:p>
+        </p:txBody>
+      </p:sp>
+      <p:sp>
+        <p:nvSpPr>
+          <p:cNvPr id="4" name="Espace réservé du numéro de diapositive 3">
+            <a:extLst>
+              <a:ext uri="{FF2B5EF4-FFF2-40B4-BE49-F238E27FC236}">
+                <a16:creationId xmlns:a16="http://schemas.microsoft.com/office/drawing/2014/main" id="{FB63A71E-355B-453A-A9D8-8BBE9F2A75AC}"/>
+              </a:ext>
+            </a:extLst>
+          </p:cNvPr>
+          <p:cNvSpPr>
+            <a:spLocks noGrp="1"/>
+          </p:cNvSpPr>
+          <p:nvPr>
+            <p:ph type="sldNum" idx="12"/>
+          </p:nvPr>
+        </p:nvSpPr>
+        <p:spPr/>
+        <p:txBody>
+          <a:bodyPr/>
+          <a:lstStyle/>
+          <a:p>
+            <a:fld id="{8565C1E6-8FB8-4442-BEDC-4DDD643D2FC5}" type="slidenum">
+              <a:rPr lang="fr-FR" smtClean="0"/>
+              <a:t>20</a:t>
+            </a:fld>
+            <a:endParaRPr lang="fr-FR"/>
+          </a:p>
+        </p:txBody>
+      </p:sp>
+      <p:sp>
+        <p:nvSpPr>
+          <p:cNvPr id="5" name="Espace réservé du contenu 4">
+            <a:extLst>
+              <a:ext uri="{FF2B5EF4-FFF2-40B4-BE49-F238E27FC236}">
+                <a16:creationId xmlns:a16="http://schemas.microsoft.com/office/drawing/2014/main" id="{4F40D2F6-3879-474B-B679-054A8F18F4B7}"/>
+              </a:ext>
+            </a:extLst>
+          </p:cNvPr>
+          <p:cNvSpPr>
+            <a:spLocks noGrp="1"/>
+          </p:cNvSpPr>
+          <p:nvPr>
+            <p:ph sz="quarter" idx="13"/>
+          </p:nvPr>
+        </p:nvSpPr>
+        <p:spPr/>
+        <p:txBody>
+          <a:bodyPr/>
+          <a:lstStyle/>
+          <a:p>
+            <a:endParaRPr lang="fr-CH"/>
+          </a:p>
+        </p:txBody>
+      </p:sp>
+    </p:spTree>
+    <p:extLst>
+      <p:ext uri="{BB962C8B-B14F-4D97-AF65-F5344CB8AC3E}">
+        <p14:creationId xmlns:p14="http://schemas.microsoft.com/office/powerpoint/2010/main" val="1105824075"/>
+      </p:ext>
+    </p:extLst>
+  </p:cSld>
+  <p:clrMapOvr>
+    <a:masterClrMapping/>
+  </p:clrMapOvr>
+</p:sld>
+</file>
+
+<file path=ppt/slides/slide21.xml><?xml version="1.0" encoding="utf-8"?>
+<p:sld xmlns:a="http://schemas.openxmlformats.org/drawingml/2006/main" xmlns:r="http://schemas.openxmlformats.org/officeDocument/2006/relationships" xmlns:p="http://schemas.openxmlformats.org/presentationml/2006/main">
+  <p:cSld>
+    <p:spTree>
+      <p:nvGrpSpPr>
+        <p:cNvPr id="1" name=""/>
+        <p:cNvGrpSpPr/>
+        <p:nvPr/>
+      </p:nvGrpSpPr>
+      <p:grpSpPr>
+        <a:xfrm>
+          <a:off x="0" y="0"/>
+          <a:ext cx="0" cy="0"/>
+          <a:chOff x="0" y="0"/>
+          <a:chExt cx="0" cy="0"/>
+        </a:xfrm>
+      </p:grpSpPr>
+      <p:sp>
+        <p:nvSpPr>
+          <p:cNvPr id="2" name="Titre 1">
+            <a:extLst>
+              <a:ext uri="{FF2B5EF4-FFF2-40B4-BE49-F238E27FC236}">
                 <a16:creationId xmlns:a16="http://schemas.microsoft.com/office/drawing/2014/main" id="{953FAC27-2B7B-0E46-BAC4-A43DEC62CDDB}"/>
               </a:ext>
             </a:extLst>
@@ -21822,7 +22095,7 @@
           <a:p>
             <a:fld id="{8565C1E6-8FB8-4442-BEDC-4DDD643D2FC5}" type="slidenum">
               <a:rPr lang="fr-FR" smtClean="0"/>
-              <a:t>20</a:t>
+              <a:t>21</a:t>
             </a:fld>
             <a:endParaRPr lang="fr-FR"/>
           </a:p>
@@ -21841,7 +22114,7 @@
 </p:sld>
 </file>
 
-<file path=ppt/slides/slide21.xml><?xml version="1.0" encoding="utf-8"?>
+<file path=ppt/slides/slide22.xml><?xml version="1.0" encoding="utf-8"?>
 <p:sld xmlns:a="http://schemas.openxmlformats.org/drawingml/2006/main" xmlns:r="http://schemas.openxmlformats.org/officeDocument/2006/relationships" xmlns:p="http://schemas.openxmlformats.org/presentationml/2006/main">
   <p:cSld>
     <p:spTree>
@@ -21931,7 +22204,7 @@
           <a:p>
             <a:fld id="{8565C1E6-8FB8-4442-BEDC-4DDD643D2FC5}" type="slidenum">
               <a:rPr lang="fr-FR" smtClean="0"/>
-              <a:t>21</a:t>
+              <a:t>22</a:t>
             </a:fld>
             <a:endParaRPr lang="fr-FR"/>
           </a:p>
@@ -21975,7 +22248,7 @@
 </p:sld>
 </file>
 
-<file path=ppt/slides/slide22.xml><?xml version="1.0" encoding="utf-8"?>
+<file path=ppt/slides/slide23.xml><?xml version="1.0" encoding="utf-8"?>
 <p:sld xmlns:a="http://schemas.openxmlformats.org/drawingml/2006/main" xmlns:r="http://schemas.openxmlformats.org/officeDocument/2006/relationships" xmlns:p="http://schemas.openxmlformats.org/presentationml/2006/main">
   <p:cSld>
     <p:spTree>
@@ -22146,7 +22419,7 @@
           <a:p>
             <a:fld id="{8565C1E6-8FB8-4442-BEDC-4DDD643D2FC5}" type="slidenum">
               <a:rPr lang="fr-FR" smtClean="0"/>
-              <a:t>22</a:t>
+              <a:t>23</a:t>
             </a:fld>
             <a:endParaRPr lang="fr-FR"/>
           </a:p>
@@ -22165,7 +22438,7 @@
 </p:sld>
 </file>
 
-<file path=ppt/slides/slide23.xml><?xml version="1.0" encoding="utf-8"?>
+<file path=ppt/slides/slide24.xml><?xml version="1.0" encoding="utf-8"?>
 <p:sld xmlns:a="http://schemas.openxmlformats.org/drawingml/2006/main" xmlns:r="http://schemas.openxmlformats.org/officeDocument/2006/relationships" xmlns:p="http://schemas.openxmlformats.org/presentationml/2006/main">
   <p:cSld>
     <p:spTree>
@@ -22255,7 +22528,7 @@
           <a:p>
             <a:fld id="{8565C1E6-8FB8-4442-BEDC-4DDD643D2FC5}" type="slidenum">
               <a:rPr lang="fr-FR" smtClean="0"/>
-              <a:t>23</a:t>
+              <a:t>24</a:t>
             </a:fld>
             <a:endParaRPr lang="fr-FR"/>
           </a:p>
@@ -22289,6 +22562,224 @@
     </p:spTree>
     <p:extLst>
       <p:ext uri="{BB962C8B-B14F-4D97-AF65-F5344CB8AC3E}">
+        <p14:creationId xmlns:p14="http://schemas.microsoft.com/office/powerpoint/2010/main" val="2316839347"/>
+      </p:ext>
+    </p:extLst>
+  </p:cSld>
+  <p:clrMapOvr>
+    <a:masterClrMapping/>
+  </p:clrMapOvr>
+</p:sld>
+</file>
+
+<file path=ppt/slides/slide25.xml><?xml version="1.0" encoding="utf-8"?>
+<p:sld xmlns:a="http://schemas.openxmlformats.org/drawingml/2006/main" xmlns:r="http://schemas.openxmlformats.org/officeDocument/2006/relationships" xmlns:p="http://schemas.openxmlformats.org/presentationml/2006/main">
+  <p:cSld>
+    <p:spTree>
+      <p:nvGrpSpPr>
+        <p:cNvPr id="1" name=""/>
+        <p:cNvGrpSpPr/>
+        <p:nvPr/>
+      </p:nvGrpSpPr>
+      <p:grpSpPr>
+        <a:xfrm>
+          <a:off x="0" y="0"/>
+          <a:ext cx="0" cy="0"/>
+          <a:chOff x="0" y="0"/>
+          <a:chExt cx="0" cy="0"/>
+        </a:xfrm>
+      </p:grpSpPr>
+      <p:sp>
+        <p:nvSpPr>
+          <p:cNvPr id="2" name="Titre 1">
+            <a:extLst>
+              <a:ext uri="{FF2B5EF4-FFF2-40B4-BE49-F238E27FC236}">
+                <a16:creationId xmlns:a16="http://schemas.microsoft.com/office/drawing/2014/main" id="{0068156D-3A13-436F-89BC-39CEC5AF91B3}"/>
+              </a:ext>
+            </a:extLst>
+          </p:cNvPr>
+          <p:cNvSpPr>
+            <a:spLocks noGrp="1"/>
+          </p:cNvSpPr>
+          <p:nvPr>
+            <p:ph type="title"/>
+          </p:nvPr>
+        </p:nvSpPr>
+        <p:spPr/>
+        <p:txBody>
+          <a:bodyPr/>
+          <a:lstStyle/>
+          <a:p>
+            <a:r>
+              <a:rPr lang="en-US" dirty="0"/>
+              <a:t>Boucle </a:t>
+            </a:r>
+            <a:r>
+              <a:rPr lang="en-US" dirty="0" err="1"/>
+              <a:t>principale</a:t>
+            </a:r>
+            <a:endParaRPr lang="fr-CH" dirty="0"/>
+          </a:p>
+        </p:txBody>
+      </p:sp>
+      <p:sp>
+        <p:nvSpPr>
+          <p:cNvPr id="3" name="Espace réservé du texte 2">
+            <a:extLst>
+              <a:ext uri="{FF2B5EF4-FFF2-40B4-BE49-F238E27FC236}">
+                <a16:creationId xmlns:a16="http://schemas.microsoft.com/office/drawing/2014/main" id="{5666598E-3126-42FD-B6A0-D19F8B3723D7}"/>
+              </a:ext>
+            </a:extLst>
+          </p:cNvPr>
+          <p:cNvSpPr>
+            <a:spLocks noGrp="1"/>
+          </p:cNvSpPr>
+          <p:nvPr>
+            <p:ph type="body" idx="1"/>
+          </p:nvPr>
+        </p:nvSpPr>
+        <p:spPr/>
+        <p:txBody>
+          <a:bodyPr/>
+          <a:lstStyle/>
+          <a:p>
+            <a:r>
+              <a:rPr lang="en-US" dirty="0"/>
+              <a:t>Deux modes : </a:t>
+            </a:r>
+          </a:p>
+          <a:p>
+            <a:pPr lvl="1">
+              <a:buFont typeface="Wingdings" panose="05000000000000000000" pitchFamily="2" charset="2"/>
+              <a:buChar char="§"/>
+            </a:pPr>
+            <a:r>
+              <a:rPr lang="en-US" dirty="0"/>
+              <a:t>Le mode </a:t>
+            </a:r>
+            <a:r>
+              <a:rPr lang="en-US" dirty="0" err="1"/>
+              <a:t>déplacement</a:t>
+            </a:r>
+            <a:r>
+              <a:rPr lang="en-US" dirty="0"/>
+              <a:t> </a:t>
+            </a:r>
+          </a:p>
+          <a:p>
+            <a:pPr lvl="1">
+              <a:buFont typeface="Wingdings" panose="05000000000000000000" pitchFamily="2" charset="2"/>
+              <a:buChar char="§"/>
+            </a:pPr>
+            <a:r>
+              <a:rPr lang="en-US" dirty="0"/>
+              <a:t>Le mode combat</a:t>
+            </a:r>
+          </a:p>
+          <a:p>
+            <a:pPr>
+              <a:buFont typeface="Wingdings" panose="05000000000000000000" pitchFamily="2" charset="2"/>
+              <a:buChar char="Ø"/>
+            </a:pPr>
+            <a:r>
+              <a:rPr lang="fr-CH" dirty="0"/>
+              <a:t>On utilise les flèches </a:t>
+            </a:r>
+            <a:r>
+              <a:rPr lang="fr-CH" dirty="0" err="1"/>
+              <a:t>directionelles</a:t>
+            </a:r>
+            <a:r>
+              <a:rPr lang="fr-CH" dirty="0"/>
+              <a:t> afin de se déplacer</a:t>
+            </a:r>
+          </a:p>
+          <a:p>
+            <a:pPr>
+              <a:buFont typeface="Wingdings" panose="05000000000000000000" pitchFamily="2" charset="2"/>
+              <a:buChar char="Ø"/>
+            </a:pPr>
+            <a:r>
+              <a:rPr lang="fr-CH" dirty="0"/>
+              <a:t>On fait les choix lors de combats à l’aide de la souris</a:t>
+            </a:r>
+          </a:p>
+          <a:p>
+            <a:pPr>
+              <a:buFont typeface="Wingdings" panose="05000000000000000000" pitchFamily="2" charset="2"/>
+              <a:buChar char="Ø"/>
+            </a:pPr>
+            <a:endParaRPr lang="fr-CH" dirty="0"/>
+          </a:p>
+          <a:p>
+            <a:pPr>
+              <a:buFont typeface="Wingdings" panose="05000000000000000000" pitchFamily="2" charset="2"/>
+              <a:buChar char="Ø"/>
+            </a:pPr>
+            <a:r>
+              <a:rPr lang="fr-CH" dirty="0"/>
+              <a:t>Pour quitter la boucle il suffit de cliquer sur la croix</a:t>
+            </a:r>
+          </a:p>
+        </p:txBody>
+      </p:sp>
+      <p:sp>
+        <p:nvSpPr>
+          <p:cNvPr id="4" name="Espace réservé du numéro de diapositive 3">
+            <a:extLst>
+              <a:ext uri="{FF2B5EF4-FFF2-40B4-BE49-F238E27FC236}">
+                <a16:creationId xmlns:a16="http://schemas.microsoft.com/office/drawing/2014/main" id="{F80FB2EC-F620-474E-9C7C-3AD84EEFDABD}"/>
+              </a:ext>
+            </a:extLst>
+          </p:cNvPr>
+          <p:cNvSpPr>
+            <a:spLocks noGrp="1"/>
+          </p:cNvSpPr>
+          <p:nvPr>
+            <p:ph type="sldNum" idx="12"/>
+          </p:nvPr>
+        </p:nvSpPr>
+        <p:spPr/>
+        <p:txBody>
+          <a:bodyPr/>
+          <a:lstStyle/>
+          <a:p>
+            <a:fld id="{8565C1E6-8FB8-4442-BEDC-4DDD643D2FC5}" type="slidenum">
+              <a:rPr lang="fr-FR" smtClean="0"/>
+              <a:t>25</a:t>
+            </a:fld>
+            <a:endParaRPr lang="fr-FR"/>
+          </a:p>
+        </p:txBody>
+      </p:sp>
+      <p:sp>
+        <p:nvSpPr>
+          <p:cNvPr id="5" name="Espace réservé du contenu 4">
+            <a:extLst>
+              <a:ext uri="{FF2B5EF4-FFF2-40B4-BE49-F238E27FC236}">
+                <a16:creationId xmlns:a16="http://schemas.microsoft.com/office/drawing/2014/main" id="{604E59FB-B512-47DF-96D1-2D9CD1B07028}"/>
+              </a:ext>
+            </a:extLst>
+          </p:cNvPr>
+          <p:cNvSpPr>
+            <a:spLocks noGrp="1"/>
+          </p:cNvSpPr>
+          <p:nvPr>
+            <p:ph sz="quarter" idx="13"/>
+          </p:nvPr>
+        </p:nvSpPr>
+        <p:spPr/>
+        <p:txBody>
+          <a:bodyPr/>
+          <a:lstStyle/>
+          <a:p>
+            <a:endParaRPr lang="fr-CH"/>
+          </a:p>
+        </p:txBody>
+      </p:sp>
+    </p:spTree>
+    <p:extLst>
+      <p:ext uri="{BB962C8B-B14F-4D97-AF65-F5344CB8AC3E}">
         <p14:creationId xmlns:p14="http://schemas.microsoft.com/office/powerpoint/2010/main" val="3007951083"/>
       </p:ext>
     </p:extLst>
@@ -22299,7 +22790,7 @@
 </p:sld>
 </file>
 
-<file path=ppt/slides/slide24.xml><?xml version="1.0" encoding="utf-8"?>
+<file path=ppt/slides/slide26.xml><?xml version="1.0" encoding="utf-8"?>
 <p:sld xmlns:a="http://schemas.openxmlformats.org/drawingml/2006/main" xmlns:r="http://schemas.openxmlformats.org/officeDocument/2006/relationships" xmlns:p="http://schemas.openxmlformats.org/presentationml/2006/main">
   <p:cSld>
     <p:spTree>
@@ -22486,7 +22977,7 @@
           <a:p>
             <a:fld id="{8565C1E6-8FB8-4442-BEDC-4DDD643D2FC5}" type="slidenum">
               <a:rPr lang="fr-FR" smtClean="0"/>
-              <a:t>24</a:t>
+              <a:t>26</a:t>
             </a:fld>
             <a:endParaRPr lang="fr-FR"/>
           </a:p>
@@ -22505,7 +22996,7 @@
 </p:sld>
 </file>
 
-<file path=ppt/slides/slide25.xml><?xml version="1.0" encoding="utf-8"?>
+<file path=ppt/slides/slide27.xml><?xml version="1.0" encoding="utf-8"?>
 <p:sld xmlns:a="http://schemas.openxmlformats.org/drawingml/2006/main" xmlns:r="http://schemas.openxmlformats.org/officeDocument/2006/relationships" xmlns:p="http://schemas.openxmlformats.org/presentationml/2006/main">
   <p:cSld>
     <p:spTree>
@@ -22543,7 +23034,11 @@
           <a:bodyPr/>
           <a:lstStyle/>
           <a:p>
-            <a:endParaRPr lang="fr-CH"/>
+            <a:r>
+              <a:rPr lang="en-US" dirty="0"/>
+              <a:t>Collisions</a:t>
+            </a:r>
+            <a:endParaRPr lang="fr-CH" dirty="0"/>
           </a:p>
         </p:txBody>
       </p:sp>
@@ -22568,7 +23063,139 @@
           <a:bodyPr/>
           <a:lstStyle/>
           <a:p>
-            <a:endParaRPr lang="fr-CH"/>
+            <a:r>
+              <a:rPr lang="en-US" dirty="0"/>
+              <a:t>Le background se </a:t>
+            </a:r>
+            <a:r>
+              <a:rPr lang="en-US" dirty="0" err="1"/>
+              <a:t>déplace</a:t>
+            </a:r>
+            <a:r>
+              <a:rPr lang="en-US" dirty="0"/>
+              <a:t> pour </a:t>
+            </a:r>
+            <a:r>
+              <a:rPr lang="en-US" dirty="0" err="1"/>
+              <a:t>créer</a:t>
+            </a:r>
+            <a:r>
+              <a:rPr lang="en-US" dirty="0"/>
+              <a:t> le movement</a:t>
+            </a:r>
+          </a:p>
+          <a:p>
+            <a:endParaRPr lang="en-US" dirty="0"/>
+          </a:p>
+          <a:p>
+            <a:r>
+              <a:rPr lang="en-US" dirty="0"/>
+              <a:t>Les obstacles de la map </a:t>
+            </a:r>
+            <a:r>
+              <a:rPr lang="en-US" dirty="0" err="1"/>
+              <a:t>ont</a:t>
+            </a:r>
+            <a:r>
+              <a:rPr lang="en-US" dirty="0"/>
+              <a:t> </a:t>
+            </a:r>
+            <a:r>
+              <a:rPr lang="en-US" dirty="0" err="1"/>
+              <a:t>été</a:t>
+            </a:r>
+            <a:r>
+              <a:rPr lang="en-US" dirty="0"/>
+              <a:t> </a:t>
+            </a:r>
+            <a:r>
+              <a:rPr lang="en-US" dirty="0" err="1"/>
+              <a:t>détourés</a:t>
+            </a:r>
+            <a:r>
+              <a:rPr lang="en-US" dirty="0"/>
+              <a:t> </a:t>
+            </a:r>
+            <a:r>
+              <a:rPr lang="en-US" dirty="0" err="1"/>
+              <a:t>afin</a:t>
+            </a:r>
+            <a:r>
+              <a:rPr lang="en-US" dirty="0"/>
+              <a:t> de </a:t>
+            </a:r>
+            <a:r>
+              <a:rPr lang="en-US" dirty="0" err="1"/>
+              <a:t>créer</a:t>
+            </a:r>
+            <a:r>
+              <a:rPr lang="en-US" dirty="0"/>
+              <a:t> un masque</a:t>
+            </a:r>
+          </a:p>
+          <a:p>
+            <a:endParaRPr lang="en-US" dirty="0"/>
+          </a:p>
+          <a:p>
+            <a:r>
+              <a:rPr lang="en-US" dirty="0" err="1"/>
+              <a:t>Lorsque</a:t>
+            </a:r>
+            <a:r>
+              <a:rPr lang="en-US" dirty="0"/>
+              <a:t> le masque de </a:t>
+            </a:r>
+            <a:r>
+              <a:rPr lang="en-US" dirty="0" err="1"/>
+              <a:t>notre</a:t>
+            </a:r>
+            <a:r>
+              <a:rPr lang="en-US" dirty="0"/>
+              <a:t> </a:t>
+            </a:r>
+            <a:r>
+              <a:rPr lang="en-US" dirty="0" err="1"/>
+              <a:t>joueur</a:t>
+            </a:r>
+            <a:r>
+              <a:rPr lang="en-US" dirty="0"/>
+              <a:t> </a:t>
+            </a:r>
+            <a:r>
+              <a:rPr lang="en-US" dirty="0" err="1"/>
+              <a:t>touche</a:t>
+            </a:r>
+            <a:r>
+              <a:rPr lang="en-US" dirty="0"/>
+              <a:t> le masque de la map, le </a:t>
+            </a:r>
+            <a:r>
+              <a:rPr lang="en-US" dirty="0" err="1"/>
+              <a:t>mouvement</a:t>
+            </a:r>
+            <a:r>
+              <a:rPr lang="en-US" dirty="0"/>
+              <a:t> </a:t>
+            </a:r>
+            <a:r>
+              <a:rPr lang="en-US" dirty="0" err="1"/>
+              <a:t>est</a:t>
+            </a:r>
+            <a:r>
+              <a:rPr lang="en-US" dirty="0"/>
+              <a:t> </a:t>
+            </a:r>
+            <a:r>
+              <a:rPr lang="en-US" dirty="0" err="1"/>
+              <a:t>arrêté</a:t>
+            </a:r>
+            <a:endParaRPr lang="en-US" dirty="0"/>
+          </a:p>
+          <a:p>
+            <a:pPr marL="101598" indent="0">
+              <a:buNone/>
+            </a:pPr>
+            <a:endParaRPr lang="en-US" dirty="0"/>
           </a:p>
         </p:txBody>
       </p:sp>
@@ -22595,7 +23222,7 @@
           <a:p>
             <a:fld id="{8565C1E6-8FB8-4442-BEDC-4DDD643D2FC5}" type="slidenum">
               <a:rPr lang="fr-FR" smtClean="0"/>
-              <a:t>25</a:t>
+              <a:t>27</a:t>
             </a:fld>
             <a:endParaRPr lang="fr-FR"/>
           </a:p>
@@ -22639,7 +23266,7 @@
 </p:sld>
 </file>
 
-<file path=ppt/slides/slide26.xml><?xml version="1.0" encoding="utf-8"?>
+<file path=ppt/slides/slide28.xml><?xml version="1.0" encoding="utf-8"?>
 <p:sld xmlns:a="http://schemas.openxmlformats.org/drawingml/2006/main" xmlns:r="http://schemas.openxmlformats.org/officeDocument/2006/relationships" xmlns:p="http://schemas.openxmlformats.org/presentationml/2006/main">
   <p:cSld>
     <p:spTree>
@@ -22679,12 +23306,72 @@
           <a:p>
             <a:fld id="{8565C1E6-8FB8-4442-BEDC-4DDD643D2FC5}" type="slidenum">
               <a:rPr lang="fr-FR" smtClean="0"/>
-              <a:t>26</a:t>
+              <a:t>28</a:t>
             </a:fld>
             <a:endParaRPr lang="fr-FR"/>
           </a:p>
         </p:txBody>
       </p:sp>
+      <p:pic>
+        <p:nvPicPr>
+          <p:cNvPr id="4" name="Picture 3" descr="A picture containing graphical user interface&#10;&#10;Description automatically generated">
+            <a:extLst>
+              <a:ext uri="{FF2B5EF4-FFF2-40B4-BE49-F238E27FC236}">
+                <a16:creationId xmlns:a16="http://schemas.microsoft.com/office/drawing/2014/main" id="{6EAF66FC-3574-403E-875B-2C785CC075FE}"/>
+              </a:ext>
+            </a:extLst>
+          </p:cNvPr>
+          <p:cNvPicPr>
+            <a:picLocks noChangeAspect="1"/>
+          </p:cNvPicPr>
+          <p:nvPr/>
+        </p:nvPicPr>
+        <p:blipFill>
+          <a:blip r:embed="rId2"/>
+          <a:stretch>
+            <a:fillRect/>
+          </a:stretch>
+        </p:blipFill>
+        <p:spPr>
+          <a:xfrm>
+            <a:off x="5192028" y="158961"/>
+            <a:ext cx="6602407" cy="6858000"/>
+          </a:xfrm>
+          <a:prstGeom prst="rect">
+            <a:avLst/>
+          </a:prstGeom>
+        </p:spPr>
+      </p:pic>
+      <p:pic>
+        <p:nvPicPr>
+          <p:cNvPr id="6" name="Picture 5">
+            <a:extLst>
+              <a:ext uri="{FF2B5EF4-FFF2-40B4-BE49-F238E27FC236}">
+                <a16:creationId xmlns:a16="http://schemas.microsoft.com/office/drawing/2014/main" id="{1D0FFEE0-636A-488E-9181-2E4542C546CC}"/>
+              </a:ext>
+            </a:extLst>
+          </p:cNvPr>
+          <p:cNvPicPr>
+            <a:picLocks noChangeAspect="1"/>
+          </p:cNvPicPr>
+          <p:nvPr/>
+        </p:nvPicPr>
+        <p:blipFill>
+          <a:blip r:embed="rId3"/>
+          <a:stretch>
+            <a:fillRect/>
+          </a:stretch>
+        </p:blipFill>
+        <p:spPr>
+          <a:xfrm>
+            <a:off x="817011" y="728869"/>
+            <a:ext cx="4746078" cy="4929809"/>
+          </a:xfrm>
+          <a:prstGeom prst="rect">
+            <a:avLst/>
+          </a:prstGeom>
+        </p:spPr>
+      </p:pic>
     </p:spTree>
     <p:extLst>
       <p:ext uri="{BB962C8B-B14F-4D97-AF65-F5344CB8AC3E}">
@@ -22698,7 +23385,7 @@
 </p:sld>
 </file>
 
-<file path=ppt/slides/slide27.xml><?xml version="1.0" encoding="utf-8"?>
+<file path=ppt/slides/slide29.xml><?xml version="1.0" encoding="utf-8"?>
 <p:sld xmlns:a="http://schemas.openxmlformats.org/drawingml/2006/main" xmlns:r="http://schemas.openxmlformats.org/officeDocument/2006/relationships" xmlns:p="http://schemas.openxmlformats.org/presentationml/2006/main">
   <p:cSld>
     <p:spTree>
@@ -22880,7 +23567,7 @@
           <a:p>
             <a:fld id="{8565C1E6-8FB8-4442-BEDC-4DDD643D2FC5}" type="slidenum">
               <a:rPr lang="fr-FR" smtClean="0"/>
-              <a:t>27</a:t>
+              <a:t>29</a:t>
             </a:fld>
             <a:endParaRPr lang="fr-FR"/>
           </a:p>
@@ -22890,374 +23577,6 @@
     <p:extLst>
       <p:ext uri="{BB962C8B-B14F-4D97-AF65-F5344CB8AC3E}">
         <p14:creationId xmlns:p14="http://schemas.microsoft.com/office/powerpoint/2010/main" val="3655317770"/>
-      </p:ext>
-    </p:extLst>
-  </p:cSld>
-  <p:clrMapOvr>
-    <a:masterClrMapping/>
-  </p:clrMapOvr>
-</p:sld>
-</file>
-
-<file path=ppt/slides/slide28.xml><?xml version="1.0" encoding="utf-8"?>
-<p:sld xmlns:a="http://schemas.openxmlformats.org/drawingml/2006/main" xmlns:r="http://schemas.openxmlformats.org/officeDocument/2006/relationships" xmlns:p="http://schemas.openxmlformats.org/presentationml/2006/main">
-  <p:cSld>
-    <p:spTree>
-      <p:nvGrpSpPr>
-        <p:cNvPr id="1" name=""/>
-        <p:cNvGrpSpPr/>
-        <p:nvPr/>
-      </p:nvGrpSpPr>
-      <p:grpSpPr>
-        <a:xfrm>
-          <a:off x="0" y="0"/>
-          <a:ext cx="0" cy="0"/>
-          <a:chOff x="0" y="0"/>
-          <a:chExt cx="0" cy="0"/>
-        </a:xfrm>
-      </p:grpSpPr>
-      <p:sp>
-        <p:nvSpPr>
-          <p:cNvPr id="2" name="Titre 1">
-            <a:extLst>
-              <a:ext uri="{FF2B5EF4-FFF2-40B4-BE49-F238E27FC236}">
-                <a16:creationId xmlns:a16="http://schemas.microsoft.com/office/drawing/2014/main" id="{761793A7-324F-0143-A3B4-809462330CED}"/>
-              </a:ext>
-            </a:extLst>
-          </p:cNvPr>
-          <p:cNvSpPr>
-            <a:spLocks noGrp="1"/>
-          </p:cNvSpPr>
-          <p:nvPr>
-            <p:ph type="title"/>
-          </p:nvPr>
-        </p:nvSpPr>
-        <p:spPr/>
-        <p:txBody>
-          <a:bodyPr/>
-          <a:lstStyle/>
-          <a:p>
-            <a:r>
-              <a:rPr lang="fr-FR" dirty="0"/>
-              <a:t>Score</a:t>
-            </a:r>
-          </a:p>
-        </p:txBody>
-      </p:sp>
-      <p:sp>
-        <p:nvSpPr>
-          <p:cNvPr id="3" name="Espace réservé du contenu 2">
-            <a:extLst>
-              <a:ext uri="{FF2B5EF4-FFF2-40B4-BE49-F238E27FC236}">
-                <a16:creationId xmlns:a16="http://schemas.microsoft.com/office/drawing/2014/main" id="{6EE13606-7CFC-0D40-A157-801009745353}"/>
-              </a:ext>
-            </a:extLst>
-          </p:cNvPr>
-          <p:cNvSpPr>
-            <a:spLocks noGrp="1"/>
-          </p:cNvSpPr>
-          <p:nvPr>
-            <p:ph idx="1"/>
-          </p:nvPr>
-        </p:nvSpPr>
-        <p:spPr/>
-        <p:txBody>
-          <a:bodyPr/>
-          <a:lstStyle/>
-          <a:p>
-            <a:r>
-              <a:rPr lang="fr-FR" dirty="0"/>
-              <a:t>Comment est calculé le score</a:t>
-            </a:r>
-          </a:p>
-          <a:p>
-            <a:r>
-              <a:rPr lang="fr-FR" dirty="0"/>
-              <a:t>Comment est-il affiché</a:t>
-            </a:r>
-          </a:p>
-          <a:p>
-            <a:r>
-              <a:rPr lang="fr-FR" dirty="0"/>
-              <a:t>Comment se termine le jeu</a:t>
-            </a:r>
-          </a:p>
-        </p:txBody>
-      </p:sp>
-      <p:sp>
-        <p:nvSpPr>
-          <p:cNvPr id="4" name="Espace réservé de la date 3">
-            <a:extLst>
-              <a:ext uri="{FF2B5EF4-FFF2-40B4-BE49-F238E27FC236}">
-                <a16:creationId xmlns:a16="http://schemas.microsoft.com/office/drawing/2014/main" id="{2A322D7C-2285-A94A-872B-355521CE9578}"/>
-              </a:ext>
-            </a:extLst>
-          </p:cNvPr>
-          <p:cNvSpPr>
-            <a:spLocks noGrp="1"/>
-          </p:cNvSpPr>
-          <p:nvPr>
-            <p:ph type="dt" sz="half" idx="10"/>
-          </p:nvPr>
-        </p:nvSpPr>
-        <p:spPr/>
-        <p:txBody>
-          <a:bodyPr/>
-          <a:lstStyle/>
-          <a:p>
-            <a:r>
-              <a:rPr lang="fr-CH"/>
-              <a:t>18/06/2021</a:t>
-            </a:r>
-            <a:endParaRPr lang="fr-FR"/>
-          </a:p>
-        </p:txBody>
-      </p:sp>
-      <p:sp>
-        <p:nvSpPr>
-          <p:cNvPr id="5" name="Espace réservé du pied de page 4">
-            <a:extLst>
-              <a:ext uri="{FF2B5EF4-FFF2-40B4-BE49-F238E27FC236}">
-                <a16:creationId xmlns:a16="http://schemas.microsoft.com/office/drawing/2014/main" id="{624F43BC-8EEE-DB46-95D7-771433C616BC}"/>
-              </a:ext>
-            </a:extLst>
-          </p:cNvPr>
-          <p:cNvSpPr>
-            <a:spLocks noGrp="1"/>
-          </p:cNvSpPr>
-          <p:nvPr>
-            <p:ph type="ftr" sz="quarter" idx="11"/>
-          </p:nvPr>
-        </p:nvSpPr>
-        <p:spPr/>
-        <p:txBody>
-          <a:bodyPr/>
-          <a:lstStyle/>
-          <a:p>
-            <a:r>
-              <a:rPr lang="fr-FR"/>
-              <a:t>nom des élèves - nom du jeu</a:t>
-            </a:r>
-          </a:p>
-        </p:txBody>
-      </p:sp>
-      <p:sp>
-        <p:nvSpPr>
-          <p:cNvPr id="6" name="Espace réservé du numéro de diapositive 5">
-            <a:extLst>
-              <a:ext uri="{FF2B5EF4-FFF2-40B4-BE49-F238E27FC236}">
-                <a16:creationId xmlns:a16="http://schemas.microsoft.com/office/drawing/2014/main" id="{5F6196CC-DD65-444D-AAFE-DED8D3A04B80}"/>
-              </a:ext>
-            </a:extLst>
-          </p:cNvPr>
-          <p:cNvSpPr>
-            <a:spLocks noGrp="1"/>
-          </p:cNvSpPr>
-          <p:nvPr>
-            <p:ph type="sldNum" sz="quarter" idx="12"/>
-          </p:nvPr>
-        </p:nvSpPr>
-        <p:spPr/>
-        <p:txBody>
-          <a:bodyPr/>
-          <a:lstStyle/>
-          <a:p>
-            <a:fld id="{8565C1E6-8FB8-4442-BEDC-4DDD643D2FC5}" type="slidenum">
-              <a:rPr lang="fr-FR" smtClean="0"/>
-              <a:t>28</a:t>
-            </a:fld>
-            <a:endParaRPr lang="fr-FR"/>
-          </a:p>
-        </p:txBody>
-      </p:sp>
-    </p:spTree>
-    <p:extLst>
-      <p:ext uri="{BB962C8B-B14F-4D97-AF65-F5344CB8AC3E}">
-        <p14:creationId xmlns:p14="http://schemas.microsoft.com/office/powerpoint/2010/main" val="4043672838"/>
-      </p:ext>
-    </p:extLst>
-  </p:cSld>
-  <p:clrMapOvr>
-    <a:masterClrMapping/>
-  </p:clrMapOvr>
-</p:sld>
-</file>
-
-<file path=ppt/slides/slide29.xml><?xml version="1.0" encoding="utf-8"?>
-<p:sld xmlns:a="http://schemas.openxmlformats.org/drawingml/2006/main" xmlns:r="http://schemas.openxmlformats.org/officeDocument/2006/relationships" xmlns:p="http://schemas.openxmlformats.org/presentationml/2006/main">
-  <p:cSld>
-    <p:spTree>
-      <p:nvGrpSpPr>
-        <p:cNvPr id="1" name=""/>
-        <p:cNvGrpSpPr/>
-        <p:nvPr/>
-      </p:nvGrpSpPr>
-      <p:grpSpPr>
-        <a:xfrm>
-          <a:off x="0" y="0"/>
-          <a:ext cx="0" cy="0"/>
-          <a:chOff x="0" y="0"/>
-          <a:chExt cx="0" cy="0"/>
-        </a:xfrm>
-      </p:grpSpPr>
-      <p:sp>
-        <p:nvSpPr>
-          <p:cNvPr id="2" name="Titre 1">
-            <a:extLst>
-              <a:ext uri="{FF2B5EF4-FFF2-40B4-BE49-F238E27FC236}">
-                <a16:creationId xmlns:a16="http://schemas.microsoft.com/office/drawing/2014/main" id="{0AEB4B52-26A3-B948-BD66-B309282174D0}"/>
-              </a:ext>
-            </a:extLst>
-          </p:cNvPr>
-          <p:cNvSpPr>
-            <a:spLocks noGrp="1"/>
-          </p:cNvSpPr>
-          <p:nvPr>
-            <p:ph type="title"/>
-          </p:nvPr>
-        </p:nvSpPr>
-        <p:spPr/>
-        <p:txBody>
-          <a:bodyPr/>
-          <a:lstStyle/>
-          <a:p>
-            <a:r>
-              <a:rPr lang="fr-FR" dirty="0"/>
-              <a:t>Conclusion</a:t>
-            </a:r>
-          </a:p>
-        </p:txBody>
-      </p:sp>
-      <p:sp>
-        <p:nvSpPr>
-          <p:cNvPr id="3" name="Espace réservé du contenu 2">
-            <a:extLst>
-              <a:ext uri="{FF2B5EF4-FFF2-40B4-BE49-F238E27FC236}">
-                <a16:creationId xmlns:a16="http://schemas.microsoft.com/office/drawing/2014/main" id="{976D8031-2111-0142-A8F6-4E96FD239497}"/>
-              </a:ext>
-            </a:extLst>
-          </p:cNvPr>
-          <p:cNvSpPr>
-            <a:spLocks noGrp="1"/>
-          </p:cNvSpPr>
-          <p:nvPr>
-            <p:ph idx="1"/>
-          </p:nvPr>
-        </p:nvSpPr>
-        <p:spPr/>
-        <p:txBody>
-          <a:bodyPr/>
-          <a:lstStyle/>
-          <a:p>
-            <a:r>
-              <a:rPr lang="fr-FR" dirty="0"/>
-              <a:t>Les forces de votre projet</a:t>
-            </a:r>
-          </a:p>
-          <a:p>
-            <a:r>
-              <a:rPr lang="fr-FR" dirty="0"/>
-              <a:t>Les faiblesses de votre projet</a:t>
-            </a:r>
-          </a:p>
-          <a:p>
-            <a:r>
-              <a:rPr lang="fr-FR" dirty="0"/>
-              <a:t>Ce que vous avez appris</a:t>
-            </a:r>
-          </a:p>
-        </p:txBody>
-      </p:sp>
-      <p:sp>
-        <p:nvSpPr>
-          <p:cNvPr id="4" name="Espace réservé de la date 3">
-            <a:extLst>
-              <a:ext uri="{FF2B5EF4-FFF2-40B4-BE49-F238E27FC236}">
-                <a16:creationId xmlns:a16="http://schemas.microsoft.com/office/drawing/2014/main" id="{5A9CE54A-EC2B-2C40-AF3A-9B7D4B56170F}"/>
-              </a:ext>
-            </a:extLst>
-          </p:cNvPr>
-          <p:cNvSpPr>
-            <a:spLocks noGrp="1"/>
-          </p:cNvSpPr>
-          <p:nvPr>
-            <p:ph type="dt" sz="half" idx="10"/>
-          </p:nvPr>
-        </p:nvSpPr>
-        <p:spPr/>
-        <p:txBody>
-          <a:bodyPr/>
-          <a:lstStyle/>
-          <a:p>
-            <a:r>
-              <a:rPr lang="fr-CH"/>
-              <a:t>18/06/2021</a:t>
-            </a:r>
-            <a:endParaRPr lang="fr-FR"/>
-          </a:p>
-        </p:txBody>
-      </p:sp>
-      <p:sp>
-        <p:nvSpPr>
-          <p:cNvPr id="5" name="Espace réservé du pied de page 4">
-            <a:extLst>
-              <a:ext uri="{FF2B5EF4-FFF2-40B4-BE49-F238E27FC236}">
-                <a16:creationId xmlns:a16="http://schemas.microsoft.com/office/drawing/2014/main" id="{14D3DFD1-AD11-6846-943E-0A6E0E9D586D}"/>
-              </a:ext>
-            </a:extLst>
-          </p:cNvPr>
-          <p:cNvSpPr>
-            <a:spLocks noGrp="1"/>
-          </p:cNvSpPr>
-          <p:nvPr>
-            <p:ph type="ftr" sz="quarter" idx="11"/>
-          </p:nvPr>
-        </p:nvSpPr>
-        <p:spPr/>
-        <p:txBody>
-          <a:bodyPr/>
-          <a:lstStyle/>
-          <a:p>
-            <a:r>
-              <a:rPr lang="fr-FR"/>
-              <a:t>nom des élèves - nom du jeu</a:t>
-            </a:r>
-          </a:p>
-        </p:txBody>
-      </p:sp>
-      <p:sp>
-        <p:nvSpPr>
-          <p:cNvPr id="6" name="Espace réservé du numéro de diapositive 5">
-            <a:extLst>
-              <a:ext uri="{FF2B5EF4-FFF2-40B4-BE49-F238E27FC236}">
-                <a16:creationId xmlns:a16="http://schemas.microsoft.com/office/drawing/2014/main" id="{546C0E99-979E-834A-98EA-1008F29E6F5F}"/>
-              </a:ext>
-            </a:extLst>
-          </p:cNvPr>
-          <p:cNvSpPr>
-            <a:spLocks noGrp="1"/>
-          </p:cNvSpPr>
-          <p:nvPr>
-            <p:ph type="sldNum" sz="quarter" idx="12"/>
-          </p:nvPr>
-        </p:nvSpPr>
-        <p:spPr/>
-        <p:txBody>
-          <a:bodyPr/>
-          <a:lstStyle/>
-          <a:p>
-            <a:fld id="{8565C1E6-8FB8-4442-BEDC-4DDD643D2FC5}" type="slidenum">
-              <a:rPr lang="fr-FR" smtClean="0"/>
-              <a:t>29</a:t>
-            </a:fld>
-            <a:endParaRPr lang="fr-FR"/>
-          </a:p>
-        </p:txBody>
-      </p:sp>
-    </p:spTree>
-    <p:extLst>
-      <p:ext uri="{BB962C8B-B14F-4D97-AF65-F5344CB8AC3E}">
-        <p14:creationId xmlns:p14="http://schemas.microsoft.com/office/powerpoint/2010/main" val="3527365754"/>
       </p:ext>
     </p:extLst>
   </p:cSld>
@@ -23471,6 +23790,947 @@
           <p:cNvPr id="2" name="Titre 1">
             <a:extLst>
               <a:ext uri="{FF2B5EF4-FFF2-40B4-BE49-F238E27FC236}">
+                <a16:creationId xmlns:a16="http://schemas.microsoft.com/office/drawing/2014/main" id="{0068156D-3A13-436F-89BC-39CEC5AF91B3}"/>
+              </a:ext>
+            </a:extLst>
+          </p:cNvPr>
+          <p:cNvSpPr>
+            <a:spLocks noGrp="1"/>
+          </p:cNvSpPr>
+          <p:nvPr>
+            <p:ph type="title"/>
+          </p:nvPr>
+        </p:nvSpPr>
+        <p:spPr/>
+        <p:txBody>
+          <a:bodyPr/>
+          <a:lstStyle/>
+          <a:p>
+            <a:r>
+              <a:rPr lang="en-US" dirty="0" err="1"/>
+              <a:t>Blitting</a:t>
+            </a:r>
+            <a:r>
+              <a:rPr lang="en-US" dirty="0"/>
+              <a:t> du jeu</a:t>
+            </a:r>
+            <a:endParaRPr lang="fr-CH" dirty="0"/>
+          </a:p>
+        </p:txBody>
+      </p:sp>
+      <p:sp>
+        <p:nvSpPr>
+          <p:cNvPr id="3" name="Espace réservé du texte 2">
+            <a:extLst>
+              <a:ext uri="{FF2B5EF4-FFF2-40B4-BE49-F238E27FC236}">
+                <a16:creationId xmlns:a16="http://schemas.microsoft.com/office/drawing/2014/main" id="{5666598E-3126-42FD-B6A0-D19F8B3723D7}"/>
+              </a:ext>
+            </a:extLst>
+          </p:cNvPr>
+          <p:cNvSpPr>
+            <a:spLocks noGrp="1"/>
+          </p:cNvSpPr>
+          <p:nvPr>
+            <p:ph type="body" idx="1"/>
+          </p:nvPr>
+        </p:nvSpPr>
+        <p:spPr/>
+        <p:txBody>
+          <a:bodyPr/>
+          <a:lstStyle/>
+          <a:p>
+            <a:r>
+              <a:rPr lang="en-US" dirty="0"/>
+              <a:t>La map</a:t>
+            </a:r>
+          </a:p>
+          <a:p>
+            <a:r>
+              <a:rPr lang="en-US" dirty="0"/>
+              <a:t>Les obstacles</a:t>
+            </a:r>
+          </a:p>
+          <a:p>
+            <a:r>
+              <a:rPr lang="en-US" dirty="0"/>
+              <a:t>Les buissons</a:t>
+            </a:r>
+          </a:p>
+          <a:p>
+            <a:r>
+              <a:rPr lang="en-US" dirty="0"/>
+              <a:t>Le </a:t>
+            </a:r>
+            <a:r>
+              <a:rPr lang="en-US" dirty="0" err="1"/>
+              <a:t>personnage</a:t>
+            </a:r>
+            <a:endParaRPr lang="fr-CH" dirty="0"/>
+          </a:p>
+        </p:txBody>
+      </p:sp>
+      <p:sp>
+        <p:nvSpPr>
+          <p:cNvPr id="4" name="Espace réservé du numéro de diapositive 3">
+            <a:extLst>
+              <a:ext uri="{FF2B5EF4-FFF2-40B4-BE49-F238E27FC236}">
+                <a16:creationId xmlns:a16="http://schemas.microsoft.com/office/drawing/2014/main" id="{F80FB2EC-F620-474E-9C7C-3AD84EEFDABD}"/>
+              </a:ext>
+            </a:extLst>
+          </p:cNvPr>
+          <p:cNvSpPr>
+            <a:spLocks noGrp="1"/>
+          </p:cNvSpPr>
+          <p:nvPr>
+            <p:ph type="sldNum" idx="12"/>
+          </p:nvPr>
+        </p:nvSpPr>
+        <p:spPr/>
+        <p:txBody>
+          <a:bodyPr/>
+          <a:lstStyle/>
+          <a:p>
+            <a:fld id="{8565C1E6-8FB8-4442-BEDC-4DDD643D2FC5}" type="slidenum">
+              <a:rPr lang="fr-FR" smtClean="0"/>
+              <a:t>30</a:t>
+            </a:fld>
+            <a:endParaRPr lang="fr-FR"/>
+          </a:p>
+        </p:txBody>
+      </p:sp>
+      <p:sp>
+        <p:nvSpPr>
+          <p:cNvPr id="5" name="Espace réservé du contenu 4">
+            <a:extLst>
+              <a:ext uri="{FF2B5EF4-FFF2-40B4-BE49-F238E27FC236}">
+                <a16:creationId xmlns:a16="http://schemas.microsoft.com/office/drawing/2014/main" id="{604E59FB-B512-47DF-96D1-2D9CD1B07028}"/>
+              </a:ext>
+            </a:extLst>
+          </p:cNvPr>
+          <p:cNvSpPr>
+            <a:spLocks noGrp="1"/>
+          </p:cNvSpPr>
+          <p:nvPr>
+            <p:ph sz="quarter" idx="13"/>
+          </p:nvPr>
+        </p:nvSpPr>
+        <p:spPr/>
+        <p:txBody>
+          <a:bodyPr/>
+          <a:lstStyle/>
+          <a:p>
+            <a:endParaRPr lang="fr-CH"/>
+          </a:p>
+        </p:txBody>
+      </p:sp>
+    </p:spTree>
+    <p:extLst>
+      <p:ext uri="{BB962C8B-B14F-4D97-AF65-F5344CB8AC3E}">
+        <p14:creationId xmlns:p14="http://schemas.microsoft.com/office/powerpoint/2010/main" val="1898025023"/>
+      </p:ext>
+    </p:extLst>
+  </p:cSld>
+  <p:clrMapOvr>
+    <a:masterClrMapping/>
+  </p:clrMapOvr>
+</p:sld>
+</file>
+
+<file path=ppt/slides/slide31.xml><?xml version="1.0" encoding="utf-8"?>
+<p:sld xmlns:a="http://schemas.openxmlformats.org/drawingml/2006/main" xmlns:r="http://schemas.openxmlformats.org/officeDocument/2006/relationships" xmlns:p="http://schemas.openxmlformats.org/presentationml/2006/main">
+  <p:cSld>
+    <p:spTree>
+      <p:nvGrpSpPr>
+        <p:cNvPr id="1" name=""/>
+        <p:cNvGrpSpPr/>
+        <p:nvPr/>
+      </p:nvGrpSpPr>
+      <p:grpSpPr>
+        <a:xfrm>
+          <a:off x="0" y="0"/>
+          <a:ext cx="0" cy="0"/>
+          <a:chOff x="0" y="0"/>
+          <a:chExt cx="0" cy="0"/>
+        </a:xfrm>
+      </p:grpSpPr>
+      <p:sp>
+        <p:nvSpPr>
+          <p:cNvPr id="2" name="Titre 1">
+            <a:extLst>
+              <a:ext uri="{FF2B5EF4-FFF2-40B4-BE49-F238E27FC236}">
+                <a16:creationId xmlns:a16="http://schemas.microsoft.com/office/drawing/2014/main" id="{761793A7-324F-0143-A3B4-809462330CED}"/>
+              </a:ext>
+            </a:extLst>
+          </p:cNvPr>
+          <p:cNvSpPr>
+            <a:spLocks noGrp="1"/>
+          </p:cNvSpPr>
+          <p:nvPr>
+            <p:ph type="title"/>
+          </p:nvPr>
+        </p:nvSpPr>
+        <p:spPr/>
+        <p:txBody>
+          <a:bodyPr/>
+          <a:lstStyle/>
+          <a:p>
+            <a:r>
+              <a:rPr lang="fr-FR" dirty="0"/>
+              <a:t>Score</a:t>
+            </a:r>
+          </a:p>
+        </p:txBody>
+      </p:sp>
+      <p:sp>
+        <p:nvSpPr>
+          <p:cNvPr id="3" name="Espace réservé du contenu 2">
+            <a:extLst>
+              <a:ext uri="{FF2B5EF4-FFF2-40B4-BE49-F238E27FC236}">
+                <a16:creationId xmlns:a16="http://schemas.microsoft.com/office/drawing/2014/main" id="{6EE13606-7CFC-0D40-A157-801009745353}"/>
+              </a:ext>
+            </a:extLst>
+          </p:cNvPr>
+          <p:cNvSpPr>
+            <a:spLocks noGrp="1"/>
+          </p:cNvSpPr>
+          <p:nvPr>
+            <p:ph idx="1"/>
+          </p:nvPr>
+        </p:nvSpPr>
+        <p:spPr/>
+        <p:txBody>
+          <a:bodyPr/>
+          <a:lstStyle/>
+          <a:p>
+            <a:r>
+              <a:rPr lang="fr-FR" dirty="0"/>
+              <a:t>Comment est calculé le score</a:t>
+            </a:r>
+          </a:p>
+          <a:p>
+            <a:r>
+              <a:rPr lang="fr-FR" dirty="0"/>
+              <a:t>Comment est-il affiché</a:t>
+            </a:r>
+          </a:p>
+          <a:p>
+            <a:r>
+              <a:rPr lang="fr-FR" dirty="0"/>
+              <a:t>Comment se termine le jeu</a:t>
+            </a:r>
+          </a:p>
+        </p:txBody>
+      </p:sp>
+      <p:sp>
+        <p:nvSpPr>
+          <p:cNvPr id="4" name="Espace réservé de la date 3">
+            <a:extLst>
+              <a:ext uri="{FF2B5EF4-FFF2-40B4-BE49-F238E27FC236}">
+                <a16:creationId xmlns:a16="http://schemas.microsoft.com/office/drawing/2014/main" id="{2A322D7C-2285-A94A-872B-355521CE9578}"/>
+              </a:ext>
+            </a:extLst>
+          </p:cNvPr>
+          <p:cNvSpPr>
+            <a:spLocks noGrp="1"/>
+          </p:cNvSpPr>
+          <p:nvPr>
+            <p:ph type="dt" sz="half" idx="10"/>
+          </p:nvPr>
+        </p:nvSpPr>
+        <p:spPr/>
+        <p:txBody>
+          <a:bodyPr/>
+          <a:lstStyle/>
+          <a:p>
+            <a:r>
+              <a:rPr lang="fr-CH"/>
+              <a:t>18/06/2021</a:t>
+            </a:r>
+            <a:endParaRPr lang="fr-FR"/>
+          </a:p>
+        </p:txBody>
+      </p:sp>
+      <p:sp>
+        <p:nvSpPr>
+          <p:cNvPr id="5" name="Espace réservé du pied de page 4">
+            <a:extLst>
+              <a:ext uri="{FF2B5EF4-FFF2-40B4-BE49-F238E27FC236}">
+                <a16:creationId xmlns:a16="http://schemas.microsoft.com/office/drawing/2014/main" id="{624F43BC-8EEE-DB46-95D7-771433C616BC}"/>
+              </a:ext>
+            </a:extLst>
+          </p:cNvPr>
+          <p:cNvSpPr>
+            <a:spLocks noGrp="1"/>
+          </p:cNvSpPr>
+          <p:nvPr>
+            <p:ph type="ftr" sz="quarter" idx="11"/>
+          </p:nvPr>
+        </p:nvSpPr>
+        <p:spPr/>
+        <p:txBody>
+          <a:bodyPr/>
+          <a:lstStyle/>
+          <a:p>
+            <a:r>
+              <a:rPr lang="fr-FR"/>
+              <a:t>nom des élèves - nom du jeu</a:t>
+            </a:r>
+          </a:p>
+        </p:txBody>
+      </p:sp>
+      <p:sp>
+        <p:nvSpPr>
+          <p:cNvPr id="6" name="Espace réservé du numéro de diapositive 5">
+            <a:extLst>
+              <a:ext uri="{FF2B5EF4-FFF2-40B4-BE49-F238E27FC236}">
+                <a16:creationId xmlns:a16="http://schemas.microsoft.com/office/drawing/2014/main" id="{5F6196CC-DD65-444D-AAFE-DED8D3A04B80}"/>
+              </a:ext>
+            </a:extLst>
+          </p:cNvPr>
+          <p:cNvSpPr>
+            <a:spLocks noGrp="1"/>
+          </p:cNvSpPr>
+          <p:nvPr>
+            <p:ph type="sldNum" sz="quarter" idx="12"/>
+          </p:nvPr>
+        </p:nvSpPr>
+        <p:spPr/>
+        <p:txBody>
+          <a:bodyPr/>
+          <a:lstStyle/>
+          <a:p>
+            <a:fld id="{8565C1E6-8FB8-4442-BEDC-4DDD643D2FC5}" type="slidenum">
+              <a:rPr lang="fr-FR" smtClean="0"/>
+              <a:t>31</a:t>
+            </a:fld>
+            <a:endParaRPr lang="fr-FR"/>
+          </a:p>
+        </p:txBody>
+      </p:sp>
+    </p:spTree>
+    <p:extLst>
+      <p:ext uri="{BB962C8B-B14F-4D97-AF65-F5344CB8AC3E}">
+        <p14:creationId xmlns:p14="http://schemas.microsoft.com/office/powerpoint/2010/main" val="4043672838"/>
+      </p:ext>
+    </p:extLst>
+  </p:cSld>
+  <p:clrMapOvr>
+    <a:masterClrMapping/>
+  </p:clrMapOvr>
+</p:sld>
+</file>
+
+<file path=ppt/slides/slide32.xml><?xml version="1.0" encoding="utf-8"?>
+<p:sld xmlns:a="http://schemas.openxmlformats.org/drawingml/2006/main" xmlns:r="http://schemas.openxmlformats.org/officeDocument/2006/relationships" xmlns:p="http://schemas.openxmlformats.org/presentationml/2006/main">
+  <p:cSld>
+    <p:spTree>
+      <p:nvGrpSpPr>
+        <p:cNvPr id="1" name=""/>
+        <p:cNvGrpSpPr/>
+        <p:nvPr/>
+      </p:nvGrpSpPr>
+      <p:grpSpPr>
+        <a:xfrm>
+          <a:off x="0" y="0"/>
+          <a:ext cx="0" cy="0"/>
+          <a:chOff x="0" y="0"/>
+          <a:chExt cx="0" cy="0"/>
+        </a:xfrm>
+      </p:grpSpPr>
+      <p:sp>
+        <p:nvSpPr>
+          <p:cNvPr id="2" name="Titre 1">
+            <a:extLst>
+              <a:ext uri="{FF2B5EF4-FFF2-40B4-BE49-F238E27FC236}">
+                <a16:creationId xmlns:a16="http://schemas.microsoft.com/office/drawing/2014/main" id="{0068156D-3A13-436F-89BC-39CEC5AF91B3}"/>
+              </a:ext>
+            </a:extLst>
+          </p:cNvPr>
+          <p:cNvSpPr>
+            <a:spLocks noGrp="1"/>
+          </p:cNvSpPr>
+          <p:nvPr>
+            <p:ph type="title"/>
+          </p:nvPr>
+        </p:nvSpPr>
+        <p:spPr/>
+        <p:txBody>
+          <a:bodyPr/>
+          <a:lstStyle/>
+          <a:p>
+            <a:r>
+              <a:rPr lang="en-US" dirty="0"/>
+              <a:t>Score</a:t>
+            </a:r>
+            <a:endParaRPr lang="fr-CH" dirty="0"/>
+          </a:p>
+        </p:txBody>
+      </p:sp>
+      <p:sp>
+        <p:nvSpPr>
+          <p:cNvPr id="3" name="Espace réservé du texte 2">
+            <a:extLst>
+              <a:ext uri="{FF2B5EF4-FFF2-40B4-BE49-F238E27FC236}">
+                <a16:creationId xmlns:a16="http://schemas.microsoft.com/office/drawing/2014/main" id="{5666598E-3126-42FD-B6A0-D19F8B3723D7}"/>
+              </a:ext>
+            </a:extLst>
+          </p:cNvPr>
+          <p:cNvSpPr>
+            <a:spLocks noGrp="1"/>
+          </p:cNvSpPr>
+          <p:nvPr>
+            <p:ph type="body" idx="1"/>
+          </p:nvPr>
+        </p:nvSpPr>
+        <p:spPr/>
+        <p:txBody>
+          <a:bodyPr/>
+          <a:lstStyle/>
+          <a:p>
+            <a:r>
+              <a:rPr lang="en-US" dirty="0"/>
+              <a:t>Le score de </a:t>
+            </a:r>
+            <a:r>
+              <a:rPr lang="en-US" dirty="0" err="1"/>
+              <a:t>ce</a:t>
+            </a:r>
+            <a:r>
+              <a:rPr lang="en-US" dirty="0"/>
+              <a:t> jeu </a:t>
+            </a:r>
+            <a:r>
+              <a:rPr lang="en-US" dirty="0" err="1"/>
+              <a:t>est</a:t>
+            </a:r>
+            <a:r>
+              <a:rPr lang="en-US" dirty="0"/>
+              <a:t> </a:t>
+            </a:r>
+            <a:r>
+              <a:rPr lang="en-US" dirty="0" err="1"/>
+              <a:t>mesuré</a:t>
+            </a:r>
+            <a:r>
+              <a:rPr lang="en-US" dirty="0"/>
+              <a:t> avec le </a:t>
+            </a:r>
+            <a:r>
+              <a:rPr lang="en-US" dirty="0" err="1"/>
+              <a:t>nombre</a:t>
+            </a:r>
+            <a:r>
+              <a:rPr lang="en-US" dirty="0"/>
+              <a:t> de </a:t>
+            </a:r>
+            <a:r>
+              <a:rPr lang="en-US" dirty="0" err="1"/>
+              <a:t>pokemon</a:t>
+            </a:r>
+            <a:r>
+              <a:rPr lang="en-US" dirty="0"/>
+              <a:t> dans </a:t>
+            </a:r>
+            <a:r>
+              <a:rPr lang="en-US" dirty="0" err="1"/>
+              <a:t>l’équipe</a:t>
+            </a:r>
+            <a:r>
+              <a:rPr lang="en-US" dirty="0"/>
+              <a:t> </a:t>
+            </a:r>
+            <a:r>
+              <a:rPr lang="en-US" dirty="0" err="1"/>
+              <a:t>ainsi</a:t>
+            </a:r>
+            <a:r>
+              <a:rPr lang="en-US" dirty="0"/>
+              <a:t> </a:t>
+            </a:r>
+            <a:r>
+              <a:rPr lang="en-US" dirty="0" err="1"/>
+              <a:t>qu’aux</a:t>
+            </a:r>
+            <a:r>
+              <a:rPr lang="en-US" dirty="0"/>
+              <a:t> </a:t>
+            </a:r>
+            <a:r>
+              <a:rPr lang="en-US" dirty="0" err="1"/>
+              <a:t>niveaux</a:t>
+            </a:r>
+            <a:r>
+              <a:rPr lang="en-US" dirty="0"/>
+              <a:t> de </a:t>
+            </a:r>
+            <a:r>
+              <a:rPr lang="en-US" dirty="0" err="1"/>
+              <a:t>ces</a:t>
+            </a:r>
+            <a:r>
+              <a:rPr lang="en-US" dirty="0"/>
+              <a:t> </a:t>
+            </a:r>
+            <a:r>
+              <a:rPr lang="en-US" dirty="0" err="1"/>
+              <a:t>derniers</a:t>
+            </a:r>
+            <a:endParaRPr lang="en-US" dirty="0"/>
+          </a:p>
+          <a:p>
+            <a:pPr marL="101598" indent="0">
+              <a:buNone/>
+            </a:pPr>
+            <a:endParaRPr lang="en-US" dirty="0"/>
+          </a:p>
+          <a:p>
+            <a:r>
+              <a:rPr lang="en-US" dirty="0"/>
+              <a:t>Le but du jeu </a:t>
+            </a:r>
+            <a:r>
+              <a:rPr lang="en-US" dirty="0" err="1"/>
+              <a:t>étant</a:t>
+            </a:r>
+            <a:r>
+              <a:rPr lang="en-US" dirty="0"/>
+              <a:t> de capturer le plus de </a:t>
+            </a:r>
+            <a:r>
+              <a:rPr lang="en-US" dirty="0" err="1"/>
+              <a:t>pokemons</a:t>
+            </a:r>
+            <a:r>
+              <a:rPr lang="en-US" dirty="0"/>
+              <a:t> different, il </a:t>
+            </a:r>
+            <a:r>
+              <a:rPr lang="en-US" dirty="0" err="1"/>
+              <a:t>n’y</a:t>
+            </a:r>
+            <a:r>
+              <a:rPr lang="en-US" dirty="0"/>
+              <a:t> a pas </a:t>
+            </a:r>
+            <a:r>
+              <a:rPr lang="en-US" dirty="0" err="1"/>
+              <a:t>réellement</a:t>
+            </a:r>
+            <a:r>
+              <a:rPr lang="en-US" dirty="0"/>
+              <a:t> de fin du jeu</a:t>
+            </a:r>
+            <a:endParaRPr lang="fr-CH" dirty="0"/>
+          </a:p>
+        </p:txBody>
+      </p:sp>
+      <p:sp>
+        <p:nvSpPr>
+          <p:cNvPr id="4" name="Espace réservé du numéro de diapositive 3">
+            <a:extLst>
+              <a:ext uri="{FF2B5EF4-FFF2-40B4-BE49-F238E27FC236}">
+                <a16:creationId xmlns:a16="http://schemas.microsoft.com/office/drawing/2014/main" id="{F80FB2EC-F620-474E-9C7C-3AD84EEFDABD}"/>
+              </a:ext>
+            </a:extLst>
+          </p:cNvPr>
+          <p:cNvSpPr>
+            <a:spLocks noGrp="1"/>
+          </p:cNvSpPr>
+          <p:nvPr>
+            <p:ph type="sldNum" idx="12"/>
+          </p:nvPr>
+        </p:nvSpPr>
+        <p:spPr/>
+        <p:txBody>
+          <a:bodyPr/>
+          <a:lstStyle/>
+          <a:p>
+            <a:fld id="{8565C1E6-8FB8-4442-BEDC-4DDD643D2FC5}" type="slidenum">
+              <a:rPr lang="fr-FR" smtClean="0"/>
+              <a:t>32</a:t>
+            </a:fld>
+            <a:endParaRPr lang="fr-FR"/>
+          </a:p>
+        </p:txBody>
+      </p:sp>
+      <p:sp>
+        <p:nvSpPr>
+          <p:cNvPr id="5" name="Espace réservé du contenu 4">
+            <a:extLst>
+              <a:ext uri="{FF2B5EF4-FFF2-40B4-BE49-F238E27FC236}">
+                <a16:creationId xmlns:a16="http://schemas.microsoft.com/office/drawing/2014/main" id="{604E59FB-B512-47DF-96D1-2D9CD1B07028}"/>
+              </a:ext>
+            </a:extLst>
+          </p:cNvPr>
+          <p:cNvSpPr>
+            <a:spLocks noGrp="1"/>
+          </p:cNvSpPr>
+          <p:nvPr>
+            <p:ph sz="quarter" idx="13"/>
+          </p:nvPr>
+        </p:nvSpPr>
+        <p:spPr/>
+        <p:txBody>
+          <a:bodyPr/>
+          <a:lstStyle/>
+          <a:p>
+            <a:endParaRPr lang="fr-CH"/>
+          </a:p>
+        </p:txBody>
+      </p:sp>
+    </p:spTree>
+    <p:extLst>
+      <p:ext uri="{BB962C8B-B14F-4D97-AF65-F5344CB8AC3E}">
+        <p14:creationId xmlns:p14="http://schemas.microsoft.com/office/powerpoint/2010/main" val="617417698"/>
+      </p:ext>
+    </p:extLst>
+  </p:cSld>
+  <p:clrMapOvr>
+    <a:masterClrMapping/>
+  </p:clrMapOvr>
+</p:sld>
+</file>
+
+<file path=ppt/slides/slide33.xml><?xml version="1.0" encoding="utf-8"?>
+<p:sld xmlns:a="http://schemas.openxmlformats.org/drawingml/2006/main" xmlns:r="http://schemas.openxmlformats.org/officeDocument/2006/relationships" xmlns:p="http://schemas.openxmlformats.org/presentationml/2006/main">
+  <p:cSld>
+    <p:spTree>
+      <p:nvGrpSpPr>
+        <p:cNvPr id="1" name=""/>
+        <p:cNvGrpSpPr/>
+        <p:nvPr/>
+      </p:nvGrpSpPr>
+      <p:grpSpPr>
+        <a:xfrm>
+          <a:off x="0" y="0"/>
+          <a:ext cx="0" cy="0"/>
+          <a:chOff x="0" y="0"/>
+          <a:chExt cx="0" cy="0"/>
+        </a:xfrm>
+      </p:grpSpPr>
+      <p:sp>
+        <p:nvSpPr>
+          <p:cNvPr id="2" name="Titre 1">
+            <a:extLst>
+              <a:ext uri="{FF2B5EF4-FFF2-40B4-BE49-F238E27FC236}">
+                <a16:creationId xmlns:a16="http://schemas.microsoft.com/office/drawing/2014/main" id="{0AEB4B52-26A3-B948-BD66-B309282174D0}"/>
+              </a:ext>
+            </a:extLst>
+          </p:cNvPr>
+          <p:cNvSpPr>
+            <a:spLocks noGrp="1"/>
+          </p:cNvSpPr>
+          <p:nvPr>
+            <p:ph type="title"/>
+          </p:nvPr>
+        </p:nvSpPr>
+        <p:spPr/>
+        <p:txBody>
+          <a:bodyPr/>
+          <a:lstStyle/>
+          <a:p>
+            <a:r>
+              <a:rPr lang="fr-FR" dirty="0"/>
+              <a:t>Conclusion</a:t>
+            </a:r>
+          </a:p>
+        </p:txBody>
+      </p:sp>
+      <p:sp>
+        <p:nvSpPr>
+          <p:cNvPr id="3" name="Espace réservé du contenu 2">
+            <a:extLst>
+              <a:ext uri="{FF2B5EF4-FFF2-40B4-BE49-F238E27FC236}">
+                <a16:creationId xmlns:a16="http://schemas.microsoft.com/office/drawing/2014/main" id="{976D8031-2111-0142-A8F6-4E96FD239497}"/>
+              </a:ext>
+            </a:extLst>
+          </p:cNvPr>
+          <p:cNvSpPr>
+            <a:spLocks noGrp="1"/>
+          </p:cNvSpPr>
+          <p:nvPr>
+            <p:ph idx="1"/>
+          </p:nvPr>
+        </p:nvSpPr>
+        <p:spPr/>
+        <p:txBody>
+          <a:bodyPr/>
+          <a:lstStyle/>
+          <a:p>
+            <a:r>
+              <a:rPr lang="fr-FR" dirty="0"/>
+              <a:t>Les forces de votre projet</a:t>
+            </a:r>
+          </a:p>
+          <a:p>
+            <a:r>
+              <a:rPr lang="fr-FR" dirty="0"/>
+              <a:t>Les faiblesses de votre projet</a:t>
+            </a:r>
+          </a:p>
+          <a:p>
+            <a:r>
+              <a:rPr lang="fr-FR" dirty="0"/>
+              <a:t>Ce que vous avez appris</a:t>
+            </a:r>
+          </a:p>
+        </p:txBody>
+      </p:sp>
+      <p:sp>
+        <p:nvSpPr>
+          <p:cNvPr id="4" name="Espace réservé de la date 3">
+            <a:extLst>
+              <a:ext uri="{FF2B5EF4-FFF2-40B4-BE49-F238E27FC236}">
+                <a16:creationId xmlns:a16="http://schemas.microsoft.com/office/drawing/2014/main" id="{5A9CE54A-EC2B-2C40-AF3A-9B7D4B56170F}"/>
+              </a:ext>
+            </a:extLst>
+          </p:cNvPr>
+          <p:cNvSpPr>
+            <a:spLocks noGrp="1"/>
+          </p:cNvSpPr>
+          <p:nvPr>
+            <p:ph type="dt" sz="half" idx="10"/>
+          </p:nvPr>
+        </p:nvSpPr>
+        <p:spPr/>
+        <p:txBody>
+          <a:bodyPr/>
+          <a:lstStyle/>
+          <a:p>
+            <a:r>
+              <a:rPr lang="fr-CH"/>
+              <a:t>18/06/2021</a:t>
+            </a:r>
+            <a:endParaRPr lang="fr-FR"/>
+          </a:p>
+        </p:txBody>
+      </p:sp>
+      <p:sp>
+        <p:nvSpPr>
+          <p:cNvPr id="5" name="Espace réservé du pied de page 4">
+            <a:extLst>
+              <a:ext uri="{FF2B5EF4-FFF2-40B4-BE49-F238E27FC236}">
+                <a16:creationId xmlns:a16="http://schemas.microsoft.com/office/drawing/2014/main" id="{14D3DFD1-AD11-6846-943E-0A6E0E9D586D}"/>
+              </a:ext>
+            </a:extLst>
+          </p:cNvPr>
+          <p:cNvSpPr>
+            <a:spLocks noGrp="1"/>
+          </p:cNvSpPr>
+          <p:nvPr>
+            <p:ph type="ftr" sz="quarter" idx="11"/>
+          </p:nvPr>
+        </p:nvSpPr>
+        <p:spPr/>
+        <p:txBody>
+          <a:bodyPr/>
+          <a:lstStyle/>
+          <a:p>
+            <a:r>
+              <a:rPr lang="fr-FR"/>
+              <a:t>nom des élèves - nom du jeu</a:t>
+            </a:r>
+          </a:p>
+        </p:txBody>
+      </p:sp>
+      <p:sp>
+        <p:nvSpPr>
+          <p:cNvPr id="6" name="Espace réservé du numéro de diapositive 5">
+            <a:extLst>
+              <a:ext uri="{FF2B5EF4-FFF2-40B4-BE49-F238E27FC236}">
+                <a16:creationId xmlns:a16="http://schemas.microsoft.com/office/drawing/2014/main" id="{546C0E99-979E-834A-98EA-1008F29E6F5F}"/>
+              </a:ext>
+            </a:extLst>
+          </p:cNvPr>
+          <p:cNvSpPr>
+            <a:spLocks noGrp="1"/>
+          </p:cNvSpPr>
+          <p:nvPr>
+            <p:ph type="sldNum" sz="quarter" idx="12"/>
+          </p:nvPr>
+        </p:nvSpPr>
+        <p:spPr/>
+        <p:txBody>
+          <a:bodyPr/>
+          <a:lstStyle/>
+          <a:p>
+            <a:fld id="{8565C1E6-8FB8-4442-BEDC-4DDD643D2FC5}" type="slidenum">
+              <a:rPr lang="fr-FR" smtClean="0"/>
+              <a:t>33</a:t>
+            </a:fld>
+            <a:endParaRPr lang="fr-FR"/>
+          </a:p>
+        </p:txBody>
+      </p:sp>
+    </p:spTree>
+    <p:extLst>
+      <p:ext uri="{BB962C8B-B14F-4D97-AF65-F5344CB8AC3E}">
+        <p14:creationId xmlns:p14="http://schemas.microsoft.com/office/powerpoint/2010/main" val="3527365754"/>
+      </p:ext>
+    </p:extLst>
+  </p:cSld>
+  <p:clrMapOvr>
+    <a:masterClrMapping/>
+  </p:clrMapOvr>
+</p:sld>
+</file>
+
+<file path=ppt/slides/slide34.xml><?xml version="1.0" encoding="utf-8"?>
+<p:sld xmlns:a="http://schemas.openxmlformats.org/drawingml/2006/main" xmlns:r="http://schemas.openxmlformats.org/officeDocument/2006/relationships" xmlns:p="http://schemas.openxmlformats.org/presentationml/2006/main">
+  <p:cSld>
+    <p:spTree>
+      <p:nvGrpSpPr>
+        <p:cNvPr id="1" name=""/>
+        <p:cNvGrpSpPr/>
+        <p:nvPr/>
+      </p:nvGrpSpPr>
+      <p:grpSpPr>
+        <a:xfrm>
+          <a:off x="0" y="0"/>
+          <a:ext cx="0" cy="0"/>
+          <a:chOff x="0" y="0"/>
+          <a:chExt cx="0" cy="0"/>
+        </a:xfrm>
+      </p:grpSpPr>
+      <p:sp>
+        <p:nvSpPr>
+          <p:cNvPr id="2" name="Titre 1">
+            <a:extLst>
+              <a:ext uri="{FF2B5EF4-FFF2-40B4-BE49-F238E27FC236}">
+                <a16:creationId xmlns:a16="http://schemas.microsoft.com/office/drawing/2014/main" id="{0068156D-3A13-436F-89BC-39CEC5AF91B3}"/>
+              </a:ext>
+            </a:extLst>
+          </p:cNvPr>
+          <p:cNvSpPr>
+            <a:spLocks noGrp="1"/>
+          </p:cNvSpPr>
+          <p:nvPr>
+            <p:ph type="title"/>
+          </p:nvPr>
+        </p:nvSpPr>
+        <p:spPr/>
+        <p:txBody>
+          <a:bodyPr/>
+          <a:lstStyle/>
+          <a:p>
+            <a:endParaRPr lang="fr-CH"/>
+          </a:p>
+        </p:txBody>
+      </p:sp>
+      <p:sp>
+        <p:nvSpPr>
+          <p:cNvPr id="3" name="Espace réservé du texte 2">
+            <a:extLst>
+              <a:ext uri="{FF2B5EF4-FFF2-40B4-BE49-F238E27FC236}">
+                <a16:creationId xmlns:a16="http://schemas.microsoft.com/office/drawing/2014/main" id="{5666598E-3126-42FD-B6A0-D19F8B3723D7}"/>
+              </a:ext>
+            </a:extLst>
+          </p:cNvPr>
+          <p:cNvSpPr>
+            <a:spLocks noGrp="1"/>
+          </p:cNvSpPr>
+          <p:nvPr>
+            <p:ph type="body" idx="1"/>
+          </p:nvPr>
+        </p:nvSpPr>
+        <p:spPr/>
+        <p:txBody>
+          <a:bodyPr/>
+          <a:lstStyle/>
+          <a:p>
+            <a:endParaRPr lang="fr-CH"/>
+          </a:p>
+        </p:txBody>
+      </p:sp>
+      <p:sp>
+        <p:nvSpPr>
+          <p:cNvPr id="4" name="Espace réservé du numéro de diapositive 3">
+            <a:extLst>
+              <a:ext uri="{FF2B5EF4-FFF2-40B4-BE49-F238E27FC236}">
+                <a16:creationId xmlns:a16="http://schemas.microsoft.com/office/drawing/2014/main" id="{F80FB2EC-F620-474E-9C7C-3AD84EEFDABD}"/>
+              </a:ext>
+            </a:extLst>
+          </p:cNvPr>
+          <p:cNvSpPr>
+            <a:spLocks noGrp="1"/>
+          </p:cNvSpPr>
+          <p:nvPr>
+            <p:ph type="sldNum" idx="12"/>
+          </p:nvPr>
+        </p:nvSpPr>
+        <p:spPr/>
+        <p:txBody>
+          <a:bodyPr/>
+          <a:lstStyle/>
+          <a:p>
+            <a:fld id="{8565C1E6-8FB8-4442-BEDC-4DDD643D2FC5}" type="slidenum">
+              <a:rPr lang="fr-FR" smtClean="0"/>
+              <a:t>34</a:t>
+            </a:fld>
+            <a:endParaRPr lang="fr-FR"/>
+          </a:p>
+        </p:txBody>
+      </p:sp>
+      <p:sp>
+        <p:nvSpPr>
+          <p:cNvPr id="5" name="Espace réservé du contenu 4">
+            <a:extLst>
+              <a:ext uri="{FF2B5EF4-FFF2-40B4-BE49-F238E27FC236}">
+                <a16:creationId xmlns:a16="http://schemas.microsoft.com/office/drawing/2014/main" id="{604E59FB-B512-47DF-96D1-2D9CD1B07028}"/>
+              </a:ext>
+            </a:extLst>
+          </p:cNvPr>
+          <p:cNvSpPr>
+            <a:spLocks noGrp="1"/>
+          </p:cNvSpPr>
+          <p:nvPr>
+            <p:ph sz="quarter" idx="13"/>
+          </p:nvPr>
+        </p:nvSpPr>
+        <p:spPr/>
+        <p:txBody>
+          <a:bodyPr/>
+          <a:lstStyle/>
+          <a:p>
+            <a:endParaRPr lang="fr-CH"/>
+          </a:p>
+        </p:txBody>
+      </p:sp>
+    </p:spTree>
+    <p:extLst>
+      <p:ext uri="{BB962C8B-B14F-4D97-AF65-F5344CB8AC3E}">
+        <p14:creationId xmlns:p14="http://schemas.microsoft.com/office/powerpoint/2010/main" val="576951312"/>
+      </p:ext>
+    </p:extLst>
+  </p:cSld>
+  <p:clrMapOvr>
+    <a:masterClrMapping/>
+  </p:clrMapOvr>
+</p:sld>
+</file>
+
+<file path=ppt/slides/slide35.xml><?xml version="1.0" encoding="utf-8"?>
+<p:sld xmlns:a="http://schemas.openxmlformats.org/drawingml/2006/main" xmlns:r="http://schemas.openxmlformats.org/officeDocument/2006/relationships" xmlns:p="http://schemas.openxmlformats.org/presentationml/2006/main">
+  <p:cSld>
+    <p:spTree>
+      <p:nvGrpSpPr>
+        <p:cNvPr id="1" name=""/>
+        <p:cNvGrpSpPr/>
+        <p:nvPr/>
+      </p:nvGrpSpPr>
+      <p:grpSpPr>
+        <a:xfrm>
+          <a:off x="0" y="0"/>
+          <a:ext cx="0" cy="0"/>
+          <a:chOff x="0" y="0"/>
+          <a:chExt cx="0" cy="0"/>
+        </a:xfrm>
+      </p:grpSpPr>
+      <p:sp>
+        <p:nvSpPr>
+          <p:cNvPr id="2" name="Titre 1">
+            <a:extLst>
+              <a:ext uri="{FF2B5EF4-FFF2-40B4-BE49-F238E27FC236}">
                 <a16:creationId xmlns:a16="http://schemas.microsoft.com/office/drawing/2014/main" id="{A7161967-913A-CE43-9AC7-9F0A3740DB7F}"/>
               </a:ext>
             </a:extLst>
@@ -23602,7 +24862,7 @@
           <a:p>
             <a:fld id="{8565C1E6-8FB8-4442-BEDC-4DDD643D2FC5}" type="slidenum">
               <a:rPr lang="fr-FR" smtClean="0"/>
-              <a:t>30</a:t>
+              <a:t>35</a:t>
             </a:fld>
             <a:endParaRPr lang="fr-FR"/>
           </a:p>
@@ -24617,6 +25877,66 @@
           </a:p>
         </p:txBody>
       </p:sp>
+      <p:pic>
+        <p:nvPicPr>
+          <p:cNvPr id="4" name="Picture 3" descr="A screenshot of a computer game&#10;&#10;Description automatically generated with low confidence">
+            <a:extLst>
+              <a:ext uri="{FF2B5EF4-FFF2-40B4-BE49-F238E27FC236}">
+                <a16:creationId xmlns:a16="http://schemas.microsoft.com/office/drawing/2014/main" id="{F706FA4B-D8C9-450C-AE2C-55A6DF46AB3C}"/>
+              </a:ext>
+            </a:extLst>
+          </p:cNvPr>
+          <p:cNvPicPr>
+            <a:picLocks noChangeAspect="1"/>
+          </p:cNvPicPr>
+          <p:nvPr/>
+        </p:nvPicPr>
+        <p:blipFill>
+          <a:blip r:embed="rId2"/>
+          <a:stretch>
+            <a:fillRect/>
+          </a:stretch>
+        </p:blipFill>
+        <p:spPr>
+          <a:xfrm>
+            <a:off x="659584" y="1093472"/>
+            <a:ext cx="4535268" cy="4671055"/>
+          </a:xfrm>
+          <a:prstGeom prst="rect">
+            <a:avLst/>
+          </a:prstGeom>
+        </p:spPr>
+      </p:pic>
+      <p:pic>
+        <p:nvPicPr>
+          <p:cNvPr id="6" name="Picture 5" descr="A screenshot of a game&#10;&#10;Description automatically generated with low confidence">
+            <a:extLst>
+              <a:ext uri="{FF2B5EF4-FFF2-40B4-BE49-F238E27FC236}">
+                <a16:creationId xmlns:a16="http://schemas.microsoft.com/office/drawing/2014/main" id="{3CEA79B4-A462-4289-B152-FE306A90A006}"/>
+              </a:ext>
+            </a:extLst>
+          </p:cNvPr>
+          <p:cNvPicPr>
+            <a:picLocks noChangeAspect="1"/>
+          </p:cNvPicPr>
+          <p:nvPr/>
+        </p:nvPicPr>
+        <p:blipFill>
+          <a:blip r:embed="rId3"/>
+          <a:stretch>
+            <a:fillRect/>
+          </a:stretch>
+        </p:blipFill>
+        <p:spPr>
+          <a:xfrm>
+            <a:off x="5470124" y="1093472"/>
+            <a:ext cx="4535269" cy="4671056"/>
+          </a:xfrm>
+          <a:prstGeom prst="rect">
+            <a:avLst/>
+          </a:prstGeom>
+        </p:spPr>
+      </p:pic>
     </p:spTree>
     <p:extLst>
       <p:ext uri="{BB962C8B-B14F-4D97-AF65-F5344CB8AC3E}">

--- a/game/copie modifs/examen oral.pptx
+++ b/game/copie modifs/examen oral.pptx
@@ -5,44 +5,45 @@
     <p:sldMasterId id="2147483745" r:id="rId1"/>
   </p:sldMasterIdLst>
   <p:notesMasterIdLst>
-    <p:notesMasterId r:id="rId37"/>
+    <p:notesMasterId r:id="rId38"/>
   </p:notesMasterIdLst>
   <p:sldIdLst>
     <p:sldId id="274" r:id="rId2"/>
     <p:sldId id="275" r:id="rId3"/>
     <p:sldId id="276" r:id="rId4"/>
-    <p:sldId id="259" r:id="rId5"/>
-    <p:sldId id="277" r:id="rId6"/>
-    <p:sldId id="270" r:id="rId7"/>
-    <p:sldId id="278" r:id="rId8"/>
-    <p:sldId id="263" r:id="rId9"/>
-    <p:sldId id="279" r:id="rId10"/>
-    <p:sldId id="260" r:id="rId11"/>
-    <p:sldId id="280" r:id="rId12"/>
-    <p:sldId id="261" r:id="rId13"/>
-    <p:sldId id="281" r:id="rId14"/>
-    <p:sldId id="289" r:id="rId15"/>
-    <p:sldId id="262" r:id="rId16"/>
-    <p:sldId id="282" r:id="rId17"/>
-    <p:sldId id="264" r:id="rId18"/>
-    <p:sldId id="283" r:id="rId19"/>
-    <p:sldId id="265" r:id="rId20"/>
-    <p:sldId id="284" r:id="rId21"/>
-    <p:sldId id="271" r:id="rId22"/>
-    <p:sldId id="285" r:id="rId23"/>
-    <p:sldId id="266" r:id="rId24"/>
-    <p:sldId id="290" r:id="rId25"/>
+    <p:sldId id="295" r:id="rId5"/>
+    <p:sldId id="259" r:id="rId6"/>
+    <p:sldId id="277" r:id="rId7"/>
+    <p:sldId id="270" r:id="rId8"/>
+    <p:sldId id="278" r:id="rId9"/>
+    <p:sldId id="263" r:id="rId10"/>
+    <p:sldId id="279" r:id="rId11"/>
+    <p:sldId id="260" r:id="rId12"/>
+    <p:sldId id="296" r:id="rId13"/>
+    <p:sldId id="261" r:id="rId14"/>
+    <p:sldId id="281" r:id="rId15"/>
+    <p:sldId id="289" r:id="rId16"/>
+    <p:sldId id="262" r:id="rId17"/>
+    <p:sldId id="282" r:id="rId18"/>
+    <p:sldId id="264" r:id="rId19"/>
+    <p:sldId id="283" r:id="rId20"/>
+    <p:sldId id="265" r:id="rId21"/>
+    <p:sldId id="284" r:id="rId22"/>
+    <p:sldId id="271" r:id="rId23"/>
+    <p:sldId id="285" r:id="rId24"/>
+    <p:sldId id="266" r:id="rId25"/>
     <p:sldId id="286" r:id="rId26"/>
-    <p:sldId id="272" r:id="rId27"/>
-    <p:sldId id="287" r:id="rId28"/>
-    <p:sldId id="288" r:id="rId29"/>
-    <p:sldId id="267" r:id="rId30"/>
-    <p:sldId id="291" r:id="rId31"/>
-    <p:sldId id="273" r:id="rId32"/>
-    <p:sldId id="292" r:id="rId33"/>
-    <p:sldId id="268" r:id="rId34"/>
-    <p:sldId id="293" r:id="rId35"/>
-    <p:sldId id="269" r:id="rId36"/>
+    <p:sldId id="294" r:id="rId27"/>
+    <p:sldId id="272" r:id="rId28"/>
+    <p:sldId id="287" r:id="rId29"/>
+    <p:sldId id="288" r:id="rId30"/>
+    <p:sldId id="267" r:id="rId31"/>
+    <p:sldId id="291" r:id="rId32"/>
+    <p:sldId id="273" r:id="rId33"/>
+    <p:sldId id="292" r:id="rId34"/>
+    <p:sldId id="268" r:id="rId35"/>
+    <p:sldId id="293" r:id="rId36"/>
+    <p:sldId id="269" r:id="rId37"/>
   </p:sldIdLst>
   <p:sldSz cx="12192000" cy="6858000"/>
   <p:notesSz cx="6858000" cy="9144000"/>
@@ -531,7 +532,7 @@
           <a:p>
             <a:fld id="{C5BC8565-3BE2-E84B-97A0-FA785777CB34}" type="slidenum">
               <a:rPr lang="fr-FR" smtClean="0"/>
-              <a:t>‹#›</a:t>
+              <a:t>‹N°›</a:t>
             </a:fld>
             <a:endParaRPr lang="fr-FR"/>
           </a:p>
@@ -705,7 +706,7 @@
           <a:p>
             <a:fld id="{C5BC8565-3BE2-E84B-97A0-FA785777CB34}" type="slidenum">
               <a:rPr lang="fr-FR" smtClean="0"/>
-              <a:t>4</a:t>
+              <a:t>5</a:t>
             </a:fld>
             <a:endParaRPr lang="fr-FR"/>
           </a:p>
@@ -789,7 +790,7 @@
           <a:p>
             <a:fld id="{C5BC8565-3BE2-E84B-97A0-FA785777CB34}" type="slidenum">
               <a:rPr lang="fr-FR" smtClean="0"/>
-              <a:t>23</a:t>
+              <a:t>24</a:t>
             </a:fld>
             <a:endParaRPr lang="fr-FR"/>
           </a:p>
@@ -873,7 +874,7 @@
           <a:p>
             <a:fld id="{C5BC8565-3BE2-E84B-97A0-FA785777CB34}" type="slidenum">
               <a:rPr lang="fr-FR" smtClean="0"/>
-              <a:t>26</a:t>
+              <a:t>27</a:t>
             </a:fld>
             <a:endParaRPr lang="fr-FR"/>
           </a:p>
@@ -957,7 +958,7 @@
           <a:p>
             <a:fld id="{C5BC8565-3BE2-E84B-97A0-FA785777CB34}" type="slidenum">
               <a:rPr lang="fr-FR" smtClean="0"/>
-              <a:t>29</a:t>
+              <a:t>30</a:t>
             </a:fld>
             <a:endParaRPr lang="fr-FR"/>
           </a:p>
@@ -1041,7 +1042,7 @@
           <a:p>
             <a:fld id="{C5BC8565-3BE2-E84B-97A0-FA785777CB34}" type="slidenum">
               <a:rPr lang="fr-FR" smtClean="0"/>
-              <a:t>31</a:t>
+              <a:t>32</a:t>
             </a:fld>
             <a:endParaRPr lang="fr-FR"/>
           </a:p>
@@ -1125,7 +1126,7 @@
           <a:p>
             <a:fld id="{C5BC8565-3BE2-E84B-97A0-FA785777CB34}" type="slidenum">
               <a:rPr lang="fr-FR" smtClean="0"/>
-              <a:t>33</a:t>
+              <a:t>34</a:t>
             </a:fld>
             <a:endParaRPr lang="fr-FR"/>
           </a:p>
@@ -1209,7 +1210,7 @@
           <a:p>
             <a:fld id="{C5BC8565-3BE2-E84B-97A0-FA785777CB34}" type="slidenum">
               <a:rPr lang="fr-FR" smtClean="0"/>
-              <a:t>35</a:t>
+              <a:t>36</a:t>
             </a:fld>
             <a:endParaRPr lang="fr-FR"/>
           </a:p>
@@ -1293,7 +1294,7 @@
           <a:p>
             <a:fld id="{C5BC8565-3BE2-E84B-97A0-FA785777CB34}" type="slidenum">
               <a:rPr lang="fr-FR" smtClean="0"/>
-              <a:t>6</a:t>
+              <a:t>7</a:t>
             </a:fld>
             <a:endParaRPr lang="fr-FR"/>
           </a:p>
@@ -1377,7 +1378,7 @@
           <a:p>
             <a:fld id="{C5BC8565-3BE2-E84B-97A0-FA785777CB34}" type="slidenum">
               <a:rPr lang="fr-FR" smtClean="0"/>
-              <a:t>8</a:t>
+              <a:t>9</a:t>
             </a:fld>
             <a:endParaRPr lang="fr-FR"/>
           </a:p>
@@ -1461,7 +1462,7 @@
           <a:p>
             <a:fld id="{C5BC8565-3BE2-E84B-97A0-FA785777CB34}" type="slidenum">
               <a:rPr lang="fr-FR" smtClean="0"/>
-              <a:t>10</a:t>
+              <a:t>11</a:t>
             </a:fld>
             <a:endParaRPr lang="fr-FR"/>
           </a:p>
@@ -1545,7 +1546,7 @@
           <a:p>
             <a:fld id="{C5BC8565-3BE2-E84B-97A0-FA785777CB34}" type="slidenum">
               <a:rPr lang="fr-FR" smtClean="0"/>
-              <a:t>12</a:t>
+              <a:t>13</a:t>
             </a:fld>
             <a:endParaRPr lang="fr-FR"/>
           </a:p>
@@ -1629,7 +1630,7 @@
           <a:p>
             <a:fld id="{C5BC8565-3BE2-E84B-97A0-FA785777CB34}" type="slidenum">
               <a:rPr lang="fr-FR" smtClean="0"/>
-              <a:t>15</a:t>
+              <a:t>16</a:t>
             </a:fld>
             <a:endParaRPr lang="fr-FR"/>
           </a:p>
@@ -1713,7 +1714,7 @@
           <a:p>
             <a:fld id="{C5BC8565-3BE2-E84B-97A0-FA785777CB34}" type="slidenum">
               <a:rPr lang="fr-FR" smtClean="0"/>
-              <a:t>17</a:t>
+              <a:t>18</a:t>
             </a:fld>
             <a:endParaRPr lang="fr-FR"/>
           </a:p>
@@ -1797,7 +1798,7 @@
           <a:p>
             <a:fld id="{C5BC8565-3BE2-E84B-97A0-FA785777CB34}" type="slidenum">
               <a:rPr lang="fr-FR" smtClean="0"/>
-              <a:t>19</a:t>
+              <a:t>20</a:t>
             </a:fld>
             <a:endParaRPr lang="fr-FR"/>
           </a:p>
@@ -1881,7 +1882,7 @@
           <a:p>
             <a:fld id="{C5BC8565-3BE2-E84B-97A0-FA785777CB34}" type="slidenum">
               <a:rPr lang="fr-FR" smtClean="0"/>
-              <a:t>21</a:t>
+              <a:t>22</a:t>
             </a:fld>
             <a:endParaRPr lang="fr-FR"/>
           </a:p>
@@ -2907,7 +2908,7 @@
           <a:p>
             <a:fld id="{8565C1E6-8FB8-4442-BEDC-4DDD643D2FC5}" type="slidenum">
               <a:rPr lang="fr-FR" smtClean="0"/>
-              <a:t>‹#›</a:t>
+              <a:t>‹N°›</a:t>
             </a:fld>
             <a:endParaRPr lang="fr-FR"/>
           </a:p>
@@ -3008,7 +3009,7 @@
           <a:p>
             <a:fld id="{8565C1E6-8FB8-4442-BEDC-4DDD643D2FC5}" type="slidenum">
               <a:rPr lang="fr-FR" smtClean="0"/>
-              <a:t>‹#›</a:t>
+              <a:t>‹N°›</a:t>
             </a:fld>
             <a:endParaRPr lang="fr-FR"/>
           </a:p>
@@ -3182,7 +3183,7 @@
           <a:p>
             <a:fld id="{8565C1E6-8FB8-4442-BEDC-4DDD643D2FC5}" type="slidenum">
               <a:rPr lang="fr-FR" smtClean="0"/>
-              <a:t>‹#›</a:t>
+              <a:t>‹N°›</a:t>
             </a:fld>
             <a:endParaRPr lang="fr-FR"/>
           </a:p>
@@ -4031,7 +4032,7 @@
           <a:p>
             <a:fld id="{8565C1E6-8FB8-4442-BEDC-4DDD643D2FC5}" type="slidenum">
               <a:rPr lang="fr-FR" smtClean="0"/>
-              <a:t>‹#›</a:t>
+              <a:t>‹N°›</a:t>
             </a:fld>
             <a:endParaRPr lang="fr-FR"/>
           </a:p>
@@ -4706,7 +4707,7 @@
           <a:p>
             <a:fld id="{8565C1E6-8FB8-4442-BEDC-4DDD643D2FC5}" type="slidenum">
               <a:rPr lang="fr-FR" smtClean="0"/>
-              <a:t>‹#›</a:t>
+              <a:t>‹N°›</a:t>
             </a:fld>
             <a:endParaRPr lang="fr-FR"/>
           </a:p>
@@ -5459,7 +5460,7 @@
           <a:p>
             <a:fld id="{8565C1E6-8FB8-4442-BEDC-4DDD643D2FC5}" type="slidenum">
               <a:rPr lang="fr-FR" smtClean="0"/>
-              <a:t>‹#›</a:t>
+              <a:t>‹N°›</a:t>
             </a:fld>
             <a:endParaRPr lang="fr-FR"/>
           </a:p>
@@ -5813,7 +5814,7 @@
           <a:p>
             <a:fld id="{8565C1E6-8FB8-4442-BEDC-4DDD643D2FC5}" type="slidenum">
               <a:rPr lang="fr-FR" smtClean="0"/>
-              <a:t>‹#›</a:t>
+              <a:t>‹N°›</a:t>
             </a:fld>
             <a:endParaRPr lang="fr-FR"/>
           </a:p>
@@ -18512,7 +18513,7 @@
           <a:p>
             <a:fld id="{8565C1E6-8FB8-4442-BEDC-4DDD643D2FC5}" type="slidenum">
               <a:rPr lang="fr-FR" smtClean="0"/>
-              <a:t>‹#›</a:t>
+              <a:t>‹N°›</a:t>
             </a:fld>
             <a:endParaRPr lang="fr-FR"/>
           </a:p>
@@ -19939,10 +19940,10 @@
       </p:grpSpPr>
       <p:sp>
         <p:nvSpPr>
-          <p:cNvPr id="2" name="Titre 1">
+          <p:cNvPr id="2" name="Espace réservé du numéro de diapositive 1">
             <a:extLst>
               <a:ext uri="{FF2B5EF4-FFF2-40B4-BE49-F238E27FC236}">
-                <a16:creationId xmlns:a16="http://schemas.microsoft.com/office/drawing/2014/main" id="{97D7FF7A-C8B5-3E4B-8395-8B71B39AE833}"/>
+                <a16:creationId xmlns:a16="http://schemas.microsoft.com/office/drawing/2014/main" id="{61C8BDC3-DB0D-4845-9368-F0E7B6DF3D31}"/>
               </a:ext>
             </a:extLst>
           </p:cNvPr>
@@ -19950,7 +19951,7 @@
             <a:spLocks noGrp="1"/>
           </p:cNvSpPr>
           <p:nvPr>
-            <p:ph type="title"/>
+            <p:ph type="sldNum" idx="12"/>
           </p:nvPr>
         </p:nvSpPr>
         <p:spPr/>
@@ -19958,122 +19959,6 @@
           <a:bodyPr/>
           <a:lstStyle/>
           <a:p>
-            <a:r>
-              <a:rPr lang="fr-FR" dirty="0"/>
-              <a:t>Diagramme des classes</a:t>
-            </a:r>
-          </a:p>
-        </p:txBody>
-      </p:sp>
-      <p:sp>
-        <p:nvSpPr>
-          <p:cNvPr id="3" name="Espace réservé du contenu 2">
-            <a:extLst>
-              <a:ext uri="{FF2B5EF4-FFF2-40B4-BE49-F238E27FC236}">
-                <a16:creationId xmlns:a16="http://schemas.microsoft.com/office/drawing/2014/main" id="{61F8431F-BAA9-5142-B042-841EFF03063E}"/>
-              </a:ext>
-            </a:extLst>
-          </p:cNvPr>
-          <p:cNvSpPr>
-            <a:spLocks noGrp="1"/>
-          </p:cNvSpPr>
-          <p:nvPr>
-            <p:ph idx="1"/>
-          </p:nvPr>
-        </p:nvSpPr>
-        <p:spPr/>
-        <p:txBody>
-          <a:bodyPr/>
-          <a:lstStyle/>
-          <a:p>
-            <a:r>
-              <a:rPr lang="fr-FR" dirty="0"/>
-              <a:t>Montrez toutes les classes avec leur relations</a:t>
-            </a:r>
-          </a:p>
-          <a:p>
-            <a:endParaRPr lang="fr-FR" dirty="0"/>
-          </a:p>
-        </p:txBody>
-      </p:sp>
-      <p:sp>
-        <p:nvSpPr>
-          <p:cNvPr id="5" name="Espace réservé de la date 4">
-            <a:extLst>
-              <a:ext uri="{FF2B5EF4-FFF2-40B4-BE49-F238E27FC236}">
-                <a16:creationId xmlns:a16="http://schemas.microsoft.com/office/drawing/2014/main" id="{5E45087D-3DF0-1C41-85DE-E9C22CA2E827}"/>
-              </a:ext>
-            </a:extLst>
-          </p:cNvPr>
-          <p:cNvSpPr>
-            <a:spLocks noGrp="1"/>
-          </p:cNvSpPr>
-          <p:nvPr>
-            <p:ph type="dt" sz="half" idx="10"/>
-          </p:nvPr>
-        </p:nvSpPr>
-        <p:spPr/>
-        <p:txBody>
-          <a:bodyPr/>
-          <a:lstStyle/>
-          <a:p>
-            <a:r>
-              <a:rPr lang="fr-CH"/>
-              <a:t>18/06/2021</a:t>
-            </a:r>
-            <a:endParaRPr lang="fr-FR"/>
-          </a:p>
-        </p:txBody>
-      </p:sp>
-      <p:sp>
-        <p:nvSpPr>
-          <p:cNvPr id="6" name="Espace réservé du pied de page 5">
-            <a:extLst>
-              <a:ext uri="{FF2B5EF4-FFF2-40B4-BE49-F238E27FC236}">
-                <a16:creationId xmlns:a16="http://schemas.microsoft.com/office/drawing/2014/main" id="{4072C785-56D6-F449-95ED-331D531628E5}"/>
-              </a:ext>
-            </a:extLst>
-          </p:cNvPr>
-          <p:cNvSpPr>
-            <a:spLocks noGrp="1"/>
-          </p:cNvSpPr>
-          <p:nvPr>
-            <p:ph type="ftr" sz="quarter" idx="11"/>
-          </p:nvPr>
-        </p:nvSpPr>
-        <p:spPr/>
-        <p:txBody>
-          <a:bodyPr/>
-          <a:lstStyle/>
-          <a:p>
-            <a:r>
-              <a:rPr lang="fr-FR"/>
-              <a:t>nom des élèves - nom du jeu</a:t>
-            </a:r>
-          </a:p>
-        </p:txBody>
-      </p:sp>
-      <p:sp>
-        <p:nvSpPr>
-          <p:cNvPr id="7" name="Espace réservé du numéro de diapositive 6">
-            <a:extLst>
-              <a:ext uri="{FF2B5EF4-FFF2-40B4-BE49-F238E27FC236}">
-                <a16:creationId xmlns:a16="http://schemas.microsoft.com/office/drawing/2014/main" id="{745EAD76-63DF-B449-A89D-206085912376}"/>
-              </a:ext>
-            </a:extLst>
-          </p:cNvPr>
-          <p:cNvSpPr>
-            <a:spLocks noGrp="1"/>
-          </p:cNvSpPr>
-          <p:nvPr>
-            <p:ph type="sldNum" sz="quarter" idx="12"/>
-          </p:nvPr>
-        </p:nvSpPr>
-        <p:spPr/>
-        <p:txBody>
-          <a:bodyPr/>
-          <a:lstStyle/>
-          <a:p>
             <a:fld id="{8565C1E6-8FB8-4442-BEDC-4DDD643D2FC5}" type="slidenum">
               <a:rPr lang="fr-FR" smtClean="0"/>
               <a:t>10</a:t>
@@ -20082,10 +19967,70 @@
           </a:p>
         </p:txBody>
       </p:sp>
+      <p:pic>
+        <p:nvPicPr>
+          <p:cNvPr id="4" name="Picture 3" descr="A screenshot of a computer game&#10;&#10;Description automatically generated with low confidence">
+            <a:extLst>
+              <a:ext uri="{FF2B5EF4-FFF2-40B4-BE49-F238E27FC236}">
+                <a16:creationId xmlns:a16="http://schemas.microsoft.com/office/drawing/2014/main" id="{F706FA4B-D8C9-450C-AE2C-55A6DF46AB3C}"/>
+              </a:ext>
+            </a:extLst>
+          </p:cNvPr>
+          <p:cNvPicPr>
+            <a:picLocks noChangeAspect="1"/>
+          </p:cNvPicPr>
+          <p:nvPr/>
+        </p:nvPicPr>
+        <p:blipFill>
+          <a:blip r:embed="rId2"/>
+          <a:stretch>
+            <a:fillRect/>
+          </a:stretch>
+        </p:blipFill>
+        <p:spPr>
+          <a:xfrm>
+            <a:off x="804807" y="808856"/>
+            <a:ext cx="5087953" cy="5240288"/>
+          </a:xfrm>
+          <a:prstGeom prst="rect">
+            <a:avLst/>
+          </a:prstGeom>
+        </p:spPr>
+      </p:pic>
+      <p:pic>
+        <p:nvPicPr>
+          <p:cNvPr id="6" name="Picture 5" descr="A screenshot of a game&#10;&#10;Description automatically generated with low confidence">
+            <a:extLst>
+              <a:ext uri="{FF2B5EF4-FFF2-40B4-BE49-F238E27FC236}">
+                <a16:creationId xmlns:a16="http://schemas.microsoft.com/office/drawing/2014/main" id="{3CEA79B4-A462-4289-B152-FE306A90A006}"/>
+              </a:ext>
+            </a:extLst>
+          </p:cNvPr>
+          <p:cNvPicPr>
+            <a:picLocks noChangeAspect="1"/>
+          </p:cNvPicPr>
+          <p:nvPr/>
+        </p:nvPicPr>
+        <p:blipFill>
+          <a:blip r:embed="rId3"/>
+          <a:stretch>
+            <a:fillRect/>
+          </a:stretch>
+        </p:blipFill>
+        <p:spPr>
+          <a:xfrm>
+            <a:off x="6299240" y="808856"/>
+            <a:ext cx="5087953" cy="5240288"/>
+          </a:xfrm>
+          <a:prstGeom prst="rect">
+            <a:avLst/>
+          </a:prstGeom>
+        </p:spPr>
+      </p:pic>
     </p:spTree>
     <p:extLst>
       <p:ext uri="{BB962C8B-B14F-4D97-AF65-F5344CB8AC3E}">
-        <p14:creationId xmlns:p14="http://schemas.microsoft.com/office/powerpoint/2010/main" val="4056068091"/>
+        <p14:creationId xmlns:p14="http://schemas.microsoft.com/office/powerpoint/2010/main" val="2277943480"/>
       </p:ext>
     </p:extLst>
   </p:cSld>
@@ -20114,10 +20059,10 @@
       </p:grpSpPr>
       <p:sp>
         <p:nvSpPr>
-          <p:cNvPr id="2" name="Espace réservé du numéro de diapositive 1">
+          <p:cNvPr id="2" name="Titre 1">
             <a:extLst>
               <a:ext uri="{FF2B5EF4-FFF2-40B4-BE49-F238E27FC236}">
-                <a16:creationId xmlns:a16="http://schemas.microsoft.com/office/drawing/2014/main" id="{64BC32AF-B42F-4F8C-973D-4A5DEF99884B}"/>
+                <a16:creationId xmlns:a16="http://schemas.microsoft.com/office/drawing/2014/main" id="{97D7FF7A-C8B5-3E4B-8395-8B71B39AE833}"/>
               </a:ext>
             </a:extLst>
           </p:cNvPr>
@@ -20125,7 +20070,7 @@
             <a:spLocks noGrp="1"/>
           </p:cNvSpPr>
           <p:nvPr>
-            <p:ph type="sldNum" idx="12"/>
+            <p:ph type="title"/>
           </p:nvPr>
         </p:nvSpPr>
         <p:spPr/>
@@ -20133,6 +20078,122 @@
           <a:bodyPr/>
           <a:lstStyle/>
           <a:p>
+            <a:r>
+              <a:rPr lang="fr-FR" dirty="0"/>
+              <a:t>Diagramme des classes</a:t>
+            </a:r>
+          </a:p>
+        </p:txBody>
+      </p:sp>
+      <p:sp>
+        <p:nvSpPr>
+          <p:cNvPr id="3" name="Espace réservé du contenu 2">
+            <a:extLst>
+              <a:ext uri="{FF2B5EF4-FFF2-40B4-BE49-F238E27FC236}">
+                <a16:creationId xmlns:a16="http://schemas.microsoft.com/office/drawing/2014/main" id="{61F8431F-BAA9-5142-B042-841EFF03063E}"/>
+              </a:ext>
+            </a:extLst>
+          </p:cNvPr>
+          <p:cNvSpPr>
+            <a:spLocks noGrp="1"/>
+          </p:cNvSpPr>
+          <p:nvPr>
+            <p:ph idx="1"/>
+          </p:nvPr>
+        </p:nvSpPr>
+        <p:spPr/>
+        <p:txBody>
+          <a:bodyPr/>
+          <a:lstStyle/>
+          <a:p>
+            <a:r>
+              <a:rPr lang="fr-FR" dirty="0"/>
+              <a:t>Montrez toutes les classes avec leur relations</a:t>
+            </a:r>
+          </a:p>
+          <a:p>
+            <a:endParaRPr lang="fr-FR" dirty="0"/>
+          </a:p>
+        </p:txBody>
+      </p:sp>
+      <p:sp>
+        <p:nvSpPr>
+          <p:cNvPr id="5" name="Espace réservé de la date 4">
+            <a:extLst>
+              <a:ext uri="{FF2B5EF4-FFF2-40B4-BE49-F238E27FC236}">
+                <a16:creationId xmlns:a16="http://schemas.microsoft.com/office/drawing/2014/main" id="{5E45087D-3DF0-1C41-85DE-E9C22CA2E827}"/>
+              </a:ext>
+            </a:extLst>
+          </p:cNvPr>
+          <p:cNvSpPr>
+            <a:spLocks noGrp="1"/>
+          </p:cNvSpPr>
+          <p:nvPr>
+            <p:ph type="dt" sz="half" idx="10"/>
+          </p:nvPr>
+        </p:nvSpPr>
+        <p:spPr/>
+        <p:txBody>
+          <a:bodyPr/>
+          <a:lstStyle/>
+          <a:p>
+            <a:r>
+              <a:rPr lang="fr-CH"/>
+              <a:t>18/06/2021</a:t>
+            </a:r>
+            <a:endParaRPr lang="fr-FR"/>
+          </a:p>
+        </p:txBody>
+      </p:sp>
+      <p:sp>
+        <p:nvSpPr>
+          <p:cNvPr id="6" name="Espace réservé du pied de page 5">
+            <a:extLst>
+              <a:ext uri="{FF2B5EF4-FFF2-40B4-BE49-F238E27FC236}">
+                <a16:creationId xmlns:a16="http://schemas.microsoft.com/office/drawing/2014/main" id="{4072C785-56D6-F449-95ED-331D531628E5}"/>
+              </a:ext>
+            </a:extLst>
+          </p:cNvPr>
+          <p:cNvSpPr>
+            <a:spLocks noGrp="1"/>
+          </p:cNvSpPr>
+          <p:nvPr>
+            <p:ph type="ftr" sz="quarter" idx="11"/>
+          </p:nvPr>
+        </p:nvSpPr>
+        <p:spPr/>
+        <p:txBody>
+          <a:bodyPr/>
+          <a:lstStyle/>
+          <a:p>
+            <a:r>
+              <a:rPr lang="fr-FR"/>
+              <a:t>nom des élèves - nom du jeu</a:t>
+            </a:r>
+          </a:p>
+        </p:txBody>
+      </p:sp>
+      <p:sp>
+        <p:nvSpPr>
+          <p:cNvPr id="7" name="Espace réservé du numéro de diapositive 6">
+            <a:extLst>
+              <a:ext uri="{FF2B5EF4-FFF2-40B4-BE49-F238E27FC236}">
+                <a16:creationId xmlns:a16="http://schemas.microsoft.com/office/drawing/2014/main" id="{745EAD76-63DF-B449-A89D-206085912376}"/>
+              </a:ext>
+            </a:extLst>
+          </p:cNvPr>
+          <p:cNvSpPr>
+            <a:spLocks noGrp="1"/>
+          </p:cNvSpPr>
+          <p:nvPr>
+            <p:ph type="sldNum" sz="quarter" idx="12"/>
+          </p:nvPr>
+        </p:nvSpPr>
+        <p:spPr/>
+        <p:txBody>
+          <a:bodyPr/>
+          <a:lstStyle/>
+          <a:p>
             <a:fld id="{8565C1E6-8FB8-4442-BEDC-4DDD643D2FC5}" type="slidenum">
               <a:rPr lang="fr-FR" smtClean="0"/>
               <a:t>11</a:t>
@@ -20144,7 +20205,7 @@
     </p:spTree>
     <p:extLst>
       <p:ext uri="{BB962C8B-B14F-4D97-AF65-F5344CB8AC3E}">
-        <p14:creationId xmlns:p14="http://schemas.microsoft.com/office/powerpoint/2010/main" val="2424454629"/>
+        <p14:creationId xmlns:p14="http://schemas.microsoft.com/office/powerpoint/2010/main" val="4056068091"/>
       </p:ext>
     </p:extLst>
   </p:cSld>
@@ -20155,6 +20216,69 @@
 </file>
 
 <file path=ppt/slides/slide12.xml><?xml version="1.0" encoding="utf-8"?>
+<p:sld xmlns:a="http://schemas.openxmlformats.org/drawingml/2006/main" xmlns:r="http://schemas.openxmlformats.org/officeDocument/2006/relationships" xmlns:p="http://schemas.openxmlformats.org/presentationml/2006/main">
+  <p:cSld>
+    <p:spTree>
+      <p:nvGrpSpPr>
+        <p:cNvPr id="1" name=""/>
+        <p:cNvGrpSpPr/>
+        <p:nvPr/>
+      </p:nvGrpSpPr>
+      <p:grpSpPr>
+        <a:xfrm>
+          <a:off x="0" y="0"/>
+          <a:ext cx="0" cy="0"/>
+          <a:chOff x="0" y="0"/>
+          <a:chExt cx="0" cy="0"/>
+        </a:xfrm>
+      </p:grpSpPr>
+      <p:sp>
+        <p:nvSpPr>
+          <p:cNvPr id="2" name="Titre 1">
+            <a:extLst>
+              <a:ext uri="{FF2B5EF4-FFF2-40B4-BE49-F238E27FC236}">
+                <a16:creationId xmlns:a16="http://schemas.microsoft.com/office/drawing/2014/main" id="{EF680992-8882-44AC-BCCA-F3E002263BF3}"/>
+              </a:ext>
+            </a:extLst>
+          </p:cNvPr>
+          <p:cNvSpPr>
+            <a:spLocks noGrp="1"/>
+          </p:cNvSpPr>
+          <p:nvPr>
+            <p:ph type="ctrTitle"/>
+          </p:nvPr>
+        </p:nvSpPr>
+        <p:spPr>
+          <a:xfrm>
+            <a:off x="914400" y="357546"/>
+            <a:ext cx="10363200" cy="810400"/>
+          </a:xfrm>
+        </p:spPr>
+        <p:txBody>
+          <a:bodyPr/>
+          <a:lstStyle/>
+          <a:p>
+            <a:r>
+              <a:rPr lang="fr-CH" sz="4000" dirty="0"/>
+              <a:t>Diagramme des classes</a:t>
+            </a:r>
+          </a:p>
+        </p:txBody>
+      </p:sp>
+    </p:spTree>
+    <p:extLst>
+      <p:ext uri="{BB962C8B-B14F-4D97-AF65-F5344CB8AC3E}">
+        <p14:creationId xmlns:p14="http://schemas.microsoft.com/office/powerpoint/2010/main" val="3255486712"/>
+      </p:ext>
+    </p:extLst>
+  </p:cSld>
+  <p:clrMapOvr>
+    <a:masterClrMapping/>
+  </p:clrMapOvr>
+</p:sld>
+</file>
+
+<file path=ppt/slides/slide13.xml><?xml version="1.0" encoding="utf-8"?>
 <p:sld xmlns:a="http://schemas.openxmlformats.org/drawingml/2006/main" xmlns:r="http://schemas.openxmlformats.org/officeDocument/2006/relationships" xmlns:p="http://schemas.openxmlformats.org/presentationml/2006/main">
   <p:cSld>
     <p:spTree>
@@ -20328,7 +20452,7 @@
           <a:p>
             <a:fld id="{8565C1E6-8FB8-4442-BEDC-4DDD643D2FC5}" type="slidenum">
               <a:rPr lang="fr-FR" smtClean="0"/>
-              <a:t>12</a:t>
+              <a:t>13</a:t>
             </a:fld>
             <a:endParaRPr lang="fr-FR"/>
           </a:p>
@@ -20347,7 +20471,7 @@
 </p:sld>
 </file>
 
-<file path=ppt/slides/slide13.xml><?xml version="1.0" encoding="utf-8"?>
+<file path=ppt/slides/slide14.xml><?xml version="1.0" encoding="utf-8"?>
 <p:sld xmlns:a="http://schemas.openxmlformats.org/drawingml/2006/main" xmlns:r="http://schemas.openxmlformats.org/officeDocument/2006/relationships" xmlns:p="http://schemas.openxmlformats.org/presentationml/2006/main">
   <p:cSld>
     <p:spTree>
@@ -20386,16 +20510,12 @@
           <a:lstStyle/>
           <a:p>
             <a:r>
+              <a:rPr lang="en-US" dirty="0"/>
+              <a:t>Class </a:t>
+            </a:r>
+            <a:r>
               <a:rPr lang="en-US" dirty="0" err="1"/>
-              <a:t>Classe</a:t>
-            </a:r>
-            <a:r>
-              <a:rPr lang="en-US" dirty="0"/>
-              <a:t> </a:t>
-            </a:r>
-            <a:r>
-              <a:rPr lang="en-US" dirty="0" err="1"/>
-              <a:t>joueur</a:t>
+              <a:t>Joueur</a:t>
             </a:r>
             <a:endParaRPr lang="fr-CH" dirty="0"/>
           </a:p>
@@ -20423,51 +20543,88 @@
           <a:lstStyle/>
           <a:p>
             <a:r>
-              <a:rPr lang="en-US" dirty="0" err="1"/>
-              <a:t>Fonctionne</a:t>
-            </a:r>
-            <a:r>
-              <a:rPr lang="en-US" dirty="0"/>
-              <a:t> à </a:t>
-            </a:r>
-            <a:r>
-              <a:rPr lang="en-US" dirty="0" err="1"/>
-              <a:t>l’aide</a:t>
-            </a:r>
-            <a:r>
-              <a:rPr lang="en-US" dirty="0"/>
-              <a:t> </a:t>
-            </a:r>
-            <a:r>
-              <a:rPr lang="en-US" dirty="0" err="1"/>
-              <a:t>d’une</a:t>
-            </a:r>
-            <a:r>
-              <a:rPr lang="en-US" dirty="0"/>
-              <a:t> </a:t>
-            </a:r>
-            <a:r>
-              <a:rPr lang="en-US" dirty="0" err="1"/>
-              <a:t>spritesheet</a:t>
-            </a:r>
-            <a:endParaRPr lang="en-US" dirty="0"/>
-          </a:p>
-          <a:p>
-            <a:endParaRPr lang="en-US" dirty="0"/>
-          </a:p>
-          <a:p>
-            <a:r>
               <a:rPr lang="fr-CH" dirty="0"/>
-              <a:t>personnage  animé</a:t>
-            </a:r>
-          </a:p>
-          <a:p>
+              <a:t>Classe décrivant le joueur</a:t>
+            </a:r>
+          </a:p>
+          <a:p>
+            <a:r>
+              <a:rPr lang="fr-CH" dirty="0"/>
+              <a:t>Attributs : pour le </a:t>
+            </a:r>
+            <a:r>
+              <a:rPr lang="fr-CH" dirty="0" err="1"/>
+              <a:t>sprite</a:t>
+            </a:r>
+            <a:r>
+              <a:rPr lang="fr-CH" dirty="0"/>
+              <a:t> + pour les mécanismes du jeu</a:t>
+            </a:r>
+          </a:p>
+          <a:p>
+            <a:pPr lvl="1"/>
+            <a:r>
+              <a:rPr lang="fr-CH" dirty="0"/>
+              <a:t>Sprite : p.ex. </a:t>
+            </a:r>
+            <a:r>
+              <a:rPr lang="fr-CH" dirty="0" err="1"/>
+              <a:t>self.sheet</a:t>
+            </a:r>
+            <a:r>
+              <a:rPr lang="fr-CH" dirty="0"/>
+              <a:t> = image</a:t>
+            </a:r>
+          </a:p>
+          <a:p>
+            <a:pPr lvl="1"/>
+            <a:r>
+              <a:rPr lang="fr-CH" dirty="0"/>
+              <a:t>Mécanisme : </a:t>
+            </a:r>
+            <a:r>
+              <a:rPr lang="fr-CH" dirty="0" err="1"/>
+              <a:t>self.equipe</a:t>
+            </a:r>
+            <a:r>
+              <a:rPr lang="fr-CH" dirty="0"/>
+              <a:t> = équipe de </a:t>
+            </a:r>
+            <a:r>
+              <a:rPr lang="fr-CH" dirty="0" err="1"/>
+              <a:t>pokémon</a:t>
+            </a:r>
             <a:endParaRPr lang="fr-CH" dirty="0"/>
           </a:p>
           <a:p>
             <a:r>
               <a:rPr lang="fr-CH" dirty="0"/>
-              <a:t>Possède des attributs tels que : une équipe, de l’argent, etc…</a:t>
+              <a:t>Méthodes : pour son déplacement</a:t>
+            </a:r>
+          </a:p>
+          <a:p>
+            <a:pPr lvl="1"/>
+            <a:r>
+              <a:rPr lang="fr-CH" dirty="0" err="1"/>
+              <a:t>Draw</a:t>
+            </a:r>
+            <a:r>
+              <a:rPr lang="fr-CH" dirty="0"/>
+              <a:t>(self) : pour afficher le personnage</a:t>
+            </a:r>
+          </a:p>
+          <a:p>
+            <a:pPr lvl="1"/>
+            <a:r>
+              <a:rPr lang="fr-CH" dirty="0"/>
+              <a:t>Déplacer(self) : pour déplacer le personnage</a:t>
+            </a:r>
+          </a:p>
+          <a:p>
+            <a:pPr lvl="1"/>
+            <a:r>
+              <a:rPr lang="fr-CH" dirty="0"/>
+              <a:t>Marcher(self) : pour animer la marche du personnage</a:t>
             </a:r>
           </a:p>
         </p:txBody>
@@ -20495,7 +20652,7 @@
           <a:p>
             <a:fld id="{8565C1E6-8FB8-4442-BEDC-4DDD643D2FC5}" type="slidenum">
               <a:rPr lang="fr-FR" smtClean="0"/>
-              <a:t>13</a:t>
+              <a:t>14</a:t>
             </a:fld>
             <a:endParaRPr lang="fr-FR"/>
           </a:p>
@@ -20539,7 +20696,7 @@
 </p:sld>
 </file>
 
-<file path=ppt/slides/slide14.xml><?xml version="1.0" encoding="utf-8"?>
+<file path=ppt/slides/slide15.xml><?xml version="1.0" encoding="utf-8"?>
 <p:sld xmlns:a="http://schemas.openxmlformats.org/drawingml/2006/main" xmlns:r="http://schemas.openxmlformats.org/officeDocument/2006/relationships" xmlns:p="http://schemas.openxmlformats.org/presentationml/2006/main">
   <p:cSld>
     <p:spTree>
@@ -20591,31 +20748,6 @@
       </p:sp>
       <p:sp>
         <p:nvSpPr>
-          <p:cNvPr id="3" name="Espace réservé du texte 2">
-            <a:extLst>
-              <a:ext uri="{FF2B5EF4-FFF2-40B4-BE49-F238E27FC236}">
-                <a16:creationId xmlns:a16="http://schemas.microsoft.com/office/drawing/2014/main" id="{2CD2F2DA-588B-4C0E-A136-9D1E1C5ED3C5}"/>
-              </a:ext>
-            </a:extLst>
-          </p:cNvPr>
-          <p:cNvSpPr>
-            <a:spLocks noGrp="1"/>
-          </p:cNvSpPr>
-          <p:nvPr>
-            <p:ph type="body" idx="1"/>
-          </p:nvPr>
-        </p:nvSpPr>
-        <p:spPr/>
-        <p:txBody>
-          <a:bodyPr/>
-          <a:lstStyle/>
-          <a:p>
-            <a:endParaRPr lang="fr-CH" dirty="0"/>
-          </a:p>
-        </p:txBody>
-      </p:sp>
-      <p:sp>
-        <p:nvSpPr>
           <p:cNvPr id="4" name="Espace réservé du numéro de diapositive 3">
             <a:extLst>
               <a:ext uri="{FF2B5EF4-FFF2-40B4-BE49-F238E27FC236}">
@@ -20637,7 +20769,7 @@
           <a:p>
             <a:fld id="{8565C1E6-8FB8-4442-BEDC-4DDD643D2FC5}" type="slidenum">
               <a:rPr lang="fr-FR" smtClean="0"/>
-              <a:t>14</a:t>
+              <a:t>15</a:t>
             </a:fld>
             <a:endParaRPr lang="fr-FR"/>
           </a:p>
@@ -20685,7 +20817,7 @@
 </p:sld>
 </file>
 
-<file path=ppt/slides/slide15.xml><?xml version="1.0" encoding="utf-8"?>
+<file path=ppt/slides/slide16.xml><?xml version="1.0" encoding="utf-8"?>
 <p:sld xmlns:a="http://schemas.openxmlformats.org/drawingml/2006/main" xmlns:r="http://schemas.openxmlformats.org/officeDocument/2006/relationships" xmlns:p="http://schemas.openxmlformats.org/presentationml/2006/main">
   <p:cSld>
     <p:spTree>
@@ -20853,7 +20985,7 @@
           <a:p>
             <a:fld id="{8565C1E6-8FB8-4442-BEDC-4DDD643D2FC5}" type="slidenum">
               <a:rPr lang="fr-FR" smtClean="0"/>
-              <a:t>15</a:t>
+              <a:t>16</a:t>
             </a:fld>
             <a:endParaRPr lang="fr-FR"/>
           </a:p>
@@ -20872,7 +21004,7 @@
 </p:sld>
 </file>
 
-<file path=ppt/slides/slide16.xml><?xml version="1.0" encoding="utf-8"?>
+<file path=ppt/slides/slide17.xml><?xml version="1.0" encoding="utf-8"?>
 <p:sld xmlns:a="http://schemas.openxmlformats.org/drawingml/2006/main" xmlns:r="http://schemas.openxmlformats.org/officeDocument/2006/relationships" xmlns:p="http://schemas.openxmlformats.org/presentationml/2006/main">
   <p:cSld>
     <p:spTree>
@@ -20905,12 +21037,20 @@
             <p:ph type="title"/>
           </p:nvPr>
         </p:nvSpPr>
-        <p:spPr/>
+        <p:spPr>
+          <a:xfrm>
+            <a:off x="1363366" y="1133947"/>
+            <a:ext cx="9465200" cy="477200"/>
+          </a:xfrm>
+        </p:spPr>
         <p:txBody>
           <a:bodyPr/>
           <a:lstStyle/>
           <a:p>
-            <a:endParaRPr lang="fr-CH"/>
+            <a:r>
+              <a:rPr lang="fr-CH" dirty="0"/>
+              <a:t>Instanciation d’une classe : la classe Combat</a:t>
+            </a:r>
           </a:p>
         </p:txBody>
       </p:sp>
@@ -20930,12 +21070,39 @@
             <p:ph type="body" idx="1"/>
           </p:nvPr>
         </p:nvSpPr>
-        <p:spPr/>
+        <p:spPr>
+          <a:xfrm>
+            <a:off x="1363366" y="1780093"/>
+            <a:ext cx="9465200" cy="3653200"/>
+          </a:xfrm>
+        </p:spPr>
         <p:txBody>
           <a:bodyPr/>
           <a:lstStyle/>
           <a:p>
-            <a:endParaRPr lang="fr-CH"/>
+            <a:r>
+              <a:rPr lang="fr-CH" dirty="0"/>
+              <a:t>Permet de simuler un combat</a:t>
+            </a:r>
+          </a:p>
+          <a:p>
+            <a:r>
+              <a:rPr lang="fr-CH" dirty="0"/>
+              <a:t>Combat lancé soit par un </a:t>
+            </a:r>
+            <a:r>
+              <a:rPr lang="fr-CH" dirty="0" err="1"/>
+              <a:t>pokémon</a:t>
+            </a:r>
+            <a:r>
+              <a:rPr lang="fr-CH" dirty="0"/>
+              <a:t> sauvage, soit un </a:t>
+            </a:r>
+            <a:r>
+              <a:rPr lang="fr-CH"/>
+              <a:t>pnj</a:t>
+            </a:r>
+            <a:endParaRPr lang="fr-CH" dirty="0"/>
           </a:p>
         </p:txBody>
       </p:sp>
@@ -20962,7 +21129,7 @@
           <a:p>
             <a:fld id="{8565C1E6-8FB8-4442-BEDC-4DDD643D2FC5}" type="slidenum">
               <a:rPr lang="fr-FR" smtClean="0"/>
-              <a:t>16</a:t>
+              <a:t>17</a:t>
             </a:fld>
             <a:endParaRPr lang="fr-FR"/>
           </a:p>
@@ -21006,7 +21173,7 @@
 </p:sld>
 </file>
 
-<file path=ppt/slides/slide17.xml><?xml version="1.0" encoding="utf-8"?>
+<file path=ppt/slides/slide18.xml><?xml version="1.0" encoding="utf-8"?>
 <p:sld xmlns:a="http://schemas.openxmlformats.org/drawingml/2006/main" xmlns:r="http://schemas.openxmlformats.org/officeDocument/2006/relationships" xmlns:p="http://schemas.openxmlformats.org/presentationml/2006/main">
   <p:cSld>
     <p:spTree>
@@ -21185,7 +21352,7 @@
           <a:p>
             <a:fld id="{8565C1E6-8FB8-4442-BEDC-4DDD643D2FC5}" type="slidenum">
               <a:rPr lang="fr-FR" smtClean="0"/>
-              <a:t>17</a:t>
+              <a:t>18</a:t>
             </a:fld>
             <a:endParaRPr lang="fr-FR"/>
           </a:p>
@@ -21204,7 +21371,7 @@
 </p:sld>
 </file>
 
-<file path=ppt/slides/slide18.xml><?xml version="1.0" encoding="utf-8"?>
+<file path=ppt/slides/slide19.xml><?xml version="1.0" encoding="utf-8"?>
 <p:sld xmlns:a="http://schemas.openxmlformats.org/drawingml/2006/main" xmlns:r="http://schemas.openxmlformats.org/officeDocument/2006/relationships" xmlns:p="http://schemas.openxmlformats.org/presentationml/2006/main">
   <p:cSld>
     <p:spTree>
@@ -21358,7 +21525,7 @@
           <a:p>
             <a:fld id="{8565C1E6-8FB8-4442-BEDC-4DDD643D2FC5}" type="slidenum">
               <a:rPr lang="fr-FR" smtClean="0"/>
-              <a:t>18</a:t>
+              <a:t>19</a:t>
             </a:fld>
             <a:endParaRPr lang="fr-FR"/>
           </a:p>
@@ -21393,196 +21560,6 @@
     <p:extLst>
       <p:ext uri="{BB962C8B-B14F-4D97-AF65-F5344CB8AC3E}">
         <p14:creationId xmlns:p14="http://schemas.microsoft.com/office/powerpoint/2010/main" val="1042006099"/>
-      </p:ext>
-    </p:extLst>
-  </p:cSld>
-  <p:clrMapOvr>
-    <a:masterClrMapping/>
-  </p:clrMapOvr>
-</p:sld>
-</file>
-
-<file path=ppt/slides/slide19.xml><?xml version="1.0" encoding="utf-8"?>
-<p:sld xmlns:a="http://schemas.openxmlformats.org/drawingml/2006/main" xmlns:r="http://schemas.openxmlformats.org/officeDocument/2006/relationships" xmlns:p="http://schemas.openxmlformats.org/presentationml/2006/main">
-  <p:cSld>
-    <p:spTree>
-      <p:nvGrpSpPr>
-        <p:cNvPr id="1" name=""/>
-        <p:cNvGrpSpPr/>
-        <p:nvPr/>
-      </p:nvGrpSpPr>
-      <p:grpSpPr>
-        <a:xfrm>
-          <a:off x="0" y="0"/>
-          <a:ext cx="0" cy="0"/>
-          <a:chOff x="0" y="0"/>
-          <a:chExt cx="0" cy="0"/>
-        </a:xfrm>
-      </p:grpSpPr>
-      <p:sp>
-        <p:nvSpPr>
-          <p:cNvPr id="2" name="Titre 1">
-            <a:extLst>
-              <a:ext uri="{FF2B5EF4-FFF2-40B4-BE49-F238E27FC236}">
-                <a16:creationId xmlns:a16="http://schemas.microsoft.com/office/drawing/2014/main" id="{411340E6-A71C-9A4A-A8CD-2AE63D319F75}"/>
-              </a:ext>
-            </a:extLst>
-          </p:cNvPr>
-          <p:cNvSpPr>
-            <a:spLocks noGrp="1"/>
-          </p:cNvSpPr>
-          <p:nvPr>
-            <p:ph type="title"/>
-          </p:nvPr>
-        </p:nvSpPr>
-        <p:spPr/>
-        <p:txBody>
-          <a:bodyPr/>
-          <a:lstStyle/>
-          <a:p>
-            <a:r>
-              <a:rPr lang="fr-FR" dirty="0"/>
-              <a:t>Héritage</a:t>
-            </a:r>
-          </a:p>
-        </p:txBody>
-      </p:sp>
-      <p:sp>
-        <p:nvSpPr>
-          <p:cNvPr id="3" name="Espace réservé du contenu 2">
-            <a:extLst>
-              <a:ext uri="{FF2B5EF4-FFF2-40B4-BE49-F238E27FC236}">
-                <a16:creationId xmlns:a16="http://schemas.microsoft.com/office/drawing/2014/main" id="{378A3185-AB9A-F04C-ADC8-2E9E2AEB6809}"/>
-              </a:ext>
-            </a:extLst>
-          </p:cNvPr>
-          <p:cNvSpPr>
-            <a:spLocks noGrp="1"/>
-          </p:cNvSpPr>
-          <p:nvPr>
-            <p:ph idx="1"/>
-          </p:nvPr>
-        </p:nvSpPr>
-        <p:spPr/>
-        <p:txBody>
-          <a:bodyPr/>
-          <a:lstStyle/>
-          <a:p>
-            <a:r>
-              <a:rPr lang="fr-FR" dirty="0"/>
-              <a:t>Montrez un exemple de classe hérité</a:t>
-            </a:r>
-          </a:p>
-          <a:p>
-            <a:r>
-              <a:rPr lang="fr-FR" dirty="0"/>
-              <a:t>Quels sont les méthodes du parents</a:t>
-            </a:r>
-          </a:p>
-          <a:p>
-            <a:r>
-              <a:rPr lang="fr-FR" dirty="0"/>
-              <a:t>Quels sont les méthodes de l’enfant</a:t>
-            </a:r>
-          </a:p>
-          <a:p>
-            <a:r>
-              <a:rPr lang="fr-FR" dirty="0"/>
-              <a:t>Quels sont les avantages de l’héritage</a:t>
-            </a:r>
-          </a:p>
-        </p:txBody>
-      </p:sp>
-      <p:sp>
-        <p:nvSpPr>
-          <p:cNvPr id="4" name="Espace réservé de la date 3">
-            <a:extLst>
-              <a:ext uri="{FF2B5EF4-FFF2-40B4-BE49-F238E27FC236}">
-                <a16:creationId xmlns:a16="http://schemas.microsoft.com/office/drawing/2014/main" id="{97696D8D-C806-494D-AADC-5601F573A57E}"/>
-              </a:ext>
-            </a:extLst>
-          </p:cNvPr>
-          <p:cNvSpPr>
-            <a:spLocks noGrp="1"/>
-          </p:cNvSpPr>
-          <p:nvPr>
-            <p:ph type="dt" sz="half" idx="10"/>
-          </p:nvPr>
-        </p:nvSpPr>
-        <p:spPr/>
-        <p:txBody>
-          <a:bodyPr/>
-          <a:lstStyle/>
-          <a:p>
-            <a:r>
-              <a:rPr lang="fr-CH"/>
-              <a:t>18/06/2021</a:t>
-            </a:r>
-            <a:endParaRPr lang="fr-FR"/>
-          </a:p>
-        </p:txBody>
-      </p:sp>
-      <p:sp>
-        <p:nvSpPr>
-          <p:cNvPr id="5" name="Espace réservé du pied de page 4">
-            <a:extLst>
-              <a:ext uri="{FF2B5EF4-FFF2-40B4-BE49-F238E27FC236}">
-                <a16:creationId xmlns:a16="http://schemas.microsoft.com/office/drawing/2014/main" id="{B938D344-3D1F-BF43-95AB-F5A9B8414A5C}"/>
-              </a:ext>
-            </a:extLst>
-          </p:cNvPr>
-          <p:cNvSpPr>
-            <a:spLocks noGrp="1"/>
-          </p:cNvSpPr>
-          <p:nvPr>
-            <p:ph type="ftr" sz="quarter" idx="11"/>
-          </p:nvPr>
-        </p:nvSpPr>
-        <p:spPr/>
-        <p:txBody>
-          <a:bodyPr/>
-          <a:lstStyle/>
-          <a:p>
-            <a:r>
-              <a:rPr lang="fr-FR"/>
-              <a:t>nom des élèves - nom du jeu</a:t>
-            </a:r>
-          </a:p>
-        </p:txBody>
-      </p:sp>
-      <p:sp>
-        <p:nvSpPr>
-          <p:cNvPr id="6" name="Espace réservé du numéro de diapositive 5">
-            <a:extLst>
-              <a:ext uri="{FF2B5EF4-FFF2-40B4-BE49-F238E27FC236}">
-                <a16:creationId xmlns:a16="http://schemas.microsoft.com/office/drawing/2014/main" id="{4B2A584B-BD18-F049-9EC7-2A1196D4D2AB}"/>
-              </a:ext>
-            </a:extLst>
-          </p:cNvPr>
-          <p:cNvSpPr>
-            <a:spLocks noGrp="1"/>
-          </p:cNvSpPr>
-          <p:nvPr>
-            <p:ph type="sldNum" sz="quarter" idx="12"/>
-          </p:nvPr>
-        </p:nvSpPr>
-        <p:spPr/>
-        <p:txBody>
-          <a:bodyPr/>
-          <a:lstStyle/>
-          <a:p>
-            <a:fld id="{8565C1E6-8FB8-4442-BEDC-4DDD643D2FC5}" type="slidenum">
-              <a:rPr lang="fr-FR" smtClean="0"/>
-              <a:t>19</a:t>
-            </a:fld>
-            <a:endParaRPr lang="fr-FR"/>
-          </a:p>
-        </p:txBody>
-      </p:sp>
-    </p:spTree>
-    <p:extLst>
-      <p:ext uri="{BB962C8B-B14F-4D97-AF65-F5344CB8AC3E}">
-        <p14:creationId xmlns:p14="http://schemas.microsoft.com/office/powerpoint/2010/main" val="3187019808"/>
       </p:ext>
     </p:extLst>
   </p:cSld>
@@ -21768,6 +21745,301 @@
           </a:p>
         </p:txBody>
       </p:sp>
+      <p:sp>
+        <p:nvSpPr>
+          <p:cNvPr id="5" name="Titre 1">
+            <a:extLst>
+              <a:ext uri="{FF2B5EF4-FFF2-40B4-BE49-F238E27FC236}">
+                <a16:creationId xmlns:a16="http://schemas.microsoft.com/office/drawing/2014/main" id="{0BF76429-6CBA-4D29-B610-F17D65544FB6}"/>
+              </a:ext>
+            </a:extLst>
+          </p:cNvPr>
+          <p:cNvSpPr txBox="1">
+            <a:spLocks/>
+          </p:cNvSpPr>
+          <p:nvPr/>
+        </p:nvSpPr>
+        <p:spPr>
+          <a:xfrm>
+            <a:off x="914400" y="6047535"/>
+            <a:ext cx="10363200" cy="810400"/>
+          </a:xfrm>
+          <a:prstGeom prst="rect">
+            <a:avLst/>
+          </a:prstGeom>
+          <a:noFill/>
+          <a:ln>
+            <a:noFill/>
+          </a:ln>
+          <a:effectLst>
+            <a:reflection stA="25000" endPos="60000" fadeDir="5400012" sy="-100000" algn="bl" rotWithShape="0"/>
+          </a:effectLst>
+        </p:spPr>
+        <p:txBody>
+          <a:bodyPr spcFirstLastPara="1" wrap="square" lIns="0" tIns="0" rIns="0" bIns="0" anchor="t" anchorCtr="0">
+            <a:noAutofit/>
+          </a:bodyPr>
+          <a:lstStyle>
+            <a:defPPr marR="0" lvl="0" algn="l" rtl="0">
+              <a:lnSpc>
+                <a:spcPct val="100000"/>
+              </a:lnSpc>
+              <a:spcBef>
+                <a:spcPts val="0"/>
+              </a:spcBef>
+              <a:spcAft>
+                <a:spcPts val="0"/>
+              </a:spcAft>
+            </a:defPPr>
+            <a:lvl1pPr marR="0" lvl="0" algn="ctr" rtl="0" eaLnBrk="1" hangingPunct="1">
+              <a:lnSpc>
+                <a:spcPct val="90000"/>
+              </a:lnSpc>
+              <a:spcBef>
+                <a:spcPts val="0"/>
+              </a:spcBef>
+              <a:spcAft>
+                <a:spcPts val="0"/>
+              </a:spcAft>
+              <a:buClr>
+                <a:schemeClr val="lt1"/>
+              </a:buClr>
+              <a:buSzPts val="5500"/>
+              <a:buFont typeface="Bebas Neue"/>
+              <a:buNone/>
+              <a:defRPr sz="7333" b="0" i="0" u="none" strike="noStrike" cap="none">
+                <a:solidFill>
+                  <a:schemeClr val="lt1"/>
+                </a:solidFill>
+                <a:latin typeface="Bebas Neue"/>
+                <a:ea typeface="Bebas Neue"/>
+                <a:cs typeface="Bebas Neue"/>
+                <a:sym typeface="Bebas Neue"/>
+              </a:defRPr>
+            </a:lvl1pPr>
+            <a:lvl2pPr marR="0" lvl="1" algn="ctr" rtl="0" eaLnBrk="1" hangingPunct="1">
+              <a:lnSpc>
+                <a:spcPct val="90000"/>
+              </a:lnSpc>
+              <a:spcBef>
+                <a:spcPts val="0"/>
+              </a:spcBef>
+              <a:spcAft>
+                <a:spcPts val="0"/>
+              </a:spcAft>
+              <a:buClr>
+                <a:schemeClr val="lt1"/>
+              </a:buClr>
+              <a:buSzPts val="5500"/>
+              <a:buFont typeface="Bebas Neue"/>
+              <a:buNone/>
+              <a:defRPr sz="7333" b="0" i="0" u="none" strike="noStrike" cap="none">
+                <a:solidFill>
+                  <a:schemeClr val="lt1"/>
+                </a:solidFill>
+                <a:latin typeface="Bebas Neue"/>
+                <a:ea typeface="Bebas Neue"/>
+                <a:cs typeface="Bebas Neue"/>
+                <a:sym typeface="Bebas Neue"/>
+              </a:defRPr>
+            </a:lvl2pPr>
+            <a:lvl3pPr marR="0" lvl="2" algn="ctr" rtl="0" eaLnBrk="1" hangingPunct="1">
+              <a:lnSpc>
+                <a:spcPct val="90000"/>
+              </a:lnSpc>
+              <a:spcBef>
+                <a:spcPts val="0"/>
+              </a:spcBef>
+              <a:spcAft>
+                <a:spcPts val="0"/>
+              </a:spcAft>
+              <a:buClr>
+                <a:schemeClr val="lt1"/>
+              </a:buClr>
+              <a:buSzPts val="5500"/>
+              <a:buFont typeface="Bebas Neue"/>
+              <a:buNone/>
+              <a:defRPr sz="7333" b="0" i="0" u="none" strike="noStrike" cap="none">
+                <a:solidFill>
+                  <a:schemeClr val="lt1"/>
+                </a:solidFill>
+                <a:latin typeface="Bebas Neue"/>
+                <a:ea typeface="Bebas Neue"/>
+                <a:cs typeface="Bebas Neue"/>
+                <a:sym typeface="Bebas Neue"/>
+              </a:defRPr>
+            </a:lvl3pPr>
+            <a:lvl4pPr marR="0" lvl="3" algn="ctr" rtl="0" eaLnBrk="1" hangingPunct="1">
+              <a:lnSpc>
+                <a:spcPct val="90000"/>
+              </a:lnSpc>
+              <a:spcBef>
+                <a:spcPts val="0"/>
+              </a:spcBef>
+              <a:spcAft>
+                <a:spcPts val="0"/>
+              </a:spcAft>
+              <a:buClr>
+                <a:schemeClr val="lt1"/>
+              </a:buClr>
+              <a:buSzPts val="5500"/>
+              <a:buFont typeface="Bebas Neue"/>
+              <a:buNone/>
+              <a:defRPr sz="7333" b="0" i="0" u="none" strike="noStrike" cap="none">
+                <a:solidFill>
+                  <a:schemeClr val="lt1"/>
+                </a:solidFill>
+                <a:latin typeface="Bebas Neue"/>
+                <a:ea typeface="Bebas Neue"/>
+                <a:cs typeface="Bebas Neue"/>
+                <a:sym typeface="Bebas Neue"/>
+              </a:defRPr>
+            </a:lvl4pPr>
+            <a:lvl5pPr marR="0" lvl="4" algn="ctr" rtl="0" eaLnBrk="1" hangingPunct="1">
+              <a:lnSpc>
+                <a:spcPct val="90000"/>
+              </a:lnSpc>
+              <a:spcBef>
+                <a:spcPts val="0"/>
+              </a:spcBef>
+              <a:spcAft>
+                <a:spcPts val="0"/>
+              </a:spcAft>
+              <a:buClr>
+                <a:schemeClr val="lt1"/>
+              </a:buClr>
+              <a:buSzPts val="5500"/>
+              <a:buFont typeface="Bebas Neue"/>
+              <a:buNone/>
+              <a:defRPr sz="7333" b="0" i="0" u="none" strike="noStrike" cap="none">
+                <a:solidFill>
+                  <a:schemeClr val="lt1"/>
+                </a:solidFill>
+                <a:latin typeface="Bebas Neue"/>
+                <a:ea typeface="Bebas Neue"/>
+                <a:cs typeface="Bebas Neue"/>
+                <a:sym typeface="Bebas Neue"/>
+              </a:defRPr>
+            </a:lvl5pPr>
+            <a:lvl6pPr marR="0" lvl="5" algn="ctr" rtl="0" eaLnBrk="1" hangingPunct="1">
+              <a:lnSpc>
+                <a:spcPct val="90000"/>
+              </a:lnSpc>
+              <a:spcBef>
+                <a:spcPts val="0"/>
+              </a:spcBef>
+              <a:spcAft>
+                <a:spcPts val="0"/>
+              </a:spcAft>
+              <a:buClr>
+                <a:schemeClr val="lt1"/>
+              </a:buClr>
+              <a:buSzPts val="5500"/>
+              <a:buFont typeface="Bebas Neue"/>
+              <a:buNone/>
+              <a:defRPr sz="7333" b="0" i="0" u="none" strike="noStrike" cap="none">
+                <a:solidFill>
+                  <a:schemeClr val="lt1"/>
+                </a:solidFill>
+                <a:latin typeface="Bebas Neue"/>
+                <a:ea typeface="Bebas Neue"/>
+                <a:cs typeface="Bebas Neue"/>
+                <a:sym typeface="Bebas Neue"/>
+              </a:defRPr>
+            </a:lvl6pPr>
+            <a:lvl7pPr marR="0" lvl="6" algn="ctr" rtl="0" eaLnBrk="1" hangingPunct="1">
+              <a:lnSpc>
+                <a:spcPct val="90000"/>
+              </a:lnSpc>
+              <a:spcBef>
+                <a:spcPts val="0"/>
+              </a:spcBef>
+              <a:spcAft>
+                <a:spcPts val="0"/>
+              </a:spcAft>
+              <a:buClr>
+                <a:schemeClr val="lt1"/>
+              </a:buClr>
+              <a:buSzPts val="5500"/>
+              <a:buFont typeface="Bebas Neue"/>
+              <a:buNone/>
+              <a:defRPr sz="7333" b="0" i="0" u="none" strike="noStrike" cap="none">
+                <a:solidFill>
+                  <a:schemeClr val="lt1"/>
+                </a:solidFill>
+                <a:latin typeface="Bebas Neue"/>
+                <a:ea typeface="Bebas Neue"/>
+                <a:cs typeface="Bebas Neue"/>
+                <a:sym typeface="Bebas Neue"/>
+              </a:defRPr>
+            </a:lvl7pPr>
+            <a:lvl8pPr marR="0" lvl="7" algn="ctr" rtl="0" eaLnBrk="1" hangingPunct="1">
+              <a:lnSpc>
+                <a:spcPct val="90000"/>
+              </a:lnSpc>
+              <a:spcBef>
+                <a:spcPts val="0"/>
+              </a:spcBef>
+              <a:spcAft>
+                <a:spcPts val="0"/>
+              </a:spcAft>
+              <a:buClr>
+                <a:schemeClr val="lt1"/>
+              </a:buClr>
+              <a:buSzPts val="5500"/>
+              <a:buFont typeface="Bebas Neue"/>
+              <a:buNone/>
+              <a:defRPr sz="7333" b="0" i="0" u="none" strike="noStrike" cap="none">
+                <a:solidFill>
+                  <a:schemeClr val="lt1"/>
+                </a:solidFill>
+                <a:latin typeface="Bebas Neue"/>
+                <a:ea typeface="Bebas Neue"/>
+                <a:cs typeface="Bebas Neue"/>
+                <a:sym typeface="Bebas Neue"/>
+              </a:defRPr>
+            </a:lvl8pPr>
+            <a:lvl9pPr marR="0" lvl="8" algn="ctr" rtl="0" eaLnBrk="1" hangingPunct="1">
+              <a:lnSpc>
+                <a:spcPct val="90000"/>
+              </a:lnSpc>
+              <a:spcBef>
+                <a:spcPts val="0"/>
+              </a:spcBef>
+              <a:spcAft>
+                <a:spcPts val="0"/>
+              </a:spcAft>
+              <a:buClr>
+                <a:schemeClr val="lt1"/>
+              </a:buClr>
+              <a:buSzPts val="5500"/>
+              <a:buFont typeface="Bebas Neue"/>
+              <a:buNone/>
+              <a:defRPr sz="7333" b="0" i="0" u="none" strike="noStrike" cap="none">
+                <a:solidFill>
+                  <a:schemeClr val="lt1"/>
+                </a:solidFill>
+                <a:latin typeface="Bebas Neue"/>
+                <a:ea typeface="Bebas Neue"/>
+                <a:cs typeface="Bebas Neue"/>
+                <a:sym typeface="Bebas Neue"/>
+              </a:defRPr>
+            </a:lvl9pPr>
+          </a:lstStyle>
+          <a:p>
+            <a:r>
+              <a:rPr lang="fr-CH" sz="1600" dirty="0"/>
+              <a:t>Maxime Bugnion, Matteo Meyer</a:t>
+            </a:r>
+          </a:p>
+          <a:p>
+            <a:r>
+              <a:rPr lang="fr-CH" sz="1600" dirty="0"/>
+              <a:t>3M1</a:t>
+            </a:r>
+          </a:p>
+        </p:txBody>
+      </p:sp>
     </p:spTree>
     <p:extLst>
       <p:ext uri="{BB962C8B-B14F-4D97-AF65-F5344CB8AC3E}">
@@ -21782,6 +22054,196 @@
 </file>
 
 <file path=ppt/slides/slide20.xml><?xml version="1.0" encoding="utf-8"?>
+<p:sld xmlns:a="http://schemas.openxmlformats.org/drawingml/2006/main" xmlns:r="http://schemas.openxmlformats.org/officeDocument/2006/relationships" xmlns:p="http://schemas.openxmlformats.org/presentationml/2006/main">
+  <p:cSld>
+    <p:spTree>
+      <p:nvGrpSpPr>
+        <p:cNvPr id="1" name=""/>
+        <p:cNvGrpSpPr/>
+        <p:nvPr/>
+      </p:nvGrpSpPr>
+      <p:grpSpPr>
+        <a:xfrm>
+          <a:off x="0" y="0"/>
+          <a:ext cx="0" cy="0"/>
+          <a:chOff x="0" y="0"/>
+          <a:chExt cx="0" cy="0"/>
+        </a:xfrm>
+      </p:grpSpPr>
+      <p:sp>
+        <p:nvSpPr>
+          <p:cNvPr id="2" name="Titre 1">
+            <a:extLst>
+              <a:ext uri="{FF2B5EF4-FFF2-40B4-BE49-F238E27FC236}">
+                <a16:creationId xmlns:a16="http://schemas.microsoft.com/office/drawing/2014/main" id="{411340E6-A71C-9A4A-A8CD-2AE63D319F75}"/>
+              </a:ext>
+            </a:extLst>
+          </p:cNvPr>
+          <p:cNvSpPr>
+            <a:spLocks noGrp="1"/>
+          </p:cNvSpPr>
+          <p:nvPr>
+            <p:ph type="title"/>
+          </p:nvPr>
+        </p:nvSpPr>
+        <p:spPr/>
+        <p:txBody>
+          <a:bodyPr/>
+          <a:lstStyle/>
+          <a:p>
+            <a:r>
+              <a:rPr lang="fr-FR" dirty="0"/>
+              <a:t>Héritage</a:t>
+            </a:r>
+          </a:p>
+        </p:txBody>
+      </p:sp>
+      <p:sp>
+        <p:nvSpPr>
+          <p:cNvPr id="3" name="Espace réservé du contenu 2">
+            <a:extLst>
+              <a:ext uri="{FF2B5EF4-FFF2-40B4-BE49-F238E27FC236}">
+                <a16:creationId xmlns:a16="http://schemas.microsoft.com/office/drawing/2014/main" id="{378A3185-AB9A-F04C-ADC8-2E9E2AEB6809}"/>
+              </a:ext>
+            </a:extLst>
+          </p:cNvPr>
+          <p:cNvSpPr>
+            <a:spLocks noGrp="1"/>
+          </p:cNvSpPr>
+          <p:nvPr>
+            <p:ph idx="1"/>
+          </p:nvPr>
+        </p:nvSpPr>
+        <p:spPr/>
+        <p:txBody>
+          <a:bodyPr/>
+          <a:lstStyle/>
+          <a:p>
+            <a:r>
+              <a:rPr lang="fr-FR" dirty="0"/>
+              <a:t>Montrez un exemple de classe hérité</a:t>
+            </a:r>
+          </a:p>
+          <a:p>
+            <a:r>
+              <a:rPr lang="fr-FR" dirty="0"/>
+              <a:t>Quels sont les méthodes du parents</a:t>
+            </a:r>
+          </a:p>
+          <a:p>
+            <a:r>
+              <a:rPr lang="fr-FR" dirty="0"/>
+              <a:t>Quels sont les méthodes de l’enfant</a:t>
+            </a:r>
+          </a:p>
+          <a:p>
+            <a:r>
+              <a:rPr lang="fr-FR" dirty="0"/>
+              <a:t>Quels sont les avantages de l’héritage</a:t>
+            </a:r>
+          </a:p>
+        </p:txBody>
+      </p:sp>
+      <p:sp>
+        <p:nvSpPr>
+          <p:cNvPr id="4" name="Espace réservé de la date 3">
+            <a:extLst>
+              <a:ext uri="{FF2B5EF4-FFF2-40B4-BE49-F238E27FC236}">
+                <a16:creationId xmlns:a16="http://schemas.microsoft.com/office/drawing/2014/main" id="{97696D8D-C806-494D-AADC-5601F573A57E}"/>
+              </a:ext>
+            </a:extLst>
+          </p:cNvPr>
+          <p:cNvSpPr>
+            <a:spLocks noGrp="1"/>
+          </p:cNvSpPr>
+          <p:nvPr>
+            <p:ph type="dt" sz="half" idx="10"/>
+          </p:nvPr>
+        </p:nvSpPr>
+        <p:spPr/>
+        <p:txBody>
+          <a:bodyPr/>
+          <a:lstStyle/>
+          <a:p>
+            <a:r>
+              <a:rPr lang="fr-CH"/>
+              <a:t>18/06/2021</a:t>
+            </a:r>
+            <a:endParaRPr lang="fr-FR"/>
+          </a:p>
+        </p:txBody>
+      </p:sp>
+      <p:sp>
+        <p:nvSpPr>
+          <p:cNvPr id="5" name="Espace réservé du pied de page 4">
+            <a:extLst>
+              <a:ext uri="{FF2B5EF4-FFF2-40B4-BE49-F238E27FC236}">
+                <a16:creationId xmlns:a16="http://schemas.microsoft.com/office/drawing/2014/main" id="{B938D344-3D1F-BF43-95AB-F5A9B8414A5C}"/>
+              </a:ext>
+            </a:extLst>
+          </p:cNvPr>
+          <p:cNvSpPr>
+            <a:spLocks noGrp="1"/>
+          </p:cNvSpPr>
+          <p:nvPr>
+            <p:ph type="ftr" sz="quarter" idx="11"/>
+          </p:nvPr>
+        </p:nvSpPr>
+        <p:spPr/>
+        <p:txBody>
+          <a:bodyPr/>
+          <a:lstStyle/>
+          <a:p>
+            <a:r>
+              <a:rPr lang="fr-FR"/>
+              <a:t>nom des élèves - nom du jeu</a:t>
+            </a:r>
+          </a:p>
+        </p:txBody>
+      </p:sp>
+      <p:sp>
+        <p:nvSpPr>
+          <p:cNvPr id="6" name="Espace réservé du numéro de diapositive 5">
+            <a:extLst>
+              <a:ext uri="{FF2B5EF4-FFF2-40B4-BE49-F238E27FC236}">
+                <a16:creationId xmlns:a16="http://schemas.microsoft.com/office/drawing/2014/main" id="{4B2A584B-BD18-F049-9EC7-2A1196D4D2AB}"/>
+              </a:ext>
+            </a:extLst>
+          </p:cNvPr>
+          <p:cNvSpPr>
+            <a:spLocks noGrp="1"/>
+          </p:cNvSpPr>
+          <p:nvPr>
+            <p:ph type="sldNum" sz="quarter" idx="12"/>
+          </p:nvPr>
+        </p:nvSpPr>
+        <p:spPr/>
+        <p:txBody>
+          <a:bodyPr/>
+          <a:lstStyle/>
+          <a:p>
+            <a:fld id="{8565C1E6-8FB8-4442-BEDC-4DDD643D2FC5}" type="slidenum">
+              <a:rPr lang="fr-FR" smtClean="0"/>
+              <a:t>20</a:t>
+            </a:fld>
+            <a:endParaRPr lang="fr-FR"/>
+          </a:p>
+        </p:txBody>
+      </p:sp>
+    </p:spTree>
+    <p:extLst>
+      <p:ext uri="{BB962C8B-B14F-4D97-AF65-F5344CB8AC3E}">
+        <p14:creationId xmlns:p14="http://schemas.microsoft.com/office/powerpoint/2010/main" val="3187019808"/>
+      </p:ext>
+    </p:extLst>
+  </p:cSld>
+  <p:clrMapOvr>
+    <a:masterClrMapping/>
+  </p:clrMapOvr>
+</p:sld>
+</file>
+
+<file path=ppt/slides/slide21.xml><?xml version="1.0" encoding="utf-8"?>
 <p:sld xmlns:a="http://schemas.openxmlformats.org/drawingml/2006/main" xmlns:r="http://schemas.openxmlformats.org/officeDocument/2006/relationships" xmlns:p="http://schemas.openxmlformats.org/presentationml/2006/main">
   <p:cSld>
     <p:spTree>
@@ -21871,7 +22333,7 @@
           <a:p>
             <a:fld id="{8565C1E6-8FB8-4442-BEDC-4DDD643D2FC5}" type="slidenum">
               <a:rPr lang="fr-FR" smtClean="0"/>
-              <a:t>20</a:t>
+              <a:t>21</a:t>
             </a:fld>
             <a:endParaRPr lang="fr-FR"/>
           </a:p>
@@ -21915,7 +22377,7 @@
 </p:sld>
 </file>
 
-<file path=ppt/slides/slide21.xml><?xml version="1.0" encoding="utf-8"?>
+<file path=ppt/slides/slide22.xml><?xml version="1.0" encoding="utf-8"?>
 <p:sld xmlns:a="http://schemas.openxmlformats.org/drawingml/2006/main" xmlns:r="http://schemas.openxmlformats.org/officeDocument/2006/relationships" xmlns:p="http://schemas.openxmlformats.org/presentationml/2006/main">
   <p:cSld>
     <p:spTree>
@@ -22095,7 +22557,7 @@
           <a:p>
             <a:fld id="{8565C1E6-8FB8-4442-BEDC-4DDD643D2FC5}" type="slidenum">
               <a:rPr lang="fr-FR" smtClean="0"/>
-              <a:t>21</a:t>
+              <a:t>22</a:t>
             </a:fld>
             <a:endParaRPr lang="fr-FR"/>
           </a:p>
@@ -22114,7 +22576,7 @@
 </p:sld>
 </file>
 
-<file path=ppt/slides/slide22.xml><?xml version="1.0" encoding="utf-8"?>
+<file path=ppt/slides/slide23.xml><?xml version="1.0" encoding="utf-8"?>
 <p:sld xmlns:a="http://schemas.openxmlformats.org/drawingml/2006/main" xmlns:r="http://schemas.openxmlformats.org/officeDocument/2006/relationships" xmlns:p="http://schemas.openxmlformats.org/presentationml/2006/main">
   <p:cSld>
     <p:spTree>
@@ -22204,7 +22666,7 @@
           <a:p>
             <a:fld id="{8565C1E6-8FB8-4442-BEDC-4DDD643D2FC5}" type="slidenum">
               <a:rPr lang="fr-FR" smtClean="0"/>
-              <a:t>22</a:t>
+              <a:t>23</a:t>
             </a:fld>
             <a:endParaRPr lang="fr-FR"/>
           </a:p>
@@ -22248,7 +22710,7 @@
 </p:sld>
 </file>
 
-<file path=ppt/slides/slide23.xml><?xml version="1.0" encoding="utf-8"?>
+<file path=ppt/slides/slide24.xml><?xml version="1.0" encoding="utf-8"?>
 <p:sld xmlns:a="http://schemas.openxmlformats.org/drawingml/2006/main" xmlns:r="http://schemas.openxmlformats.org/officeDocument/2006/relationships" xmlns:p="http://schemas.openxmlformats.org/presentationml/2006/main">
   <p:cSld>
     <p:spTree>
@@ -22419,7 +22881,7 @@
           <a:p>
             <a:fld id="{8565C1E6-8FB8-4442-BEDC-4DDD643D2FC5}" type="slidenum">
               <a:rPr lang="fr-FR" smtClean="0"/>
-              <a:t>23</a:t>
+              <a:t>24</a:t>
             </a:fld>
             <a:endParaRPr lang="fr-FR"/>
           </a:p>
@@ -22429,140 +22891,6 @@
     <p:extLst>
       <p:ext uri="{BB962C8B-B14F-4D97-AF65-F5344CB8AC3E}">
         <p14:creationId xmlns:p14="http://schemas.microsoft.com/office/powerpoint/2010/main" val="2528260495"/>
-      </p:ext>
-    </p:extLst>
-  </p:cSld>
-  <p:clrMapOvr>
-    <a:masterClrMapping/>
-  </p:clrMapOvr>
-</p:sld>
-</file>
-
-<file path=ppt/slides/slide24.xml><?xml version="1.0" encoding="utf-8"?>
-<p:sld xmlns:a="http://schemas.openxmlformats.org/drawingml/2006/main" xmlns:r="http://schemas.openxmlformats.org/officeDocument/2006/relationships" xmlns:p="http://schemas.openxmlformats.org/presentationml/2006/main">
-  <p:cSld>
-    <p:spTree>
-      <p:nvGrpSpPr>
-        <p:cNvPr id="1" name=""/>
-        <p:cNvGrpSpPr/>
-        <p:nvPr/>
-      </p:nvGrpSpPr>
-      <p:grpSpPr>
-        <a:xfrm>
-          <a:off x="0" y="0"/>
-          <a:ext cx="0" cy="0"/>
-          <a:chOff x="0" y="0"/>
-          <a:chExt cx="0" cy="0"/>
-        </a:xfrm>
-      </p:grpSpPr>
-      <p:sp>
-        <p:nvSpPr>
-          <p:cNvPr id="2" name="Titre 1">
-            <a:extLst>
-              <a:ext uri="{FF2B5EF4-FFF2-40B4-BE49-F238E27FC236}">
-                <a16:creationId xmlns:a16="http://schemas.microsoft.com/office/drawing/2014/main" id="{0068156D-3A13-436F-89BC-39CEC5AF91B3}"/>
-              </a:ext>
-            </a:extLst>
-          </p:cNvPr>
-          <p:cNvSpPr>
-            <a:spLocks noGrp="1"/>
-          </p:cNvSpPr>
-          <p:nvPr>
-            <p:ph type="title"/>
-          </p:nvPr>
-        </p:nvSpPr>
-        <p:spPr/>
-        <p:txBody>
-          <a:bodyPr/>
-          <a:lstStyle/>
-          <a:p>
-            <a:endParaRPr lang="fr-CH"/>
-          </a:p>
-        </p:txBody>
-      </p:sp>
-      <p:sp>
-        <p:nvSpPr>
-          <p:cNvPr id="3" name="Espace réservé du texte 2">
-            <a:extLst>
-              <a:ext uri="{FF2B5EF4-FFF2-40B4-BE49-F238E27FC236}">
-                <a16:creationId xmlns:a16="http://schemas.microsoft.com/office/drawing/2014/main" id="{5666598E-3126-42FD-B6A0-D19F8B3723D7}"/>
-              </a:ext>
-            </a:extLst>
-          </p:cNvPr>
-          <p:cNvSpPr>
-            <a:spLocks noGrp="1"/>
-          </p:cNvSpPr>
-          <p:nvPr>
-            <p:ph type="body" idx="1"/>
-          </p:nvPr>
-        </p:nvSpPr>
-        <p:spPr/>
-        <p:txBody>
-          <a:bodyPr/>
-          <a:lstStyle/>
-          <a:p>
-            <a:endParaRPr lang="fr-CH"/>
-          </a:p>
-        </p:txBody>
-      </p:sp>
-      <p:sp>
-        <p:nvSpPr>
-          <p:cNvPr id="4" name="Espace réservé du numéro de diapositive 3">
-            <a:extLst>
-              <a:ext uri="{FF2B5EF4-FFF2-40B4-BE49-F238E27FC236}">
-                <a16:creationId xmlns:a16="http://schemas.microsoft.com/office/drawing/2014/main" id="{F80FB2EC-F620-474E-9C7C-3AD84EEFDABD}"/>
-              </a:ext>
-            </a:extLst>
-          </p:cNvPr>
-          <p:cNvSpPr>
-            <a:spLocks noGrp="1"/>
-          </p:cNvSpPr>
-          <p:nvPr>
-            <p:ph type="sldNum" idx="12"/>
-          </p:nvPr>
-        </p:nvSpPr>
-        <p:spPr/>
-        <p:txBody>
-          <a:bodyPr/>
-          <a:lstStyle/>
-          <a:p>
-            <a:fld id="{8565C1E6-8FB8-4442-BEDC-4DDD643D2FC5}" type="slidenum">
-              <a:rPr lang="fr-FR" smtClean="0"/>
-              <a:t>24</a:t>
-            </a:fld>
-            <a:endParaRPr lang="fr-FR"/>
-          </a:p>
-        </p:txBody>
-      </p:sp>
-      <p:sp>
-        <p:nvSpPr>
-          <p:cNvPr id="5" name="Espace réservé du contenu 4">
-            <a:extLst>
-              <a:ext uri="{FF2B5EF4-FFF2-40B4-BE49-F238E27FC236}">
-                <a16:creationId xmlns:a16="http://schemas.microsoft.com/office/drawing/2014/main" id="{604E59FB-B512-47DF-96D1-2D9CD1B07028}"/>
-              </a:ext>
-            </a:extLst>
-          </p:cNvPr>
-          <p:cNvSpPr>
-            <a:spLocks noGrp="1"/>
-          </p:cNvSpPr>
-          <p:nvPr>
-            <p:ph sz="quarter" idx="13"/>
-          </p:nvPr>
-        </p:nvSpPr>
-        <p:spPr/>
-        <p:txBody>
-          <a:bodyPr/>
-          <a:lstStyle/>
-          <a:p>
-            <a:endParaRPr lang="fr-CH"/>
-          </a:p>
-        </p:txBody>
-      </p:sp>
-    </p:spTree>
-    <p:extLst>
-      <p:ext uri="{BB962C8B-B14F-4D97-AF65-F5344CB8AC3E}">
-        <p14:creationId xmlns:p14="http://schemas.microsoft.com/office/powerpoint/2010/main" val="2316839347"/>
       </p:ext>
     </p:extLst>
   </p:cSld>
@@ -22809,6 +23137,65 @@
       </p:grpSpPr>
       <p:sp>
         <p:nvSpPr>
+          <p:cNvPr id="2" name="Espace réservé du numéro de diapositive 1">
+            <a:extLst>
+              <a:ext uri="{FF2B5EF4-FFF2-40B4-BE49-F238E27FC236}">
+                <a16:creationId xmlns:a16="http://schemas.microsoft.com/office/drawing/2014/main" id="{250BAF95-8B85-4263-9BA3-B84BD6DD21C4}"/>
+              </a:ext>
+            </a:extLst>
+          </p:cNvPr>
+          <p:cNvSpPr>
+            <a:spLocks noGrp="1"/>
+          </p:cNvSpPr>
+          <p:nvPr>
+            <p:ph type="sldNum" idx="12"/>
+          </p:nvPr>
+        </p:nvSpPr>
+        <p:spPr/>
+        <p:txBody>
+          <a:bodyPr/>
+          <a:lstStyle/>
+          <a:p>
+            <a:fld id="{8565C1E6-8FB8-4442-BEDC-4DDD643D2FC5}" type="slidenum">
+              <a:rPr lang="fr-FR" smtClean="0"/>
+              <a:t>26</a:t>
+            </a:fld>
+            <a:endParaRPr lang="fr-FR"/>
+          </a:p>
+        </p:txBody>
+      </p:sp>
+    </p:spTree>
+    <p:extLst>
+      <p:ext uri="{BB962C8B-B14F-4D97-AF65-F5344CB8AC3E}">
+        <p14:creationId xmlns:p14="http://schemas.microsoft.com/office/powerpoint/2010/main" val="2838897740"/>
+      </p:ext>
+    </p:extLst>
+  </p:cSld>
+  <p:clrMapOvr>
+    <a:masterClrMapping/>
+  </p:clrMapOvr>
+</p:sld>
+</file>
+
+<file path=ppt/slides/slide27.xml><?xml version="1.0" encoding="utf-8"?>
+<p:sld xmlns:a="http://schemas.openxmlformats.org/drawingml/2006/main" xmlns:r="http://schemas.openxmlformats.org/officeDocument/2006/relationships" xmlns:p="http://schemas.openxmlformats.org/presentationml/2006/main">
+  <p:cSld>
+    <p:spTree>
+      <p:nvGrpSpPr>
+        <p:cNvPr id="1" name=""/>
+        <p:cNvGrpSpPr/>
+        <p:nvPr/>
+      </p:nvGrpSpPr>
+      <p:grpSpPr>
+        <a:xfrm>
+          <a:off x="0" y="0"/>
+          <a:ext cx="0" cy="0"/>
+          <a:chOff x="0" y="0"/>
+          <a:chExt cx="0" cy="0"/>
+        </a:xfrm>
+      </p:grpSpPr>
+      <p:sp>
+        <p:nvSpPr>
           <p:cNvPr id="2" name="Titre 1">
             <a:extLst>
               <a:ext uri="{FF2B5EF4-FFF2-40B4-BE49-F238E27FC236}">
@@ -22977,7 +23364,7 @@
           <a:p>
             <a:fld id="{8565C1E6-8FB8-4442-BEDC-4DDD643D2FC5}" type="slidenum">
               <a:rPr lang="fr-FR" smtClean="0"/>
-              <a:t>26</a:t>
+              <a:t>27</a:t>
             </a:fld>
             <a:endParaRPr lang="fr-FR"/>
           </a:p>
@@ -22996,7 +23383,7 @@
 </p:sld>
 </file>
 
-<file path=ppt/slides/slide27.xml><?xml version="1.0" encoding="utf-8"?>
+<file path=ppt/slides/slide28.xml><?xml version="1.0" encoding="utf-8"?>
 <p:sld xmlns:a="http://schemas.openxmlformats.org/drawingml/2006/main" xmlns:r="http://schemas.openxmlformats.org/officeDocument/2006/relationships" xmlns:p="http://schemas.openxmlformats.org/presentationml/2006/main">
   <p:cSld>
     <p:spTree>
@@ -23222,7 +23609,7 @@
           <a:p>
             <a:fld id="{8565C1E6-8FB8-4442-BEDC-4DDD643D2FC5}" type="slidenum">
               <a:rPr lang="fr-FR" smtClean="0"/>
-              <a:t>27</a:t>
+              <a:t>28</a:t>
             </a:fld>
             <a:endParaRPr lang="fr-FR"/>
           </a:p>
@@ -23266,7 +23653,7 @@
 </p:sld>
 </file>
 
-<file path=ppt/slides/slide28.xml><?xml version="1.0" encoding="utf-8"?>
+<file path=ppt/slides/slide29.xml><?xml version="1.0" encoding="utf-8"?>
 <p:sld xmlns:a="http://schemas.openxmlformats.org/drawingml/2006/main" xmlns:r="http://schemas.openxmlformats.org/officeDocument/2006/relationships" xmlns:p="http://schemas.openxmlformats.org/presentationml/2006/main">
   <p:cSld>
     <p:spTree>
@@ -23306,7 +23693,7 @@
           <a:p>
             <a:fld id="{8565C1E6-8FB8-4442-BEDC-4DDD643D2FC5}" type="slidenum">
               <a:rPr lang="fr-FR" smtClean="0"/>
-              <a:t>28</a:t>
+              <a:t>29</a:t>
             </a:fld>
             <a:endParaRPr lang="fr-FR"/>
           </a:p>
@@ -23385,207 +23772,6 @@
 </p:sld>
 </file>
 
-<file path=ppt/slides/slide29.xml><?xml version="1.0" encoding="utf-8"?>
-<p:sld xmlns:a="http://schemas.openxmlformats.org/drawingml/2006/main" xmlns:r="http://schemas.openxmlformats.org/officeDocument/2006/relationships" xmlns:p="http://schemas.openxmlformats.org/presentationml/2006/main">
-  <p:cSld>
-    <p:spTree>
-      <p:nvGrpSpPr>
-        <p:cNvPr id="1" name=""/>
-        <p:cNvGrpSpPr/>
-        <p:nvPr/>
-      </p:nvGrpSpPr>
-      <p:grpSpPr>
-        <a:xfrm>
-          <a:off x="0" y="0"/>
-          <a:ext cx="0" cy="0"/>
-          <a:chOff x="0" y="0"/>
-          <a:chExt cx="0" cy="0"/>
-        </a:xfrm>
-      </p:grpSpPr>
-      <p:sp>
-        <p:nvSpPr>
-          <p:cNvPr id="2" name="Titre 1">
-            <a:extLst>
-              <a:ext uri="{FF2B5EF4-FFF2-40B4-BE49-F238E27FC236}">
-                <a16:creationId xmlns:a16="http://schemas.microsoft.com/office/drawing/2014/main" id="{9BA81311-6E97-CC43-9A67-290631C975C3}"/>
-              </a:ext>
-            </a:extLst>
-          </p:cNvPr>
-          <p:cNvSpPr>
-            <a:spLocks noGrp="1"/>
-          </p:cNvSpPr>
-          <p:nvPr>
-            <p:ph type="title"/>
-          </p:nvPr>
-        </p:nvSpPr>
-        <p:spPr/>
-        <p:txBody>
-          <a:bodyPr/>
-          <a:lstStyle/>
-          <a:p>
-            <a:r>
-              <a:rPr lang="fr-FR" dirty="0"/>
-              <a:t>Dessiner à l’écran</a:t>
-            </a:r>
-          </a:p>
-        </p:txBody>
-      </p:sp>
-      <p:sp>
-        <p:nvSpPr>
-          <p:cNvPr id="3" name="Espace réservé du contenu 2">
-            <a:extLst>
-              <a:ext uri="{FF2B5EF4-FFF2-40B4-BE49-F238E27FC236}">
-                <a16:creationId xmlns:a16="http://schemas.microsoft.com/office/drawing/2014/main" id="{0CB35ED6-124A-9049-9F79-86B66C7694BD}"/>
-              </a:ext>
-            </a:extLst>
-          </p:cNvPr>
-          <p:cNvSpPr>
-            <a:spLocks noGrp="1"/>
-          </p:cNvSpPr>
-          <p:nvPr>
-            <p:ph idx="1"/>
-          </p:nvPr>
-        </p:nvSpPr>
-        <p:spPr/>
-        <p:txBody>
-          <a:bodyPr/>
-          <a:lstStyle/>
-          <a:p>
-            <a:r>
-              <a:rPr lang="fr-FR" dirty="0"/>
-              <a:t>Montrez comment sont dessinés vos éléments graphiques</a:t>
-            </a:r>
-          </a:p>
-          <a:p>
-            <a:r>
-              <a:rPr lang="fr-FR" dirty="0"/>
-              <a:t>Arrière-fond</a:t>
-            </a:r>
-          </a:p>
-          <a:p>
-            <a:r>
-              <a:rPr lang="fr-FR" dirty="0"/>
-              <a:t>Player</a:t>
-            </a:r>
-          </a:p>
-          <a:p>
-            <a:r>
-              <a:rPr lang="fr-FR" dirty="0"/>
-              <a:t>Texte</a:t>
-            </a:r>
-          </a:p>
-          <a:p>
-            <a:r>
-              <a:rPr lang="fr-FR" dirty="0"/>
-              <a:t>Autre </a:t>
-            </a:r>
-            <a:r>
-              <a:rPr lang="fr-FR" dirty="0" err="1"/>
-              <a:t>sprites</a:t>
-            </a:r>
-            <a:endParaRPr lang="fr-FR" dirty="0"/>
-          </a:p>
-        </p:txBody>
-      </p:sp>
-      <p:sp>
-        <p:nvSpPr>
-          <p:cNvPr id="4" name="Espace réservé de la date 3">
-            <a:extLst>
-              <a:ext uri="{FF2B5EF4-FFF2-40B4-BE49-F238E27FC236}">
-                <a16:creationId xmlns:a16="http://schemas.microsoft.com/office/drawing/2014/main" id="{88AFAD5C-5D85-BC4B-94F4-F1B3628C59D0}"/>
-              </a:ext>
-            </a:extLst>
-          </p:cNvPr>
-          <p:cNvSpPr>
-            <a:spLocks noGrp="1"/>
-          </p:cNvSpPr>
-          <p:nvPr>
-            <p:ph type="dt" sz="half" idx="10"/>
-          </p:nvPr>
-        </p:nvSpPr>
-        <p:spPr/>
-        <p:txBody>
-          <a:bodyPr/>
-          <a:lstStyle/>
-          <a:p>
-            <a:r>
-              <a:rPr lang="fr-CH"/>
-              <a:t>18/06/2021</a:t>
-            </a:r>
-            <a:endParaRPr lang="fr-FR"/>
-          </a:p>
-        </p:txBody>
-      </p:sp>
-      <p:sp>
-        <p:nvSpPr>
-          <p:cNvPr id="5" name="Espace réservé du pied de page 4">
-            <a:extLst>
-              <a:ext uri="{FF2B5EF4-FFF2-40B4-BE49-F238E27FC236}">
-                <a16:creationId xmlns:a16="http://schemas.microsoft.com/office/drawing/2014/main" id="{F0BC6B61-CADD-BD4F-B215-C568ECEEA18C}"/>
-              </a:ext>
-            </a:extLst>
-          </p:cNvPr>
-          <p:cNvSpPr>
-            <a:spLocks noGrp="1"/>
-          </p:cNvSpPr>
-          <p:nvPr>
-            <p:ph type="ftr" sz="quarter" idx="11"/>
-          </p:nvPr>
-        </p:nvSpPr>
-        <p:spPr/>
-        <p:txBody>
-          <a:bodyPr/>
-          <a:lstStyle/>
-          <a:p>
-            <a:r>
-              <a:rPr lang="fr-FR"/>
-              <a:t>nom des élèves - nom du jeu</a:t>
-            </a:r>
-          </a:p>
-        </p:txBody>
-      </p:sp>
-      <p:sp>
-        <p:nvSpPr>
-          <p:cNvPr id="6" name="Espace réservé du numéro de diapositive 5">
-            <a:extLst>
-              <a:ext uri="{FF2B5EF4-FFF2-40B4-BE49-F238E27FC236}">
-                <a16:creationId xmlns:a16="http://schemas.microsoft.com/office/drawing/2014/main" id="{45F3F050-6F9F-4D43-9058-CF86CD8DF00E}"/>
-              </a:ext>
-            </a:extLst>
-          </p:cNvPr>
-          <p:cNvSpPr>
-            <a:spLocks noGrp="1"/>
-          </p:cNvSpPr>
-          <p:nvPr>
-            <p:ph type="sldNum" sz="quarter" idx="12"/>
-          </p:nvPr>
-        </p:nvSpPr>
-        <p:spPr/>
-        <p:txBody>
-          <a:bodyPr/>
-          <a:lstStyle/>
-          <a:p>
-            <a:fld id="{8565C1E6-8FB8-4442-BEDC-4DDD643D2FC5}" type="slidenum">
-              <a:rPr lang="fr-FR" smtClean="0"/>
-              <a:t>29</a:t>
-            </a:fld>
-            <a:endParaRPr lang="fr-FR"/>
-          </a:p>
-        </p:txBody>
-      </p:sp>
-    </p:spTree>
-    <p:extLst>
-      <p:ext uri="{BB962C8B-B14F-4D97-AF65-F5344CB8AC3E}">
-        <p14:creationId xmlns:p14="http://schemas.microsoft.com/office/powerpoint/2010/main" val="3655317770"/>
-      </p:ext>
-    </p:extLst>
-  </p:cSld>
-  <p:clrMapOvr>
-    <a:masterClrMapping/>
-  </p:clrMapOvr>
-</p:sld>
-</file>
-
 <file path=ppt/slides/slide3.xml><?xml version="1.0" encoding="utf-8"?>
 <p:sld xmlns:a="http://schemas.openxmlformats.org/drawingml/2006/main" xmlns:r="http://schemas.openxmlformats.org/officeDocument/2006/relationships" xmlns:p="http://schemas.openxmlformats.org/presentationml/2006/main">
   <p:cSld>
@@ -23755,6 +23941,301 @@
           </a:p>
         </p:txBody>
       </p:sp>
+      <p:sp>
+        <p:nvSpPr>
+          <p:cNvPr id="5" name="Titre 1">
+            <a:extLst>
+              <a:ext uri="{FF2B5EF4-FFF2-40B4-BE49-F238E27FC236}">
+                <a16:creationId xmlns:a16="http://schemas.microsoft.com/office/drawing/2014/main" id="{40EEDFB9-22AE-4265-99F0-7AF35CC659D7}"/>
+              </a:ext>
+            </a:extLst>
+          </p:cNvPr>
+          <p:cNvSpPr txBox="1">
+            <a:spLocks/>
+          </p:cNvSpPr>
+          <p:nvPr/>
+        </p:nvSpPr>
+        <p:spPr>
+          <a:xfrm>
+            <a:off x="914367" y="6047535"/>
+            <a:ext cx="10363200" cy="810400"/>
+          </a:xfrm>
+          <a:prstGeom prst="rect">
+            <a:avLst/>
+          </a:prstGeom>
+          <a:noFill/>
+          <a:ln>
+            <a:noFill/>
+          </a:ln>
+          <a:effectLst>
+            <a:reflection stA="25000" endPos="60000" fadeDir="5400012" sy="-100000" algn="bl" rotWithShape="0"/>
+          </a:effectLst>
+        </p:spPr>
+        <p:txBody>
+          <a:bodyPr spcFirstLastPara="1" wrap="square" lIns="0" tIns="0" rIns="0" bIns="0" anchor="t" anchorCtr="0">
+            <a:noAutofit/>
+          </a:bodyPr>
+          <a:lstStyle>
+            <a:defPPr marR="0" lvl="0" algn="l" rtl="0">
+              <a:lnSpc>
+                <a:spcPct val="100000"/>
+              </a:lnSpc>
+              <a:spcBef>
+                <a:spcPts val="0"/>
+              </a:spcBef>
+              <a:spcAft>
+                <a:spcPts val="0"/>
+              </a:spcAft>
+            </a:defPPr>
+            <a:lvl1pPr marR="0" lvl="0" algn="ctr" rtl="0" eaLnBrk="1" hangingPunct="1">
+              <a:lnSpc>
+                <a:spcPct val="90000"/>
+              </a:lnSpc>
+              <a:spcBef>
+                <a:spcPts val="0"/>
+              </a:spcBef>
+              <a:spcAft>
+                <a:spcPts val="0"/>
+              </a:spcAft>
+              <a:buClr>
+                <a:schemeClr val="lt1"/>
+              </a:buClr>
+              <a:buSzPts val="5500"/>
+              <a:buFont typeface="Bebas Neue"/>
+              <a:buNone/>
+              <a:defRPr sz="7333" b="0" i="0" u="none" strike="noStrike" cap="none">
+                <a:solidFill>
+                  <a:schemeClr val="lt1"/>
+                </a:solidFill>
+                <a:latin typeface="Bebas Neue"/>
+                <a:ea typeface="Bebas Neue"/>
+                <a:cs typeface="Bebas Neue"/>
+                <a:sym typeface="Bebas Neue"/>
+              </a:defRPr>
+            </a:lvl1pPr>
+            <a:lvl2pPr marR="0" lvl="1" algn="ctr" rtl="0" eaLnBrk="1" hangingPunct="1">
+              <a:lnSpc>
+                <a:spcPct val="90000"/>
+              </a:lnSpc>
+              <a:spcBef>
+                <a:spcPts val="0"/>
+              </a:spcBef>
+              <a:spcAft>
+                <a:spcPts val="0"/>
+              </a:spcAft>
+              <a:buClr>
+                <a:schemeClr val="lt1"/>
+              </a:buClr>
+              <a:buSzPts val="5500"/>
+              <a:buFont typeface="Bebas Neue"/>
+              <a:buNone/>
+              <a:defRPr sz="7333" b="0" i="0" u="none" strike="noStrike" cap="none">
+                <a:solidFill>
+                  <a:schemeClr val="lt1"/>
+                </a:solidFill>
+                <a:latin typeface="Bebas Neue"/>
+                <a:ea typeface="Bebas Neue"/>
+                <a:cs typeface="Bebas Neue"/>
+                <a:sym typeface="Bebas Neue"/>
+              </a:defRPr>
+            </a:lvl2pPr>
+            <a:lvl3pPr marR="0" lvl="2" algn="ctr" rtl="0" eaLnBrk="1" hangingPunct="1">
+              <a:lnSpc>
+                <a:spcPct val="90000"/>
+              </a:lnSpc>
+              <a:spcBef>
+                <a:spcPts val="0"/>
+              </a:spcBef>
+              <a:spcAft>
+                <a:spcPts val="0"/>
+              </a:spcAft>
+              <a:buClr>
+                <a:schemeClr val="lt1"/>
+              </a:buClr>
+              <a:buSzPts val="5500"/>
+              <a:buFont typeface="Bebas Neue"/>
+              <a:buNone/>
+              <a:defRPr sz="7333" b="0" i="0" u="none" strike="noStrike" cap="none">
+                <a:solidFill>
+                  <a:schemeClr val="lt1"/>
+                </a:solidFill>
+                <a:latin typeface="Bebas Neue"/>
+                <a:ea typeface="Bebas Neue"/>
+                <a:cs typeface="Bebas Neue"/>
+                <a:sym typeface="Bebas Neue"/>
+              </a:defRPr>
+            </a:lvl3pPr>
+            <a:lvl4pPr marR="0" lvl="3" algn="ctr" rtl="0" eaLnBrk="1" hangingPunct="1">
+              <a:lnSpc>
+                <a:spcPct val="90000"/>
+              </a:lnSpc>
+              <a:spcBef>
+                <a:spcPts val="0"/>
+              </a:spcBef>
+              <a:spcAft>
+                <a:spcPts val="0"/>
+              </a:spcAft>
+              <a:buClr>
+                <a:schemeClr val="lt1"/>
+              </a:buClr>
+              <a:buSzPts val="5500"/>
+              <a:buFont typeface="Bebas Neue"/>
+              <a:buNone/>
+              <a:defRPr sz="7333" b="0" i="0" u="none" strike="noStrike" cap="none">
+                <a:solidFill>
+                  <a:schemeClr val="lt1"/>
+                </a:solidFill>
+                <a:latin typeface="Bebas Neue"/>
+                <a:ea typeface="Bebas Neue"/>
+                <a:cs typeface="Bebas Neue"/>
+                <a:sym typeface="Bebas Neue"/>
+              </a:defRPr>
+            </a:lvl4pPr>
+            <a:lvl5pPr marR="0" lvl="4" algn="ctr" rtl="0" eaLnBrk="1" hangingPunct="1">
+              <a:lnSpc>
+                <a:spcPct val="90000"/>
+              </a:lnSpc>
+              <a:spcBef>
+                <a:spcPts val="0"/>
+              </a:spcBef>
+              <a:spcAft>
+                <a:spcPts val="0"/>
+              </a:spcAft>
+              <a:buClr>
+                <a:schemeClr val="lt1"/>
+              </a:buClr>
+              <a:buSzPts val="5500"/>
+              <a:buFont typeface="Bebas Neue"/>
+              <a:buNone/>
+              <a:defRPr sz="7333" b="0" i="0" u="none" strike="noStrike" cap="none">
+                <a:solidFill>
+                  <a:schemeClr val="lt1"/>
+                </a:solidFill>
+                <a:latin typeface="Bebas Neue"/>
+                <a:ea typeface="Bebas Neue"/>
+                <a:cs typeface="Bebas Neue"/>
+                <a:sym typeface="Bebas Neue"/>
+              </a:defRPr>
+            </a:lvl5pPr>
+            <a:lvl6pPr marR="0" lvl="5" algn="ctr" rtl="0" eaLnBrk="1" hangingPunct="1">
+              <a:lnSpc>
+                <a:spcPct val="90000"/>
+              </a:lnSpc>
+              <a:spcBef>
+                <a:spcPts val="0"/>
+              </a:spcBef>
+              <a:spcAft>
+                <a:spcPts val="0"/>
+              </a:spcAft>
+              <a:buClr>
+                <a:schemeClr val="lt1"/>
+              </a:buClr>
+              <a:buSzPts val="5500"/>
+              <a:buFont typeface="Bebas Neue"/>
+              <a:buNone/>
+              <a:defRPr sz="7333" b="0" i="0" u="none" strike="noStrike" cap="none">
+                <a:solidFill>
+                  <a:schemeClr val="lt1"/>
+                </a:solidFill>
+                <a:latin typeface="Bebas Neue"/>
+                <a:ea typeface="Bebas Neue"/>
+                <a:cs typeface="Bebas Neue"/>
+                <a:sym typeface="Bebas Neue"/>
+              </a:defRPr>
+            </a:lvl6pPr>
+            <a:lvl7pPr marR="0" lvl="6" algn="ctr" rtl="0" eaLnBrk="1" hangingPunct="1">
+              <a:lnSpc>
+                <a:spcPct val="90000"/>
+              </a:lnSpc>
+              <a:spcBef>
+                <a:spcPts val="0"/>
+              </a:spcBef>
+              <a:spcAft>
+                <a:spcPts val="0"/>
+              </a:spcAft>
+              <a:buClr>
+                <a:schemeClr val="lt1"/>
+              </a:buClr>
+              <a:buSzPts val="5500"/>
+              <a:buFont typeface="Bebas Neue"/>
+              <a:buNone/>
+              <a:defRPr sz="7333" b="0" i="0" u="none" strike="noStrike" cap="none">
+                <a:solidFill>
+                  <a:schemeClr val="lt1"/>
+                </a:solidFill>
+                <a:latin typeface="Bebas Neue"/>
+                <a:ea typeface="Bebas Neue"/>
+                <a:cs typeface="Bebas Neue"/>
+                <a:sym typeface="Bebas Neue"/>
+              </a:defRPr>
+            </a:lvl7pPr>
+            <a:lvl8pPr marR="0" lvl="7" algn="ctr" rtl="0" eaLnBrk="1" hangingPunct="1">
+              <a:lnSpc>
+                <a:spcPct val="90000"/>
+              </a:lnSpc>
+              <a:spcBef>
+                <a:spcPts val="0"/>
+              </a:spcBef>
+              <a:spcAft>
+                <a:spcPts val="0"/>
+              </a:spcAft>
+              <a:buClr>
+                <a:schemeClr val="lt1"/>
+              </a:buClr>
+              <a:buSzPts val="5500"/>
+              <a:buFont typeface="Bebas Neue"/>
+              <a:buNone/>
+              <a:defRPr sz="7333" b="0" i="0" u="none" strike="noStrike" cap="none">
+                <a:solidFill>
+                  <a:schemeClr val="lt1"/>
+                </a:solidFill>
+                <a:latin typeface="Bebas Neue"/>
+                <a:ea typeface="Bebas Neue"/>
+                <a:cs typeface="Bebas Neue"/>
+                <a:sym typeface="Bebas Neue"/>
+              </a:defRPr>
+            </a:lvl8pPr>
+            <a:lvl9pPr marR="0" lvl="8" algn="ctr" rtl="0" eaLnBrk="1" hangingPunct="1">
+              <a:lnSpc>
+                <a:spcPct val="90000"/>
+              </a:lnSpc>
+              <a:spcBef>
+                <a:spcPts val="0"/>
+              </a:spcBef>
+              <a:spcAft>
+                <a:spcPts val="0"/>
+              </a:spcAft>
+              <a:buClr>
+                <a:schemeClr val="lt1"/>
+              </a:buClr>
+              <a:buSzPts val="5500"/>
+              <a:buFont typeface="Bebas Neue"/>
+              <a:buNone/>
+              <a:defRPr sz="7333" b="0" i="0" u="none" strike="noStrike" cap="none">
+                <a:solidFill>
+                  <a:schemeClr val="lt1"/>
+                </a:solidFill>
+                <a:latin typeface="Bebas Neue"/>
+                <a:ea typeface="Bebas Neue"/>
+                <a:cs typeface="Bebas Neue"/>
+                <a:sym typeface="Bebas Neue"/>
+              </a:defRPr>
+            </a:lvl9pPr>
+          </a:lstStyle>
+          <a:p>
+            <a:r>
+              <a:rPr lang="fr-CH" sz="1600" dirty="0"/>
+              <a:t>Maxime Bugnion, Matteo Meyer</a:t>
+            </a:r>
+          </a:p>
+          <a:p>
+            <a:r>
+              <a:rPr lang="fr-CH" sz="1600" dirty="0"/>
+              <a:t>3M1</a:t>
+            </a:r>
+          </a:p>
+        </p:txBody>
+      </p:sp>
     </p:spTree>
     <p:extLst>
       <p:ext uri="{BB962C8B-B14F-4D97-AF65-F5344CB8AC3E}">
@@ -23769,6 +24250,207 @@
 </file>
 
 <file path=ppt/slides/slide30.xml><?xml version="1.0" encoding="utf-8"?>
+<p:sld xmlns:a="http://schemas.openxmlformats.org/drawingml/2006/main" xmlns:r="http://schemas.openxmlformats.org/officeDocument/2006/relationships" xmlns:p="http://schemas.openxmlformats.org/presentationml/2006/main">
+  <p:cSld>
+    <p:spTree>
+      <p:nvGrpSpPr>
+        <p:cNvPr id="1" name=""/>
+        <p:cNvGrpSpPr/>
+        <p:nvPr/>
+      </p:nvGrpSpPr>
+      <p:grpSpPr>
+        <a:xfrm>
+          <a:off x="0" y="0"/>
+          <a:ext cx="0" cy="0"/>
+          <a:chOff x="0" y="0"/>
+          <a:chExt cx="0" cy="0"/>
+        </a:xfrm>
+      </p:grpSpPr>
+      <p:sp>
+        <p:nvSpPr>
+          <p:cNvPr id="2" name="Titre 1">
+            <a:extLst>
+              <a:ext uri="{FF2B5EF4-FFF2-40B4-BE49-F238E27FC236}">
+                <a16:creationId xmlns:a16="http://schemas.microsoft.com/office/drawing/2014/main" id="{9BA81311-6E97-CC43-9A67-290631C975C3}"/>
+              </a:ext>
+            </a:extLst>
+          </p:cNvPr>
+          <p:cNvSpPr>
+            <a:spLocks noGrp="1"/>
+          </p:cNvSpPr>
+          <p:nvPr>
+            <p:ph type="title"/>
+          </p:nvPr>
+        </p:nvSpPr>
+        <p:spPr/>
+        <p:txBody>
+          <a:bodyPr/>
+          <a:lstStyle/>
+          <a:p>
+            <a:r>
+              <a:rPr lang="fr-FR" dirty="0"/>
+              <a:t>Dessiner à l’écran</a:t>
+            </a:r>
+          </a:p>
+        </p:txBody>
+      </p:sp>
+      <p:sp>
+        <p:nvSpPr>
+          <p:cNvPr id="3" name="Espace réservé du contenu 2">
+            <a:extLst>
+              <a:ext uri="{FF2B5EF4-FFF2-40B4-BE49-F238E27FC236}">
+                <a16:creationId xmlns:a16="http://schemas.microsoft.com/office/drawing/2014/main" id="{0CB35ED6-124A-9049-9F79-86B66C7694BD}"/>
+              </a:ext>
+            </a:extLst>
+          </p:cNvPr>
+          <p:cNvSpPr>
+            <a:spLocks noGrp="1"/>
+          </p:cNvSpPr>
+          <p:nvPr>
+            <p:ph idx="1"/>
+          </p:nvPr>
+        </p:nvSpPr>
+        <p:spPr/>
+        <p:txBody>
+          <a:bodyPr/>
+          <a:lstStyle/>
+          <a:p>
+            <a:r>
+              <a:rPr lang="fr-FR" dirty="0"/>
+              <a:t>Montrez comment sont dessinés vos éléments graphiques</a:t>
+            </a:r>
+          </a:p>
+          <a:p>
+            <a:r>
+              <a:rPr lang="fr-FR" dirty="0"/>
+              <a:t>Arrière-fond</a:t>
+            </a:r>
+          </a:p>
+          <a:p>
+            <a:r>
+              <a:rPr lang="fr-FR" dirty="0"/>
+              <a:t>Player</a:t>
+            </a:r>
+          </a:p>
+          <a:p>
+            <a:r>
+              <a:rPr lang="fr-FR" dirty="0"/>
+              <a:t>Texte</a:t>
+            </a:r>
+          </a:p>
+          <a:p>
+            <a:r>
+              <a:rPr lang="fr-FR" dirty="0"/>
+              <a:t>Autre </a:t>
+            </a:r>
+            <a:r>
+              <a:rPr lang="fr-FR" dirty="0" err="1"/>
+              <a:t>sprites</a:t>
+            </a:r>
+            <a:endParaRPr lang="fr-FR" dirty="0"/>
+          </a:p>
+        </p:txBody>
+      </p:sp>
+      <p:sp>
+        <p:nvSpPr>
+          <p:cNvPr id="4" name="Espace réservé de la date 3">
+            <a:extLst>
+              <a:ext uri="{FF2B5EF4-FFF2-40B4-BE49-F238E27FC236}">
+                <a16:creationId xmlns:a16="http://schemas.microsoft.com/office/drawing/2014/main" id="{88AFAD5C-5D85-BC4B-94F4-F1B3628C59D0}"/>
+              </a:ext>
+            </a:extLst>
+          </p:cNvPr>
+          <p:cNvSpPr>
+            <a:spLocks noGrp="1"/>
+          </p:cNvSpPr>
+          <p:nvPr>
+            <p:ph type="dt" sz="half" idx="10"/>
+          </p:nvPr>
+        </p:nvSpPr>
+        <p:spPr/>
+        <p:txBody>
+          <a:bodyPr/>
+          <a:lstStyle/>
+          <a:p>
+            <a:r>
+              <a:rPr lang="fr-CH"/>
+              <a:t>18/06/2021</a:t>
+            </a:r>
+            <a:endParaRPr lang="fr-FR"/>
+          </a:p>
+        </p:txBody>
+      </p:sp>
+      <p:sp>
+        <p:nvSpPr>
+          <p:cNvPr id="5" name="Espace réservé du pied de page 4">
+            <a:extLst>
+              <a:ext uri="{FF2B5EF4-FFF2-40B4-BE49-F238E27FC236}">
+                <a16:creationId xmlns:a16="http://schemas.microsoft.com/office/drawing/2014/main" id="{F0BC6B61-CADD-BD4F-B215-C568ECEEA18C}"/>
+              </a:ext>
+            </a:extLst>
+          </p:cNvPr>
+          <p:cNvSpPr>
+            <a:spLocks noGrp="1"/>
+          </p:cNvSpPr>
+          <p:nvPr>
+            <p:ph type="ftr" sz="quarter" idx="11"/>
+          </p:nvPr>
+        </p:nvSpPr>
+        <p:spPr/>
+        <p:txBody>
+          <a:bodyPr/>
+          <a:lstStyle/>
+          <a:p>
+            <a:r>
+              <a:rPr lang="fr-FR"/>
+              <a:t>nom des élèves - nom du jeu</a:t>
+            </a:r>
+          </a:p>
+        </p:txBody>
+      </p:sp>
+      <p:sp>
+        <p:nvSpPr>
+          <p:cNvPr id="6" name="Espace réservé du numéro de diapositive 5">
+            <a:extLst>
+              <a:ext uri="{FF2B5EF4-FFF2-40B4-BE49-F238E27FC236}">
+                <a16:creationId xmlns:a16="http://schemas.microsoft.com/office/drawing/2014/main" id="{45F3F050-6F9F-4D43-9058-CF86CD8DF00E}"/>
+              </a:ext>
+            </a:extLst>
+          </p:cNvPr>
+          <p:cNvSpPr>
+            <a:spLocks noGrp="1"/>
+          </p:cNvSpPr>
+          <p:nvPr>
+            <p:ph type="sldNum" sz="quarter" idx="12"/>
+          </p:nvPr>
+        </p:nvSpPr>
+        <p:spPr/>
+        <p:txBody>
+          <a:bodyPr/>
+          <a:lstStyle/>
+          <a:p>
+            <a:fld id="{8565C1E6-8FB8-4442-BEDC-4DDD643D2FC5}" type="slidenum">
+              <a:rPr lang="fr-FR" smtClean="0"/>
+              <a:t>30</a:t>
+            </a:fld>
+            <a:endParaRPr lang="fr-FR"/>
+          </a:p>
+        </p:txBody>
+      </p:sp>
+    </p:spTree>
+    <p:extLst>
+      <p:ext uri="{BB962C8B-B14F-4D97-AF65-F5344CB8AC3E}">
+        <p14:creationId xmlns:p14="http://schemas.microsoft.com/office/powerpoint/2010/main" val="3655317770"/>
+      </p:ext>
+    </p:extLst>
+  </p:cSld>
+  <p:clrMapOvr>
+    <a:masterClrMapping/>
+  </p:clrMapOvr>
+</p:sld>
+</file>
+
+<file path=ppt/slides/slide31.xml><?xml version="1.0" encoding="utf-8"?>
 <p:sld xmlns:a="http://schemas.openxmlformats.org/drawingml/2006/main" xmlns:r="http://schemas.openxmlformats.org/officeDocument/2006/relationships" xmlns:p="http://schemas.openxmlformats.org/presentationml/2006/main">
   <p:cSld>
     <p:spTree>
@@ -23892,7 +24574,7 @@
           <a:p>
             <a:fld id="{8565C1E6-8FB8-4442-BEDC-4DDD643D2FC5}" type="slidenum">
               <a:rPr lang="fr-FR" smtClean="0"/>
-              <a:t>30</a:t>
+              <a:t>31</a:t>
             </a:fld>
             <a:endParaRPr lang="fr-FR"/>
           </a:p>
@@ -23936,7 +24618,7 @@
 </p:sld>
 </file>
 
-<file path=ppt/slides/slide31.xml><?xml version="1.0" encoding="utf-8"?>
+<file path=ppt/slides/slide32.xml><?xml version="1.0" encoding="utf-8"?>
 <p:sld xmlns:a="http://schemas.openxmlformats.org/drawingml/2006/main" xmlns:r="http://schemas.openxmlformats.org/officeDocument/2006/relationships" xmlns:p="http://schemas.openxmlformats.org/presentationml/2006/main">
   <p:cSld>
     <p:spTree>
@@ -24101,7 +24783,7 @@
           <a:p>
             <a:fld id="{8565C1E6-8FB8-4442-BEDC-4DDD643D2FC5}" type="slidenum">
               <a:rPr lang="fr-FR" smtClean="0"/>
-              <a:t>31</a:t>
+              <a:t>32</a:t>
             </a:fld>
             <a:endParaRPr lang="fr-FR"/>
           </a:p>
@@ -24120,7 +24802,7 @@
 </p:sld>
 </file>
 
-<file path=ppt/slides/slide32.xml><?xml version="1.0" encoding="utf-8"?>
+<file path=ppt/slides/slide33.xml><?xml version="1.0" encoding="utf-8"?>
 <p:sld xmlns:a="http://schemas.openxmlformats.org/drawingml/2006/main" xmlns:r="http://schemas.openxmlformats.org/officeDocument/2006/relationships" xmlns:p="http://schemas.openxmlformats.org/presentationml/2006/main">
   <p:cSld>
     <p:spTree>
@@ -24347,7 +25029,7 @@
           <a:p>
             <a:fld id="{8565C1E6-8FB8-4442-BEDC-4DDD643D2FC5}" type="slidenum">
               <a:rPr lang="fr-FR" smtClean="0"/>
-              <a:t>32</a:t>
+              <a:t>33</a:t>
             </a:fld>
             <a:endParaRPr lang="fr-FR"/>
           </a:p>
@@ -24391,7 +25073,7 @@
 </p:sld>
 </file>
 
-<file path=ppt/slides/slide33.xml><?xml version="1.0" encoding="utf-8"?>
+<file path=ppt/slides/slide34.xml><?xml version="1.0" encoding="utf-8"?>
 <p:sld xmlns:a="http://schemas.openxmlformats.org/drawingml/2006/main" xmlns:r="http://schemas.openxmlformats.org/officeDocument/2006/relationships" xmlns:p="http://schemas.openxmlformats.org/presentationml/2006/main">
   <p:cSld>
     <p:spTree>
@@ -24556,7 +25238,7 @@
           <a:p>
             <a:fld id="{8565C1E6-8FB8-4442-BEDC-4DDD643D2FC5}" type="slidenum">
               <a:rPr lang="fr-FR" smtClean="0"/>
-              <a:t>33</a:t>
+              <a:t>34</a:t>
             </a:fld>
             <a:endParaRPr lang="fr-FR"/>
           </a:p>
@@ -24575,7 +25257,7 @@
 </p:sld>
 </file>
 
-<file path=ppt/slides/slide34.xml><?xml version="1.0" encoding="utf-8"?>
+<file path=ppt/slides/slide35.xml><?xml version="1.0" encoding="utf-8"?>
 <p:sld xmlns:a="http://schemas.openxmlformats.org/drawingml/2006/main" xmlns:r="http://schemas.openxmlformats.org/officeDocument/2006/relationships" xmlns:p="http://schemas.openxmlformats.org/presentationml/2006/main">
   <p:cSld>
     <p:spTree>
@@ -24665,7 +25347,7 @@
           <a:p>
             <a:fld id="{8565C1E6-8FB8-4442-BEDC-4DDD643D2FC5}" type="slidenum">
               <a:rPr lang="fr-FR" smtClean="0"/>
-              <a:t>34</a:t>
+              <a:t>35</a:t>
             </a:fld>
             <a:endParaRPr lang="fr-FR"/>
           </a:p>
@@ -24709,7 +25391,7 @@
 </p:sld>
 </file>
 
-<file path=ppt/slides/slide35.xml><?xml version="1.0" encoding="utf-8"?>
+<file path=ppt/slides/slide36.xml><?xml version="1.0" encoding="utf-8"?>
 <p:sld xmlns:a="http://schemas.openxmlformats.org/drawingml/2006/main" xmlns:r="http://schemas.openxmlformats.org/officeDocument/2006/relationships" xmlns:p="http://schemas.openxmlformats.org/presentationml/2006/main">
   <p:cSld>
     <p:spTree>
@@ -24862,7 +25544,7 @@
           <a:p>
             <a:fld id="{8565C1E6-8FB8-4442-BEDC-4DDD643D2FC5}" type="slidenum">
               <a:rPr lang="fr-FR" smtClean="0"/>
-              <a:t>35</a:t>
+              <a:t>36</a:t>
             </a:fld>
             <a:endParaRPr lang="fr-FR"/>
           </a:p>
@@ -24903,6 +25585,173 @@
           <p:cNvPr id="2" name="Titre 1">
             <a:extLst>
               <a:ext uri="{FF2B5EF4-FFF2-40B4-BE49-F238E27FC236}">
+                <a16:creationId xmlns:a16="http://schemas.microsoft.com/office/drawing/2014/main" id="{7BB8D553-E64B-40B9-9981-9BCE61CF851E}"/>
+              </a:ext>
+            </a:extLst>
+          </p:cNvPr>
+          <p:cNvSpPr>
+            <a:spLocks noGrp="1"/>
+          </p:cNvSpPr>
+          <p:nvPr>
+            <p:ph type="title"/>
+          </p:nvPr>
+        </p:nvSpPr>
+        <p:spPr/>
+        <p:txBody>
+          <a:bodyPr/>
+          <a:lstStyle/>
+          <a:p>
+            <a:r>
+              <a:rPr lang="fr-CH" dirty="0"/>
+              <a:t>Sources, aide, inspirations</a:t>
+            </a:r>
+          </a:p>
+        </p:txBody>
+      </p:sp>
+      <p:sp>
+        <p:nvSpPr>
+          <p:cNvPr id="3" name="Espace réservé du texte 2">
+            <a:extLst>
+              <a:ext uri="{FF2B5EF4-FFF2-40B4-BE49-F238E27FC236}">
+                <a16:creationId xmlns:a16="http://schemas.microsoft.com/office/drawing/2014/main" id="{E23133FE-ABC1-40A8-85FF-0820D2822D9A}"/>
+              </a:ext>
+            </a:extLst>
+          </p:cNvPr>
+          <p:cNvSpPr>
+            <a:spLocks noGrp="1"/>
+          </p:cNvSpPr>
+          <p:nvPr>
+            <p:ph type="body" idx="1"/>
+          </p:nvPr>
+        </p:nvSpPr>
+        <p:spPr/>
+        <p:txBody>
+          <a:bodyPr/>
+          <a:lstStyle/>
+          <a:p>
+            <a:r>
+              <a:rPr lang="fr-CH" dirty="0">
+                <a:hlinkClick r:id="rId2"/>
+              </a:rPr>
+              <a:t>https://www.youtube.com/watch?v=2Jmty_NiaXc</a:t>
+            </a:r>
+            <a:endParaRPr lang="fr-CH" dirty="0"/>
+          </a:p>
+          <a:p>
+            <a:r>
+              <a:rPr lang="fr-CH" dirty="0">
+                <a:hlinkClick r:id="rId3"/>
+              </a:rPr>
+              <a:t>https://www.youtube.com/watch?v=NdJQopRuH1E</a:t>
+            </a:r>
+            <a:endParaRPr lang="fr-CH" dirty="0"/>
+          </a:p>
+          <a:p>
+            <a:r>
+              <a:rPr lang="fr-CH" dirty="0">
+                <a:hlinkClick r:id="rId4"/>
+              </a:rPr>
+              <a:t>https://youtubetomp4.io/</a:t>
+            </a:r>
+            <a:endParaRPr lang="fr-CH" dirty="0"/>
+          </a:p>
+          <a:p>
+            <a:r>
+              <a:rPr lang="fr-CH" dirty="0"/>
+              <a:t>https://www.freeconvert.com/mp3-to-wav</a:t>
+            </a:r>
+          </a:p>
+        </p:txBody>
+      </p:sp>
+      <p:sp>
+        <p:nvSpPr>
+          <p:cNvPr id="4" name="Espace réservé du numéro de diapositive 3">
+            <a:extLst>
+              <a:ext uri="{FF2B5EF4-FFF2-40B4-BE49-F238E27FC236}">
+                <a16:creationId xmlns:a16="http://schemas.microsoft.com/office/drawing/2014/main" id="{9D4B90D0-CC73-40E1-9FE6-34C5630E0154}"/>
+              </a:ext>
+            </a:extLst>
+          </p:cNvPr>
+          <p:cNvSpPr>
+            <a:spLocks noGrp="1"/>
+          </p:cNvSpPr>
+          <p:nvPr>
+            <p:ph type="sldNum" idx="12"/>
+          </p:nvPr>
+        </p:nvSpPr>
+        <p:spPr/>
+        <p:txBody>
+          <a:bodyPr/>
+          <a:lstStyle/>
+          <a:p>
+            <a:fld id="{8565C1E6-8FB8-4442-BEDC-4DDD643D2FC5}" type="slidenum">
+              <a:rPr lang="fr-FR" smtClean="0"/>
+              <a:t>4</a:t>
+            </a:fld>
+            <a:endParaRPr lang="fr-FR"/>
+          </a:p>
+        </p:txBody>
+      </p:sp>
+      <p:sp>
+        <p:nvSpPr>
+          <p:cNvPr id="5" name="Espace réservé du contenu 4">
+            <a:extLst>
+              <a:ext uri="{FF2B5EF4-FFF2-40B4-BE49-F238E27FC236}">
+                <a16:creationId xmlns:a16="http://schemas.microsoft.com/office/drawing/2014/main" id="{AFF21B79-5C3F-441B-9217-47063FF5FAF4}"/>
+              </a:ext>
+            </a:extLst>
+          </p:cNvPr>
+          <p:cNvSpPr>
+            <a:spLocks noGrp="1"/>
+          </p:cNvSpPr>
+          <p:nvPr>
+            <p:ph sz="quarter" idx="13"/>
+          </p:nvPr>
+        </p:nvSpPr>
+        <p:spPr/>
+        <p:txBody>
+          <a:bodyPr/>
+          <a:lstStyle/>
+          <a:p>
+            <a:endParaRPr lang="fr-CH"/>
+          </a:p>
+        </p:txBody>
+      </p:sp>
+    </p:spTree>
+    <p:extLst>
+      <p:ext uri="{BB962C8B-B14F-4D97-AF65-F5344CB8AC3E}">
+        <p14:creationId xmlns:p14="http://schemas.microsoft.com/office/powerpoint/2010/main" val="3498673316"/>
+      </p:ext>
+    </p:extLst>
+  </p:cSld>
+  <p:clrMapOvr>
+    <a:masterClrMapping/>
+  </p:clrMapOvr>
+</p:sld>
+</file>
+
+<file path=ppt/slides/slide5.xml><?xml version="1.0" encoding="utf-8"?>
+<p:sld xmlns:a="http://schemas.openxmlformats.org/drawingml/2006/main" xmlns:r="http://schemas.openxmlformats.org/officeDocument/2006/relationships" xmlns:p="http://schemas.openxmlformats.org/presentationml/2006/main">
+  <p:cSld>
+    <p:spTree>
+      <p:nvGrpSpPr>
+        <p:cNvPr id="1" name=""/>
+        <p:cNvGrpSpPr/>
+        <p:nvPr/>
+      </p:nvGrpSpPr>
+      <p:grpSpPr>
+        <a:xfrm>
+          <a:off x="0" y="0"/>
+          <a:ext cx="0" cy="0"/>
+          <a:chOff x="0" y="0"/>
+          <a:chExt cx="0" cy="0"/>
+        </a:xfrm>
+      </p:grpSpPr>
+      <p:sp>
+        <p:nvSpPr>
+          <p:cNvPr id="2" name="Titre 1">
+            <a:extLst>
+              <a:ext uri="{FF2B5EF4-FFF2-40B4-BE49-F238E27FC236}">
                 <a16:creationId xmlns:a16="http://schemas.microsoft.com/office/drawing/2014/main" id="{9C1CA717-0FFD-6449-9F36-230399539E2E}"/>
               </a:ext>
             </a:extLst>
@@ -25099,7 +25948,7 @@
           <a:p>
             <a:fld id="{8565C1E6-8FB8-4442-BEDC-4DDD643D2FC5}" type="slidenum">
               <a:rPr lang="fr-FR" smtClean="0"/>
-              <a:t>4</a:t>
+              <a:t>5</a:t>
             </a:fld>
             <a:endParaRPr lang="fr-FR" dirty="0"/>
           </a:p>
@@ -25118,7 +25967,7 @@
 </p:sld>
 </file>
 
-<file path=ppt/slides/slide5.xml><?xml version="1.0" encoding="utf-8"?>
+<file path=ppt/slides/slide6.xml><?xml version="1.0" encoding="utf-8"?>
 <p:sld xmlns:a="http://schemas.openxmlformats.org/drawingml/2006/main" xmlns:r="http://schemas.openxmlformats.org/officeDocument/2006/relationships" xmlns:p="http://schemas.openxmlformats.org/presentationml/2006/main">
   <p:cSld>
     <p:spTree>
@@ -25151,7 +26000,12 @@
             <p:ph type="title"/>
           </p:nvPr>
         </p:nvSpPr>
-        <p:spPr/>
+        <p:spPr>
+          <a:xfrm>
+            <a:off x="1363367" y="1134473"/>
+            <a:ext cx="9465200" cy="477200"/>
+          </a:xfrm>
+        </p:spPr>
         <p:txBody>
           <a:bodyPr/>
           <a:lstStyle/>
@@ -25179,7 +26033,12 @@
             <p:ph type="body" idx="1"/>
           </p:nvPr>
         </p:nvSpPr>
-        <p:spPr/>
+        <p:spPr>
+          <a:xfrm>
+            <a:off x="1363367" y="1611673"/>
+            <a:ext cx="9465200" cy="3653200"/>
+          </a:xfrm>
+        </p:spPr>
         <p:txBody>
           <a:bodyPr/>
           <a:lstStyle/>
@@ -25197,12 +26056,113 @@
           </a:p>
           <a:p>
             <a:r>
-              <a:rPr lang="fr-CH" dirty="0"/>
-              <a:t>y </a:t>
-            </a:r>
-            <a:r>
-              <a:rPr lang="fr-CH" dirty="0" err="1"/>
-              <a:t>commits</a:t>
+              <a:rPr lang="en-US" dirty="0">
+                <a:effectLst/>
+              </a:rPr>
+              <a:t>Excluding merges, </a:t>
+            </a:r>
+            <a:r>
+              <a:rPr lang="en-US" b="1" dirty="0">
+                <a:effectLst/>
+              </a:rPr>
+              <a:t>2 authors</a:t>
+            </a:r>
+            <a:r>
+              <a:rPr lang="en-US" dirty="0">
+                <a:effectLst/>
+              </a:rPr>
+              <a:t> have pushed </a:t>
+            </a:r>
+            <a:r>
+              <a:rPr lang="en-US" b="1" dirty="0">
+                <a:effectLst/>
+              </a:rPr>
+              <a:t>29 commits</a:t>
+            </a:r>
+            <a:r>
+              <a:rPr lang="en-US" dirty="0">
+                <a:effectLst/>
+              </a:rPr>
+              <a:t> to main and </a:t>
+            </a:r>
+            <a:r>
+              <a:rPr lang="en-US" b="1" dirty="0">
+                <a:effectLst/>
+              </a:rPr>
+              <a:t>29 commits</a:t>
+            </a:r>
+            <a:r>
+              <a:rPr lang="en-US" dirty="0">
+                <a:effectLst/>
+              </a:rPr>
+              <a:t> to all branches. On main, </a:t>
+            </a:r>
+            <a:r>
+              <a:rPr lang="en-US" b="1" dirty="0">
+                <a:effectLst/>
+              </a:rPr>
+              <a:t>116 files</a:t>
+            </a:r>
+            <a:r>
+              <a:rPr lang="en-US" dirty="0">
+                <a:effectLst/>
+              </a:rPr>
+              <a:t> have changed and there have been </a:t>
+            </a:r>
+            <a:r>
+              <a:rPr lang="en-US" b="1" u="none" strike="noStrike" dirty="0">
+                <a:effectLst/>
+                <a:hlinkClick r:id="rId2"/>
+              </a:rPr>
+              <a:t>2,859</a:t>
+            </a:r>
+            <a:r>
+              <a:rPr lang="en-US" u="none" strike="noStrike" dirty="0">
+                <a:effectLst/>
+                <a:hlinkClick r:id="rId2"/>
+              </a:rPr>
+              <a:t> </a:t>
+            </a:r>
+            <a:r>
+              <a:rPr lang="en-US" b="1" u="none" strike="noStrike" dirty="0">
+                <a:effectLst/>
+                <a:hlinkClick r:id="rId2"/>
+              </a:rPr>
+              <a:t>additions</a:t>
+            </a:r>
+            <a:r>
+              <a:rPr lang="en-US" u="none" strike="noStrike" dirty="0">
+                <a:effectLst/>
+                <a:hlinkClick r:id="rId2"/>
+              </a:rPr>
+              <a:t> and </a:t>
+            </a:r>
+            <a:r>
+              <a:rPr lang="en-US" b="1" u="none" strike="noStrike" dirty="0">
+                <a:effectLst/>
+                <a:hlinkClick r:id="rId2"/>
+              </a:rPr>
+              <a:t>101</a:t>
+            </a:r>
+            <a:r>
+              <a:rPr lang="en-US" u="none" strike="noStrike" dirty="0">
+                <a:effectLst/>
+                <a:hlinkClick r:id="rId2"/>
+              </a:rPr>
+              <a:t> </a:t>
+            </a:r>
+            <a:r>
+              <a:rPr lang="en-US" b="1" u="none" strike="noStrike" dirty="0">
+                <a:effectLst/>
+                <a:hlinkClick r:id="rId2"/>
+              </a:rPr>
+              <a:t>deletions</a:t>
+            </a:r>
+            <a:r>
+              <a:rPr lang="en-US" dirty="0">
+                <a:effectLst/>
+              </a:rPr>
+              <a:t>.</a:t>
             </a:r>
             <a:endParaRPr lang="fr-CH" dirty="0"/>
           </a:p>
@@ -25239,7 +26199,7 @@
           <a:p>
             <a:r>
               <a:rPr lang="fr-CH" dirty="0"/>
-              <a:t>X images, Y sons, 0 polices</a:t>
+              <a:t>X images, 2 sons, 0 polices</a:t>
             </a:r>
           </a:p>
         </p:txBody>
@@ -25267,7 +26227,7 @@
           <a:p>
             <a:fld id="{8565C1E6-8FB8-4442-BEDC-4DDD643D2FC5}" type="slidenum">
               <a:rPr lang="fr-FR" smtClean="0"/>
-              <a:t>5</a:t>
+              <a:t>6</a:t>
             </a:fld>
             <a:endParaRPr lang="fr-FR"/>
           </a:p>
@@ -25286,7 +26246,7 @@
 </p:sld>
 </file>
 
-<file path=ppt/slides/slide6.xml><?xml version="1.0" encoding="utf-8"?>
+<file path=ppt/slides/slide7.xml><?xml version="1.0" encoding="utf-8"?>
 <p:sld xmlns:a="http://schemas.openxmlformats.org/drawingml/2006/main" xmlns:r="http://schemas.openxmlformats.org/officeDocument/2006/relationships" xmlns:p="http://schemas.openxmlformats.org/presentationml/2006/main">
   <p:cSld>
     <p:spTree>
@@ -25473,7 +26433,7 @@
           <a:p>
             <a:fld id="{8565C1E6-8FB8-4442-BEDC-4DDD643D2FC5}" type="slidenum">
               <a:rPr lang="fr-FR" smtClean="0"/>
-              <a:t>6</a:t>
+              <a:t>7</a:t>
             </a:fld>
             <a:endParaRPr lang="fr-FR"/>
           </a:p>
@@ -25492,7 +26452,7 @@
 </p:sld>
 </file>
 
-<file path=ppt/slides/slide7.xml><?xml version="1.0" encoding="utf-8"?>
+<file path=ppt/slides/slide8.xml><?xml version="1.0" encoding="utf-8"?>
 <p:sld xmlns:a="http://schemas.openxmlformats.org/drawingml/2006/main" xmlns:r="http://schemas.openxmlformats.org/officeDocument/2006/relationships" xmlns:p="http://schemas.openxmlformats.org/presentationml/2006/main">
   <p:cSld>
     <p:spTree>
@@ -25634,7 +26594,7 @@
           <a:p>
             <a:fld id="{8565C1E6-8FB8-4442-BEDC-4DDD643D2FC5}" type="slidenum">
               <a:rPr lang="fr-FR" smtClean="0"/>
-              <a:t>7</a:t>
+              <a:t>8</a:t>
             </a:fld>
             <a:endParaRPr lang="fr-FR" dirty="0"/>
           </a:p>
@@ -25653,7 +26613,7 @@
 </p:sld>
 </file>
 
-<file path=ppt/slides/slide8.xml><?xml version="1.0" encoding="utf-8"?>
+<file path=ppt/slides/slide9.xml><?xml version="1.0" encoding="utf-8"?>
 <p:sld xmlns:a="http://schemas.openxmlformats.org/drawingml/2006/main" xmlns:r="http://schemas.openxmlformats.org/officeDocument/2006/relationships" xmlns:p="http://schemas.openxmlformats.org/presentationml/2006/main">
   <p:cSld>
     <p:spTree>
@@ -25812,7 +26772,7 @@
           <a:p>
             <a:fld id="{8565C1E6-8FB8-4442-BEDC-4DDD643D2FC5}" type="slidenum">
               <a:rPr lang="fr-FR" smtClean="0"/>
-              <a:t>8</a:t>
+              <a:t>9</a:t>
             </a:fld>
             <a:endParaRPr lang="fr-FR"/>
           </a:p>
@@ -25822,125 +26782,6 @@
     <p:extLst>
       <p:ext uri="{BB962C8B-B14F-4D97-AF65-F5344CB8AC3E}">
         <p14:creationId xmlns:p14="http://schemas.microsoft.com/office/powerpoint/2010/main" val="538487353"/>
-      </p:ext>
-    </p:extLst>
-  </p:cSld>
-  <p:clrMapOvr>
-    <a:masterClrMapping/>
-  </p:clrMapOvr>
-</p:sld>
-</file>
-
-<file path=ppt/slides/slide9.xml><?xml version="1.0" encoding="utf-8"?>
-<p:sld xmlns:a="http://schemas.openxmlformats.org/drawingml/2006/main" xmlns:r="http://schemas.openxmlformats.org/officeDocument/2006/relationships" xmlns:p="http://schemas.openxmlformats.org/presentationml/2006/main">
-  <p:cSld>
-    <p:spTree>
-      <p:nvGrpSpPr>
-        <p:cNvPr id="1" name=""/>
-        <p:cNvGrpSpPr/>
-        <p:nvPr/>
-      </p:nvGrpSpPr>
-      <p:grpSpPr>
-        <a:xfrm>
-          <a:off x="0" y="0"/>
-          <a:ext cx="0" cy="0"/>
-          <a:chOff x="0" y="0"/>
-          <a:chExt cx="0" cy="0"/>
-        </a:xfrm>
-      </p:grpSpPr>
-      <p:sp>
-        <p:nvSpPr>
-          <p:cNvPr id="2" name="Espace réservé du numéro de diapositive 1">
-            <a:extLst>
-              <a:ext uri="{FF2B5EF4-FFF2-40B4-BE49-F238E27FC236}">
-                <a16:creationId xmlns:a16="http://schemas.microsoft.com/office/drawing/2014/main" id="{61C8BDC3-DB0D-4845-9368-F0E7B6DF3D31}"/>
-              </a:ext>
-            </a:extLst>
-          </p:cNvPr>
-          <p:cNvSpPr>
-            <a:spLocks noGrp="1"/>
-          </p:cNvSpPr>
-          <p:nvPr>
-            <p:ph type="sldNum" idx="12"/>
-          </p:nvPr>
-        </p:nvSpPr>
-        <p:spPr/>
-        <p:txBody>
-          <a:bodyPr/>
-          <a:lstStyle/>
-          <a:p>
-            <a:fld id="{8565C1E6-8FB8-4442-BEDC-4DDD643D2FC5}" type="slidenum">
-              <a:rPr lang="fr-FR" smtClean="0"/>
-              <a:t>9</a:t>
-            </a:fld>
-            <a:endParaRPr lang="fr-FR"/>
-          </a:p>
-        </p:txBody>
-      </p:sp>
-      <p:pic>
-        <p:nvPicPr>
-          <p:cNvPr id="4" name="Picture 3" descr="A screenshot of a computer game&#10;&#10;Description automatically generated with low confidence">
-            <a:extLst>
-              <a:ext uri="{FF2B5EF4-FFF2-40B4-BE49-F238E27FC236}">
-                <a16:creationId xmlns:a16="http://schemas.microsoft.com/office/drawing/2014/main" id="{F706FA4B-D8C9-450C-AE2C-55A6DF46AB3C}"/>
-              </a:ext>
-            </a:extLst>
-          </p:cNvPr>
-          <p:cNvPicPr>
-            <a:picLocks noChangeAspect="1"/>
-          </p:cNvPicPr>
-          <p:nvPr/>
-        </p:nvPicPr>
-        <p:blipFill>
-          <a:blip r:embed="rId2"/>
-          <a:stretch>
-            <a:fillRect/>
-          </a:stretch>
-        </p:blipFill>
-        <p:spPr>
-          <a:xfrm>
-            <a:off x="659584" y="1093472"/>
-            <a:ext cx="4535268" cy="4671055"/>
-          </a:xfrm>
-          <a:prstGeom prst="rect">
-            <a:avLst/>
-          </a:prstGeom>
-        </p:spPr>
-      </p:pic>
-      <p:pic>
-        <p:nvPicPr>
-          <p:cNvPr id="6" name="Picture 5" descr="A screenshot of a game&#10;&#10;Description automatically generated with low confidence">
-            <a:extLst>
-              <a:ext uri="{FF2B5EF4-FFF2-40B4-BE49-F238E27FC236}">
-                <a16:creationId xmlns:a16="http://schemas.microsoft.com/office/drawing/2014/main" id="{3CEA79B4-A462-4289-B152-FE306A90A006}"/>
-              </a:ext>
-            </a:extLst>
-          </p:cNvPr>
-          <p:cNvPicPr>
-            <a:picLocks noChangeAspect="1"/>
-          </p:cNvPicPr>
-          <p:nvPr/>
-        </p:nvPicPr>
-        <p:blipFill>
-          <a:blip r:embed="rId3"/>
-          <a:stretch>
-            <a:fillRect/>
-          </a:stretch>
-        </p:blipFill>
-        <p:spPr>
-          <a:xfrm>
-            <a:off x="5470124" y="1093472"/>
-            <a:ext cx="4535269" cy="4671056"/>
-          </a:xfrm>
-          <a:prstGeom prst="rect">
-            <a:avLst/>
-          </a:prstGeom>
-        </p:spPr>
-      </p:pic>
-    </p:spTree>
-    <p:extLst>
-      <p:ext uri="{BB962C8B-B14F-4D97-AF65-F5344CB8AC3E}">
-        <p14:creationId xmlns:p14="http://schemas.microsoft.com/office/powerpoint/2010/main" val="2277943480"/>
       </p:ext>
     </p:extLst>
   </p:cSld>

--- a/game/copie modifs/examen oral.pptx
+++ b/game/copie modifs/examen oral.pptx
@@ -5,45 +5,34 @@
     <p:sldMasterId id="2147483745" r:id="rId1"/>
   </p:sldMasterIdLst>
   <p:notesMasterIdLst>
-    <p:notesMasterId r:id="rId38"/>
+    <p:notesMasterId r:id="rId27"/>
   </p:notesMasterIdLst>
   <p:sldIdLst>
     <p:sldId id="274" r:id="rId2"/>
     <p:sldId id="275" r:id="rId3"/>
     <p:sldId id="276" r:id="rId4"/>
     <p:sldId id="295" r:id="rId5"/>
-    <p:sldId id="259" r:id="rId6"/>
-    <p:sldId id="277" r:id="rId7"/>
-    <p:sldId id="270" r:id="rId8"/>
-    <p:sldId id="278" r:id="rId9"/>
-    <p:sldId id="263" r:id="rId10"/>
-    <p:sldId id="279" r:id="rId11"/>
-    <p:sldId id="260" r:id="rId12"/>
-    <p:sldId id="296" r:id="rId13"/>
-    <p:sldId id="261" r:id="rId14"/>
-    <p:sldId id="281" r:id="rId15"/>
-    <p:sldId id="289" r:id="rId16"/>
-    <p:sldId id="262" r:id="rId17"/>
-    <p:sldId id="282" r:id="rId18"/>
-    <p:sldId id="264" r:id="rId19"/>
-    <p:sldId id="283" r:id="rId20"/>
-    <p:sldId id="265" r:id="rId21"/>
-    <p:sldId id="284" r:id="rId22"/>
-    <p:sldId id="271" r:id="rId23"/>
-    <p:sldId id="285" r:id="rId24"/>
-    <p:sldId id="266" r:id="rId25"/>
-    <p:sldId id="286" r:id="rId26"/>
-    <p:sldId id="294" r:id="rId27"/>
-    <p:sldId id="272" r:id="rId28"/>
-    <p:sldId id="287" r:id="rId29"/>
-    <p:sldId id="288" r:id="rId30"/>
-    <p:sldId id="267" r:id="rId31"/>
-    <p:sldId id="291" r:id="rId32"/>
-    <p:sldId id="273" r:id="rId33"/>
-    <p:sldId id="292" r:id="rId34"/>
-    <p:sldId id="268" r:id="rId35"/>
-    <p:sldId id="293" r:id="rId36"/>
-    <p:sldId id="269" r:id="rId37"/>
+    <p:sldId id="277" r:id="rId6"/>
+    <p:sldId id="278" r:id="rId7"/>
+    <p:sldId id="279" r:id="rId8"/>
+    <p:sldId id="296" r:id="rId9"/>
+    <p:sldId id="281" r:id="rId10"/>
+    <p:sldId id="289" r:id="rId11"/>
+    <p:sldId id="282" r:id="rId12"/>
+    <p:sldId id="283" r:id="rId13"/>
+    <p:sldId id="284" r:id="rId14"/>
+    <p:sldId id="285" r:id="rId15"/>
+    <p:sldId id="297" r:id="rId16"/>
+    <p:sldId id="286" r:id="rId17"/>
+    <p:sldId id="294" r:id="rId18"/>
+    <p:sldId id="287" r:id="rId19"/>
+    <p:sldId id="288" r:id="rId20"/>
+    <p:sldId id="291" r:id="rId21"/>
+    <p:sldId id="292" r:id="rId22"/>
+    <p:sldId id="293" r:id="rId23"/>
+    <p:sldId id="298" r:id="rId24"/>
+    <p:sldId id="299" r:id="rId25"/>
+    <p:sldId id="300" r:id="rId26"/>
   </p:sldIdLst>
   <p:sldSz cx="12192000" cy="6858000"/>
   <p:notesSz cx="6858000" cy="9144000"/>
@@ -641,1266 +630,6 @@
 </p:notesMaster>
 </file>
 
-<file path=ppt/notesSlides/notesSlide1.xml><?xml version="1.0" encoding="utf-8"?>
-<p:notes xmlns:a="http://schemas.openxmlformats.org/drawingml/2006/main" xmlns:r="http://schemas.openxmlformats.org/officeDocument/2006/relationships" xmlns:p="http://schemas.openxmlformats.org/presentationml/2006/main">
-  <p:cSld>
-    <p:spTree>
-      <p:nvGrpSpPr>
-        <p:cNvPr id="1" name=""/>
-        <p:cNvGrpSpPr/>
-        <p:nvPr/>
-      </p:nvGrpSpPr>
-      <p:grpSpPr>
-        <a:xfrm>
-          <a:off x="0" y="0"/>
-          <a:ext cx="0" cy="0"/>
-          <a:chOff x="0" y="0"/>
-          <a:chExt cx="0" cy="0"/>
-        </a:xfrm>
-      </p:grpSpPr>
-      <p:sp>
-        <p:nvSpPr>
-          <p:cNvPr id="2" name="Espace réservé de l'image des diapositives 1"/>
-          <p:cNvSpPr>
-            <a:spLocks noGrp="1" noRot="1" noChangeAspect="1"/>
-          </p:cNvSpPr>
-          <p:nvPr>
-            <p:ph type="sldImg"/>
-          </p:nvPr>
-        </p:nvSpPr>
-        <p:spPr/>
-      </p:sp>
-      <p:sp>
-        <p:nvSpPr>
-          <p:cNvPr id="3" name="Espace réservé des notes 2"/>
-          <p:cNvSpPr>
-            <a:spLocks noGrp="1"/>
-          </p:cNvSpPr>
-          <p:nvPr>
-            <p:ph type="body" idx="1"/>
-          </p:nvPr>
-        </p:nvSpPr>
-        <p:spPr/>
-        <p:txBody>
-          <a:bodyPr/>
-          <a:lstStyle/>
-          <a:p>
-            <a:endParaRPr lang="fr-FR"/>
-          </a:p>
-        </p:txBody>
-      </p:sp>
-      <p:sp>
-        <p:nvSpPr>
-          <p:cNvPr id="4" name="Espace réservé du numéro de diapositive 3"/>
-          <p:cNvSpPr>
-            <a:spLocks noGrp="1"/>
-          </p:cNvSpPr>
-          <p:nvPr>
-            <p:ph type="sldNum" sz="quarter" idx="5"/>
-          </p:nvPr>
-        </p:nvSpPr>
-        <p:spPr/>
-        <p:txBody>
-          <a:bodyPr/>
-          <a:lstStyle/>
-          <a:p>
-            <a:fld id="{C5BC8565-3BE2-E84B-97A0-FA785777CB34}" type="slidenum">
-              <a:rPr lang="fr-FR" smtClean="0"/>
-              <a:t>5</a:t>
-            </a:fld>
-            <a:endParaRPr lang="fr-FR"/>
-          </a:p>
-        </p:txBody>
-      </p:sp>
-    </p:spTree>
-    <p:extLst>
-      <p:ext uri="{BB962C8B-B14F-4D97-AF65-F5344CB8AC3E}">
-        <p14:creationId xmlns:p14="http://schemas.microsoft.com/office/powerpoint/2010/main" val="3691756800"/>
-      </p:ext>
-    </p:extLst>
-  </p:cSld>
-  <p:clrMapOvr>
-    <a:masterClrMapping/>
-  </p:clrMapOvr>
-</p:notes>
-</file>
-
-<file path=ppt/notesSlides/notesSlide10.xml><?xml version="1.0" encoding="utf-8"?>
-<p:notes xmlns:a="http://schemas.openxmlformats.org/drawingml/2006/main" xmlns:r="http://schemas.openxmlformats.org/officeDocument/2006/relationships" xmlns:p="http://schemas.openxmlformats.org/presentationml/2006/main">
-  <p:cSld>
-    <p:spTree>
-      <p:nvGrpSpPr>
-        <p:cNvPr id="1" name=""/>
-        <p:cNvGrpSpPr/>
-        <p:nvPr/>
-      </p:nvGrpSpPr>
-      <p:grpSpPr>
-        <a:xfrm>
-          <a:off x="0" y="0"/>
-          <a:ext cx="0" cy="0"/>
-          <a:chOff x="0" y="0"/>
-          <a:chExt cx="0" cy="0"/>
-        </a:xfrm>
-      </p:grpSpPr>
-      <p:sp>
-        <p:nvSpPr>
-          <p:cNvPr id="2" name="Espace réservé de l'image des diapositives 1"/>
-          <p:cNvSpPr>
-            <a:spLocks noGrp="1" noRot="1" noChangeAspect="1"/>
-          </p:cNvSpPr>
-          <p:nvPr>
-            <p:ph type="sldImg"/>
-          </p:nvPr>
-        </p:nvSpPr>
-        <p:spPr/>
-      </p:sp>
-      <p:sp>
-        <p:nvSpPr>
-          <p:cNvPr id="3" name="Espace réservé des notes 2"/>
-          <p:cNvSpPr>
-            <a:spLocks noGrp="1"/>
-          </p:cNvSpPr>
-          <p:nvPr>
-            <p:ph type="body" idx="1"/>
-          </p:nvPr>
-        </p:nvSpPr>
-        <p:spPr/>
-        <p:txBody>
-          <a:bodyPr/>
-          <a:lstStyle/>
-          <a:p>
-            <a:endParaRPr lang="fr-FR"/>
-          </a:p>
-        </p:txBody>
-      </p:sp>
-      <p:sp>
-        <p:nvSpPr>
-          <p:cNvPr id="4" name="Espace réservé du numéro de diapositive 3"/>
-          <p:cNvSpPr>
-            <a:spLocks noGrp="1"/>
-          </p:cNvSpPr>
-          <p:nvPr>
-            <p:ph type="sldNum" sz="quarter" idx="5"/>
-          </p:nvPr>
-        </p:nvSpPr>
-        <p:spPr/>
-        <p:txBody>
-          <a:bodyPr/>
-          <a:lstStyle/>
-          <a:p>
-            <a:fld id="{C5BC8565-3BE2-E84B-97A0-FA785777CB34}" type="slidenum">
-              <a:rPr lang="fr-FR" smtClean="0"/>
-              <a:t>24</a:t>
-            </a:fld>
-            <a:endParaRPr lang="fr-FR"/>
-          </a:p>
-        </p:txBody>
-      </p:sp>
-    </p:spTree>
-    <p:extLst>
-      <p:ext uri="{BB962C8B-B14F-4D97-AF65-F5344CB8AC3E}">
-        <p14:creationId xmlns:p14="http://schemas.microsoft.com/office/powerpoint/2010/main" val="3121221821"/>
-      </p:ext>
-    </p:extLst>
-  </p:cSld>
-  <p:clrMapOvr>
-    <a:masterClrMapping/>
-  </p:clrMapOvr>
-</p:notes>
-</file>
-
-<file path=ppt/notesSlides/notesSlide11.xml><?xml version="1.0" encoding="utf-8"?>
-<p:notes xmlns:a="http://schemas.openxmlformats.org/drawingml/2006/main" xmlns:r="http://schemas.openxmlformats.org/officeDocument/2006/relationships" xmlns:p="http://schemas.openxmlformats.org/presentationml/2006/main">
-  <p:cSld>
-    <p:spTree>
-      <p:nvGrpSpPr>
-        <p:cNvPr id="1" name=""/>
-        <p:cNvGrpSpPr/>
-        <p:nvPr/>
-      </p:nvGrpSpPr>
-      <p:grpSpPr>
-        <a:xfrm>
-          <a:off x="0" y="0"/>
-          <a:ext cx="0" cy="0"/>
-          <a:chOff x="0" y="0"/>
-          <a:chExt cx="0" cy="0"/>
-        </a:xfrm>
-      </p:grpSpPr>
-      <p:sp>
-        <p:nvSpPr>
-          <p:cNvPr id="2" name="Espace réservé de l'image des diapositives 1"/>
-          <p:cNvSpPr>
-            <a:spLocks noGrp="1" noRot="1" noChangeAspect="1"/>
-          </p:cNvSpPr>
-          <p:nvPr>
-            <p:ph type="sldImg"/>
-          </p:nvPr>
-        </p:nvSpPr>
-        <p:spPr/>
-      </p:sp>
-      <p:sp>
-        <p:nvSpPr>
-          <p:cNvPr id="3" name="Espace réservé des notes 2"/>
-          <p:cNvSpPr>
-            <a:spLocks noGrp="1"/>
-          </p:cNvSpPr>
-          <p:nvPr>
-            <p:ph type="body" idx="1"/>
-          </p:nvPr>
-        </p:nvSpPr>
-        <p:spPr/>
-        <p:txBody>
-          <a:bodyPr/>
-          <a:lstStyle/>
-          <a:p>
-            <a:endParaRPr lang="fr-FR"/>
-          </a:p>
-        </p:txBody>
-      </p:sp>
-      <p:sp>
-        <p:nvSpPr>
-          <p:cNvPr id="4" name="Espace réservé du numéro de diapositive 3"/>
-          <p:cNvSpPr>
-            <a:spLocks noGrp="1"/>
-          </p:cNvSpPr>
-          <p:nvPr>
-            <p:ph type="sldNum" sz="quarter" idx="5"/>
-          </p:nvPr>
-        </p:nvSpPr>
-        <p:spPr/>
-        <p:txBody>
-          <a:bodyPr/>
-          <a:lstStyle/>
-          <a:p>
-            <a:fld id="{C5BC8565-3BE2-E84B-97A0-FA785777CB34}" type="slidenum">
-              <a:rPr lang="fr-FR" smtClean="0"/>
-              <a:t>27</a:t>
-            </a:fld>
-            <a:endParaRPr lang="fr-FR"/>
-          </a:p>
-        </p:txBody>
-      </p:sp>
-    </p:spTree>
-    <p:extLst>
-      <p:ext uri="{BB962C8B-B14F-4D97-AF65-F5344CB8AC3E}">
-        <p14:creationId xmlns:p14="http://schemas.microsoft.com/office/powerpoint/2010/main" val="1308598453"/>
-      </p:ext>
-    </p:extLst>
-  </p:cSld>
-  <p:clrMapOvr>
-    <a:masterClrMapping/>
-  </p:clrMapOvr>
-</p:notes>
-</file>
-
-<file path=ppt/notesSlides/notesSlide12.xml><?xml version="1.0" encoding="utf-8"?>
-<p:notes xmlns:a="http://schemas.openxmlformats.org/drawingml/2006/main" xmlns:r="http://schemas.openxmlformats.org/officeDocument/2006/relationships" xmlns:p="http://schemas.openxmlformats.org/presentationml/2006/main">
-  <p:cSld>
-    <p:spTree>
-      <p:nvGrpSpPr>
-        <p:cNvPr id="1" name=""/>
-        <p:cNvGrpSpPr/>
-        <p:nvPr/>
-      </p:nvGrpSpPr>
-      <p:grpSpPr>
-        <a:xfrm>
-          <a:off x="0" y="0"/>
-          <a:ext cx="0" cy="0"/>
-          <a:chOff x="0" y="0"/>
-          <a:chExt cx="0" cy="0"/>
-        </a:xfrm>
-      </p:grpSpPr>
-      <p:sp>
-        <p:nvSpPr>
-          <p:cNvPr id="2" name="Espace réservé de l'image des diapositives 1"/>
-          <p:cNvSpPr>
-            <a:spLocks noGrp="1" noRot="1" noChangeAspect="1"/>
-          </p:cNvSpPr>
-          <p:nvPr>
-            <p:ph type="sldImg"/>
-          </p:nvPr>
-        </p:nvSpPr>
-        <p:spPr/>
-      </p:sp>
-      <p:sp>
-        <p:nvSpPr>
-          <p:cNvPr id="3" name="Espace réservé des notes 2"/>
-          <p:cNvSpPr>
-            <a:spLocks noGrp="1"/>
-          </p:cNvSpPr>
-          <p:nvPr>
-            <p:ph type="body" idx="1"/>
-          </p:nvPr>
-        </p:nvSpPr>
-        <p:spPr/>
-        <p:txBody>
-          <a:bodyPr/>
-          <a:lstStyle/>
-          <a:p>
-            <a:endParaRPr lang="fr-FR"/>
-          </a:p>
-        </p:txBody>
-      </p:sp>
-      <p:sp>
-        <p:nvSpPr>
-          <p:cNvPr id="4" name="Espace réservé du numéro de diapositive 3"/>
-          <p:cNvSpPr>
-            <a:spLocks noGrp="1"/>
-          </p:cNvSpPr>
-          <p:nvPr>
-            <p:ph type="sldNum" sz="quarter" idx="5"/>
-          </p:nvPr>
-        </p:nvSpPr>
-        <p:spPr/>
-        <p:txBody>
-          <a:bodyPr/>
-          <a:lstStyle/>
-          <a:p>
-            <a:fld id="{C5BC8565-3BE2-E84B-97A0-FA785777CB34}" type="slidenum">
-              <a:rPr lang="fr-FR" smtClean="0"/>
-              <a:t>30</a:t>
-            </a:fld>
-            <a:endParaRPr lang="fr-FR"/>
-          </a:p>
-        </p:txBody>
-      </p:sp>
-    </p:spTree>
-    <p:extLst>
-      <p:ext uri="{BB962C8B-B14F-4D97-AF65-F5344CB8AC3E}">
-        <p14:creationId xmlns:p14="http://schemas.microsoft.com/office/powerpoint/2010/main" val="1323468960"/>
-      </p:ext>
-    </p:extLst>
-  </p:cSld>
-  <p:clrMapOvr>
-    <a:masterClrMapping/>
-  </p:clrMapOvr>
-</p:notes>
-</file>
-
-<file path=ppt/notesSlides/notesSlide13.xml><?xml version="1.0" encoding="utf-8"?>
-<p:notes xmlns:a="http://schemas.openxmlformats.org/drawingml/2006/main" xmlns:r="http://schemas.openxmlformats.org/officeDocument/2006/relationships" xmlns:p="http://schemas.openxmlformats.org/presentationml/2006/main">
-  <p:cSld>
-    <p:spTree>
-      <p:nvGrpSpPr>
-        <p:cNvPr id="1" name=""/>
-        <p:cNvGrpSpPr/>
-        <p:nvPr/>
-      </p:nvGrpSpPr>
-      <p:grpSpPr>
-        <a:xfrm>
-          <a:off x="0" y="0"/>
-          <a:ext cx="0" cy="0"/>
-          <a:chOff x="0" y="0"/>
-          <a:chExt cx="0" cy="0"/>
-        </a:xfrm>
-      </p:grpSpPr>
-      <p:sp>
-        <p:nvSpPr>
-          <p:cNvPr id="2" name="Espace réservé de l'image des diapositives 1"/>
-          <p:cNvSpPr>
-            <a:spLocks noGrp="1" noRot="1" noChangeAspect="1"/>
-          </p:cNvSpPr>
-          <p:nvPr>
-            <p:ph type="sldImg"/>
-          </p:nvPr>
-        </p:nvSpPr>
-        <p:spPr/>
-      </p:sp>
-      <p:sp>
-        <p:nvSpPr>
-          <p:cNvPr id="3" name="Espace réservé des notes 2"/>
-          <p:cNvSpPr>
-            <a:spLocks noGrp="1"/>
-          </p:cNvSpPr>
-          <p:nvPr>
-            <p:ph type="body" idx="1"/>
-          </p:nvPr>
-        </p:nvSpPr>
-        <p:spPr/>
-        <p:txBody>
-          <a:bodyPr/>
-          <a:lstStyle/>
-          <a:p>
-            <a:endParaRPr lang="fr-FR"/>
-          </a:p>
-        </p:txBody>
-      </p:sp>
-      <p:sp>
-        <p:nvSpPr>
-          <p:cNvPr id="4" name="Espace réservé du numéro de diapositive 3"/>
-          <p:cNvSpPr>
-            <a:spLocks noGrp="1"/>
-          </p:cNvSpPr>
-          <p:nvPr>
-            <p:ph type="sldNum" sz="quarter" idx="5"/>
-          </p:nvPr>
-        </p:nvSpPr>
-        <p:spPr/>
-        <p:txBody>
-          <a:bodyPr/>
-          <a:lstStyle/>
-          <a:p>
-            <a:fld id="{C5BC8565-3BE2-E84B-97A0-FA785777CB34}" type="slidenum">
-              <a:rPr lang="fr-FR" smtClean="0"/>
-              <a:t>32</a:t>
-            </a:fld>
-            <a:endParaRPr lang="fr-FR"/>
-          </a:p>
-        </p:txBody>
-      </p:sp>
-    </p:spTree>
-    <p:extLst>
-      <p:ext uri="{BB962C8B-B14F-4D97-AF65-F5344CB8AC3E}">
-        <p14:creationId xmlns:p14="http://schemas.microsoft.com/office/powerpoint/2010/main" val="186381855"/>
-      </p:ext>
-    </p:extLst>
-  </p:cSld>
-  <p:clrMapOvr>
-    <a:masterClrMapping/>
-  </p:clrMapOvr>
-</p:notes>
-</file>
-
-<file path=ppt/notesSlides/notesSlide14.xml><?xml version="1.0" encoding="utf-8"?>
-<p:notes xmlns:a="http://schemas.openxmlformats.org/drawingml/2006/main" xmlns:r="http://schemas.openxmlformats.org/officeDocument/2006/relationships" xmlns:p="http://schemas.openxmlformats.org/presentationml/2006/main">
-  <p:cSld>
-    <p:spTree>
-      <p:nvGrpSpPr>
-        <p:cNvPr id="1" name=""/>
-        <p:cNvGrpSpPr/>
-        <p:nvPr/>
-      </p:nvGrpSpPr>
-      <p:grpSpPr>
-        <a:xfrm>
-          <a:off x="0" y="0"/>
-          <a:ext cx="0" cy="0"/>
-          <a:chOff x="0" y="0"/>
-          <a:chExt cx="0" cy="0"/>
-        </a:xfrm>
-      </p:grpSpPr>
-      <p:sp>
-        <p:nvSpPr>
-          <p:cNvPr id="2" name="Espace réservé de l'image des diapositives 1"/>
-          <p:cNvSpPr>
-            <a:spLocks noGrp="1" noRot="1" noChangeAspect="1"/>
-          </p:cNvSpPr>
-          <p:nvPr>
-            <p:ph type="sldImg"/>
-          </p:nvPr>
-        </p:nvSpPr>
-        <p:spPr/>
-      </p:sp>
-      <p:sp>
-        <p:nvSpPr>
-          <p:cNvPr id="3" name="Espace réservé des notes 2"/>
-          <p:cNvSpPr>
-            <a:spLocks noGrp="1"/>
-          </p:cNvSpPr>
-          <p:nvPr>
-            <p:ph type="body" idx="1"/>
-          </p:nvPr>
-        </p:nvSpPr>
-        <p:spPr/>
-        <p:txBody>
-          <a:bodyPr/>
-          <a:lstStyle/>
-          <a:p>
-            <a:endParaRPr lang="fr-FR"/>
-          </a:p>
-        </p:txBody>
-      </p:sp>
-      <p:sp>
-        <p:nvSpPr>
-          <p:cNvPr id="4" name="Espace réservé du numéro de diapositive 3"/>
-          <p:cNvSpPr>
-            <a:spLocks noGrp="1"/>
-          </p:cNvSpPr>
-          <p:nvPr>
-            <p:ph type="sldNum" sz="quarter" idx="5"/>
-          </p:nvPr>
-        </p:nvSpPr>
-        <p:spPr/>
-        <p:txBody>
-          <a:bodyPr/>
-          <a:lstStyle/>
-          <a:p>
-            <a:fld id="{C5BC8565-3BE2-E84B-97A0-FA785777CB34}" type="slidenum">
-              <a:rPr lang="fr-FR" smtClean="0"/>
-              <a:t>34</a:t>
-            </a:fld>
-            <a:endParaRPr lang="fr-FR"/>
-          </a:p>
-        </p:txBody>
-      </p:sp>
-    </p:spTree>
-    <p:extLst>
-      <p:ext uri="{BB962C8B-B14F-4D97-AF65-F5344CB8AC3E}">
-        <p14:creationId xmlns:p14="http://schemas.microsoft.com/office/powerpoint/2010/main" val="3352930658"/>
-      </p:ext>
-    </p:extLst>
-  </p:cSld>
-  <p:clrMapOvr>
-    <a:masterClrMapping/>
-  </p:clrMapOvr>
-</p:notes>
-</file>
-
-<file path=ppt/notesSlides/notesSlide15.xml><?xml version="1.0" encoding="utf-8"?>
-<p:notes xmlns:a="http://schemas.openxmlformats.org/drawingml/2006/main" xmlns:r="http://schemas.openxmlformats.org/officeDocument/2006/relationships" xmlns:p="http://schemas.openxmlformats.org/presentationml/2006/main">
-  <p:cSld>
-    <p:spTree>
-      <p:nvGrpSpPr>
-        <p:cNvPr id="1" name=""/>
-        <p:cNvGrpSpPr/>
-        <p:nvPr/>
-      </p:nvGrpSpPr>
-      <p:grpSpPr>
-        <a:xfrm>
-          <a:off x="0" y="0"/>
-          <a:ext cx="0" cy="0"/>
-          <a:chOff x="0" y="0"/>
-          <a:chExt cx="0" cy="0"/>
-        </a:xfrm>
-      </p:grpSpPr>
-      <p:sp>
-        <p:nvSpPr>
-          <p:cNvPr id="2" name="Espace réservé de l'image des diapositives 1"/>
-          <p:cNvSpPr>
-            <a:spLocks noGrp="1" noRot="1" noChangeAspect="1"/>
-          </p:cNvSpPr>
-          <p:nvPr>
-            <p:ph type="sldImg"/>
-          </p:nvPr>
-        </p:nvSpPr>
-        <p:spPr/>
-      </p:sp>
-      <p:sp>
-        <p:nvSpPr>
-          <p:cNvPr id="3" name="Espace réservé des notes 2"/>
-          <p:cNvSpPr>
-            <a:spLocks noGrp="1"/>
-          </p:cNvSpPr>
-          <p:nvPr>
-            <p:ph type="body" idx="1"/>
-          </p:nvPr>
-        </p:nvSpPr>
-        <p:spPr/>
-        <p:txBody>
-          <a:bodyPr/>
-          <a:lstStyle/>
-          <a:p>
-            <a:endParaRPr lang="fr-FR"/>
-          </a:p>
-        </p:txBody>
-      </p:sp>
-      <p:sp>
-        <p:nvSpPr>
-          <p:cNvPr id="4" name="Espace réservé du numéro de diapositive 3"/>
-          <p:cNvSpPr>
-            <a:spLocks noGrp="1"/>
-          </p:cNvSpPr>
-          <p:nvPr>
-            <p:ph type="sldNum" sz="quarter" idx="5"/>
-          </p:nvPr>
-        </p:nvSpPr>
-        <p:spPr/>
-        <p:txBody>
-          <a:bodyPr/>
-          <a:lstStyle/>
-          <a:p>
-            <a:fld id="{C5BC8565-3BE2-E84B-97A0-FA785777CB34}" type="slidenum">
-              <a:rPr lang="fr-FR" smtClean="0"/>
-              <a:t>36</a:t>
-            </a:fld>
-            <a:endParaRPr lang="fr-FR"/>
-          </a:p>
-        </p:txBody>
-      </p:sp>
-    </p:spTree>
-    <p:extLst>
-      <p:ext uri="{BB962C8B-B14F-4D97-AF65-F5344CB8AC3E}">
-        <p14:creationId xmlns:p14="http://schemas.microsoft.com/office/powerpoint/2010/main" val="1901534502"/>
-      </p:ext>
-    </p:extLst>
-  </p:cSld>
-  <p:clrMapOvr>
-    <a:masterClrMapping/>
-  </p:clrMapOvr>
-</p:notes>
-</file>
-
-<file path=ppt/notesSlides/notesSlide2.xml><?xml version="1.0" encoding="utf-8"?>
-<p:notes xmlns:a="http://schemas.openxmlformats.org/drawingml/2006/main" xmlns:r="http://schemas.openxmlformats.org/officeDocument/2006/relationships" xmlns:p="http://schemas.openxmlformats.org/presentationml/2006/main">
-  <p:cSld>
-    <p:spTree>
-      <p:nvGrpSpPr>
-        <p:cNvPr id="1" name=""/>
-        <p:cNvGrpSpPr/>
-        <p:nvPr/>
-      </p:nvGrpSpPr>
-      <p:grpSpPr>
-        <a:xfrm>
-          <a:off x="0" y="0"/>
-          <a:ext cx="0" cy="0"/>
-          <a:chOff x="0" y="0"/>
-          <a:chExt cx="0" cy="0"/>
-        </a:xfrm>
-      </p:grpSpPr>
-      <p:sp>
-        <p:nvSpPr>
-          <p:cNvPr id="2" name="Espace réservé de l'image des diapositives 1"/>
-          <p:cNvSpPr>
-            <a:spLocks noGrp="1" noRot="1" noChangeAspect="1"/>
-          </p:cNvSpPr>
-          <p:nvPr>
-            <p:ph type="sldImg"/>
-          </p:nvPr>
-        </p:nvSpPr>
-        <p:spPr/>
-      </p:sp>
-      <p:sp>
-        <p:nvSpPr>
-          <p:cNvPr id="3" name="Espace réservé des notes 2"/>
-          <p:cNvSpPr>
-            <a:spLocks noGrp="1"/>
-          </p:cNvSpPr>
-          <p:nvPr>
-            <p:ph type="body" idx="1"/>
-          </p:nvPr>
-        </p:nvSpPr>
-        <p:spPr/>
-        <p:txBody>
-          <a:bodyPr/>
-          <a:lstStyle/>
-          <a:p>
-            <a:endParaRPr lang="fr-FR"/>
-          </a:p>
-        </p:txBody>
-      </p:sp>
-      <p:sp>
-        <p:nvSpPr>
-          <p:cNvPr id="4" name="Espace réservé du numéro de diapositive 3"/>
-          <p:cNvSpPr>
-            <a:spLocks noGrp="1"/>
-          </p:cNvSpPr>
-          <p:nvPr>
-            <p:ph type="sldNum" sz="quarter" idx="5"/>
-          </p:nvPr>
-        </p:nvSpPr>
-        <p:spPr/>
-        <p:txBody>
-          <a:bodyPr/>
-          <a:lstStyle/>
-          <a:p>
-            <a:fld id="{C5BC8565-3BE2-E84B-97A0-FA785777CB34}" type="slidenum">
-              <a:rPr lang="fr-FR" smtClean="0"/>
-              <a:t>7</a:t>
-            </a:fld>
-            <a:endParaRPr lang="fr-FR"/>
-          </a:p>
-        </p:txBody>
-      </p:sp>
-    </p:spTree>
-    <p:extLst>
-      <p:ext uri="{BB962C8B-B14F-4D97-AF65-F5344CB8AC3E}">
-        <p14:creationId xmlns:p14="http://schemas.microsoft.com/office/powerpoint/2010/main" val="4236461887"/>
-      </p:ext>
-    </p:extLst>
-  </p:cSld>
-  <p:clrMapOvr>
-    <a:masterClrMapping/>
-  </p:clrMapOvr>
-</p:notes>
-</file>
-
-<file path=ppt/notesSlides/notesSlide3.xml><?xml version="1.0" encoding="utf-8"?>
-<p:notes xmlns:a="http://schemas.openxmlformats.org/drawingml/2006/main" xmlns:r="http://schemas.openxmlformats.org/officeDocument/2006/relationships" xmlns:p="http://schemas.openxmlformats.org/presentationml/2006/main">
-  <p:cSld>
-    <p:spTree>
-      <p:nvGrpSpPr>
-        <p:cNvPr id="1" name=""/>
-        <p:cNvGrpSpPr/>
-        <p:nvPr/>
-      </p:nvGrpSpPr>
-      <p:grpSpPr>
-        <a:xfrm>
-          <a:off x="0" y="0"/>
-          <a:ext cx="0" cy="0"/>
-          <a:chOff x="0" y="0"/>
-          <a:chExt cx="0" cy="0"/>
-        </a:xfrm>
-      </p:grpSpPr>
-      <p:sp>
-        <p:nvSpPr>
-          <p:cNvPr id="2" name="Espace réservé de l'image des diapositives 1"/>
-          <p:cNvSpPr>
-            <a:spLocks noGrp="1" noRot="1" noChangeAspect="1"/>
-          </p:cNvSpPr>
-          <p:nvPr>
-            <p:ph type="sldImg"/>
-          </p:nvPr>
-        </p:nvSpPr>
-        <p:spPr/>
-      </p:sp>
-      <p:sp>
-        <p:nvSpPr>
-          <p:cNvPr id="3" name="Espace réservé des notes 2"/>
-          <p:cNvSpPr>
-            <a:spLocks noGrp="1"/>
-          </p:cNvSpPr>
-          <p:nvPr>
-            <p:ph type="body" idx="1"/>
-          </p:nvPr>
-        </p:nvSpPr>
-        <p:spPr/>
-        <p:txBody>
-          <a:bodyPr/>
-          <a:lstStyle/>
-          <a:p>
-            <a:endParaRPr lang="fr-FR"/>
-          </a:p>
-        </p:txBody>
-      </p:sp>
-      <p:sp>
-        <p:nvSpPr>
-          <p:cNvPr id="4" name="Espace réservé du numéro de diapositive 3"/>
-          <p:cNvSpPr>
-            <a:spLocks noGrp="1"/>
-          </p:cNvSpPr>
-          <p:nvPr>
-            <p:ph type="sldNum" sz="quarter" idx="5"/>
-          </p:nvPr>
-        </p:nvSpPr>
-        <p:spPr/>
-        <p:txBody>
-          <a:bodyPr/>
-          <a:lstStyle/>
-          <a:p>
-            <a:fld id="{C5BC8565-3BE2-E84B-97A0-FA785777CB34}" type="slidenum">
-              <a:rPr lang="fr-FR" smtClean="0"/>
-              <a:t>9</a:t>
-            </a:fld>
-            <a:endParaRPr lang="fr-FR"/>
-          </a:p>
-        </p:txBody>
-      </p:sp>
-    </p:spTree>
-    <p:extLst>
-      <p:ext uri="{BB962C8B-B14F-4D97-AF65-F5344CB8AC3E}">
-        <p14:creationId xmlns:p14="http://schemas.microsoft.com/office/powerpoint/2010/main" val="994143396"/>
-      </p:ext>
-    </p:extLst>
-  </p:cSld>
-  <p:clrMapOvr>
-    <a:masterClrMapping/>
-  </p:clrMapOvr>
-</p:notes>
-</file>
-
-<file path=ppt/notesSlides/notesSlide4.xml><?xml version="1.0" encoding="utf-8"?>
-<p:notes xmlns:a="http://schemas.openxmlformats.org/drawingml/2006/main" xmlns:r="http://schemas.openxmlformats.org/officeDocument/2006/relationships" xmlns:p="http://schemas.openxmlformats.org/presentationml/2006/main">
-  <p:cSld>
-    <p:spTree>
-      <p:nvGrpSpPr>
-        <p:cNvPr id="1" name=""/>
-        <p:cNvGrpSpPr/>
-        <p:nvPr/>
-      </p:nvGrpSpPr>
-      <p:grpSpPr>
-        <a:xfrm>
-          <a:off x="0" y="0"/>
-          <a:ext cx="0" cy="0"/>
-          <a:chOff x="0" y="0"/>
-          <a:chExt cx="0" cy="0"/>
-        </a:xfrm>
-      </p:grpSpPr>
-      <p:sp>
-        <p:nvSpPr>
-          <p:cNvPr id="2" name="Espace réservé de l'image des diapositives 1"/>
-          <p:cNvSpPr>
-            <a:spLocks noGrp="1" noRot="1" noChangeAspect="1"/>
-          </p:cNvSpPr>
-          <p:nvPr>
-            <p:ph type="sldImg"/>
-          </p:nvPr>
-        </p:nvSpPr>
-        <p:spPr/>
-      </p:sp>
-      <p:sp>
-        <p:nvSpPr>
-          <p:cNvPr id="3" name="Espace réservé des notes 2"/>
-          <p:cNvSpPr>
-            <a:spLocks noGrp="1"/>
-          </p:cNvSpPr>
-          <p:nvPr>
-            <p:ph type="body" idx="1"/>
-          </p:nvPr>
-        </p:nvSpPr>
-        <p:spPr/>
-        <p:txBody>
-          <a:bodyPr/>
-          <a:lstStyle/>
-          <a:p>
-            <a:endParaRPr lang="fr-FR"/>
-          </a:p>
-        </p:txBody>
-      </p:sp>
-      <p:sp>
-        <p:nvSpPr>
-          <p:cNvPr id="4" name="Espace réservé du numéro de diapositive 3"/>
-          <p:cNvSpPr>
-            <a:spLocks noGrp="1"/>
-          </p:cNvSpPr>
-          <p:nvPr>
-            <p:ph type="sldNum" sz="quarter" idx="5"/>
-          </p:nvPr>
-        </p:nvSpPr>
-        <p:spPr/>
-        <p:txBody>
-          <a:bodyPr/>
-          <a:lstStyle/>
-          <a:p>
-            <a:fld id="{C5BC8565-3BE2-E84B-97A0-FA785777CB34}" type="slidenum">
-              <a:rPr lang="fr-FR" smtClean="0"/>
-              <a:t>11</a:t>
-            </a:fld>
-            <a:endParaRPr lang="fr-FR"/>
-          </a:p>
-        </p:txBody>
-      </p:sp>
-    </p:spTree>
-    <p:extLst>
-      <p:ext uri="{BB962C8B-B14F-4D97-AF65-F5344CB8AC3E}">
-        <p14:creationId xmlns:p14="http://schemas.microsoft.com/office/powerpoint/2010/main" val="3179851892"/>
-      </p:ext>
-    </p:extLst>
-  </p:cSld>
-  <p:clrMapOvr>
-    <a:masterClrMapping/>
-  </p:clrMapOvr>
-</p:notes>
-</file>
-
-<file path=ppt/notesSlides/notesSlide5.xml><?xml version="1.0" encoding="utf-8"?>
-<p:notes xmlns:a="http://schemas.openxmlformats.org/drawingml/2006/main" xmlns:r="http://schemas.openxmlformats.org/officeDocument/2006/relationships" xmlns:p="http://schemas.openxmlformats.org/presentationml/2006/main">
-  <p:cSld>
-    <p:spTree>
-      <p:nvGrpSpPr>
-        <p:cNvPr id="1" name=""/>
-        <p:cNvGrpSpPr/>
-        <p:nvPr/>
-      </p:nvGrpSpPr>
-      <p:grpSpPr>
-        <a:xfrm>
-          <a:off x="0" y="0"/>
-          <a:ext cx="0" cy="0"/>
-          <a:chOff x="0" y="0"/>
-          <a:chExt cx="0" cy="0"/>
-        </a:xfrm>
-      </p:grpSpPr>
-      <p:sp>
-        <p:nvSpPr>
-          <p:cNvPr id="2" name="Espace réservé de l'image des diapositives 1"/>
-          <p:cNvSpPr>
-            <a:spLocks noGrp="1" noRot="1" noChangeAspect="1"/>
-          </p:cNvSpPr>
-          <p:nvPr>
-            <p:ph type="sldImg"/>
-          </p:nvPr>
-        </p:nvSpPr>
-        <p:spPr/>
-      </p:sp>
-      <p:sp>
-        <p:nvSpPr>
-          <p:cNvPr id="3" name="Espace réservé des notes 2"/>
-          <p:cNvSpPr>
-            <a:spLocks noGrp="1"/>
-          </p:cNvSpPr>
-          <p:nvPr>
-            <p:ph type="body" idx="1"/>
-          </p:nvPr>
-        </p:nvSpPr>
-        <p:spPr/>
-        <p:txBody>
-          <a:bodyPr/>
-          <a:lstStyle/>
-          <a:p>
-            <a:endParaRPr lang="fr-FR"/>
-          </a:p>
-        </p:txBody>
-      </p:sp>
-      <p:sp>
-        <p:nvSpPr>
-          <p:cNvPr id="4" name="Espace réservé du numéro de diapositive 3"/>
-          <p:cNvSpPr>
-            <a:spLocks noGrp="1"/>
-          </p:cNvSpPr>
-          <p:nvPr>
-            <p:ph type="sldNum" sz="quarter" idx="5"/>
-          </p:nvPr>
-        </p:nvSpPr>
-        <p:spPr/>
-        <p:txBody>
-          <a:bodyPr/>
-          <a:lstStyle/>
-          <a:p>
-            <a:fld id="{C5BC8565-3BE2-E84B-97A0-FA785777CB34}" type="slidenum">
-              <a:rPr lang="fr-FR" smtClean="0"/>
-              <a:t>13</a:t>
-            </a:fld>
-            <a:endParaRPr lang="fr-FR"/>
-          </a:p>
-        </p:txBody>
-      </p:sp>
-    </p:spTree>
-    <p:extLst>
-      <p:ext uri="{BB962C8B-B14F-4D97-AF65-F5344CB8AC3E}">
-        <p14:creationId xmlns:p14="http://schemas.microsoft.com/office/powerpoint/2010/main" val="55117287"/>
-      </p:ext>
-    </p:extLst>
-  </p:cSld>
-  <p:clrMapOvr>
-    <a:masterClrMapping/>
-  </p:clrMapOvr>
-</p:notes>
-</file>
-
-<file path=ppt/notesSlides/notesSlide6.xml><?xml version="1.0" encoding="utf-8"?>
-<p:notes xmlns:a="http://schemas.openxmlformats.org/drawingml/2006/main" xmlns:r="http://schemas.openxmlformats.org/officeDocument/2006/relationships" xmlns:p="http://schemas.openxmlformats.org/presentationml/2006/main">
-  <p:cSld>
-    <p:spTree>
-      <p:nvGrpSpPr>
-        <p:cNvPr id="1" name=""/>
-        <p:cNvGrpSpPr/>
-        <p:nvPr/>
-      </p:nvGrpSpPr>
-      <p:grpSpPr>
-        <a:xfrm>
-          <a:off x="0" y="0"/>
-          <a:ext cx="0" cy="0"/>
-          <a:chOff x="0" y="0"/>
-          <a:chExt cx="0" cy="0"/>
-        </a:xfrm>
-      </p:grpSpPr>
-      <p:sp>
-        <p:nvSpPr>
-          <p:cNvPr id="2" name="Espace réservé de l'image des diapositives 1"/>
-          <p:cNvSpPr>
-            <a:spLocks noGrp="1" noRot="1" noChangeAspect="1"/>
-          </p:cNvSpPr>
-          <p:nvPr>
-            <p:ph type="sldImg"/>
-          </p:nvPr>
-        </p:nvSpPr>
-        <p:spPr/>
-      </p:sp>
-      <p:sp>
-        <p:nvSpPr>
-          <p:cNvPr id="3" name="Espace réservé des notes 2"/>
-          <p:cNvSpPr>
-            <a:spLocks noGrp="1"/>
-          </p:cNvSpPr>
-          <p:nvPr>
-            <p:ph type="body" idx="1"/>
-          </p:nvPr>
-        </p:nvSpPr>
-        <p:spPr/>
-        <p:txBody>
-          <a:bodyPr/>
-          <a:lstStyle/>
-          <a:p>
-            <a:endParaRPr lang="fr-FR"/>
-          </a:p>
-        </p:txBody>
-      </p:sp>
-      <p:sp>
-        <p:nvSpPr>
-          <p:cNvPr id="4" name="Espace réservé du numéro de diapositive 3"/>
-          <p:cNvSpPr>
-            <a:spLocks noGrp="1"/>
-          </p:cNvSpPr>
-          <p:nvPr>
-            <p:ph type="sldNum" sz="quarter" idx="5"/>
-          </p:nvPr>
-        </p:nvSpPr>
-        <p:spPr/>
-        <p:txBody>
-          <a:bodyPr/>
-          <a:lstStyle/>
-          <a:p>
-            <a:fld id="{C5BC8565-3BE2-E84B-97A0-FA785777CB34}" type="slidenum">
-              <a:rPr lang="fr-FR" smtClean="0"/>
-              <a:t>16</a:t>
-            </a:fld>
-            <a:endParaRPr lang="fr-FR"/>
-          </a:p>
-        </p:txBody>
-      </p:sp>
-    </p:spTree>
-    <p:extLst>
-      <p:ext uri="{BB962C8B-B14F-4D97-AF65-F5344CB8AC3E}">
-        <p14:creationId xmlns:p14="http://schemas.microsoft.com/office/powerpoint/2010/main" val="2806163500"/>
-      </p:ext>
-    </p:extLst>
-  </p:cSld>
-  <p:clrMapOvr>
-    <a:masterClrMapping/>
-  </p:clrMapOvr>
-</p:notes>
-</file>
-
-<file path=ppt/notesSlides/notesSlide7.xml><?xml version="1.0" encoding="utf-8"?>
-<p:notes xmlns:a="http://schemas.openxmlformats.org/drawingml/2006/main" xmlns:r="http://schemas.openxmlformats.org/officeDocument/2006/relationships" xmlns:p="http://schemas.openxmlformats.org/presentationml/2006/main">
-  <p:cSld>
-    <p:spTree>
-      <p:nvGrpSpPr>
-        <p:cNvPr id="1" name=""/>
-        <p:cNvGrpSpPr/>
-        <p:nvPr/>
-      </p:nvGrpSpPr>
-      <p:grpSpPr>
-        <a:xfrm>
-          <a:off x="0" y="0"/>
-          <a:ext cx="0" cy="0"/>
-          <a:chOff x="0" y="0"/>
-          <a:chExt cx="0" cy="0"/>
-        </a:xfrm>
-      </p:grpSpPr>
-      <p:sp>
-        <p:nvSpPr>
-          <p:cNvPr id="2" name="Espace réservé de l'image des diapositives 1"/>
-          <p:cNvSpPr>
-            <a:spLocks noGrp="1" noRot="1" noChangeAspect="1"/>
-          </p:cNvSpPr>
-          <p:nvPr>
-            <p:ph type="sldImg"/>
-          </p:nvPr>
-        </p:nvSpPr>
-        <p:spPr/>
-      </p:sp>
-      <p:sp>
-        <p:nvSpPr>
-          <p:cNvPr id="3" name="Espace réservé des notes 2"/>
-          <p:cNvSpPr>
-            <a:spLocks noGrp="1"/>
-          </p:cNvSpPr>
-          <p:nvPr>
-            <p:ph type="body" idx="1"/>
-          </p:nvPr>
-        </p:nvSpPr>
-        <p:spPr/>
-        <p:txBody>
-          <a:bodyPr/>
-          <a:lstStyle/>
-          <a:p>
-            <a:endParaRPr lang="fr-FR"/>
-          </a:p>
-        </p:txBody>
-      </p:sp>
-      <p:sp>
-        <p:nvSpPr>
-          <p:cNvPr id="4" name="Espace réservé du numéro de diapositive 3"/>
-          <p:cNvSpPr>
-            <a:spLocks noGrp="1"/>
-          </p:cNvSpPr>
-          <p:nvPr>
-            <p:ph type="sldNum" sz="quarter" idx="5"/>
-          </p:nvPr>
-        </p:nvSpPr>
-        <p:spPr/>
-        <p:txBody>
-          <a:bodyPr/>
-          <a:lstStyle/>
-          <a:p>
-            <a:fld id="{C5BC8565-3BE2-E84B-97A0-FA785777CB34}" type="slidenum">
-              <a:rPr lang="fr-FR" smtClean="0"/>
-              <a:t>18</a:t>
-            </a:fld>
-            <a:endParaRPr lang="fr-FR"/>
-          </a:p>
-        </p:txBody>
-      </p:sp>
-    </p:spTree>
-    <p:extLst>
-      <p:ext uri="{BB962C8B-B14F-4D97-AF65-F5344CB8AC3E}">
-        <p14:creationId xmlns:p14="http://schemas.microsoft.com/office/powerpoint/2010/main" val="515752475"/>
-      </p:ext>
-    </p:extLst>
-  </p:cSld>
-  <p:clrMapOvr>
-    <a:masterClrMapping/>
-  </p:clrMapOvr>
-</p:notes>
-</file>
-
-<file path=ppt/notesSlides/notesSlide8.xml><?xml version="1.0" encoding="utf-8"?>
-<p:notes xmlns:a="http://schemas.openxmlformats.org/drawingml/2006/main" xmlns:r="http://schemas.openxmlformats.org/officeDocument/2006/relationships" xmlns:p="http://schemas.openxmlformats.org/presentationml/2006/main">
-  <p:cSld>
-    <p:spTree>
-      <p:nvGrpSpPr>
-        <p:cNvPr id="1" name=""/>
-        <p:cNvGrpSpPr/>
-        <p:nvPr/>
-      </p:nvGrpSpPr>
-      <p:grpSpPr>
-        <a:xfrm>
-          <a:off x="0" y="0"/>
-          <a:ext cx="0" cy="0"/>
-          <a:chOff x="0" y="0"/>
-          <a:chExt cx="0" cy="0"/>
-        </a:xfrm>
-      </p:grpSpPr>
-      <p:sp>
-        <p:nvSpPr>
-          <p:cNvPr id="2" name="Espace réservé de l'image des diapositives 1"/>
-          <p:cNvSpPr>
-            <a:spLocks noGrp="1" noRot="1" noChangeAspect="1"/>
-          </p:cNvSpPr>
-          <p:nvPr>
-            <p:ph type="sldImg"/>
-          </p:nvPr>
-        </p:nvSpPr>
-        <p:spPr/>
-      </p:sp>
-      <p:sp>
-        <p:nvSpPr>
-          <p:cNvPr id="3" name="Espace réservé des notes 2"/>
-          <p:cNvSpPr>
-            <a:spLocks noGrp="1"/>
-          </p:cNvSpPr>
-          <p:nvPr>
-            <p:ph type="body" idx="1"/>
-          </p:nvPr>
-        </p:nvSpPr>
-        <p:spPr/>
-        <p:txBody>
-          <a:bodyPr/>
-          <a:lstStyle/>
-          <a:p>
-            <a:endParaRPr lang="fr-FR"/>
-          </a:p>
-        </p:txBody>
-      </p:sp>
-      <p:sp>
-        <p:nvSpPr>
-          <p:cNvPr id="4" name="Espace réservé du numéro de diapositive 3"/>
-          <p:cNvSpPr>
-            <a:spLocks noGrp="1"/>
-          </p:cNvSpPr>
-          <p:nvPr>
-            <p:ph type="sldNum" sz="quarter" idx="5"/>
-          </p:nvPr>
-        </p:nvSpPr>
-        <p:spPr/>
-        <p:txBody>
-          <a:bodyPr/>
-          <a:lstStyle/>
-          <a:p>
-            <a:fld id="{C5BC8565-3BE2-E84B-97A0-FA785777CB34}" type="slidenum">
-              <a:rPr lang="fr-FR" smtClean="0"/>
-              <a:t>20</a:t>
-            </a:fld>
-            <a:endParaRPr lang="fr-FR"/>
-          </a:p>
-        </p:txBody>
-      </p:sp>
-    </p:spTree>
-    <p:extLst>
-      <p:ext uri="{BB962C8B-B14F-4D97-AF65-F5344CB8AC3E}">
-        <p14:creationId xmlns:p14="http://schemas.microsoft.com/office/powerpoint/2010/main" val="1649235328"/>
-      </p:ext>
-    </p:extLst>
-  </p:cSld>
-  <p:clrMapOvr>
-    <a:masterClrMapping/>
-  </p:clrMapOvr>
-</p:notes>
-</file>
-
-<file path=ppt/notesSlides/notesSlide9.xml><?xml version="1.0" encoding="utf-8"?>
-<p:notes xmlns:a="http://schemas.openxmlformats.org/drawingml/2006/main" xmlns:r="http://schemas.openxmlformats.org/officeDocument/2006/relationships" xmlns:p="http://schemas.openxmlformats.org/presentationml/2006/main">
-  <p:cSld>
-    <p:spTree>
-      <p:nvGrpSpPr>
-        <p:cNvPr id="1" name=""/>
-        <p:cNvGrpSpPr/>
-        <p:nvPr/>
-      </p:nvGrpSpPr>
-      <p:grpSpPr>
-        <a:xfrm>
-          <a:off x="0" y="0"/>
-          <a:ext cx="0" cy="0"/>
-          <a:chOff x="0" y="0"/>
-          <a:chExt cx="0" cy="0"/>
-        </a:xfrm>
-      </p:grpSpPr>
-      <p:sp>
-        <p:nvSpPr>
-          <p:cNvPr id="2" name="Espace réservé de l'image des diapositives 1"/>
-          <p:cNvSpPr>
-            <a:spLocks noGrp="1" noRot="1" noChangeAspect="1"/>
-          </p:cNvSpPr>
-          <p:nvPr>
-            <p:ph type="sldImg"/>
-          </p:nvPr>
-        </p:nvSpPr>
-        <p:spPr/>
-      </p:sp>
-      <p:sp>
-        <p:nvSpPr>
-          <p:cNvPr id="3" name="Espace réservé des notes 2"/>
-          <p:cNvSpPr>
-            <a:spLocks noGrp="1"/>
-          </p:cNvSpPr>
-          <p:nvPr>
-            <p:ph type="body" idx="1"/>
-          </p:nvPr>
-        </p:nvSpPr>
-        <p:spPr/>
-        <p:txBody>
-          <a:bodyPr/>
-          <a:lstStyle/>
-          <a:p>
-            <a:endParaRPr lang="fr-FR"/>
-          </a:p>
-        </p:txBody>
-      </p:sp>
-      <p:sp>
-        <p:nvSpPr>
-          <p:cNvPr id="4" name="Espace réservé du numéro de diapositive 3"/>
-          <p:cNvSpPr>
-            <a:spLocks noGrp="1"/>
-          </p:cNvSpPr>
-          <p:nvPr>
-            <p:ph type="sldNum" sz="quarter" idx="5"/>
-          </p:nvPr>
-        </p:nvSpPr>
-        <p:spPr/>
-        <p:txBody>
-          <a:bodyPr/>
-          <a:lstStyle/>
-          <a:p>
-            <a:fld id="{C5BC8565-3BE2-E84B-97A0-FA785777CB34}" type="slidenum">
-              <a:rPr lang="fr-FR" smtClean="0"/>
-              <a:t>22</a:t>
-            </a:fld>
-            <a:endParaRPr lang="fr-FR"/>
-          </a:p>
-        </p:txBody>
-      </p:sp>
-    </p:spTree>
-    <p:extLst>
-      <p:ext uri="{BB962C8B-B14F-4D97-AF65-F5344CB8AC3E}">
-        <p14:creationId xmlns:p14="http://schemas.microsoft.com/office/powerpoint/2010/main" val="2910053042"/>
-      </p:ext>
-    </p:extLst>
-  </p:cSld>
-  <p:clrMapOvr>
-    <a:masterClrMapping/>
-  </p:clrMapOvr>
-</p:notes>
-</file>
-
 <file path=ppt/slideLayouts/slideLayout1.xml><?xml version="1.0" encoding="utf-8"?>
 <p:sldLayout xmlns:a="http://schemas.openxmlformats.org/drawingml/2006/main" xmlns:r="http://schemas.openxmlformats.org/officeDocument/2006/relationships" xmlns:p="http://schemas.openxmlformats.org/presentationml/2006/main" matchingName="Title" type="title">
   <p:cSld name="Title">
@@ -2929,7 +1658,7 @@
 </file>
 
 <file path=ppt/slideLayouts/slideLayout12.xml><?xml version="1.0" encoding="utf-8"?>
-<p:sldLayout xmlns:a="http://schemas.openxmlformats.org/drawingml/2006/main" xmlns:r="http://schemas.openxmlformats.org/officeDocument/2006/relationships" xmlns:p="http://schemas.openxmlformats.org/presentationml/2006/main" matchingName="Blank" type="blank">
+<p:sldLayout xmlns:a="http://schemas.openxmlformats.org/drawingml/2006/main" xmlns:r="http://schemas.openxmlformats.org/officeDocument/2006/relationships" xmlns:p="http://schemas.openxmlformats.org/presentationml/2006/main" matchingName="Blank" userDrawn="1">
   <p:cSld name="Blank">
     <p:spTree>
       <p:nvGrpSpPr>
@@ -3015,6 +1744,61 @@
           </a:p>
         </p:txBody>
       </p:sp>
+      <p:sp>
+        <p:nvSpPr>
+          <p:cNvPr id="3" name="Espace réservé du contenu 4">
+            <a:extLst>
+              <a:ext uri="{FF2B5EF4-FFF2-40B4-BE49-F238E27FC236}">
+                <a16:creationId xmlns:a16="http://schemas.microsoft.com/office/drawing/2014/main" id="{D7D11139-2DA4-4AE1-AA9E-F5CB6FE1328A}"/>
+              </a:ext>
+            </a:extLst>
+          </p:cNvPr>
+          <p:cNvSpPr>
+            <a:spLocks noGrp="1"/>
+          </p:cNvSpPr>
+          <p:nvPr>
+            <p:ph sz="quarter" idx="13" hasCustomPrompt="1"/>
+          </p:nvPr>
+        </p:nvSpPr>
+        <p:spPr>
+          <a:xfrm>
+            <a:off x="4186752" y="6023695"/>
+            <a:ext cx="3818429" cy="280988"/>
+          </a:xfrm>
+        </p:spPr>
+        <p:txBody>
+          <a:bodyPr/>
+          <a:lstStyle>
+            <a:lvl1pPr marL="76200" indent="0" algn="ctr">
+              <a:buNone/>
+              <a:defRPr sz="1600"/>
+            </a:lvl1pPr>
+            <a:lvl2pPr marL="533400" indent="0">
+              <a:buNone/>
+              <a:defRPr/>
+            </a:lvl2pPr>
+            <a:lvl3pPr marL="990600" indent="0">
+              <a:buNone/>
+              <a:defRPr/>
+            </a:lvl3pPr>
+            <a:lvl4pPr marL="1447800" indent="0">
+              <a:buNone/>
+              <a:defRPr/>
+            </a:lvl4pPr>
+            <a:lvl5pPr marL="1905000" indent="0">
+              <a:buNone/>
+              <a:defRPr/>
+            </a:lvl5pPr>
+          </a:lstStyle>
+          <a:p>
+            <a:pPr lvl="0"/>
+            <a:r>
+              <a:rPr lang="fr-FR" dirty="0"/>
+              <a:t>Maxime Bugnion, Matteo Meyer, 3M1</a:t>
+            </a:r>
+          </a:p>
+        </p:txBody>
+      </p:sp>
     </p:spTree>
     <p:extLst>
       <p:ext uri="{BB962C8B-B14F-4D97-AF65-F5344CB8AC3E}">
@@ -3026,179 +1810,6 @@
     <a:masterClrMapping/>
   </p:clrMapOvr>
   <p:hf hdr="0"/>
-</p:sldLayout>
-</file>
-
-<file path=ppt/slideLayouts/slideLayout13.xml><?xml version="1.0" encoding="utf-8"?>
-<p:sldLayout xmlns:a="http://schemas.openxmlformats.org/drawingml/2006/main" xmlns:r="http://schemas.openxmlformats.org/officeDocument/2006/relationships" xmlns:p="http://schemas.openxmlformats.org/presentationml/2006/main" type="obj">
-  <p:cSld name="Titre et contenu">
-    <p:spTree>
-      <p:nvGrpSpPr>
-        <p:cNvPr id="1" name=""/>
-        <p:cNvGrpSpPr/>
-        <p:nvPr/>
-      </p:nvGrpSpPr>
-      <p:grpSpPr>
-        <a:xfrm>
-          <a:off x="0" y="0"/>
-          <a:ext cx="0" cy="0"/>
-          <a:chOff x="0" y="0"/>
-          <a:chExt cx="0" cy="0"/>
-        </a:xfrm>
-      </p:grpSpPr>
-      <p:sp>
-        <p:nvSpPr>
-          <p:cNvPr id="2" name="Title 1"/>
-          <p:cNvSpPr>
-            <a:spLocks noGrp="1"/>
-          </p:cNvSpPr>
-          <p:nvPr>
-            <p:ph type="title"/>
-          </p:nvPr>
-        </p:nvSpPr>
-        <p:spPr/>
-        <p:txBody>
-          <a:bodyPr/>
-          <a:lstStyle/>
-          <a:p>
-            <a:r>
-              <a:rPr lang="fr-FR"/>
-              <a:t>Modifiez le style du titre</a:t>
-            </a:r>
-            <a:endParaRPr lang="en-US" dirty="0"/>
-          </a:p>
-        </p:txBody>
-      </p:sp>
-      <p:sp>
-        <p:nvSpPr>
-          <p:cNvPr id="3" name="Content Placeholder 2"/>
-          <p:cNvSpPr>
-            <a:spLocks noGrp="1"/>
-          </p:cNvSpPr>
-          <p:nvPr>
-            <p:ph idx="1"/>
-          </p:nvPr>
-        </p:nvSpPr>
-        <p:spPr/>
-        <p:txBody>
-          <a:bodyPr anchor="ctr"/>
-          <a:lstStyle/>
-          <a:p>
-            <a:pPr lvl="0"/>
-            <a:r>
-              <a:rPr lang="fr-FR"/>
-              <a:t>Cliquez pour modifier les styles du texte du masque</a:t>
-            </a:r>
-          </a:p>
-          <a:p>
-            <a:pPr lvl="1"/>
-            <a:r>
-              <a:rPr lang="fr-FR"/>
-              <a:t>Deuxième niveau</a:t>
-            </a:r>
-          </a:p>
-          <a:p>
-            <a:pPr lvl="2"/>
-            <a:r>
-              <a:rPr lang="fr-FR"/>
-              <a:t>Troisième niveau</a:t>
-            </a:r>
-          </a:p>
-          <a:p>
-            <a:pPr lvl="3"/>
-            <a:r>
-              <a:rPr lang="fr-FR"/>
-              <a:t>Quatrième niveau</a:t>
-            </a:r>
-          </a:p>
-          <a:p>
-            <a:pPr lvl="4"/>
-            <a:r>
-              <a:rPr lang="fr-FR"/>
-              <a:t>Cinquième niveau</a:t>
-            </a:r>
-            <a:endParaRPr lang="en-US" dirty="0"/>
-          </a:p>
-        </p:txBody>
-      </p:sp>
-      <p:sp>
-        <p:nvSpPr>
-          <p:cNvPr id="4" name="Date Placeholder 3"/>
-          <p:cNvSpPr>
-            <a:spLocks noGrp="1"/>
-          </p:cNvSpPr>
-          <p:nvPr>
-            <p:ph type="dt" sz="half" idx="10"/>
-          </p:nvPr>
-        </p:nvSpPr>
-        <p:spPr/>
-        <p:txBody>
-          <a:bodyPr/>
-          <a:lstStyle/>
-          <a:p>
-            <a:r>
-              <a:rPr lang="fr-CH"/>
-              <a:t>18/06/2021</a:t>
-            </a:r>
-            <a:endParaRPr lang="fr-FR"/>
-          </a:p>
-        </p:txBody>
-      </p:sp>
-      <p:sp>
-        <p:nvSpPr>
-          <p:cNvPr id="5" name="Footer Placeholder 4"/>
-          <p:cNvSpPr>
-            <a:spLocks noGrp="1"/>
-          </p:cNvSpPr>
-          <p:nvPr>
-            <p:ph type="ftr" sz="quarter" idx="11"/>
-          </p:nvPr>
-        </p:nvSpPr>
-        <p:spPr/>
-        <p:txBody>
-          <a:bodyPr/>
-          <a:lstStyle/>
-          <a:p>
-            <a:r>
-              <a:rPr lang="fr-FR"/>
-              <a:t>nom des élèves - nom du jeu</a:t>
-            </a:r>
-          </a:p>
-        </p:txBody>
-      </p:sp>
-      <p:sp>
-        <p:nvSpPr>
-          <p:cNvPr id="6" name="Slide Number Placeholder 5"/>
-          <p:cNvSpPr>
-            <a:spLocks noGrp="1"/>
-          </p:cNvSpPr>
-          <p:nvPr>
-            <p:ph type="sldNum" sz="quarter" idx="12"/>
-          </p:nvPr>
-        </p:nvSpPr>
-        <p:spPr/>
-        <p:txBody>
-          <a:bodyPr/>
-          <a:lstStyle/>
-          <a:p>
-            <a:fld id="{8565C1E6-8FB8-4442-BEDC-4DDD643D2FC5}" type="slidenum">
-              <a:rPr lang="fr-FR" smtClean="0"/>
-              <a:t>‹N°›</a:t>
-            </a:fld>
-            <a:endParaRPr lang="fr-FR"/>
-          </a:p>
-        </p:txBody>
-      </p:sp>
-    </p:spTree>
-    <p:extLst>
-      <p:ext uri="{BB962C8B-B14F-4D97-AF65-F5344CB8AC3E}">
-        <p14:creationId xmlns:p14="http://schemas.microsoft.com/office/powerpoint/2010/main" val="1390248046"/>
-      </p:ext>
-    </p:extLst>
-  </p:cSld>
-  <p:clrMapOvr>
-    <a:masterClrMapping/>
-  </p:clrMapOvr>
 </p:sldLayout>
 </file>
 
@@ -18540,7 +17151,6 @@
     <p:sldLayoutId id="2147483756" r:id="rId10"/>
     <p:sldLayoutId id="2147483757" r:id="rId11"/>
     <p:sldLayoutId id="2147483758" r:id="rId12"/>
-    <p:sldLayoutId id="2147483760" r:id="rId13"/>
   </p:sldLayoutIdLst>
   <p:transition>
     <p:fade/>
@@ -19940,781 +18550,6 @@
       </p:grpSpPr>
       <p:sp>
         <p:nvSpPr>
-          <p:cNvPr id="2" name="Espace réservé du numéro de diapositive 1">
-            <a:extLst>
-              <a:ext uri="{FF2B5EF4-FFF2-40B4-BE49-F238E27FC236}">
-                <a16:creationId xmlns:a16="http://schemas.microsoft.com/office/drawing/2014/main" id="{61C8BDC3-DB0D-4845-9368-F0E7B6DF3D31}"/>
-              </a:ext>
-            </a:extLst>
-          </p:cNvPr>
-          <p:cNvSpPr>
-            <a:spLocks noGrp="1"/>
-          </p:cNvSpPr>
-          <p:nvPr>
-            <p:ph type="sldNum" idx="12"/>
-          </p:nvPr>
-        </p:nvSpPr>
-        <p:spPr/>
-        <p:txBody>
-          <a:bodyPr/>
-          <a:lstStyle/>
-          <a:p>
-            <a:fld id="{8565C1E6-8FB8-4442-BEDC-4DDD643D2FC5}" type="slidenum">
-              <a:rPr lang="fr-FR" smtClean="0"/>
-              <a:t>10</a:t>
-            </a:fld>
-            <a:endParaRPr lang="fr-FR"/>
-          </a:p>
-        </p:txBody>
-      </p:sp>
-      <p:pic>
-        <p:nvPicPr>
-          <p:cNvPr id="4" name="Picture 3" descr="A screenshot of a computer game&#10;&#10;Description automatically generated with low confidence">
-            <a:extLst>
-              <a:ext uri="{FF2B5EF4-FFF2-40B4-BE49-F238E27FC236}">
-                <a16:creationId xmlns:a16="http://schemas.microsoft.com/office/drawing/2014/main" id="{F706FA4B-D8C9-450C-AE2C-55A6DF46AB3C}"/>
-              </a:ext>
-            </a:extLst>
-          </p:cNvPr>
-          <p:cNvPicPr>
-            <a:picLocks noChangeAspect="1"/>
-          </p:cNvPicPr>
-          <p:nvPr/>
-        </p:nvPicPr>
-        <p:blipFill>
-          <a:blip r:embed="rId2"/>
-          <a:stretch>
-            <a:fillRect/>
-          </a:stretch>
-        </p:blipFill>
-        <p:spPr>
-          <a:xfrm>
-            <a:off x="804807" y="808856"/>
-            <a:ext cx="5087953" cy="5240288"/>
-          </a:xfrm>
-          <a:prstGeom prst="rect">
-            <a:avLst/>
-          </a:prstGeom>
-        </p:spPr>
-      </p:pic>
-      <p:pic>
-        <p:nvPicPr>
-          <p:cNvPr id="6" name="Picture 5" descr="A screenshot of a game&#10;&#10;Description automatically generated with low confidence">
-            <a:extLst>
-              <a:ext uri="{FF2B5EF4-FFF2-40B4-BE49-F238E27FC236}">
-                <a16:creationId xmlns:a16="http://schemas.microsoft.com/office/drawing/2014/main" id="{3CEA79B4-A462-4289-B152-FE306A90A006}"/>
-              </a:ext>
-            </a:extLst>
-          </p:cNvPr>
-          <p:cNvPicPr>
-            <a:picLocks noChangeAspect="1"/>
-          </p:cNvPicPr>
-          <p:nvPr/>
-        </p:nvPicPr>
-        <p:blipFill>
-          <a:blip r:embed="rId3"/>
-          <a:stretch>
-            <a:fillRect/>
-          </a:stretch>
-        </p:blipFill>
-        <p:spPr>
-          <a:xfrm>
-            <a:off x="6299240" y="808856"/>
-            <a:ext cx="5087953" cy="5240288"/>
-          </a:xfrm>
-          <a:prstGeom prst="rect">
-            <a:avLst/>
-          </a:prstGeom>
-        </p:spPr>
-      </p:pic>
-    </p:spTree>
-    <p:extLst>
-      <p:ext uri="{BB962C8B-B14F-4D97-AF65-F5344CB8AC3E}">
-        <p14:creationId xmlns:p14="http://schemas.microsoft.com/office/powerpoint/2010/main" val="2277943480"/>
-      </p:ext>
-    </p:extLst>
-  </p:cSld>
-  <p:clrMapOvr>
-    <a:masterClrMapping/>
-  </p:clrMapOvr>
-</p:sld>
-</file>
-
-<file path=ppt/slides/slide11.xml><?xml version="1.0" encoding="utf-8"?>
-<p:sld xmlns:a="http://schemas.openxmlformats.org/drawingml/2006/main" xmlns:r="http://schemas.openxmlformats.org/officeDocument/2006/relationships" xmlns:p="http://schemas.openxmlformats.org/presentationml/2006/main">
-  <p:cSld>
-    <p:spTree>
-      <p:nvGrpSpPr>
-        <p:cNvPr id="1" name=""/>
-        <p:cNvGrpSpPr/>
-        <p:nvPr/>
-      </p:nvGrpSpPr>
-      <p:grpSpPr>
-        <a:xfrm>
-          <a:off x="0" y="0"/>
-          <a:ext cx="0" cy="0"/>
-          <a:chOff x="0" y="0"/>
-          <a:chExt cx="0" cy="0"/>
-        </a:xfrm>
-      </p:grpSpPr>
-      <p:sp>
-        <p:nvSpPr>
-          <p:cNvPr id="2" name="Titre 1">
-            <a:extLst>
-              <a:ext uri="{FF2B5EF4-FFF2-40B4-BE49-F238E27FC236}">
-                <a16:creationId xmlns:a16="http://schemas.microsoft.com/office/drawing/2014/main" id="{97D7FF7A-C8B5-3E4B-8395-8B71B39AE833}"/>
-              </a:ext>
-            </a:extLst>
-          </p:cNvPr>
-          <p:cNvSpPr>
-            <a:spLocks noGrp="1"/>
-          </p:cNvSpPr>
-          <p:nvPr>
-            <p:ph type="title"/>
-          </p:nvPr>
-        </p:nvSpPr>
-        <p:spPr/>
-        <p:txBody>
-          <a:bodyPr/>
-          <a:lstStyle/>
-          <a:p>
-            <a:r>
-              <a:rPr lang="fr-FR" dirty="0"/>
-              <a:t>Diagramme des classes</a:t>
-            </a:r>
-          </a:p>
-        </p:txBody>
-      </p:sp>
-      <p:sp>
-        <p:nvSpPr>
-          <p:cNvPr id="3" name="Espace réservé du contenu 2">
-            <a:extLst>
-              <a:ext uri="{FF2B5EF4-FFF2-40B4-BE49-F238E27FC236}">
-                <a16:creationId xmlns:a16="http://schemas.microsoft.com/office/drawing/2014/main" id="{61F8431F-BAA9-5142-B042-841EFF03063E}"/>
-              </a:ext>
-            </a:extLst>
-          </p:cNvPr>
-          <p:cNvSpPr>
-            <a:spLocks noGrp="1"/>
-          </p:cNvSpPr>
-          <p:nvPr>
-            <p:ph idx="1"/>
-          </p:nvPr>
-        </p:nvSpPr>
-        <p:spPr/>
-        <p:txBody>
-          <a:bodyPr/>
-          <a:lstStyle/>
-          <a:p>
-            <a:r>
-              <a:rPr lang="fr-FR" dirty="0"/>
-              <a:t>Montrez toutes les classes avec leur relations</a:t>
-            </a:r>
-          </a:p>
-          <a:p>
-            <a:endParaRPr lang="fr-FR" dirty="0"/>
-          </a:p>
-        </p:txBody>
-      </p:sp>
-      <p:sp>
-        <p:nvSpPr>
-          <p:cNvPr id="5" name="Espace réservé de la date 4">
-            <a:extLst>
-              <a:ext uri="{FF2B5EF4-FFF2-40B4-BE49-F238E27FC236}">
-                <a16:creationId xmlns:a16="http://schemas.microsoft.com/office/drawing/2014/main" id="{5E45087D-3DF0-1C41-85DE-E9C22CA2E827}"/>
-              </a:ext>
-            </a:extLst>
-          </p:cNvPr>
-          <p:cNvSpPr>
-            <a:spLocks noGrp="1"/>
-          </p:cNvSpPr>
-          <p:nvPr>
-            <p:ph type="dt" sz="half" idx="10"/>
-          </p:nvPr>
-        </p:nvSpPr>
-        <p:spPr/>
-        <p:txBody>
-          <a:bodyPr/>
-          <a:lstStyle/>
-          <a:p>
-            <a:r>
-              <a:rPr lang="fr-CH"/>
-              <a:t>18/06/2021</a:t>
-            </a:r>
-            <a:endParaRPr lang="fr-FR"/>
-          </a:p>
-        </p:txBody>
-      </p:sp>
-      <p:sp>
-        <p:nvSpPr>
-          <p:cNvPr id="6" name="Espace réservé du pied de page 5">
-            <a:extLst>
-              <a:ext uri="{FF2B5EF4-FFF2-40B4-BE49-F238E27FC236}">
-                <a16:creationId xmlns:a16="http://schemas.microsoft.com/office/drawing/2014/main" id="{4072C785-56D6-F449-95ED-331D531628E5}"/>
-              </a:ext>
-            </a:extLst>
-          </p:cNvPr>
-          <p:cNvSpPr>
-            <a:spLocks noGrp="1"/>
-          </p:cNvSpPr>
-          <p:nvPr>
-            <p:ph type="ftr" sz="quarter" idx="11"/>
-          </p:nvPr>
-        </p:nvSpPr>
-        <p:spPr/>
-        <p:txBody>
-          <a:bodyPr/>
-          <a:lstStyle/>
-          <a:p>
-            <a:r>
-              <a:rPr lang="fr-FR"/>
-              <a:t>nom des élèves - nom du jeu</a:t>
-            </a:r>
-          </a:p>
-        </p:txBody>
-      </p:sp>
-      <p:sp>
-        <p:nvSpPr>
-          <p:cNvPr id="7" name="Espace réservé du numéro de diapositive 6">
-            <a:extLst>
-              <a:ext uri="{FF2B5EF4-FFF2-40B4-BE49-F238E27FC236}">
-                <a16:creationId xmlns:a16="http://schemas.microsoft.com/office/drawing/2014/main" id="{745EAD76-63DF-B449-A89D-206085912376}"/>
-              </a:ext>
-            </a:extLst>
-          </p:cNvPr>
-          <p:cNvSpPr>
-            <a:spLocks noGrp="1"/>
-          </p:cNvSpPr>
-          <p:nvPr>
-            <p:ph type="sldNum" sz="quarter" idx="12"/>
-          </p:nvPr>
-        </p:nvSpPr>
-        <p:spPr/>
-        <p:txBody>
-          <a:bodyPr/>
-          <a:lstStyle/>
-          <a:p>
-            <a:fld id="{8565C1E6-8FB8-4442-BEDC-4DDD643D2FC5}" type="slidenum">
-              <a:rPr lang="fr-FR" smtClean="0"/>
-              <a:t>11</a:t>
-            </a:fld>
-            <a:endParaRPr lang="fr-FR"/>
-          </a:p>
-        </p:txBody>
-      </p:sp>
-    </p:spTree>
-    <p:extLst>
-      <p:ext uri="{BB962C8B-B14F-4D97-AF65-F5344CB8AC3E}">
-        <p14:creationId xmlns:p14="http://schemas.microsoft.com/office/powerpoint/2010/main" val="4056068091"/>
-      </p:ext>
-    </p:extLst>
-  </p:cSld>
-  <p:clrMapOvr>
-    <a:masterClrMapping/>
-  </p:clrMapOvr>
-</p:sld>
-</file>
-
-<file path=ppt/slides/slide12.xml><?xml version="1.0" encoding="utf-8"?>
-<p:sld xmlns:a="http://schemas.openxmlformats.org/drawingml/2006/main" xmlns:r="http://schemas.openxmlformats.org/officeDocument/2006/relationships" xmlns:p="http://schemas.openxmlformats.org/presentationml/2006/main">
-  <p:cSld>
-    <p:spTree>
-      <p:nvGrpSpPr>
-        <p:cNvPr id="1" name=""/>
-        <p:cNvGrpSpPr/>
-        <p:nvPr/>
-      </p:nvGrpSpPr>
-      <p:grpSpPr>
-        <a:xfrm>
-          <a:off x="0" y="0"/>
-          <a:ext cx="0" cy="0"/>
-          <a:chOff x="0" y="0"/>
-          <a:chExt cx="0" cy="0"/>
-        </a:xfrm>
-      </p:grpSpPr>
-      <p:sp>
-        <p:nvSpPr>
-          <p:cNvPr id="2" name="Titre 1">
-            <a:extLst>
-              <a:ext uri="{FF2B5EF4-FFF2-40B4-BE49-F238E27FC236}">
-                <a16:creationId xmlns:a16="http://schemas.microsoft.com/office/drawing/2014/main" id="{EF680992-8882-44AC-BCCA-F3E002263BF3}"/>
-              </a:ext>
-            </a:extLst>
-          </p:cNvPr>
-          <p:cNvSpPr>
-            <a:spLocks noGrp="1"/>
-          </p:cNvSpPr>
-          <p:nvPr>
-            <p:ph type="ctrTitle"/>
-          </p:nvPr>
-        </p:nvSpPr>
-        <p:spPr>
-          <a:xfrm>
-            <a:off x="914400" y="357546"/>
-            <a:ext cx="10363200" cy="810400"/>
-          </a:xfrm>
-        </p:spPr>
-        <p:txBody>
-          <a:bodyPr/>
-          <a:lstStyle/>
-          <a:p>
-            <a:r>
-              <a:rPr lang="fr-CH" sz="4000" dirty="0"/>
-              <a:t>Diagramme des classes</a:t>
-            </a:r>
-          </a:p>
-        </p:txBody>
-      </p:sp>
-    </p:spTree>
-    <p:extLst>
-      <p:ext uri="{BB962C8B-B14F-4D97-AF65-F5344CB8AC3E}">
-        <p14:creationId xmlns:p14="http://schemas.microsoft.com/office/powerpoint/2010/main" val="3255486712"/>
-      </p:ext>
-    </p:extLst>
-  </p:cSld>
-  <p:clrMapOvr>
-    <a:masterClrMapping/>
-  </p:clrMapOvr>
-</p:sld>
-</file>
-
-<file path=ppt/slides/slide13.xml><?xml version="1.0" encoding="utf-8"?>
-<p:sld xmlns:a="http://schemas.openxmlformats.org/drawingml/2006/main" xmlns:r="http://schemas.openxmlformats.org/officeDocument/2006/relationships" xmlns:p="http://schemas.openxmlformats.org/presentationml/2006/main">
-  <p:cSld>
-    <p:spTree>
-      <p:nvGrpSpPr>
-        <p:cNvPr id="1" name=""/>
-        <p:cNvGrpSpPr/>
-        <p:nvPr/>
-      </p:nvGrpSpPr>
-      <p:grpSpPr>
-        <a:xfrm>
-          <a:off x="0" y="0"/>
-          <a:ext cx="0" cy="0"/>
-          <a:chOff x="0" y="0"/>
-          <a:chExt cx="0" cy="0"/>
-        </a:xfrm>
-      </p:grpSpPr>
-      <p:sp>
-        <p:nvSpPr>
-          <p:cNvPr id="2" name="Titre 1">
-            <a:extLst>
-              <a:ext uri="{FF2B5EF4-FFF2-40B4-BE49-F238E27FC236}">
-                <a16:creationId xmlns:a16="http://schemas.microsoft.com/office/drawing/2014/main" id="{A7393AFE-E9C9-EC44-8DF8-272F82AB8AC5}"/>
-              </a:ext>
-            </a:extLst>
-          </p:cNvPr>
-          <p:cNvSpPr>
-            <a:spLocks noGrp="1"/>
-          </p:cNvSpPr>
-          <p:nvPr>
-            <p:ph type="title"/>
-          </p:nvPr>
-        </p:nvSpPr>
-        <p:spPr/>
-        <p:txBody>
-          <a:bodyPr/>
-          <a:lstStyle/>
-          <a:p>
-            <a:r>
-              <a:rPr lang="fr-FR" dirty="0"/>
-              <a:t>Présentation d’une classe particulière</a:t>
-            </a:r>
-          </a:p>
-        </p:txBody>
-      </p:sp>
-      <p:sp>
-        <p:nvSpPr>
-          <p:cNvPr id="3" name="Espace réservé du contenu 2">
-            <a:extLst>
-              <a:ext uri="{FF2B5EF4-FFF2-40B4-BE49-F238E27FC236}">
-                <a16:creationId xmlns:a16="http://schemas.microsoft.com/office/drawing/2014/main" id="{E7DFC813-EACE-3748-A9F3-763E5027B9F5}"/>
-              </a:ext>
-            </a:extLst>
-          </p:cNvPr>
-          <p:cNvSpPr>
-            <a:spLocks noGrp="1"/>
-          </p:cNvSpPr>
-          <p:nvPr>
-            <p:ph idx="1"/>
-          </p:nvPr>
-        </p:nvSpPr>
-        <p:spPr/>
-        <p:txBody>
-          <a:bodyPr/>
-          <a:lstStyle/>
-          <a:p>
-            <a:r>
-              <a:rPr lang="fr-FR" dirty="0"/>
-              <a:t>Choisissez une classe représentatif ou intéressant</a:t>
-            </a:r>
-          </a:p>
-          <a:p>
-            <a:r>
-              <a:rPr lang="fr-FR" dirty="0"/>
-              <a:t>Expliquez ses attributs principaux</a:t>
-            </a:r>
-          </a:p>
-          <a:p>
-            <a:r>
-              <a:rPr lang="fr-FR" dirty="0"/>
-              <a:t>Expliquez ses méthodes principales</a:t>
-            </a:r>
-          </a:p>
-          <a:p>
-            <a:endParaRPr lang="fr-FR" dirty="0"/>
-          </a:p>
-          <a:p>
-            <a:r>
-              <a:rPr lang="fr-FR" dirty="0"/>
-              <a:t>Class Joueur</a:t>
-            </a:r>
-          </a:p>
-        </p:txBody>
-      </p:sp>
-      <p:sp>
-        <p:nvSpPr>
-          <p:cNvPr id="4" name="Espace réservé de la date 3">
-            <a:extLst>
-              <a:ext uri="{FF2B5EF4-FFF2-40B4-BE49-F238E27FC236}">
-                <a16:creationId xmlns:a16="http://schemas.microsoft.com/office/drawing/2014/main" id="{43CCFD42-8A01-5F45-83FA-AB76565E27FF}"/>
-              </a:ext>
-            </a:extLst>
-          </p:cNvPr>
-          <p:cNvSpPr>
-            <a:spLocks noGrp="1"/>
-          </p:cNvSpPr>
-          <p:nvPr>
-            <p:ph type="dt" sz="half" idx="10"/>
-          </p:nvPr>
-        </p:nvSpPr>
-        <p:spPr/>
-        <p:txBody>
-          <a:bodyPr/>
-          <a:lstStyle/>
-          <a:p>
-            <a:r>
-              <a:rPr lang="fr-CH"/>
-              <a:t>18/06/2021</a:t>
-            </a:r>
-            <a:endParaRPr lang="fr-FR"/>
-          </a:p>
-        </p:txBody>
-      </p:sp>
-      <p:sp>
-        <p:nvSpPr>
-          <p:cNvPr id="5" name="Espace réservé du pied de page 4">
-            <a:extLst>
-              <a:ext uri="{FF2B5EF4-FFF2-40B4-BE49-F238E27FC236}">
-                <a16:creationId xmlns:a16="http://schemas.microsoft.com/office/drawing/2014/main" id="{6940B718-B722-2240-9E81-D77BDAE6D1B8}"/>
-              </a:ext>
-            </a:extLst>
-          </p:cNvPr>
-          <p:cNvSpPr>
-            <a:spLocks noGrp="1"/>
-          </p:cNvSpPr>
-          <p:nvPr>
-            <p:ph type="ftr" sz="quarter" idx="11"/>
-          </p:nvPr>
-        </p:nvSpPr>
-        <p:spPr/>
-        <p:txBody>
-          <a:bodyPr/>
-          <a:lstStyle/>
-          <a:p>
-            <a:r>
-              <a:rPr lang="fr-FR"/>
-              <a:t>nom des élèves - nom du jeu</a:t>
-            </a:r>
-          </a:p>
-        </p:txBody>
-      </p:sp>
-      <p:sp>
-        <p:nvSpPr>
-          <p:cNvPr id="6" name="Espace réservé du numéro de diapositive 5">
-            <a:extLst>
-              <a:ext uri="{FF2B5EF4-FFF2-40B4-BE49-F238E27FC236}">
-                <a16:creationId xmlns:a16="http://schemas.microsoft.com/office/drawing/2014/main" id="{4D5DB3D7-6AE2-004C-9856-2036F88CF892}"/>
-              </a:ext>
-            </a:extLst>
-          </p:cNvPr>
-          <p:cNvSpPr>
-            <a:spLocks noGrp="1"/>
-          </p:cNvSpPr>
-          <p:nvPr>
-            <p:ph type="sldNum" sz="quarter" idx="12"/>
-          </p:nvPr>
-        </p:nvSpPr>
-        <p:spPr/>
-        <p:txBody>
-          <a:bodyPr/>
-          <a:lstStyle/>
-          <a:p>
-            <a:fld id="{8565C1E6-8FB8-4442-BEDC-4DDD643D2FC5}" type="slidenum">
-              <a:rPr lang="fr-FR" smtClean="0"/>
-              <a:t>13</a:t>
-            </a:fld>
-            <a:endParaRPr lang="fr-FR"/>
-          </a:p>
-        </p:txBody>
-      </p:sp>
-    </p:spTree>
-    <p:extLst>
-      <p:ext uri="{BB962C8B-B14F-4D97-AF65-F5344CB8AC3E}">
-        <p14:creationId xmlns:p14="http://schemas.microsoft.com/office/powerpoint/2010/main" val="3950893868"/>
-      </p:ext>
-    </p:extLst>
-  </p:cSld>
-  <p:clrMapOvr>
-    <a:masterClrMapping/>
-  </p:clrMapOvr>
-</p:sld>
-</file>
-
-<file path=ppt/slides/slide14.xml><?xml version="1.0" encoding="utf-8"?>
-<p:sld xmlns:a="http://schemas.openxmlformats.org/drawingml/2006/main" xmlns:r="http://schemas.openxmlformats.org/officeDocument/2006/relationships" xmlns:p="http://schemas.openxmlformats.org/presentationml/2006/main">
-  <p:cSld>
-    <p:spTree>
-      <p:nvGrpSpPr>
-        <p:cNvPr id="1" name=""/>
-        <p:cNvGrpSpPr/>
-        <p:nvPr/>
-      </p:nvGrpSpPr>
-      <p:grpSpPr>
-        <a:xfrm>
-          <a:off x="0" y="0"/>
-          <a:ext cx="0" cy="0"/>
-          <a:chOff x="0" y="0"/>
-          <a:chExt cx="0" cy="0"/>
-        </a:xfrm>
-      </p:grpSpPr>
-      <p:sp>
-        <p:nvSpPr>
-          <p:cNvPr id="2" name="Titre 1">
-            <a:extLst>
-              <a:ext uri="{FF2B5EF4-FFF2-40B4-BE49-F238E27FC236}">
-                <a16:creationId xmlns:a16="http://schemas.microsoft.com/office/drawing/2014/main" id="{FAD85DF3-8B49-4FC9-B533-438C05DF1BCB}"/>
-              </a:ext>
-            </a:extLst>
-          </p:cNvPr>
-          <p:cNvSpPr>
-            <a:spLocks noGrp="1"/>
-          </p:cNvSpPr>
-          <p:nvPr>
-            <p:ph type="title"/>
-          </p:nvPr>
-        </p:nvSpPr>
-        <p:spPr/>
-        <p:txBody>
-          <a:bodyPr/>
-          <a:lstStyle/>
-          <a:p>
-            <a:r>
-              <a:rPr lang="en-US" dirty="0"/>
-              <a:t>Class </a:t>
-            </a:r>
-            <a:r>
-              <a:rPr lang="en-US" dirty="0" err="1"/>
-              <a:t>Joueur</a:t>
-            </a:r>
-            <a:endParaRPr lang="fr-CH" dirty="0"/>
-          </a:p>
-        </p:txBody>
-      </p:sp>
-      <p:sp>
-        <p:nvSpPr>
-          <p:cNvPr id="3" name="Espace réservé du texte 2">
-            <a:extLst>
-              <a:ext uri="{FF2B5EF4-FFF2-40B4-BE49-F238E27FC236}">
-                <a16:creationId xmlns:a16="http://schemas.microsoft.com/office/drawing/2014/main" id="{82EB8EC1-4453-4FF8-A734-A5BABEB86016}"/>
-              </a:ext>
-            </a:extLst>
-          </p:cNvPr>
-          <p:cNvSpPr>
-            <a:spLocks noGrp="1"/>
-          </p:cNvSpPr>
-          <p:nvPr>
-            <p:ph type="body" idx="1"/>
-          </p:nvPr>
-        </p:nvSpPr>
-        <p:spPr/>
-        <p:txBody>
-          <a:bodyPr/>
-          <a:lstStyle/>
-          <a:p>
-            <a:r>
-              <a:rPr lang="fr-CH" dirty="0"/>
-              <a:t>Classe décrivant le joueur</a:t>
-            </a:r>
-          </a:p>
-          <a:p>
-            <a:r>
-              <a:rPr lang="fr-CH" dirty="0"/>
-              <a:t>Attributs : pour le </a:t>
-            </a:r>
-            <a:r>
-              <a:rPr lang="fr-CH" dirty="0" err="1"/>
-              <a:t>sprite</a:t>
-            </a:r>
-            <a:r>
-              <a:rPr lang="fr-CH" dirty="0"/>
-              <a:t> + pour les mécanismes du jeu</a:t>
-            </a:r>
-          </a:p>
-          <a:p>
-            <a:pPr lvl="1"/>
-            <a:r>
-              <a:rPr lang="fr-CH" dirty="0"/>
-              <a:t>Sprite : p.ex. </a:t>
-            </a:r>
-            <a:r>
-              <a:rPr lang="fr-CH" dirty="0" err="1"/>
-              <a:t>self.sheet</a:t>
-            </a:r>
-            <a:r>
-              <a:rPr lang="fr-CH" dirty="0"/>
-              <a:t> = image</a:t>
-            </a:r>
-          </a:p>
-          <a:p>
-            <a:pPr lvl="1"/>
-            <a:r>
-              <a:rPr lang="fr-CH" dirty="0"/>
-              <a:t>Mécanisme : </a:t>
-            </a:r>
-            <a:r>
-              <a:rPr lang="fr-CH" dirty="0" err="1"/>
-              <a:t>self.equipe</a:t>
-            </a:r>
-            <a:r>
-              <a:rPr lang="fr-CH" dirty="0"/>
-              <a:t> = équipe de </a:t>
-            </a:r>
-            <a:r>
-              <a:rPr lang="fr-CH" dirty="0" err="1"/>
-              <a:t>pokémon</a:t>
-            </a:r>
-            <a:endParaRPr lang="fr-CH" dirty="0"/>
-          </a:p>
-          <a:p>
-            <a:r>
-              <a:rPr lang="fr-CH" dirty="0"/>
-              <a:t>Méthodes : pour son déplacement</a:t>
-            </a:r>
-          </a:p>
-          <a:p>
-            <a:pPr lvl="1"/>
-            <a:r>
-              <a:rPr lang="fr-CH" dirty="0" err="1"/>
-              <a:t>Draw</a:t>
-            </a:r>
-            <a:r>
-              <a:rPr lang="fr-CH" dirty="0"/>
-              <a:t>(self) : pour afficher le personnage</a:t>
-            </a:r>
-          </a:p>
-          <a:p>
-            <a:pPr lvl="1"/>
-            <a:r>
-              <a:rPr lang="fr-CH" dirty="0"/>
-              <a:t>Déplacer(self) : pour déplacer le personnage</a:t>
-            </a:r>
-          </a:p>
-          <a:p>
-            <a:pPr lvl="1"/>
-            <a:r>
-              <a:rPr lang="fr-CH" dirty="0"/>
-              <a:t>Marcher(self) : pour animer la marche du personnage</a:t>
-            </a:r>
-          </a:p>
-        </p:txBody>
-      </p:sp>
-      <p:sp>
-        <p:nvSpPr>
-          <p:cNvPr id="4" name="Espace réservé du numéro de diapositive 3">
-            <a:extLst>
-              <a:ext uri="{FF2B5EF4-FFF2-40B4-BE49-F238E27FC236}">
-                <a16:creationId xmlns:a16="http://schemas.microsoft.com/office/drawing/2014/main" id="{09268419-872A-47D1-ACE2-E400F6B94C97}"/>
-              </a:ext>
-            </a:extLst>
-          </p:cNvPr>
-          <p:cNvSpPr>
-            <a:spLocks noGrp="1"/>
-          </p:cNvSpPr>
-          <p:nvPr>
-            <p:ph type="sldNum" idx="12"/>
-          </p:nvPr>
-        </p:nvSpPr>
-        <p:spPr/>
-        <p:txBody>
-          <a:bodyPr/>
-          <a:lstStyle/>
-          <a:p>
-            <a:fld id="{8565C1E6-8FB8-4442-BEDC-4DDD643D2FC5}" type="slidenum">
-              <a:rPr lang="fr-FR" smtClean="0"/>
-              <a:t>14</a:t>
-            </a:fld>
-            <a:endParaRPr lang="fr-FR"/>
-          </a:p>
-        </p:txBody>
-      </p:sp>
-      <p:sp>
-        <p:nvSpPr>
-          <p:cNvPr id="9" name="Content Placeholder 8">
-            <a:extLst>
-              <a:ext uri="{FF2B5EF4-FFF2-40B4-BE49-F238E27FC236}">
-                <a16:creationId xmlns:a16="http://schemas.microsoft.com/office/drawing/2014/main" id="{60C84F78-EE4C-4C28-906E-B106A7F49FFA}"/>
-              </a:ext>
-            </a:extLst>
-          </p:cNvPr>
-          <p:cNvSpPr>
-            <a:spLocks noGrp="1"/>
-          </p:cNvSpPr>
-          <p:nvPr>
-            <p:ph sz="quarter" idx="13"/>
-          </p:nvPr>
-        </p:nvSpPr>
-        <p:spPr/>
-        <p:txBody>
-          <a:bodyPr/>
-          <a:lstStyle/>
-          <a:p>
-            <a:endParaRPr lang="fr-CH"/>
-          </a:p>
-        </p:txBody>
-      </p:sp>
-    </p:spTree>
-    <p:extLst>
-      <p:ext uri="{BB962C8B-B14F-4D97-AF65-F5344CB8AC3E}">
-        <p14:creationId xmlns:p14="http://schemas.microsoft.com/office/powerpoint/2010/main" val="3621672181"/>
-      </p:ext>
-    </p:extLst>
-  </p:cSld>
-  <p:clrMapOvr>
-    <a:masterClrMapping/>
-  </p:clrMapOvr>
-</p:sld>
-</file>
-
-<file path=ppt/slides/slide15.xml><?xml version="1.0" encoding="utf-8"?>
-<p:sld xmlns:a="http://schemas.openxmlformats.org/drawingml/2006/main" xmlns:r="http://schemas.openxmlformats.org/officeDocument/2006/relationships" xmlns:p="http://schemas.openxmlformats.org/presentationml/2006/main">
-  <p:cSld>
-    <p:spTree>
-      <p:nvGrpSpPr>
-        <p:cNvPr id="1" name=""/>
-        <p:cNvGrpSpPr/>
-        <p:nvPr/>
-      </p:nvGrpSpPr>
-      <p:grpSpPr>
-        <a:xfrm>
-          <a:off x="0" y="0"/>
-          <a:ext cx="0" cy="0"/>
-          <a:chOff x="0" y="0"/>
-          <a:chExt cx="0" cy="0"/>
-        </a:xfrm>
-      </p:grpSpPr>
-      <p:sp>
-        <p:nvSpPr>
           <p:cNvPr id="2" name="Titre 1">
             <a:extLst>
               <a:ext uri="{FF2B5EF4-FFF2-40B4-BE49-F238E27FC236}">
@@ -20769,7 +18604,7 @@
           <a:p>
             <a:fld id="{8565C1E6-8FB8-4442-BEDC-4DDD643D2FC5}" type="slidenum">
               <a:rPr lang="fr-FR" smtClean="0"/>
-              <a:t>15</a:t>
+              <a:t>10</a:t>
             </a:fld>
             <a:endParaRPr lang="fr-FR"/>
           </a:p>
@@ -20817,194 +18652,7 @@
 </p:sld>
 </file>
 
-<file path=ppt/slides/slide16.xml><?xml version="1.0" encoding="utf-8"?>
-<p:sld xmlns:a="http://schemas.openxmlformats.org/drawingml/2006/main" xmlns:r="http://schemas.openxmlformats.org/officeDocument/2006/relationships" xmlns:p="http://schemas.openxmlformats.org/presentationml/2006/main">
-  <p:cSld>
-    <p:spTree>
-      <p:nvGrpSpPr>
-        <p:cNvPr id="1" name=""/>
-        <p:cNvGrpSpPr/>
-        <p:nvPr/>
-      </p:nvGrpSpPr>
-      <p:grpSpPr>
-        <a:xfrm>
-          <a:off x="0" y="0"/>
-          <a:ext cx="0" cy="0"/>
-          <a:chOff x="0" y="0"/>
-          <a:chExt cx="0" cy="0"/>
-        </a:xfrm>
-      </p:grpSpPr>
-      <p:sp>
-        <p:nvSpPr>
-          <p:cNvPr id="2" name="Titre 1">
-            <a:extLst>
-              <a:ext uri="{FF2B5EF4-FFF2-40B4-BE49-F238E27FC236}">
-                <a16:creationId xmlns:a16="http://schemas.microsoft.com/office/drawing/2014/main" id="{D35E3A65-9994-0140-AA51-D5AC008FE53E}"/>
-              </a:ext>
-            </a:extLst>
-          </p:cNvPr>
-          <p:cNvSpPr>
-            <a:spLocks noGrp="1"/>
-          </p:cNvSpPr>
-          <p:nvPr>
-            <p:ph type="title"/>
-          </p:nvPr>
-        </p:nvSpPr>
-        <p:spPr/>
-        <p:txBody>
-          <a:bodyPr/>
-          <a:lstStyle/>
-          <a:p>
-            <a:r>
-              <a:rPr lang="fr-FR" dirty="0"/>
-              <a:t>Instanciation d’une classe</a:t>
-            </a:r>
-          </a:p>
-        </p:txBody>
-      </p:sp>
-      <p:sp>
-        <p:nvSpPr>
-          <p:cNvPr id="3" name="Espace réservé du contenu 2">
-            <a:extLst>
-              <a:ext uri="{FF2B5EF4-FFF2-40B4-BE49-F238E27FC236}">
-                <a16:creationId xmlns:a16="http://schemas.microsoft.com/office/drawing/2014/main" id="{C86C8789-7E82-444B-B129-43066199410A}"/>
-              </a:ext>
-            </a:extLst>
-          </p:cNvPr>
-          <p:cNvSpPr>
-            <a:spLocks noGrp="1"/>
-          </p:cNvSpPr>
-          <p:nvPr>
-            <p:ph idx="1"/>
-          </p:nvPr>
-        </p:nvSpPr>
-        <p:spPr/>
-        <p:txBody>
-          <a:bodyPr/>
-          <a:lstStyle/>
-          <a:p>
-            <a:r>
-              <a:rPr lang="fr-FR" dirty="0"/>
-              <a:t>Montrez l’instanciation d’une classe</a:t>
-            </a:r>
-          </a:p>
-          <a:p>
-            <a:r>
-              <a:rPr lang="fr-FR" dirty="0"/>
-              <a:t>Montrer 1-2 endroits typique ou cette instance est utilisée</a:t>
-            </a:r>
-          </a:p>
-          <a:p>
-            <a:endParaRPr lang="fr-FR" dirty="0"/>
-          </a:p>
-          <a:p>
-            <a:r>
-              <a:rPr lang="fr-FR" dirty="0"/>
-              <a:t>Objet combat</a:t>
-            </a:r>
-          </a:p>
-        </p:txBody>
-      </p:sp>
-      <p:sp>
-        <p:nvSpPr>
-          <p:cNvPr id="4" name="Espace réservé de la date 3">
-            <a:extLst>
-              <a:ext uri="{FF2B5EF4-FFF2-40B4-BE49-F238E27FC236}">
-                <a16:creationId xmlns:a16="http://schemas.microsoft.com/office/drawing/2014/main" id="{7E105BF8-C3C1-8140-8CD1-B80A66567300}"/>
-              </a:ext>
-            </a:extLst>
-          </p:cNvPr>
-          <p:cNvSpPr>
-            <a:spLocks noGrp="1"/>
-          </p:cNvSpPr>
-          <p:nvPr>
-            <p:ph type="dt" sz="half" idx="10"/>
-          </p:nvPr>
-        </p:nvSpPr>
-        <p:spPr/>
-        <p:txBody>
-          <a:bodyPr/>
-          <a:lstStyle/>
-          <a:p>
-            <a:r>
-              <a:rPr lang="fr-CH"/>
-              <a:t>18/06/2021</a:t>
-            </a:r>
-            <a:endParaRPr lang="fr-FR"/>
-          </a:p>
-        </p:txBody>
-      </p:sp>
-      <p:sp>
-        <p:nvSpPr>
-          <p:cNvPr id="5" name="Espace réservé du pied de page 4">
-            <a:extLst>
-              <a:ext uri="{FF2B5EF4-FFF2-40B4-BE49-F238E27FC236}">
-                <a16:creationId xmlns:a16="http://schemas.microsoft.com/office/drawing/2014/main" id="{EC6A4A04-74C1-7948-A62B-F625AFA94591}"/>
-              </a:ext>
-            </a:extLst>
-          </p:cNvPr>
-          <p:cNvSpPr>
-            <a:spLocks noGrp="1"/>
-          </p:cNvSpPr>
-          <p:nvPr>
-            <p:ph type="ftr" sz="quarter" idx="11"/>
-          </p:nvPr>
-        </p:nvSpPr>
-        <p:spPr/>
-        <p:txBody>
-          <a:bodyPr/>
-          <a:lstStyle/>
-          <a:p>
-            <a:r>
-              <a:rPr lang="fr-FR"/>
-              <a:t>nom des élèves - nom du jeu</a:t>
-            </a:r>
-          </a:p>
-        </p:txBody>
-      </p:sp>
-      <p:sp>
-        <p:nvSpPr>
-          <p:cNvPr id="6" name="Espace réservé du numéro de diapositive 5">
-            <a:extLst>
-              <a:ext uri="{FF2B5EF4-FFF2-40B4-BE49-F238E27FC236}">
-                <a16:creationId xmlns:a16="http://schemas.microsoft.com/office/drawing/2014/main" id="{DB0668DE-B3E7-024B-AE9F-F1994550BA94}"/>
-              </a:ext>
-            </a:extLst>
-          </p:cNvPr>
-          <p:cNvSpPr>
-            <a:spLocks noGrp="1"/>
-          </p:cNvSpPr>
-          <p:nvPr>
-            <p:ph type="sldNum" sz="quarter" idx="12"/>
-          </p:nvPr>
-        </p:nvSpPr>
-        <p:spPr/>
-        <p:txBody>
-          <a:bodyPr/>
-          <a:lstStyle/>
-          <a:p>
-            <a:fld id="{8565C1E6-8FB8-4442-BEDC-4DDD643D2FC5}" type="slidenum">
-              <a:rPr lang="fr-FR" smtClean="0"/>
-              <a:t>16</a:t>
-            </a:fld>
-            <a:endParaRPr lang="fr-FR"/>
-          </a:p>
-        </p:txBody>
-      </p:sp>
-    </p:spTree>
-    <p:extLst>
-      <p:ext uri="{BB962C8B-B14F-4D97-AF65-F5344CB8AC3E}">
-        <p14:creationId xmlns:p14="http://schemas.microsoft.com/office/powerpoint/2010/main" val="1829791780"/>
-      </p:ext>
-    </p:extLst>
-  </p:cSld>
-  <p:clrMapOvr>
-    <a:masterClrMapping/>
-  </p:clrMapOvr>
-</p:sld>
-</file>
-
-<file path=ppt/slides/slide17.xml><?xml version="1.0" encoding="utf-8"?>
+<file path=ppt/slides/slide11.xml><?xml version="1.0" encoding="utf-8"?>
 <p:sld xmlns:a="http://schemas.openxmlformats.org/drawingml/2006/main" xmlns:r="http://schemas.openxmlformats.org/officeDocument/2006/relationships" xmlns:p="http://schemas.openxmlformats.org/presentationml/2006/main">
   <p:cSld>
     <p:spTree>
@@ -21073,7 +18721,7 @@
         <p:spPr>
           <a:xfrm>
             <a:off x="1363366" y="1780093"/>
-            <a:ext cx="9465200" cy="3653200"/>
+            <a:ext cx="9465200" cy="1440627"/>
           </a:xfrm>
         </p:spPr>
         <p:txBody>
@@ -21099,10 +18747,24 @@
               <a:t> sauvage, soit un </a:t>
             </a:r>
             <a:r>
-              <a:rPr lang="fr-CH"/>
+              <a:rPr lang="fr-CH" dirty="0" err="1"/>
               <a:t>pnj</a:t>
             </a:r>
             <a:endParaRPr lang="fr-CH" dirty="0"/>
+          </a:p>
+          <a:p>
+            <a:r>
+              <a:rPr lang="fr-CH" dirty="0"/>
+              <a:t>Méthode des classes </a:t>
+            </a:r>
+            <a:r>
+              <a:rPr lang="fr-CH" dirty="0" err="1"/>
+              <a:t>PNJCombat</a:t>
+            </a:r>
+            <a:r>
+              <a:rPr lang="fr-CH" dirty="0"/>
+              <a:t> et Pokémon</a:t>
+            </a:r>
           </a:p>
         </p:txBody>
       </p:sp>
@@ -21129,37 +18791,41 @@
           <a:p>
             <a:fld id="{8565C1E6-8FB8-4442-BEDC-4DDD643D2FC5}" type="slidenum">
               <a:rPr lang="fr-FR" smtClean="0"/>
-              <a:t>17</a:t>
+              <a:t>11</a:t>
             </a:fld>
             <a:endParaRPr lang="fr-FR"/>
           </a:p>
         </p:txBody>
       </p:sp>
-      <p:sp>
-        <p:nvSpPr>
-          <p:cNvPr id="5" name="Espace réservé du contenu 4">
+      <p:pic>
+        <p:nvPicPr>
+          <p:cNvPr id="7" name="Espace réservé du contenu 6">
             <a:extLst>
               <a:ext uri="{FF2B5EF4-FFF2-40B4-BE49-F238E27FC236}">
-                <a16:creationId xmlns:a16="http://schemas.microsoft.com/office/drawing/2014/main" id="{F6E0EA03-CAA0-428E-A668-A986A8FB5826}"/>
+                <a16:creationId xmlns:a16="http://schemas.microsoft.com/office/drawing/2014/main" id="{38AF6BB3-9204-43A2-9FE0-50D6F5ED91A0}"/>
               </a:ext>
             </a:extLst>
           </p:cNvPr>
-          <p:cNvSpPr>
-            <a:spLocks noGrp="1"/>
-          </p:cNvSpPr>
+          <p:cNvPicPr>
+            <a:picLocks noGrp="1" noChangeAspect="1"/>
+          </p:cNvPicPr>
           <p:nvPr>
             <p:ph sz="quarter" idx="13"/>
           </p:nvPr>
-        </p:nvSpPr>
-        <p:spPr/>
-        <p:txBody>
-          <a:bodyPr/>
-          <a:lstStyle/>
-          <a:p>
-            <a:endParaRPr lang="fr-CH"/>
-          </a:p>
-        </p:txBody>
-      </p:sp>
+        </p:nvPicPr>
+        <p:blipFill>
+          <a:blip r:embed="rId2"/>
+          <a:stretch>
+            <a:fillRect/>
+          </a:stretch>
+        </p:blipFill>
+        <p:spPr>
+          <a:xfrm>
+            <a:off x="1503311" y="3578173"/>
+            <a:ext cx="9185377" cy="1628934"/>
+          </a:xfrm>
+        </p:spPr>
+      </p:pic>
     </p:spTree>
     <p:extLst>
       <p:ext uri="{BB962C8B-B14F-4D97-AF65-F5344CB8AC3E}">
@@ -21173,205 +18839,7 @@
 </p:sld>
 </file>
 
-<file path=ppt/slides/slide18.xml><?xml version="1.0" encoding="utf-8"?>
-<p:sld xmlns:a="http://schemas.openxmlformats.org/drawingml/2006/main" xmlns:r="http://schemas.openxmlformats.org/officeDocument/2006/relationships" xmlns:p="http://schemas.openxmlformats.org/presentationml/2006/main">
-  <p:cSld>
-    <p:spTree>
-      <p:nvGrpSpPr>
-        <p:cNvPr id="1" name=""/>
-        <p:cNvGrpSpPr/>
-        <p:nvPr/>
-      </p:nvGrpSpPr>
-      <p:grpSpPr>
-        <a:xfrm>
-          <a:off x="0" y="0"/>
-          <a:ext cx="0" cy="0"/>
-          <a:chOff x="0" y="0"/>
-          <a:chExt cx="0" cy="0"/>
-        </a:xfrm>
-      </p:grpSpPr>
-      <p:sp>
-        <p:nvSpPr>
-          <p:cNvPr id="2" name="Titre 1">
-            <a:extLst>
-              <a:ext uri="{FF2B5EF4-FFF2-40B4-BE49-F238E27FC236}">
-                <a16:creationId xmlns:a16="http://schemas.microsoft.com/office/drawing/2014/main" id="{E32CEE72-8650-054C-9386-0AD48C84CCD2}"/>
-              </a:ext>
-            </a:extLst>
-          </p:cNvPr>
-          <p:cNvSpPr>
-            <a:spLocks noGrp="1"/>
-          </p:cNvSpPr>
-          <p:nvPr>
-            <p:ph type="title"/>
-          </p:nvPr>
-        </p:nvSpPr>
-        <p:spPr/>
-        <p:txBody>
-          <a:bodyPr/>
-          <a:lstStyle/>
-          <a:p>
-            <a:r>
-              <a:rPr lang="fr-FR" dirty="0"/>
-              <a:t>Classe composée</a:t>
-            </a:r>
-          </a:p>
-        </p:txBody>
-      </p:sp>
-      <p:sp>
-        <p:nvSpPr>
-          <p:cNvPr id="3" name="Espace réservé du contenu 2">
-            <a:extLst>
-              <a:ext uri="{FF2B5EF4-FFF2-40B4-BE49-F238E27FC236}">
-                <a16:creationId xmlns:a16="http://schemas.microsoft.com/office/drawing/2014/main" id="{0EC49BF2-8D88-BB47-93A1-1865D5D10D03}"/>
-              </a:ext>
-            </a:extLst>
-          </p:cNvPr>
-          <p:cNvSpPr>
-            <a:spLocks noGrp="1"/>
-          </p:cNvSpPr>
-          <p:nvPr>
-            <p:ph idx="1"/>
-          </p:nvPr>
-        </p:nvSpPr>
-        <p:spPr/>
-        <p:txBody>
-          <a:bodyPr/>
-          <a:lstStyle/>
-          <a:p>
-            <a:r>
-              <a:rPr lang="fr-FR" dirty="0"/>
-              <a:t>Montrez un exemple d’une classe composée</a:t>
-            </a:r>
-          </a:p>
-          <a:p>
-            <a:r>
-              <a:rPr lang="fr-FR" dirty="0"/>
-              <a:t>Pourquoi ce choix a été fait dans votre jeux</a:t>
-            </a:r>
-          </a:p>
-          <a:p>
-            <a:endParaRPr lang="fr-FR" dirty="0"/>
-          </a:p>
-          <a:p>
-            <a:r>
-              <a:rPr lang="fr-FR" dirty="0"/>
-              <a:t>Classes attaque, </a:t>
-            </a:r>
-            <a:r>
-              <a:rPr lang="fr-FR" dirty="0" err="1"/>
-              <a:t>pokemon</a:t>
-            </a:r>
-            <a:r>
-              <a:rPr lang="fr-FR" dirty="0"/>
-              <a:t> , joueur et combat</a:t>
-            </a:r>
-          </a:p>
-          <a:p>
-            <a:endParaRPr lang="fr-FR" dirty="0"/>
-          </a:p>
-        </p:txBody>
-      </p:sp>
-      <p:sp>
-        <p:nvSpPr>
-          <p:cNvPr id="6" name="Espace réservé de la date 5">
-            <a:extLst>
-              <a:ext uri="{FF2B5EF4-FFF2-40B4-BE49-F238E27FC236}">
-                <a16:creationId xmlns:a16="http://schemas.microsoft.com/office/drawing/2014/main" id="{F8727C23-47ED-754C-8F70-07A4422ECE46}"/>
-              </a:ext>
-            </a:extLst>
-          </p:cNvPr>
-          <p:cNvSpPr>
-            <a:spLocks noGrp="1"/>
-          </p:cNvSpPr>
-          <p:nvPr>
-            <p:ph type="dt" sz="half" idx="10"/>
-          </p:nvPr>
-        </p:nvSpPr>
-        <p:spPr/>
-        <p:txBody>
-          <a:bodyPr/>
-          <a:lstStyle/>
-          <a:p>
-            <a:r>
-              <a:rPr lang="fr-CH"/>
-              <a:t>18/06/2021</a:t>
-            </a:r>
-            <a:endParaRPr lang="fr-FR"/>
-          </a:p>
-        </p:txBody>
-      </p:sp>
-      <p:sp>
-        <p:nvSpPr>
-          <p:cNvPr id="7" name="Espace réservé du pied de page 6">
-            <a:extLst>
-              <a:ext uri="{FF2B5EF4-FFF2-40B4-BE49-F238E27FC236}">
-                <a16:creationId xmlns:a16="http://schemas.microsoft.com/office/drawing/2014/main" id="{25DC8B0F-0E48-1847-B832-3F1E1AF3C72F}"/>
-              </a:ext>
-            </a:extLst>
-          </p:cNvPr>
-          <p:cNvSpPr>
-            <a:spLocks noGrp="1"/>
-          </p:cNvSpPr>
-          <p:nvPr>
-            <p:ph type="ftr" sz="quarter" idx="11"/>
-          </p:nvPr>
-        </p:nvSpPr>
-        <p:spPr/>
-        <p:txBody>
-          <a:bodyPr/>
-          <a:lstStyle/>
-          <a:p>
-            <a:r>
-              <a:rPr lang="fr-FR"/>
-              <a:t>nom des élèves - nom du jeu</a:t>
-            </a:r>
-          </a:p>
-        </p:txBody>
-      </p:sp>
-      <p:sp>
-        <p:nvSpPr>
-          <p:cNvPr id="8" name="Espace réservé du numéro de diapositive 7">
-            <a:extLst>
-              <a:ext uri="{FF2B5EF4-FFF2-40B4-BE49-F238E27FC236}">
-                <a16:creationId xmlns:a16="http://schemas.microsoft.com/office/drawing/2014/main" id="{EF4C53F9-C99B-5E45-8E89-DA4D418FAA80}"/>
-              </a:ext>
-            </a:extLst>
-          </p:cNvPr>
-          <p:cNvSpPr>
-            <a:spLocks noGrp="1"/>
-          </p:cNvSpPr>
-          <p:nvPr>
-            <p:ph type="sldNum" sz="quarter" idx="12"/>
-          </p:nvPr>
-        </p:nvSpPr>
-        <p:spPr/>
-        <p:txBody>
-          <a:bodyPr/>
-          <a:lstStyle/>
-          <a:p>
-            <a:fld id="{8565C1E6-8FB8-4442-BEDC-4DDD643D2FC5}" type="slidenum">
-              <a:rPr lang="fr-FR" smtClean="0"/>
-              <a:t>18</a:t>
-            </a:fld>
-            <a:endParaRPr lang="fr-FR"/>
-          </a:p>
-        </p:txBody>
-      </p:sp>
-    </p:spTree>
-    <p:extLst>
-      <p:ext uri="{BB962C8B-B14F-4D97-AF65-F5344CB8AC3E}">
-        <p14:creationId xmlns:p14="http://schemas.microsoft.com/office/powerpoint/2010/main" val="497523735"/>
-      </p:ext>
-    </p:extLst>
-  </p:cSld>
-  <p:clrMapOvr>
-    <a:masterClrMapping/>
-  </p:clrMapOvr>
-</p:sld>
-</file>
-
-<file path=ppt/slides/slide19.xml><?xml version="1.0" encoding="utf-8"?>
+<file path=ppt/slides/slide12.xml><?xml version="1.0" encoding="utf-8"?>
 <p:sld xmlns:a="http://schemas.openxmlformats.org/drawingml/2006/main" xmlns:r="http://schemas.openxmlformats.org/officeDocument/2006/relationships" xmlns:p="http://schemas.openxmlformats.org/presentationml/2006/main">
   <p:cSld>
     <p:spTree>
@@ -21409,7 +18877,10 @@
           <a:bodyPr/>
           <a:lstStyle/>
           <a:p>
-            <a:endParaRPr lang="fr-CH"/>
+            <a:r>
+              <a:rPr lang="fr-CH" dirty="0"/>
+              <a:t>Classes composées</a:t>
+            </a:r>
           </a:p>
         </p:txBody>
       </p:sp>
@@ -21435,70 +18906,40 @@
           <a:lstStyle/>
           <a:p>
             <a:r>
-              <a:rPr lang="en-US" dirty="0"/>
-              <a:t>Une </a:t>
-            </a:r>
-            <a:r>
-              <a:rPr lang="en-US" dirty="0" err="1"/>
-              <a:t>classe</a:t>
-            </a:r>
-            <a:r>
-              <a:rPr lang="en-US" dirty="0"/>
-              <a:t> combat qui utilize des </a:t>
-            </a:r>
-            <a:r>
-              <a:rPr lang="en-US" dirty="0" err="1"/>
-              <a:t>attributs</a:t>
-            </a:r>
-            <a:r>
-              <a:rPr lang="en-US" dirty="0"/>
-              <a:t> </a:t>
-            </a:r>
-            <a:r>
-              <a:rPr lang="en-US" dirty="0" err="1"/>
-              <a:t>d’autres</a:t>
-            </a:r>
-            <a:r>
-              <a:rPr lang="en-US" dirty="0"/>
-              <a:t> classes tells que la </a:t>
-            </a:r>
-            <a:r>
-              <a:rPr lang="en-US" dirty="0" err="1"/>
-              <a:t>classe</a:t>
-            </a:r>
-            <a:r>
-              <a:rPr lang="en-US" dirty="0"/>
-              <a:t> </a:t>
-            </a:r>
-            <a:r>
-              <a:rPr lang="en-US" dirty="0" err="1"/>
-              <a:t>joueur</a:t>
-            </a:r>
-            <a:r>
-              <a:rPr lang="en-US" dirty="0"/>
-              <a:t> </a:t>
-            </a:r>
-            <a:r>
-              <a:rPr lang="en-US" dirty="0" err="1"/>
-              <a:t>ou</a:t>
-            </a:r>
-            <a:r>
-              <a:rPr lang="en-US" dirty="0"/>
-              <a:t> encore la </a:t>
-            </a:r>
-            <a:r>
-              <a:rPr lang="en-US" dirty="0" err="1"/>
-              <a:t>classe</a:t>
-            </a:r>
-            <a:r>
-              <a:rPr lang="en-US" dirty="0"/>
-              <a:t> </a:t>
-            </a:r>
-            <a:r>
-              <a:rPr lang="en-US" dirty="0" err="1"/>
-              <a:t>pokemon</a:t>
+              <a:rPr lang="fr-CH" dirty="0"/>
+              <a:t>Classe Combat composée de classe Joueur et Pokémon ou </a:t>
+            </a:r>
+            <a:r>
+              <a:rPr lang="fr-CH" dirty="0" err="1"/>
+              <a:t>PNJCombat</a:t>
             </a:r>
             <a:endParaRPr lang="fr-CH" dirty="0"/>
+          </a:p>
+          <a:p>
+            <a:endParaRPr lang="fr-CH" dirty="0"/>
+          </a:p>
+          <a:p>
+            <a:r>
+              <a:rPr lang="fr-CH" dirty="0"/>
+              <a:t>Classe Joueur et </a:t>
+            </a:r>
+            <a:r>
+              <a:rPr lang="fr-CH" dirty="0" err="1"/>
+              <a:t>PNJCombat</a:t>
+            </a:r>
+            <a:r>
+              <a:rPr lang="fr-CH" dirty="0"/>
+              <a:t> composée de classe Pokémon</a:t>
+            </a:r>
+          </a:p>
+          <a:p>
+            <a:endParaRPr lang="fr-CH" dirty="0"/>
+          </a:p>
+          <a:p>
+            <a:r>
+              <a:rPr lang="fr-CH" dirty="0"/>
+              <a:t>Classe Pokémon composée de classe Attaque</a:t>
+            </a:r>
           </a:p>
         </p:txBody>
       </p:sp>
@@ -21525,7 +18966,7 @@
           <a:p>
             <a:fld id="{8565C1E6-8FB8-4442-BEDC-4DDD643D2FC5}" type="slidenum">
               <a:rPr lang="fr-FR" smtClean="0"/>
-              <a:t>19</a:t>
+              <a:t>12</a:t>
             </a:fld>
             <a:endParaRPr lang="fr-FR"/>
           </a:p>
@@ -21569,681 +19010,7 @@
 </p:sld>
 </file>
 
-<file path=ppt/slides/slide2.xml><?xml version="1.0" encoding="utf-8"?>
-<p:sld xmlns:a="http://schemas.openxmlformats.org/drawingml/2006/main" xmlns:r="http://schemas.openxmlformats.org/officeDocument/2006/relationships" xmlns:p="http://schemas.openxmlformats.org/presentationml/2006/main">
-  <p:cSld>
-    <p:spTree>
-      <p:nvGrpSpPr>
-        <p:cNvPr id="1" name=""/>
-        <p:cNvGrpSpPr/>
-        <p:nvPr/>
-      </p:nvGrpSpPr>
-      <p:grpSpPr>
-        <a:xfrm>
-          <a:off x="0" y="0"/>
-          <a:ext cx="0" cy="0"/>
-          <a:chOff x="0" y="0"/>
-          <a:chExt cx="0" cy="0"/>
-        </a:xfrm>
-      </p:grpSpPr>
-      <p:sp>
-        <p:nvSpPr>
-          <p:cNvPr id="2" name="Titre 1">
-            <a:extLst>
-              <a:ext uri="{FF2B5EF4-FFF2-40B4-BE49-F238E27FC236}">
-                <a16:creationId xmlns:a16="http://schemas.microsoft.com/office/drawing/2014/main" id="{0579AEE5-3E40-4A44-A59D-D9DD7D783D96}"/>
-              </a:ext>
-            </a:extLst>
-          </p:cNvPr>
-          <p:cNvSpPr>
-            <a:spLocks noGrp="1"/>
-          </p:cNvSpPr>
-          <p:nvPr>
-            <p:ph type="title"/>
-          </p:nvPr>
-        </p:nvSpPr>
-        <p:spPr/>
-        <p:txBody>
-          <a:bodyPr/>
-          <a:lstStyle/>
-          <a:p>
-            <a:r>
-              <a:rPr lang="fr-CH" sz="4000" dirty="0"/>
-              <a:t>Introduction</a:t>
-            </a:r>
-          </a:p>
-        </p:txBody>
-      </p:sp>
-      <p:sp>
-        <p:nvSpPr>
-          <p:cNvPr id="3" name="Espace réservé du texte 2">
-            <a:extLst>
-              <a:ext uri="{FF2B5EF4-FFF2-40B4-BE49-F238E27FC236}">
-                <a16:creationId xmlns:a16="http://schemas.microsoft.com/office/drawing/2014/main" id="{0F39DE00-BD2A-4A3E-9DB9-DFDD0A4C1EA2}"/>
-              </a:ext>
-            </a:extLst>
-          </p:cNvPr>
-          <p:cNvSpPr>
-            <a:spLocks noGrp="1"/>
-          </p:cNvSpPr>
-          <p:nvPr>
-            <p:ph type="body" idx="1"/>
-          </p:nvPr>
-        </p:nvSpPr>
-        <p:spPr/>
-        <p:txBody>
-          <a:bodyPr/>
-          <a:lstStyle/>
-          <a:p>
-            <a:r>
-              <a:rPr lang="fr-CH" dirty="0"/>
-              <a:t>Jeu : Pokémon</a:t>
-            </a:r>
-          </a:p>
-          <a:p>
-            <a:r>
-              <a:rPr lang="fr-CH" dirty="0"/>
-              <a:t>But : combattre des </a:t>
-            </a:r>
-            <a:r>
-              <a:rPr lang="fr-CH" dirty="0" err="1"/>
-              <a:t>pokémon</a:t>
-            </a:r>
-            <a:r>
-              <a:rPr lang="fr-CH" dirty="0"/>
-              <a:t> sauvages avec la possibilité de les capturer ou combattre des dresseurs de </a:t>
-            </a:r>
-            <a:r>
-              <a:rPr lang="fr-CH" dirty="0" err="1"/>
-              <a:t>pokémon</a:t>
-            </a:r>
-            <a:endParaRPr lang="fr-CH" dirty="0"/>
-          </a:p>
-          <a:p>
-            <a:r>
-              <a:rPr lang="fr-CH" dirty="0"/>
-              <a:t>Le jeu possède deux phases :</a:t>
-            </a:r>
-          </a:p>
-          <a:p>
-            <a:pPr lvl="1"/>
-            <a:r>
-              <a:rPr lang="fr-CH" dirty="0"/>
-              <a:t>Déplacement : se déplacer sur une carte pour rencontrer des </a:t>
-            </a:r>
-            <a:r>
-              <a:rPr lang="fr-CH" dirty="0" err="1"/>
-              <a:t>pokémon</a:t>
-            </a:r>
-            <a:r>
-              <a:rPr lang="fr-CH" dirty="0"/>
-              <a:t> ou des dresseurs. Avec le pavé directionnel.</a:t>
-            </a:r>
-          </a:p>
-          <a:p>
-            <a:pPr lvl="1"/>
-            <a:r>
-              <a:rPr lang="fr-CH" dirty="0"/>
-              <a:t>Combat : entre les </a:t>
-            </a:r>
-            <a:r>
-              <a:rPr lang="fr-CH" dirty="0" err="1"/>
-              <a:t>pokémon</a:t>
-            </a:r>
-            <a:r>
-              <a:rPr lang="fr-CH" dirty="0"/>
-              <a:t>. Attaque, soin, fuite (</a:t>
-            </a:r>
-            <a:r>
-              <a:rPr lang="fr-CH" dirty="0" err="1"/>
-              <a:t>pokémon</a:t>
-            </a:r>
-            <a:r>
-              <a:rPr lang="fr-CH" dirty="0"/>
-              <a:t> sauvage), capture (</a:t>
-            </a:r>
-            <a:r>
-              <a:rPr lang="fr-CH" dirty="0" err="1"/>
-              <a:t>pokémon</a:t>
-            </a:r>
-            <a:r>
-              <a:rPr lang="fr-CH" dirty="0"/>
-              <a:t> sauvage). Avec la souris.</a:t>
-            </a:r>
-          </a:p>
-          <a:p>
-            <a:endParaRPr lang="fr-CH" dirty="0"/>
-          </a:p>
-        </p:txBody>
-      </p:sp>
-      <p:sp>
-        <p:nvSpPr>
-          <p:cNvPr id="4" name="Espace réservé du numéro de diapositive 3">
-            <a:extLst>
-              <a:ext uri="{FF2B5EF4-FFF2-40B4-BE49-F238E27FC236}">
-                <a16:creationId xmlns:a16="http://schemas.microsoft.com/office/drawing/2014/main" id="{26227144-8F9D-469C-A3A3-389BD875BF2C}"/>
-              </a:ext>
-            </a:extLst>
-          </p:cNvPr>
-          <p:cNvSpPr>
-            <a:spLocks noGrp="1"/>
-          </p:cNvSpPr>
-          <p:nvPr>
-            <p:ph type="sldNum" idx="12"/>
-          </p:nvPr>
-        </p:nvSpPr>
-        <p:spPr/>
-        <p:txBody>
-          <a:bodyPr/>
-          <a:lstStyle/>
-          <a:p>
-            <a:fld id="{8565C1E6-8FB8-4442-BEDC-4DDD643D2FC5}" type="slidenum">
-              <a:rPr lang="fr-FR" smtClean="0"/>
-              <a:t>2</a:t>
-            </a:fld>
-            <a:endParaRPr lang="fr-FR"/>
-          </a:p>
-        </p:txBody>
-      </p:sp>
-      <p:sp>
-        <p:nvSpPr>
-          <p:cNvPr id="5" name="Titre 1">
-            <a:extLst>
-              <a:ext uri="{FF2B5EF4-FFF2-40B4-BE49-F238E27FC236}">
-                <a16:creationId xmlns:a16="http://schemas.microsoft.com/office/drawing/2014/main" id="{0BF76429-6CBA-4D29-B610-F17D65544FB6}"/>
-              </a:ext>
-            </a:extLst>
-          </p:cNvPr>
-          <p:cNvSpPr txBox="1">
-            <a:spLocks/>
-          </p:cNvSpPr>
-          <p:nvPr/>
-        </p:nvSpPr>
-        <p:spPr>
-          <a:xfrm>
-            <a:off x="914400" y="6047535"/>
-            <a:ext cx="10363200" cy="810400"/>
-          </a:xfrm>
-          <a:prstGeom prst="rect">
-            <a:avLst/>
-          </a:prstGeom>
-          <a:noFill/>
-          <a:ln>
-            <a:noFill/>
-          </a:ln>
-          <a:effectLst>
-            <a:reflection stA="25000" endPos="60000" fadeDir="5400012" sy="-100000" algn="bl" rotWithShape="0"/>
-          </a:effectLst>
-        </p:spPr>
-        <p:txBody>
-          <a:bodyPr spcFirstLastPara="1" wrap="square" lIns="0" tIns="0" rIns="0" bIns="0" anchor="t" anchorCtr="0">
-            <a:noAutofit/>
-          </a:bodyPr>
-          <a:lstStyle>
-            <a:defPPr marR="0" lvl="0" algn="l" rtl="0">
-              <a:lnSpc>
-                <a:spcPct val="100000"/>
-              </a:lnSpc>
-              <a:spcBef>
-                <a:spcPts val="0"/>
-              </a:spcBef>
-              <a:spcAft>
-                <a:spcPts val="0"/>
-              </a:spcAft>
-            </a:defPPr>
-            <a:lvl1pPr marR="0" lvl="0" algn="ctr" rtl="0" eaLnBrk="1" hangingPunct="1">
-              <a:lnSpc>
-                <a:spcPct val="90000"/>
-              </a:lnSpc>
-              <a:spcBef>
-                <a:spcPts val="0"/>
-              </a:spcBef>
-              <a:spcAft>
-                <a:spcPts val="0"/>
-              </a:spcAft>
-              <a:buClr>
-                <a:schemeClr val="lt1"/>
-              </a:buClr>
-              <a:buSzPts val="5500"/>
-              <a:buFont typeface="Bebas Neue"/>
-              <a:buNone/>
-              <a:defRPr sz="7333" b="0" i="0" u="none" strike="noStrike" cap="none">
-                <a:solidFill>
-                  <a:schemeClr val="lt1"/>
-                </a:solidFill>
-                <a:latin typeface="Bebas Neue"/>
-                <a:ea typeface="Bebas Neue"/>
-                <a:cs typeface="Bebas Neue"/>
-                <a:sym typeface="Bebas Neue"/>
-              </a:defRPr>
-            </a:lvl1pPr>
-            <a:lvl2pPr marR="0" lvl="1" algn="ctr" rtl="0" eaLnBrk="1" hangingPunct="1">
-              <a:lnSpc>
-                <a:spcPct val="90000"/>
-              </a:lnSpc>
-              <a:spcBef>
-                <a:spcPts val="0"/>
-              </a:spcBef>
-              <a:spcAft>
-                <a:spcPts val="0"/>
-              </a:spcAft>
-              <a:buClr>
-                <a:schemeClr val="lt1"/>
-              </a:buClr>
-              <a:buSzPts val="5500"/>
-              <a:buFont typeface="Bebas Neue"/>
-              <a:buNone/>
-              <a:defRPr sz="7333" b="0" i="0" u="none" strike="noStrike" cap="none">
-                <a:solidFill>
-                  <a:schemeClr val="lt1"/>
-                </a:solidFill>
-                <a:latin typeface="Bebas Neue"/>
-                <a:ea typeface="Bebas Neue"/>
-                <a:cs typeface="Bebas Neue"/>
-                <a:sym typeface="Bebas Neue"/>
-              </a:defRPr>
-            </a:lvl2pPr>
-            <a:lvl3pPr marR="0" lvl="2" algn="ctr" rtl="0" eaLnBrk="1" hangingPunct="1">
-              <a:lnSpc>
-                <a:spcPct val="90000"/>
-              </a:lnSpc>
-              <a:spcBef>
-                <a:spcPts val="0"/>
-              </a:spcBef>
-              <a:spcAft>
-                <a:spcPts val="0"/>
-              </a:spcAft>
-              <a:buClr>
-                <a:schemeClr val="lt1"/>
-              </a:buClr>
-              <a:buSzPts val="5500"/>
-              <a:buFont typeface="Bebas Neue"/>
-              <a:buNone/>
-              <a:defRPr sz="7333" b="0" i="0" u="none" strike="noStrike" cap="none">
-                <a:solidFill>
-                  <a:schemeClr val="lt1"/>
-                </a:solidFill>
-                <a:latin typeface="Bebas Neue"/>
-                <a:ea typeface="Bebas Neue"/>
-                <a:cs typeface="Bebas Neue"/>
-                <a:sym typeface="Bebas Neue"/>
-              </a:defRPr>
-            </a:lvl3pPr>
-            <a:lvl4pPr marR="0" lvl="3" algn="ctr" rtl="0" eaLnBrk="1" hangingPunct="1">
-              <a:lnSpc>
-                <a:spcPct val="90000"/>
-              </a:lnSpc>
-              <a:spcBef>
-                <a:spcPts val="0"/>
-              </a:spcBef>
-              <a:spcAft>
-                <a:spcPts val="0"/>
-              </a:spcAft>
-              <a:buClr>
-                <a:schemeClr val="lt1"/>
-              </a:buClr>
-              <a:buSzPts val="5500"/>
-              <a:buFont typeface="Bebas Neue"/>
-              <a:buNone/>
-              <a:defRPr sz="7333" b="0" i="0" u="none" strike="noStrike" cap="none">
-                <a:solidFill>
-                  <a:schemeClr val="lt1"/>
-                </a:solidFill>
-                <a:latin typeface="Bebas Neue"/>
-                <a:ea typeface="Bebas Neue"/>
-                <a:cs typeface="Bebas Neue"/>
-                <a:sym typeface="Bebas Neue"/>
-              </a:defRPr>
-            </a:lvl4pPr>
-            <a:lvl5pPr marR="0" lvl="4" algn="ctr" rtl="0" eaLnBrk="1" hangingPunct="1">
-              <a:lnSpc>
-                <a:spcPct val="90000"/>
-              </a:lnSpc>
-              <a:spcBef>
-                <a:spcPts val="0"/>
-              </a:spcBef>
-              <a:spcAft>
-                <a:spcPts val="0"/>
-              </a:spcAft>
-              <a:buClr>
-                <a:schemeClr val="lt1"/>
-              </a:buClr>
-              <a:buSzPts val="5500"/>
-              <a:buFont typeface="Bebas Neue"/>
-              <a:buNone/>
-              <a:defRPr sz="7333" b="0" i="0" u="none" strike="noStrike" cap="none">
-                <a:solidFill>
-                  <a:schemeClr val="lt1"/>
-                </a:solidFill>
-                <a:latin typeface="Bebas Neue"/>
-                <a:ea typeface="Bebas Neue"/>
-                <a:cs typeface="Bebas Neue"/>
-                <a:sym typeface="Bebas Neue"/>
-              </a:defRPr>
-            </a:lvl5pPr>
-            <a:lvl6pPr marR="0" lvl="5" algn="ctr" rtl="0" eaLnBrk="1" hangingPunct="1">
-              <a:lnSpc>
-                <a:spcPct val="90000"/>
-              </a:lnSpc>
-              <a:spcBef>
-                <a:spcPts val="0"/>
-              </a:spcBef>
-              <a:spcAft>
-                <a:spcPts val="0"/>
-              </a:spcAft>
-              <a:buClr>
-                <a:schemeClr val="lt1"/>
-              </a:buClr>
-              <a:buSzPts val="5500"/>
-              <a:buFont typeface="Bebas Neue"/>
-              <a:buNone/>
-              <a:defRPr sz="7333" b="0" i="0" u="none" strike="noStrike" cap="none">
-                <a:solidFill>
-                  <a:schemeClr val="lt1"/>
-                </a:solidFill>
-                <a:latin typeface="Bebas Neue"/>
-                <a:ea typeface="Bebas Neue"/>
-                <a:cs typeface="Bebas Neue"/>
-                <a:sym typeface="Bebas Neue"/>
-              </a:defRPr>
-            </a:lvl6pPr>
-            <a:lvl7pPr marR="0" lvl="6" algn="ctr" rtl="0" eaLnBrk="1" hangingPunct="1">
-              <a:lnSpc>
-                <a:spcPct val="90000"/>
-              </a:lnSpc>
-              <a:spcBef>
-                <a:spcPts val="0"/>
-              </a:spcBef>
-              <a:spcAft>
-                <a:spcPts val="0"/>
-              </a:spcAft>
-              <a:buClr>
-                <a:schemeClr val="lt1"/>
-              </a:buClr>
-              <a:buSzPts val="5500"/>
-              <a:buFont typeface="Bebas Neue"/>
-              <a:buNone/>
-              <a:defRPr sz="7333" b="0" i="0" u="none" strike="noStrike" cap="none">
-                <a:solidFill>
-                  <a:schemeClr val="lt1"/>
-                </a:solidFill>
-                <a:latin typeface="Bebas Neue"/>
-                <a:ea typeface="Bebas Neue"/>
-                <a:cs typeface="Bebas Neue"/>
-                <a:sym typeface="Bebas Neue"/>
-              </a:defRPr>
-            </a:lvl7pPr>
-            <a:lvl8pPr marR="0" lvl="7" algn="ctr" rtl="0" eaLnBrk="1" hangingPunct="1">
-              <a:lnSpc>
-                <a:spcPct val="90000"/>
-              </a:lnSpc>
-              <a:spcBef>
-                <a:spcPts val="0"/>
-              </a:spcBef>
-              <a:spcAft>
-                <a:spcPts val="0"/>
-              </a:spcAft>
-              <a:buClr>
-                <a:schemeClr val="lt1"/>
-              </a:buClr>
-              <a:buSzPts val="5500"/>
-              <a:buFont typeface="Bebas Neue"/>
-              <a:buNone/>
-              <a:defRPr sz="7333" b="0" i="0" u="none" strike="noStrike" cap="none">
-                <a:solidFill>
-                  <a:schemeClr val="lt1"/>
-                </a:solidFill>
-                <a:latin typeface="Bebas Neue"/>
-                <a:ea typeface="Bebas Neue"/>
-                <a:cs typeface="Bebas Neue"/>
-                <a:sym typeface="Bebas Neue"/>
-              </a:defRPr>
-            </a:lvl8pPr>
-            <a:lvl9pPr marR="0" lvl="8" algn="ctr" rtl="0" eaLnBrk="1" hangingPunct="1">
-              <a:lnSpc>
-                <a:spcPct val="90000"/>
-              </a:lnSpc>
-              <a:spcBef>
-                <a:spcPts val="0"/>
-              </a:spcBef>
-              <a:spcAft>
-                <a:spcPts val="0"/>
-              </a:spcAft>
-              <a:buClr>
-                <a:schemeClr val="lt1"/>
-              </a:buClr>
-              <a:buSzPts val="5500"/>
-              <a:buFont typeface="Bebas Neue"/>
-              <a:buNone/>
-              <a:defRPr sz="7333" b="0" i="0" u="none" strike="noStrike" cap="none">
-                <a:solidFill>
-                  <a:schemeClr val="lt1"/>
-                </a:solidFill>
-                <a:latin typeface="Bebas Neue"/>
-                <a:ea typeface="Bebas Neue"/>
-                <a:cs typeface="Bebas Neue"/>
-                <a:sym typeface="Bebas Neue"/>
-              </a:defRPr>
-            </a:lvl9pPr>
-          </a:lstStyle>
-          <a:p>
-            <a:r>
-              <a:rPr lang="fr-CH" sz="1600" dirty="0"/>
-              <a:t>Maxime Bugnion, Matteo Meyer</a:t>
-            </a:r>
-          </a:p>
-          <a:p>
-            <a:r>
-              <a:rPr lang="fr-CH" sz="1600" dirty="0"/>
-              <a:t>3M1</a:t>
-            </a:r>
-          </a:p>
-        </p:txBody>
-      </p:sp>
-    </p:spTree>
-    <p:extLst>
-      <p:ext uri="{BB962C8B-B14F-4D97-AF65-F5344CB8AC3E}">
-        <p14:creationId xmlns:p14="http://schemas.microsoft.com/office/powerpoint/2010/main" val="1475921357"/>
-      </p:ext>
-    </p:extLst>
-  </p:cSld>
-  <p:clrMapOvr>
-    <a:masterClrMapping/>
-  </p:clrMapOvr>
-</p:sld>
-</file>
-
-<file path=ppt/slides/slide20.xml><?xml version="1.0" encoding="utf-8"?>
-<p:sld xmlns:a="http://schemas.openxmlformats.org/drawingml/2006/main" xmlns:r="http://schemas.openxmlformats.org/officeDocument/2006/relationships" xmlns:p="http://schemas.openxmlformats.org/presentationml/2006/main">
-  <p:cSld>
-    <p:spTree>
-      <p:nvGrpSpPr>
-        <p:cNvPr id="1" name=""/>
-        <p:cNvGrpSpPr/>
-        <p:nvPr/>
-      </p:nvGrpSpPr>
-      <p:grpSpPr>
-        <a:xfrm>
-          <a:off x="0" y="0"/>
-          <a:ext cx="0" cy="0"/>
-          <a:chOff x="0" y="0"/>
-          <a:chExt cx="0" cy="0"/>
-        </a:xfrm>
-      </p:grpSpPr>
-      <p:sp>
-        <p:nvSpPr>
-          <p:cNvPr id="2" name="Titre 1">
-            <a:extLst>
-              <a:ext uri="{FF2B5EF4-FFF2-40B4-BE49-F238E27FC236}">
-                <a16:creationId xmlns:a16="http://schemas.microsoft.com/office/drawing/2014/main" id="{411340E6-A71C-9A4A-A8CD-2AE63D319F75}"/>
-              </a:ext>
-            </a:extLst>
-          </p:cNvPr>
-          <p:cNvSpPr>
-            <a:spLocks noGrp="1"/>
-          </p:cNvSpPr>
-          <p:nvPr>
-            <p:ph type="title"/>
-          </p:nvPr>
-        </p:nvSpPr>
-        <p:spPr/>
-        <p:txBody>
-          <a:bodyPr/>
-          <a:lstStyle/>
-          <a:p>
-            <a:r>
-              <a:rPr lang="fr-FR" dirty="0"/>
-              <a:t>Héritage</a:t>
-            </a:r>
-          </a:p>
-        </p:txBody>
-      </p:sp>
-      <p:sp>
-        <p:nvSpPr>
-          <p:cNvPr id="3" name="Espace réservé du contenu 2">
-            <a:extLst>
-              <a:ext uri="{FF2B5EF4-FFF2-40B4-BE49-F238E27FC236}">
-                <a16:creationId xmlns:a16="http://schemas.microsoft.com/office/drawing/2014/main" id="{378A3185-AB9A-F04C-ADC8-2E9E2AEB6809}"/>
-              </a:ext>
-            </a:extLst>
-          </p:cNvPr>
-          <p:cNvSpPr>
-            <a:spLocks noGrp="1"/>
-          </p:cNvSpPr>
-          <p:nvPr>
-            <p:ph idx="1"/>
-          </p:nvPr>
-        </p:nvSpPr>
-        <p:spPr/>
-        <p:txBody>
-          <a:bodyPr/>
-          <a:lstStyle/>
-          <a:p>
-            <a:r>
-              <a:rPr lang="fr-FR" dirty="0"/>
-              <a:t>Montrez un exemple de classe hérité</a:t>
-            </a:r>
-          </a:p>
-          <a:p>
-            <a:r>
-              <a:rPr lang="fr-FR" dirty="0"/>
-              <a:t>Quels sont les méthodes du parents</a:t>
-            </a:r>
-          </a:p>
-          <a:p>
-            <a:r>
-              <a:rPr lang="fr-FR" dirty="0"/>
-              <a:t>Quels sont les méthodes de l’enfant</a:t>
-            </a:r>
-          </a:p>
-          <a:p>
-            <a:r>
-              <a:rPr lang="fr-FR" dirty="0"/>
-              <a:t>Quels sont les avantages de l’héritage</a:t>
-            </a:r>
-          </a:p>
-        </p:txBody>
-      </p:sp>
-      <p:sp>
-        <p:nvSpPr>
-          <p:cNvPr id="4" name="Espace réservé de la date 3">
-            <a:extLst>
-              <a:ext uri="{FF2B5EF4-FFF2-40B4-BE49-F238E27FC236}">
-                <a16:creationId xmlns:a16="http://schemas.microsoft.com/office/drawing/2014/main" id="{97696D8D-C806-494D-AADC-5601F573A57E}"/>
-              </a:ext>
-            </a:extLst>
-          </p:cNvPr>
-          <p:cNvSpPr>
-            <a:spLocks noGrp="1"/>
-          </p:cNvSpPr>
-          <p:nvPr>
-            <p:ph type="dt" sz="half" idx="10"/>
-          </p:nvPr>
-        </p:nvSpPr>
-        <p:spPr/>
-        <p:txBody>
-          <a:bodyPr/>
-          <a:lstStyle/>
-          <a:p>
-            <a:r>
-              <a:rPr lang="fr-CH"/>
-              <a:t>18/06/2021</a:t>
-            </a:r>
-            <a:endParaRPr lang="fr-FR"/>
-          </a:p>
-        </p:txBody>
-      </p:sp>
-      <p:sp>
-        <p:nvSpPr>
-          <p:cNvPr id="5" name="Espace réservé du pied de page 4">
-            <a:extLst>
-              <a:ext uri="{FF2B5EF4-FFF2-40B4-BE49-F238E27FC236}">
-                <a16:creationId xmlns:a16="http://schemas.microsoft.com/office/drawing/2014/main" id="{B938D344-3D1F-BF43-95AB-F5A9B8414A5C}"/>
-              </a:ext>
-            </a:extLst>
-          </p:cNvPr>
-          <p:cNvSpPr>
-            <a:spLocks noGrp="1"/>
-          </p:cNvSpPr>
-          <p:nvPr>
-            <p:ph type="ftr" sz="quarter" idx="11"/>
-          </p:nvPr>
-        </p:nvSpPr>
-        <p:spPr/>
-        <p:txBody>
-          <a:bodyPr/>
-          <a:lstStyle/>
-          <a:p>
-            <a:r>
-              <a:rPr lang="fr-FR"/>
-              <a:t>nom des élèves - nom du jeu</a:t>
-            </a:r>
-          </a:p>
-        </p:txBody>
-      </p:sp>
-      <p:sp>
-        <p:nvSpPr>
-          <p:cNvPr id="6" name="Espace réservé du numéro de diapositive 5">
-            <a:extLst>
-              <a:ext uri="{FF2B5EF4-FFF2-40B4-BE49-F238E27FC236}">
-                <a16:creationId xmlns:a16="http://schemas.microsoft.com/office/drawing/2014/main" id="{4B2A584B-BD18-F049-9EC7-2A1196D4D2AB}"/>
-              </a:ext>
-            </a:extLst>
-          </p:cNvPr>
-          <p:cNvSpPr>
-            <a:spLocks noGrp="1"/>
-          </p:cNvSpPr>
-          <p:nvPr>
-            <p:ph type="sldNum" sz="quarter" idx="12"/>
-          </p:nvPr>
-        </p:nvSpPr>
-        <p:spPr/>
-        <p:txBody>
-          <a:bodyPr/>
-          <a:lstStyle/>
-          <a:p>
-            <a:fld id="{8565C1E6-8FB8-4442-BEDC-4DDD643D2FC5}" type="slidenum">
-              <a:rPr lang="fr-FR" smtClean="0"/>
-              <a:t>20</a:t>
-            </a:fld>
-            <a:endParaRPr lang="fr-FR"/>
-          </a:p>
-        </p:txBody>
-      </p:sp>
-    </p:spTree>
-    <p:extLst>
-      <p:ext uri="{BB962C8B-B14F-4D97-AF65-F5344CB8AC3E}">
-        <p14:creationId xmlns:p14="http://schemas.microsoft.com/office/powerpoint/2010/main" val="3187019808"/>
-      </p:ext>
-    </p:extLst>
-  </p:cSld>
-  <p:clrMapOvr>
-    <a:masterClrMapping/>
-  </p:clrMapOvr>
-</p:sld>
-</file>
-
-<file path=ppt/slides/slide21.xml><?xml version="1.0" encoding="utf-8"?>
+<file path=ppt/slides/slide13.xml><?xml version="1.0" encoding="utf-8"?>
 <p:sld xmlns:a="http://schemas.openxmlformats.org/drawingml/2006/main" xmlns:r="http://schemas.openxmlformats.org/officeDocument/2006/relationships" xmlns:p="http://schemas.openxmlformats.org/presentationml/2006/main">
   <p:cSld>
     <p:spTree>
@@ -22281,7 +19048,10 @@
           <a:bodyPr/>
           <a:lstStyle/>
           <a:p>
-            <a:endParaRPr lang="fr-CH"/>
+            <a:r>
+              <a:rPr lang="fr-CH" dirty="0"/>
+              <a:t>Héritage</a:t>
+            </a:r>
           </a:p>
         </p:txBody>
       </p:sp>
@@ -22306,7 +19076,45 @@
           <a:bodyPr/>
           <a:lstStyle/>
           <a:p>
-            <a:endParaRPr lang="fr-CH"/>
+            <a:r>
+              <a:rPr lang="fr-CH" dirty="0"/>
+              <a:t>Pas d’héritage dans notre programme</a:t>
+            </a:r>
+          </a:p>
+          <a:p>
+            <a:endParaRPr lang="fr-CH" dirty="0"/>
+          </a:p>
+          <a:p>
+            <a:r>
+              <a:rPr lang="fr-CH" dirty="0"/>
+              <a:t>Possibilité de faire hériter les classes d’une classe Sprite</a:t>
+            </a:r>
+          </a:p>
+          <a:p>
+            <a:endParaRPr lang="fr-CH" dirty="0"/>
+          </a:p>
+          <a:p>
+            <a:r>
+              <a:rPr lang="fr-CH" dirty="0"/>
+              <a:t>Possibilité de faire hériter la classe </a:t>
+            </a:r>
+            <a:r>
+              <a:rPr lang="fr-CH" dirty="0" err="1"/>
+              <a:t>PNJCombat</a:t>
+            </a:r>
+            <a:r>
+              <a:rPr lang="fr-CH" dirty="0"/>
+              <a:t> de Joueur et Obstacle</a:t>
+            </a:r>
+          </a:p>
+          <a:p>
+            <a:endParaRPr lang="fr-CH" dirty="0"/>
+          </a:p>
+          <a:p>
+            <a:r>
+              <a:rPr lang="fr-CH" dirty="0"/>
+              <a:t>Possibilité de faire hériter la classe Pokémon de la classe Obstacle</a:t>
+            </a:r>
           </a:p>
         </p:txBody>
       </p:sp>
@@ -22333,7 +19141,7 @@
           <a:p>
             <a:fld id="{8565C1E6-8FB8-4442-BEDC-4DDD643D2FC5}" type="slidenum">
               <a:rPr lang="fr-FR" smtClean="0"/>
-              <a:t>21</a:t>
+              <a:t>13</a:t>
             </a:fld>
             <a:endParaRPr lang="fr-FR"/>
           </a:p>
@@ -22377,206 +19185,7 @@
 </p:sld>
 </file>
 
-<file path=ppt/slides/slide22.xml><?xml version="1.0" encoding="utf-8"?>
-<p:sld xmlns:a="http://schemas.openxmlformats.org/drawingml/2006/main" xmlns:r="http://schemas.openxmlformats.org/officeDocument/2006/relationships" xmlns:p="http://schemas.openxmlformats.org/presentationml/2006/main">
-  <p:cSld>
-    <p:spTree>
-      <p:nvGrpSpPr>
-        <p:cNvPr id="1" name=""/>
-        <p:cNvGrpSpPr/>
-        <p:nvPr/>
-      </p:nvGrpSpPr>
-      <p:grpSpPr>
-        <a:xfrm>
-          <a:off x="0" y="0"/>
-          <a:ext cx="0" cy="0"/>
-          <a:chOff x="0" y="0"/>
-          <a:chExt cx="0" cy="0"/>
-        </a:xfrm>
-      </p:grpSpPr>
-      <p:sp>
-        <p:nvSpPr>
-          <p:cNvPr id="2" name="Titre 1">
-            <a:extLst>
-              <a:ext uri="{FF2B5EF4-FFF2-40B4-BE49-F238E27FC236}">
-                <a16:creationId xmlns:a16="http://schemas.microsoft.com/office/drawing/2014/main" id="{953FAC27-2B7B-0E46-BAC4-A43DEC62CDDB}"/>
-              </a:ext>
-            </a:extLst>
-          </p:cNvPr>
-          <p:cNvSpPr>
-            <a:spLocks noGrp="1"/>
-          </p:cNvSpPr>
-          <p:nvPr>
-            <p:ph type="title"/>
-          </p:nvPr>
-        </p:nvSpPr>
-        <p:spPr/>
-        <p:txBody>
-          <a:bodyPr/>
-          <a:lstStyle/>
-          <a:p>
-            <a:r>
-              <a:rPr lang="fr-FR" dirty="0"/>
-              <a:t>Initialisation</a:t>
-            </a:r>
-          </a:p>
-        </p:txBody>
-      </p:sp>
-      <p:sp>
-        <p:nvSpPr>
-          <p:cNvPr id="3" name="Espace réservé du contenu 2">
-            <a:extLst>
-              <a:ext uri="{FF2B5EF4-FFF2-40B4-BE49-F238E27FC236}">
-                <a16:creationId xmlns:a16="http://schemas.microsoft.com/office/drawing/2014/main" id="{EBA152A2-557D-F146-AD2A-E5DFD8116212}"/>
-              </a:ext>
-            </a:extLst>
-          </p:cNvPr>
-          <p:cNvSpPr>
-            <a:spLocks noGrp="1"/>
-          </p:cNvSpPr>
-          <p:nvPr>
-            <p:ph idx="1"/>
-          </p:nvPr>
-        </p:nvSpPr>
-        <p:spPr/>
-        <p:txBody>
-          <a:bodyPr/>
-          <a:lstStyle/>
-          <a:p>
-            <a:r>
-              <a:rPr lang="fr-FR" dirty="0"/>
-              <a:t>Montrer quelques lignes de code d’initialisation</a:t>
-            </a:r>
-          </a:p>
-          <a:p>
-            <a:r>
-              <a:rPr lang="fr-FR" dirty="0"/>
-              <a:t>Pourquoi c’est nécessaire</a:t>
-            </a:r>
-          </a:p>
-          <a:p>
-            <a:r>
-              <a:rPr lang="fr-FR" dirty="0"/>
-              <a:t>Utilisez-vous des variables globaux ?</a:t>
-            </a:r>
-          </a:p>
-          <a:p>
-            <a:r>
-              <a:rPr lang="fr-FR" dirty="0"/>
-              <a:t>Lesquelles ?</a:t>
-            </a:r>
-          </a:p>
-          <a:p>
-            <a:endParaRPr lang="fr-FR" dirty="0"/>
-          </a:p>
-          <a:p>
-            <a:r>
-              <a:rPr lang="fr-FR" dirty="0"/>
-              <a:t>= fichier variables (+ lignes début classes)</a:t>
-            </a:r>
-          </a:p>
-        </p:txBody>
-      </p:sp>
-      <p:sp>
-        <p:nvSpPr>
-          <p:cNvPr id="4" name="Espace réservé de la date 3">
-            <a:extLst>
-              <a:ext uri="{FF2B5EF4-FFF2-40B4-BE49-F238E27FC236}">
-                <a16:creationId xmlns:a16="http://schemas.microsoft.com/office/drawing/2014/main" id="{39763DB1-6BEA-B248-9249-6F207B02326E}"/>
-              </a:ext>
-            </a:extLst>
-          </p:cNvPr>
-          <p:cNvSpPr>
-            <a:spLocks noGrp="1"/>
-          </p:cNvSpPr>
-          <p:nvPr>
-            <p:ph type="dt" sz="half" idx="10"/>
-          </p:nvPr>
-        </p:nvSpPr>
-        <p:spPr/>
-        <p:txBody>
-          <a:bodyPr/>
-          <a:lstStyle/>
-          <a:p>
-            <a:r>
-              <a:rPr lang="fr-CH"/>
-              <a:t>18/06/2021</a:t>
-            </a:r>
-            <a:endParaRPr lang="fr-FR"/>
-          </a:p>
-        </p:txBody>
-      </p:sp>
-      <p:sp>
-        <p:nvSpPr>
-          <p:cNvPr id="5" name="Espace réservé du pied de page 4">
-            <a:extLst>
-              <a:ext uri="{FF2B5EF4-FFF2-40B4-BE49-F238E27FC236}">
-                <a16:creationId xmlns:a16="http://schemas.microsoft.com/office/drawing/2014/main" id="{B863E8AE-2261-BC4D-BFDC-3E0E3044514C}"/>
-              </a:ext>
-            </a:extLst>
-          </p:cNvPr>
-          <p:cNvSpPr>
-            <a:spLocks noGrp="1"/>
-          </p:cNvSpPr>
-          <p:nvPr>
-            <p:ph type="ftr" sz="quarter" idx="11"/>
-          </p:nvPr>
-        </p:nvSpPr>
-        <p:spPr/>
-        <p:txBody>
-          <a:bodyPr/>
-          <a:lstStyle/>
-          <a:p>
-            <a:r>
-              <a:rPr lang="fr-FR"/>
-              <a:t>nom des élèves - nom du jeu</a:t>
-            </a:r>
-          </a:p>
-        </p:txBody>
-      </p:sp>
-      <p:sp>
-        <p:nvSpPr>
-          <p:cNvPr id="6" name="Espace réservé du numéro de diapositive 5">
-            <a:extLst>
-              <a:ext uri="{FF2B5EF4-FFF2-40B4-BE49-F238E27FC236}">
-                <a16:creationId xmlns:a16="http://schemas.microsoft.com/office/drawing/2014/main" id="{5B3072CB-0D21-D84A-AA3B-5213344755DA}"/>
-              </a:ext>
-            </a:extLst>
-          </p:cNvPr>
-          <p:cNvSpPr>
-            <a:spLocks noGrp="1"/>
-          </p:cNvSpPr>
-          <p:nvPr>
-            <p:ph type="sldNum" sz="quarter" idx="12"/>
-          </p:nvPr>
-        </p:nvSpPr>
-        <p:spPr/>
-        <p:txBody>
-          <a:bodyPr/>
-          <a:lstStyle/>
-          <a:p>
-            <a:fld id="{8565C1E6-8FB8-4442-BEDC-4DDD643D2FC5}" type="slidenum">
-              <a:rPr lang="fr-FR" smtClean="0"/>
-              <a:t>22</a:t>
-            </a:fld>
-            <a:endParaRPr lang="fr-FR"/>
-          </a:p>
-        </p:txBody>
-      </p:sp>
-    </p:spTree>
-    <p:extLst>
-      <p:ext uri="{BB962C8B-B14F-4D97-AF65-F5344CB8AC3E}">
-        <p14:creationId xmlns:p14="http://schemas.microsoft.com/office/powerpoint/2010/main" val="169645651"/>
-      </p:ext>
-    </p:extLst>
-  </p:cSld>
-  <p:clrMapOvr>
-    <a:masterClrMapping/>
-  </p:clrMapOvr>
-</p:sld>
-</file>
-
-<file path=ppt/slides/slide23.xml><?xml version="1.0" encoding="utf-8"?>
+<file path=ppt/slides/slide14.xml><?xml version="1.0" encoding="utf-8"?>
 <p:sld xmlns:a="http://schemas.openxmlformats.org/drawingml/2006/main" xmlns:r="http://schemas.openxmlformats.org/officeDocument/2006/relationships" xmlns:p="http://schemas.openxmlformats.org/presentationml/2006/main">
   <p:cSld>
     <p:spTree>
@@ -22609,12 +19218,20 @@
             <p:ph type="title"/>
           </p:nvPr>
         </p:nvSpPr>
-        <p:spPr/>
+        <p:spPr>
+          <a:xfrm>
+            <a:off x="1363366" y="998440"/>
+            <a:ext cx="9465200" cy="477200"/>
+          </a:xfrm>
+        </p:spPr>
         <p:txBody>
           <a:bodyPr/>
           <a:lstStyle/>
           <a:p>
-            <a:endParaRPr lang="fr-CH"/>
+            <a:r>
+              <a:rPr lang="fr-CH" dirty="0"/>
+              <a:t>Initialisation : fichier variables.py</a:t>
+            </a:r>
           </a:p>
         </p:txBody>
       </p:sp>
@@ -22634,12 +19251,39 @@
             <p:ph type="body" idx="1"/>
           </p:nvPr>
         </p:nvSpPr>
-        <p:spPr/>
+        <p:spPr>
+          <a:xfrm>
+            <a:off x="1363367" y="1602400"/>
+            <a:ext cx="9465200" cy="3653200"/>
+          </a:xfrm>
+        </p:spPr>
         <p:txBody>
           <a:bodyPr/>
           <a:lstStyle/>
           <a:p>
-            <a:endParaRPr lang="fr-CH"/>
+            <a:r>
+              <a:rPr lang="fr-CH" dirty="0"/>
+              <a:t>Contient toutes les variables globales</a:t>
+            </a:r>
+          </a:p>
+          <a:p>
+            <a:r>
+              <a:rPr lang="fr-CH" dirty="0"/>
+              <a:t>Initialise le joueur, ainsi qu’un </a:t>
+            </a:r>
+            <a:r>
+              <a:rPr lang="fr-CH" dirty="0" err="1"/>
+              <a:t>pnj</a:t>
+            </a:r>
+            <a:r>
+              <a:rPr lang="fr-CH" dirty="0"/>
+              <a:t> et un </a:t>
+            </a:r>
+            <a:r>
+              <a:rPr lang="fr-CH" dirty="0" err="1"/>
+              <a:t>pokémon</a:t>
+            </a:r>
+            <a:endParaRPr lang="fr-CH" dirty="0"/>
           </a:p>
         </p:txBody>
       </p:sp>
@@ -22666,37 +19310,41 @@
           <a:p>
             <a:fld id="{8565C1E6-8FB8-4442-BEDC-4DDD643D2FC5}" type="slidenum">
               <a:rPr lang="fr-FR" smtClean="0"/>
-              <a:t>23</a:t>
+              <a:t>14</a:t>
             </a:fld>
             <a:endParaRPr lang="fr-FR"/>
           </a:p>
         </p:txBody>
       </p:sp>
-      <p:sp>
-        <p:nvSpPr>
-          <p:cNvPr id="5" name="Espace réservé du contenu 4">
+      <p:pic>
+        <p:nvPicPr>
+          <p:cNvPr id="7" name="Espace réservé du contenu 6">
             <a:extLst>
               <a:ext uri="{FF2B5EF4-FFF2-40B4-BE49-F238E27FC236}">
-                <a16:creationId xmlns:a16="http://schemas.microsoft.com/office/drawing/2014/main" id="{90CDDCC3-1102-4723-9ED1-3A0F84232BC8}"/>
+                <a16:creationId xmlns:a16="http://schemas.microsoft.com/office/drawing/2014/main" id="{ECC0B6EB-645D-4C88-B869-3D339A2C6892}"/>
               </a:ext>
             </a:extLst>
           </p:cNvPr>
-          <p:cNvSpPr>
-            <a:spLocks noGrp="1"/>
-          </p:cNvSpPr>
+          <p:cNvPicPr>
+            <a:picLocks noGrp="1" noChangeAspect="1"/>
+          </p:cNvPicPr>
           <p:nvPr>
             <p:ph sz="quarter" idx="13"/>
           </p:nvPr>
-        </p:nvSpPr>
-        <p:spPr/>
-        <p:txBody>
-          <a:bodyPr/>
-          <a:lstStyle/>
-          <a:p>
-            <a:endParaRPr lang="fr-CH"/>
-          </a:p>
-        </p:txBody>
-      </p:sp>
+        </p:nvPicPr>
+        <p:blipFill>
+          <a:blip r:embed="rId2"/>
+          <a:stretch>
+            <a:fillRect/>
+          </a:stretch>
+        </p:blipFill>
+        <p:spPr>
+          <a:xfrm>
+            <a:off x="2657763" y="2529900"/>
+            <a:ext cx="6144873" cy="3264467"/>
+          </a:xfrm>
+        </p:spPr>
+      </p:pic>
     </p:spTree>
     <p:extLst>
       <p:ext uri="{BB962C8B-B14F-4D97-AF65-F5344CB8AC3E}">
@@ -22710,7 +19358,7 @@
 </p:sld>
 </file>
 
-<file path=ppt/slides/slide24.xml><?xml version="1.0" encoding="utf-8"?>
+<file path=ppt/slides/slide15.xml><?xml version="1.0" encoding="utf-8"?>
 <p:sld xmlns:a="http://schemas.openxmlformats.org/drawingml/2006/main" xmlns:r="http://schemas.openxmlformats.org/officeDocument/2006/relationships" xmlns:p="http://schemas.openxmlformats.org/presentationml/2006/main">
   <p:cSld>
     <p:spTree>
@@ -22729,10 +19377,10 @@
       </p:grpSpPr>
       <p:sp>
         <p:nvSpPr>
-          <p:cNvPr id="2" name="Titre 1">
+          <p:cNvPr id="2" name="Espace réservé du numéro de diapositive 1">
             <a:extLst>
               <a:ext uri="{FF2B5EF4-FFF2-40B4-BE49-F238E27FC236}">
-                <a16:creationId xmlns:a16="http://schemas.microsoft.com/office/drawing/2014/main" id="{E1A35683-E1FD-1046-8EAF-D9383AF1A70E}"/>
+                <a16:creationId xmlns:a16="http://schemas.microsoft.com/office/drawing/2014/main" id="{1DC9D245-764D-4BBA-B4C4-3E1845BFE763}"/>
               </a:ext>
             </a:extLst>
           </p:cNvPr>
@@ -22740,138 +19388,7 @@
             <a:spLocks noGrp="1"/>
           </p:cNvSpPr>
           <p:nvPr>
-            <p:ph type="title"/>
-          </p:nvPr>
-        </p:nvSpPr>
-        <p:spPr/>
-        <p:txBody>
-          <a:bodyPr/>
-          <a:lstStyle/>
-          <a:p>
-            <a:r>
-              <a:rPr lang="fr-FR" dirty="0"/>
-              <a:t>Boucle principale</a:t>
-            </a:r>
-          </a:p>
-        </p:txBody>
-      </p:sp>
-      <p:sp>
-        <p:nvSpPr>
-          <p:cNvPr id="3" name="Espace réservé du contenu 2">
-            <a:extLst>
-              <a:ext uri="{FF2B5EF4-FFF2-40B4-BE49-F238E27FC236}">
-                <a16:creationId xmlns:a16="http://schemas.microsoft.com/office/drawing/2014/main" id="{53FFDB93-6C87-614C-8474-2996248F3136}"/>
-              </a:ext>
-            </a:extLst>
-          </p:cNvPr>
-          <p:cNvSpPr>
-            <a:spLocks noGrp="1"/>
-          </p:cNvSpPr>
-          <p:nvPr>
-            <p:ph idx="1"/>
-          </p:nvPr>
-        </p:nvSpPr>
-        <p:spPr/>
-        <p:txBody>
-          <a:bodyPr/>
-          <a:lstStyle/>
-          <a:p>
-            <a:r>
-              <a:rPr lang="fr-FR" dirty="0"/>
-              <a:t>Montrez votre boucle principale</a:t>
-            </a:r>
-          </a:p>
-          <a:p>
-            <a:r>
-              <a:rPr lang="fr-FR" dirty="0"/>
-              <a:t>Expliquez l’action des touches</a:t>
-            </a:r>
-          </a:p>
-          <a:p>
-            <a:r>
-              <a:rPr lang="fr-FR" dirty="0"/>
-              <a:t>Expliquez les actions de la souris</a:t>
-            </a:r>
-          </a:p>
-          <a:p>
-            <a:r>
-              <a:rPr lang="fr-FR" dirty="0"/>
-              <a:t>Comment sortir de cette boucle ?</a:t>
-            </a:r>
-          </a:p>
-        </p:txBody>
-      </p:sp>
-      <p:sp>
-        <p:nvSpPr>
-          <p:cNvPr id="4" name="Espace réservé de la date 3">
-            <a:extLst>
-              <a:ext uri="{FF2B5EF4-FFF2-40B4-BE49-F238E27FC236}">
-                <a16:creationId xmlns:a16="http://schemas.microsoft.com/office/drawing/2014/main" id="{DD844E3A-AC74-D94F-906A-1EDC435174E3}"/>
-              </a:ext>
-            </a:extLst>
-          </p:cNvPr>
-          <p:cNvSpPr>
-            <a:spLocks noGrp="1"/>
-          </p:cNvSpPr>
-          <p:nvPr>
-            <p:ph type="dt" sz="half" idx="10"/>
-          </p:nvPr>
-        </p:nvSpPr>
-        <p:spPr/>
-        <p:txBody>
-          <a:bodyPr/>
-          <a:lstStyle/>
-          <a:p>
-            <a:r>
-              <a:rPr lang="fr-CH"/>
-              <a:t>18/06/2021</a:t>
-            </a:r>
-            <a:endParaRPr lang="fr-FR"/>
-          </a:p>
-        </p:txBody>
-      </p:sp>
-      <p:sp>
-        <p:nvSpPr>
-          <p:cNvPr id="5" name="Espace réservé du pied de page 4">
-            <a:extLst>
-              <a:ext uri="{FF2B5EF4-FFF2-40B4-BE49-F238E27FC236}">
-                <a16:creationId xmlns:a16="http://schemas.microsoft.com/office/drawing/2014/main" id="{BD37FFC0-83E7-7D4F-86EE-3FC79EE2CCFD}"/>
-              </a:ext>
-            </a:extLst>
-          </p:cNvPr>
-          <p:cNvSpPr>
-            <a:spLocks noGrp="1"/>
-          </p:cNvSpPr>
-          <p:nvPr>
-            <p:ph type="ftr" sz="quarter" idx="11"/>
-          </p:nvPr>
-        </p:nvSpPr>
-        <p:spPr/>
-        <p:txBody>
-          <a:bodyPr/>
-          <a:lstStyle/>
-          <a:p>
-            <a:r>
-              <a:rPr lang="fr-FR"/>
-              <a:t>nom des élèves - nom du jeu</a:t>
-            </a:r>
-          </a:p>
-        </p:txBody>
-      </p:sp>
-      <p:sp>
-        <p:nvSpPr>
-          <p:cNvPr id="6" name="Espace réservé du numéro de diapositive 5">
-            <a:extLst>
-              <a:ext uri="{FF2B5EF4-FFF2-40B4-BE49-F238E27FC236}">
-                <a16:creationId xmlns:a16="http://schemas.microsoft.com/office/drawing/2014/main" id="{9D454091-BF60-BE4C-8354-F1CA845A88F0}"/>
-              </a:ext>
-            </a:extLst>
-          </p:cNvPr>
-          <p:cNvSpPr>
-            <a:spLocks noGrp="1"/>
-          </p:cNvSpPr>
-          <p:nvPr>
-            <p:ph type="sldNum" sz="quarter" idx="12"/>
+            <p:ph type="sldNum" idx="12"/>
           </p:nvPr>
         </p:nvSpPr>
         <p:spPr/>
@@ -22881,16 +19398,46 @@
           <a:p>
             <a:fld id="{8565C1E6-8FB8-4442-BEDC-4DDD643D2FC5}" type="slidenum">
               <a:rPr lang="fr-FR" smtClean="0"/>
-              <a:t>24</a:t>
+              <a:t>15</a:t>
             </a:fld>
             <a:endParaRPr lang="fr-FR"/>
           </a:p>
         </p:txBody>
       </p:sp>
+      <p:pic>
+        <p:nvPicPr>
+          <p:cNvPr id="10" name="Image 9">
+            <a:extLst>
+              <a:ext uri="{FF2B5EF4-FFF2-40B4-BE49-F238E27FC236}">
+                <a16:creationId xmlns:a16="http://schemas.microsoft.com/office/drawing/2014/main" id="{CCF563F0-6AA9-40BF-AF5F-9E060A3858C1}"/>
+              </a:ext>
+            </a:extLst>
+          </p:cNvPr>
+          <p:cNvPicPr>
+            <a:picLocks noChangeAspect="1"/>
+          </p:cNvPicPr>
+          <p:nvPr/>
+        </p:nvPicPr>
+        <p:blipFill>
+          <a:blip r:embed="rId2"/>
+          <a:stretch>
+            <a:fillRect/>
+          </a:stretch>
+        </p:blipFill>
+        <p:spPr>
+          <a:xfrm>
+            <a:off x="2117725" y="190499"/>
+            <a:ext cx="7956550" cy="5813525"/>
+          </a:xfrm>
+          <a:prstGeom prst="rect">
+            <a:avLst/>
+          </a:prstGeom>
+        </p:spPr>
+      </p:pic>
     </p:spTree>
     <p:extLst>
       <p:ext uri="{BB962C8B-B14F-4D97-AF65-F5344CB8AC3E}">
-        <p14:creationId xmlns:p14="http://schemas.microsoft.com/office/powerpoint/2010/main" val="2528260495"/>
+        <p14:creationId xmlns:p14="http://schemas.microsoft.com/office/powerpoint/2010/main" val="2915004182"/>
       </p:ext>
     </p:extLst>
   </p:cSld>
@@ -22900,7 +19447,7 @@
 </p:sld>
 </file>
 
-<file path=ppt/slides/slide25.xml><?xml version="1.0" encoding="utf-8"?>
+<file path=ppt/slides/slide16.xml><?xml version="1.0" encoding="utf-8"?>
 <p:sld xmlns:a="http://schemas.openxmlformats.org/drawingml/2006/main" xmlns:r="http://schemas.openxmlformats.org/officeDocument/2006/relationships" xmlns:p="http://schemas.openxmlformats.org/presentationml/2006/main">
   <p:cSld>
     <p:spTree>
@@ -23037,13 +19584,6 @@
               <a:buFont typeface="Wingdings" panose="05000000000000000000" pitchFamily="2" charset="2"/>
               <a:buChar char="Ø"/>
             </a:pPr>
-            <a:endParaRPr lang="fr-CH" dirty="0"/>
-          </a:p>
-          <a:p>
-            <a:pPr>
-              <a:buFont typeface="Wingdings" panose="05000000000000000000" pitchFamily="2" charset="2"/>
-              <a:buChar char="Ø"/>
-            </a:pPr>
             <a:r>
               <a:rPr lang="fr-CH" dirty="0"/>
               <a:t>Pour quitter la boucle il suffit de cliquer sur la croix</a:t>
@@ -23074,7 +19614,7 @@
           <a:p>
             <a:fld id="{8565C1E6-8FB8-4442-BEDC-4DDD643D2FC5}" type="slidenum">
               <a:rPr lang="fr-FR" smtClean="0"/>
-              <a:t>25</a:t>
+              <a:t>16</a:t>
             </a:fld>
             <a:endParaRPr lang="fr-FR"/>
           </a:p>
@@ -23118,7 +19658,7 @@
 </p:sld>
 </file>
 
-<file path=ppt/slides/slide26.xml><?xml version="1.0" encoding="utf-8"?>
+<file path=ppt/slides/slide17.xml><?xml version="1.0" encoding="utf-8"?>
 <p:sld xmlns:a="http://schemas.openxmlformats.org/drawingml/2006/main" xmlns:r="http://schemas.openxmlformats.org/officeDocument/2006/relationships" xmlns:p="http://schemas.openxmlformats.org/presentationml/2006/main">
   <p:cSld>
     <p:spTree>
@@ -23158,12 +19698,42 @@
           <a:p>
             <a:fld id="{8565C1E6-8FB8-4442-BEDC-4DDD643D2FC5}" type="slidenum">
               <a:rPr lang="fr-FR" smtClean="0"/>
-              <a:t>26</a:t>
+              <a:t>17</a:t>
             </a:fld>
             <a:endParaRPr lang="fr-FR"/>
           </a:p>
         </p:txBody>
       </p:sp>
+      <p:pic>
+        <p:nvPicPr>
+          <p:cNvPr id="4" name="Image 3">
+            <a:extLst>
+              <a:ext uri="{FF2B5EF4-FFF2-40B4-BE49-F238E27FC236}">
+                <a16:creationId xmlns:a16="http://schemas.microsoft.com/office/drawing/2014/main" id="{9282A7E2-8D5E-42A7-A79F-6EC050A42ADA}"/>
+              </a:ext>
+            </a:extLst>
+          </p:cNvPr>
+          <p:cNvPicPr>
+            <a:picLocks noChangeAspect="1"/>
+          </p:cNvPicPr>
+          <p:nvPr/>
+        </p:nvPicPr>
+        <p:blipFill>
+          <a:blip r:embed="rId2"/>
+          <a:stretch>
+            <a:fillRect/>
+          </a:stretch>
+        </p:blipFill>
+        <p:spPr>
+          <a:xfrm>
+            <a:off x="655021" y="152400"/>
+            <a:ext cx="10881957" cy="5781040"/>
+          </a:xfrm>
+          <a:prstGeom prst="rect">
+            <a:avLst/>
+          </a:prstGeom>
+        </p:spPr>
+      </p:pic>
     </p:spTree>
     <p:extLst>
       <p:ext uri="{BB962C8B-B14F-4D97-AF65-F5344CB8AC3E}">
@@ -23177,213 +19747,7 @@
 </p:sld>
 </file>
 
-<file path=ppt/slides/slide27.xml><?xml version="1.0" encoding="utf-8"?>
-<p:sld xmlns:a="http://schemas.openxmlformats.org/drawingml/2006/main" xmlns:r="http://schemas.openxmlformats.org/officeDocument/2006/relationships" xmlns:p="http://schemas.openxmlformats.org/presentationml/2006/main">
-  <p:cSld>
-    <p:spTree>
-      <p:nvGrpSpPr>
-        <p:cNvPr id="1" name=""/>
-        <p:cNvGrpSpPr/>
-        <p:nvPr/>
-      </p:nvGrpSpPr>
-      <p:grpSpPr>
-        <a:xfrm>
-          <a:off x="0" y="0"/>
-          <a:ext cx="0" cy="0"/>
-          <a:chOff x="0" y="0"/>
-          <a:chExt cx="0" cy="0"/>
-        </a:xfrm>
-      </p:grpSpPr>
-      <p:sp>
-        <p:nvSpPr>
-          <p:cNvPr id="2" name="Titre 1">
-            <a:extLst>
-              <a:ext uri="{FF2B5EF4-FFF2-40B4-BE49-F238E27FC236}">
-                <a16:creationId xmlns:a16="http://schemas.microsoft.com/office/drawing/2014/main" id="{AF8C3527-6D70-9543-8259-69ECAC968A8D}"/>
-              </a:ext>
-            </a:extLst>
-          </p:cNvPr>
-          <p:cNvSpPr>
-            <a:spLocks noGrp="1"/>
-          </p:cNvSpPr>
-          <p:nvPr>
-            <p:ph type="title"/>
-          </p:nvPr>
-        </p:nvSpPr>
-        <p:spPr/>
-        <p:txBody>
-          <a:bodyPr/>
-          <a:lstStyle/>
-          <a:p>
-            <a:r>
-              <a:rPr lang="fr-FR" dirty="0"/>
-              <a:t>Déplacement - collision</a:t>
-            </a:r>
-          </a:p>
-        </p:txBody>
-      </p:sp>
-      <p:sp>
-        <p:nvSpPr>
-          <p:cNvPr id="3" name="Espace réservé du contenu 2">
-            <a:extLst>
-              <a:ext uri="{FF2B5EF4-FFF2-40B4-BE49-F238E27FC236}">
-                <a16:creationId xmlns:a16="http://schemas.microsoft.com/office/drawing/2014/main" id="{A2D9A498-A6D4-1C4C-89FD-E84190EF3CDD}"/>
-              </a:ext>
-            </a:extLst>
-          </p:cNvPr>
-          <p:cNvSpPr>
-            <a:spLocks noGrp="1"/>
-          </p:cNvSpPr>
-          <p:nvPr>
-            <p:ph idx="1"/>
-          </p:nvPr>
-        </p:nvSpPr>
-        <p:spPr/>
-        <p:txBody>
-          <a:bodyPr/>
-          <a:lstStyle/>
-          <a:p>
-            <a:r>
-              <a:rPr lang="fr-FR" dirty="0"/>
-              <a:t>Donnez un exemple d’élément graphique qui se déplace</a:t>
-            </a:r>
-          </a:p>
-          <a:p>
-            <a:r>
-              <a:rPr lang="fr-FR" dirty="0"/>
-              <a:t>Comment est calculé le déplacement ?</a:t>
-            </a:r>
-          </a:p>
-          <a:p>
-            <a:r>
-              <a:rPr lang="fr-FR" dirty="0"/>
-              <a:t>Comment sont détectés les collisions ?</a:t>
-            </a:r>
-          </a:p>
-          <a:p>
-            <a:pPr lvl="1"/>
-            <a:r>
-              <a:rPr lang="fr-FR" dirty="0"/>
-              <a:t>Avec d’autres </a:t>
-            </a:r>
-            <a:r>
-              <a:rPr lang="fr-FR" dirty="0" err="1"/>
-              <a:t>sprites</a:t>
-            </a:r>
-            <a:r>
-              <a:rPr lang="fr-FR" dirty="0"/>
-              <a:t> ?</a:t>
-            </a:r>
-          </a:p>
-          <a:p>
-            <a:pPr lvl="1"/>
-            <a:r>
-              <a:rPr lang="fr-FR" dirty="0"/>
-              <a:t>Avec un mur ou le bord du jeu ?</a:t>
-            </a:r>
-          </a:p>
-        </p:txBody>
-      </p:sp>
-      <p:sp>
-        <p:nvSpPr>
-          <p:cNvPr id="4" name="Espace réservé de la date 3">
-            <a:extLst>
-              <a:ext uri="{FF2B5EF4-FFF2-40B4-BE49-F238E27FC236}">
-                <a16:creationId xmlns:a16="http://schemas.microsoft.com/office/drawing/2014/main" id="{3ADF3511-955D-4248-84E5-E355C0EC0ECB}"/>
-              </a:ext>
-            </a:extLst>
-          </p:cNvPr>
-          <p:cNvSpPr>
-            <a:spLocks noGrp="1"/>
-          </p:cNvSpPr>
-          <p:nvPr>
-            <p:ph type="dt" sz="half" idx="10"/>
-          </p:nvPr>
-        </p:nvSpPr>
-        <p:spPr/>
-        <p:txBody>
-          <a:bodyPr/>
-          <a:lstStyle/>
-          <a:p>
-            <a:r>
-              <a:rPr lang="fr-CH"/>
-              <a:t>18/06/2021</a:t>
-            </a:r>
-            <a:endParaRPr lang="fr-FR"/>
-          </a:p>
-        </p:txBody>
-      </p:sp>
-      <p:sp>
-        <p:nvSpPr>
-          <p:cNvPr id="5" name="Espace réservé du pied de page 4">
-            <a:extLst>
-              <a:ext uri="{FF2B5EF4-FFF2-40B4-BE49-F238E27FC236}">
-                <a16:creationId xmlns:a16="http://schemas.microsoft.com/office/drawing/2014/main" id="{44E36720-6FEC-2247-BDD6-463CD3C67DA8}"/>
-              </a:ext>
-            </a:extLst>
-          </p:cNvPr>
-          <p:cNvSpPr>
-            <a:spLocks noGrp="1"/>
-          </p:cNvSpPr>
-          <p:nvPr>
-            <p:ph type="ftr" sz="quarter" idx="11"/>
-          </p:nvPr>
-        </p:nvSpPr>
-        <p:spPr/>
-        <p:txBody>
-          <a:bodyPr/>
-          <a:lstStyle/>
-          <a:p>
-            <a:r>
-              <a:rPr lang="fr-FR"/>
-              <a:t>nom des élèves - nom du jeu</a:t>
-            </a:r>
-          </a:p>
-        </p:txBody>
-      </p:sp>
-      <p:sp>
-        <p:nvSpPr>
-          <p:cNvPr id="6" name="Espace réservé du numéro de diapositive 5">
-            <a:extLst>
-              <a:ext uri="{FF2B5EF4-FFF2-40B4-BE49-F238E27FC236}">
-                <a16:creationId xmlns:a16="http://schemas.microsoft.com/office/drawing/2014/main" id="{35901D66-2B43-4C4A-A080-744D10BC8DA1}"/>
-              </a:ext>
-            </a:extLst>
-          </p:cNvPr>
-          <p:cNvSpPr>
-            <a:spLocks noGrp="1"/>
-          </p:cNvSpPr>
-          <p:nvPr>
-            <p:ph type="sldNum" sz="quarter" idx="12"/>
-          </p:nvPr>
-        </p:nvSpPr>
-        <p:spPr/>
-        <p:txBody>
-          <a:bodyPr/>
-          <a:lstStyle/>
-          <a:p>
-            <a:fld id="{8565C1E6-8FB8-4442-BEDC-4DDD643D2FC5}" type="slidenum">
-              <a:rPr lang="fr-FR" smtClean="0"/>
-              <a:t>27</a:t>
-            </a:fld>
-            <a:endParaRPr lang="fr-FR"/>
-          </a:p>
-        </p:txBody>
-      </p:sp>
-    </p:spTree>
-    <p:extLst>
-      <p:ext uri="{BB962C8B-B14F-4D97-AF65-F5344CB8AC3E}">
-        <p14:creationId xmlns:p14="http://schemas.microsoft.com/office/powerpoint/2010/main" val="1735816084"/>
-      </p:ext>
-    </p:extLst>
-  </p:cSld>
-  <p:clrMapOvr>
-    <a:masterClrMapping/>
-  </p:clrMapOvr>
-</p:sld>
-</file>
-
-<file path=ppt/slides/slide28.xml><?xml version="1.0" encoding="utf-8"?>
+<file path=ppt/slides/slide18.xml><?xml version="1.0" encoding="utf-8"?>
 <p:sld xmlns:a="http://schemas.openxmlformats.org/drawingml/2006/main" xmlns:r="http://schemas.openxmlformats.org/officeDocument/2006/relationships" xmlns:p="http://schemas.openxmlformats.org/presentationml/2006/main">
   <p:cSld>
     <p:spTree>
@@ -23422,8 +19786,12 @@
           <a:lstStyle/>
           <a:p>
             <a:r>
+              <a:rPr lang="en-US" dirty="0" err="1"/>
+              <a:t>Déplacement</a:t>
+            </a:r>
+            <a:r>
               <a:rPr lang="en-US" dirty="0"/>
-              <a:t>Collisions</a:t>
+              <a:t> - Collisions</a:t>
             </a:r>
             <a:endParaRPr lang="fr-CH" dirty="0"/>
           </a:p>
@@ -23609,7 +19977,7 @@
           <a:p>
             <a:fld id="{8565C1E6-8FB8-4442-BEDC-4DDD643D2FC5}" type="slidenum">
               <a:rPr lang="fr-FR" smtClean="0"/>
-              <a:t>28</a:t>
+              <a:t>18</a:t>
             </a:fld>
             <a:endParaRPr lang="fr-FR"/>
           </a:p>
@@ -23653,7 +20021,7 @@
 </p:sld>
 </file>
 
-<file path=ppt/slides/slide29.xml><?xml version="1.0" encoding="utf-8"?>
+<file path=ppt/slides/slide19.xml><?xml version="1.0" encoding="utf-8"?>
 <p:sld xmlns:a="http://schemas.openxmlformats.org/drawingml/2006/main" xmlns:r="http://schemas.openxmlformats.org/officeDocument/2006/relationships" xmlns:p="http://schemas.openxmlformats.org/presentationml/2006/main">
   <p:cSld>
     <p:spTree>
@@ -23693,7 +20061,7 @@
           <a:p>
             <a:fld id="{8565C1E6-8FB8-4442-BEDC-4DDD643D2FC5}" type="slidenum">
               <a:rPr lang="fr-FR" smtClean="0"/>
-              <a:t>29</a:t>
+              <a:t>19</a:t>
             </a:fld>
             <a:endParaRPr lang="fr-FR"/>
           </a:p>
@@ -23772,7 +20140,7 @@
 </p:sld>
 </file>
 
-<file path=ppt/slides/slide3.xml><?xml version="1.0" encoding="utf-8"?>
+<file path=ppt/slides/slide2.xml><?xml version="1.0" encoding="utf-8"?>
 <p:sld xmlns:a="http://schemas.openxmlformats.org/drawingml/2006/main" xmlns:r="http://schemas.openxmlformats.org/officeDocument/2006/relationships" xmlns:p="http://schemas.openxmlformats.org/presentationml/2006/main">
   <p:cSld>
     <p:spTree>
@@ -23794,7 +20162,7 @@
           <p:cNvPr id="2" name="Titre 1">
             <a:extLst>
               <a:ext uri="{FF2B5EF4-FFF2-40B4-BE49-F238E27FC236}">
-                <a16:creationId xmlns:a16="http://schemas.microsoft.com/office/drawing/2014/main" id="{81CF8AF6-57FC-4DEA-98FA-B348CB382496}"/>
+                <a16:creationId xmlns:a16="http://schemas.microsoft.com/office/drawing/2014/main" id="{0579AEE5-3E40-4A44-A59D-D9DD7D783D96}"/>
               </a:ext>
             </a:extLst>
           </p:cNvPr>
@@ -23812,7 +20180,7 @@
           <a:p>
             <a:r>
               <a:rPr lang="fr-CH" sz="4000" dirty="0"/>
-              <a:t>Sources, aides, inspirations</a:t>
+              <a:t>Introduction</a:t>
             </a:r>
           </a:p>
         </p:txBody>
@@ -23822,7 +20190,7 @@
           <p:cNvPr id="3" name="Espace réservé du texte 2">
             <a:extLst>
               <a:ext uri="{FF2B5EF4-FFF2-40B4-BE49-F238E27FC236}">
-                <a16:creationId xmlns:a16="http://schemas.microsoft.com/office/drawing/2014/main" id="{B4C4BE0E-943A-41C1-9C0A-910D4F9A27D8}"/>
+                <a16:creationId xmlns:a16="http://schemas.microsoft.com/office/drawing/2014/main" id="{0F39DE00-BD2A-4A3E-9DB9-DFDD0A4C1EA2}"/>
               </a:ext>
             </a:extLst>
           </p:cNvPr>
@@ -23833,82 +20201,89 @@
             <p:ph type="body" idx="1"/>
           </p:nvPr>
         </p:nvSpPr>
-        <p:spPr>
-          <a:xfrm>
-            <a:off x="1363367" y="1885393"/>
-            <a:ext cx="9465200" cy="3653200"/>
-          </a:xfrm>
-        </p:spPr>
+        <p:spPr/>
         <p:txBody>
           <a:bodyPr/>
           <a:lstStyle/>
           <a:p>
             <a:r>
               <a:rPr lang="fr-CH" dirty="0"/>
-              <a:t>Version simplifiée du jeu Pokémon</a:t>
+              <a:t>Jeu : Pokémon</a:t>
             </a:r>
           </a:p>
           <a:p>
             <a:r>
               <a:rPr lang="fr-CH" dirty="0"/>
-              <a:t>Satoshi </a:t>
+              <a:t>But : combattre des </a:t>
             </a:r>
             <a:r>
               <a:rPr lang="fr-CH" dirty="0" err="1"/>
-              <a:t>Tajiri</a:t>
+              <a:t>pokémon</a:t>
             </a:r>
             <a:r>
               <a:rPr lang="fr-CH" dirty="0"/>
-              <a:t> en 1996</a:t>
-            </a:r>
-          </a:p>
-          <a:p>
-            <a:r>
-              <a:rPr lang="fr-CH" dirty="0"/>
-              <a:t>Jeu vidéo, manga, animé, jeux de cartes à collectionner</a:t>
-            </a:r>
-          </a:p>
-          <a:p>
-            <a:r>
-              <a:rPr lang="fr-CH" dirty="0">
-                <a:hlinkClick r:id="rId2"/>
-              </a:rPr>
-              <a:t>https://fr.wikipedia.org/wiki/Pok%C3%A9mon</a:t>
+              <a:t> sauvages avec la possibilité de les capturer ou combattre des dresseurs de </a:t>
+            </a:r>
+            <a:r>
+              <a:rPr lang="fr-CH" dirty="0" err="1"/>
+              <a:t>pokémon</a:t>
             </a:r>
             <a:endParaRPr lang="fr-CH" dirty="0"/>
           </a:p>
           <a:p>
             <a:r>
-              <a:rPr lang="fr-CH" dirty="0">
-                <a:hlinkClick r:id="rId3"/>
-              </a:rPr>
-              <a:t>https://www.pokemon.com/fr/</a:t>
-            </a:r>
-            <a:endParaRPr lang="fr-CH" dirty="0"/>
+              <a:rPr lang="fr-CH" dirty="0"/>
+              <a:t>Le jeu possède deux phases :</a:t>
+            </a:r>
           </a:p>
           <a:p>
-            <a:r>
-              <a:rPr lang="fr-CH" dirty="0">
-                <a:hlinkClick r:id="rId4"/>
-              </a:rPr>
-              <a:t>https://docs.python.org/3/tutorial/index.html</a:t>
-            </a:r>
-            <a:endParaRPr lang="fr-CH" dirty="0"/>
+            <a:pPr lvl="1"/>
+            <a:r>
+              <a:rPr lang="fr-CH" dirty="0"/>
+              <a:t>Déplacement : se déplacer sur une carte pour rencontrer des </a:t>
+            </a:r>
+            <a:r>
+              <a:rPr lang="fr-CH" dirty="0" err="1"/>
+              <a:t>pokémon</a:t>
+            </a:r>
+            <a:r>
+              <a:rPr lang="fr-CH" dirty="0"/>
+              <a:t> ou des dresseurs. Avec le pavé directionnel.</a:t>
+            </a:r>
           </a:p>
           <a:p>
-            <a:r>
-              <a:rPr lang="fr-CH" dirty="0">
-                <a:hlinkClick r:id="rId5"/>
-              </a:rPr>
-              <a:t>https://www.pygame.org/docs/</a:t>
-            </a:r>
-            <a:endParaRPr lang="fr-CH" dirty="0"/>
+            <a:pPr lvl="1"/>
+            <a:r>
+              <a:rPr lang="fr-CH" dirty="0"/>
+              <a:t>Combat : entre les </a:t>
+            </a:r>
+            <a:r>
+              <a:rPr lang="fr-CH" dirty="0" err="1"/>
+              <a:t>pokémon</a:t>
+            </a:r>
+            <a:r>
+              <a:rPr lang="fr-CH" dirty="0"/>
+              <a:t>. Attaque, soin, fuite (</a:t>
+            </a:r>
+            <a:r>
+              <a:rPr lang="fr-CH" dirty="0" err="1"/>
+              <a:t>pokémon</a:t>
+            </a:r>
+            <a:r>
+              <a:rPr lang="fr-CH" dirty="0"/>
+              <a:t> sauvage), capture (</a:t>
+            </a:r>
+            <a:r>
+              <a:rPr lang="fr-CH" dirty="0" err="1"/>
+              <a:t>pokémon</a:t>
+            </a:r>
+            <a:r>
+              <a:rPr lang="fr-CH" dirty="0"/>
+              <a:t> sauvage). Avec la souris.</a:t>
+            </a:r>
           </a:p>
           <a:p>
-            <a:r>
-              <a:rPr lang="fr-CH" dirty="0"/>
-              <a:t>https://stackoverflow.com/</a:t>
-            </a:r>
+            <a:endParaRPr lang="fr-CH" dirty="0"/>
           </a:p>
         </p:txBody>
       </p:sp>
@@ -23917,7 +20292,7 @@
           <p:cNvPr id="4" name="Espace réservé du numéro de diapositive 3">
             <a:extLst>
               <a:ext uri="{FF2B5EF4-FFF2-40B4-BE49-F238E27FC236}">
-                <a16:creationId xmlns:a16="http://schemas.microsoft.com/office/drawing/2014/main" id="{95EF18BA-7193-4E53-9D38-4D838CE36AC2}"/>
+                <a16:creationId xmlns:a16="http://schemas.microsoft.com/office/drawing/2014/main" id="{26227144-8F9D-469C-A3A3-389BD875BF2C}"/>
               </a:ext>
             </a:extLst>
           </p:cNvPr>
@@ -23935,7 +20310,7 @@
           <a:p>
             <a:fld id="{8565C1E6-8FB8-4442-BEDC-4DDD643D2FC5}" type="slidenum">
               <a:rPr lang="fr-FR" smtClean="0"/>
-              <a:t>3</a:t>
+              <a:t>2</a:t>
             </a:fld>
             <a:endParaRPr lang="fr-FR"/>
           </a:p>
@@ -23943,303 +20318,38 @@
       </p:sp>
       <p:sp>
         <p:nvSpPr>
-          <p:cNvPr id="5" name="Titre 1">
+          <p:cNvPr id="6" name="Espace réservé du contenu 4">
             <a:extLst>
               <a:ext uri="{FF2B5EF4-FFF2-40B4-BE49-F238E27FC236}">
-                <a16:creationId xmlns:a16="http://schemas.microsoft.com/office/drawing/2014/main" id="{40EEDFB9-22AE-4265-99F0-7AF35CC659D7}"/>
+                <a16:creationId xmlns:a16="http://schemas.microsoft.com/office/drawing/2014/main" id="{FAB05756-77E2-4FCF-8A00-B25339373C83}"/>
               </a:ext>
             </a:extLst>
           </p:cNvPr>
-          <p:cNvSpPr txBox="1">
-            <a:spLocks/>
+          <p:cNvSpPr>
+            <a:spLocks noGrp="1"/>
           </p:cNvSpPr>
-          <p:nvPr/>
+          <p:nvPr>
+            <p:ph sz="quarter" idx="13"/>
+          </p:nvPr>
         </p:nvSpPr>
         <p:spPr>
           <a:xfrm>
-            <a:off x="914367" y="6047535"/>
-            <a:ext cx="10363200" cy="810400"/>
+            <a:off x="4186752" y="5883201"/>
+            <a:ext cx="3818429" cy="280988"/>
           </a:xfrm>
-          <a:prstGeom prst="rect">
-            <a:avLst/>
-          </a:prstGeom>
-          <a:noFill/>
-          <a:ln>
-            <a:noFill/>
-          </a:ln>
-          <a:effectLst>
-            <a:reflection stA="25000" endPos="60000" fadeDir="5400012" sy="-100000" algn="bl" rotWithShape="0"/>
-          </a:effectLst>
         </p:spPr>
         <p:txBody>
-          <a:bodyPr spcFirstLastPara="1" wrap="square" lIns="0" tIns="0" rIns="0" bIns="0" anchor="t" anchorCtr="0">
-            <a:noAutofit/>
-          </a:bodyPr>
-          <a:lstStyle>
-            <a:defPPr marR="0" lvl="0" algn="l" rtl="0">
-              <a:lnSpc>
-                <a:spcPct val="100000"/>
-              </a:lnSpc>
-              <a:spcBef>
-                <a:spcPts val="0"/>
-              </a:spcBef>
-              <a:spcAft>
-                <a:spcPts val="0"/>
-              </a:spcAft>
-            </a:defPPr>
-            <a:lvl1pPr marR="0" lvl="0" algn="ctr" rtl="0" eaLnBrk="1" hangingPunct="1">
-              <a:lnSpc>
-                <a:spcPct val="90000"/>
-              </a:lnSpc>
-              <a:spcBef>
-                <a:spcPts val="0"/>
-              </a:spcBef>
-              <a:spcAft>
-                <a:spcPts val="0"/>
-              </a:spcAft>
-              <a:buClr>
-                <a:schemeClr val="lt1"/>
-              </a:buClr>
-              <a:buSzPts val="5500"/>
-              <a:buFont typeface="Bebas Neue"/>
-              <a:buNone/>
-              <a:defRPr sz="7333" b="0" i="0" u="none" strike="noStrike" cap="none">
-                <a:solidFill>
-                  <a:schemeClr val="lt1"/>
-                </a:solidFill>
-                <a:latin typeface="Bebas Neue"/>
-                <a:ea typeface="Bebas Neue"/>
-                <a:cs typeface="Bebas Neue"/>
-                <a:sym typeface="Bebas Neue"/>
-              </a:defRPr>
-            </a:lvl1pPr>
-            <a:lvl2pPr marR="0" lvl="1" algn="ctr" rtl="0" eaLnBrk="1" hangingPunct="1">
-              <a:lnSpc>
-                <a:spcPct val="90000"/>
-              </a:lnSpc>
-              <a:spcBef>
-                <a:spcPts val="0"/>
-              </a:spcBef>
-              <a:spcAft>
-                <a:spcPts val="0"/>
-              </a:spcAft>
-              <a:buClr>
-                <a:schemeClr val="lt1"/>
-              </a:buClr>
-              <a:buSzPts val="5500"/>
-              <a:buFont typeface="Bebas Neue"/>
-              <a:buNone/>
-              <a:defRPr sz="7333" b="0" i="0" u="none" strike="noStrike" cap="none">
-                <a:solidFill>
-                  <a:schemeClr val="lt1"/>
-                </a:solidFill>
-                <a:latin typeface="Bebas Neue"/>
-                <a:ea typeface="Bebas Neue"/>
-                <a:cs typeface="Bebas Neue"/>
-                <a:sym typeface="Bebas Neue"/>
-              </a:defRPr>
-            </a:lvl2pPr>
-            <a:lvl3pPr marR="0" lvl="2" algn="ctr" rtl="0" eaLnBrk="1" hangingPunct="1">
-              <a:lnSpc>
-                <a:spcPct val="90000"/>
-              </a:lnSpc>
-              <a:spcBef>
-                <a:spcPts val="0"/>
-              </a:spcBef>
-              <a:spcAft>
-                <a:spcPts val="0"/>
-              </a:spcAft>
-              <a:buClr>
-                <a:schemeClr val="lt1"/>
-              </a:buClr>
-              <a:buSzPts val="5500"/>
-              <a:buFont typeface="Bebas Neue"/>
-              <a:buNone/>
-              <a:defRPr sz="7333" b="0" i="0" u="none" strike="noStrike" cap="none">
-                <a:solidFill>
-                  <a:schemeClr val="lt1"/>
-                </a:solidFill>
-                <a:latin typeface="Bebas Neue"/>
-                <a:ea typeface="Bebas Neue"/>
-                <a:cs typeface="Bebas Neue"/>
-                <a:sym typeface="Bebas Neue"/>
-              </a:defRPr>
-            </a:lvl3pPr>
-            <a:lvl4pPr marR="0" lvl="3" algn="ctr" rtl="0" eaLnBrk="1" hangingPunct="1">
-              <a:lnSpc>
-                <a:spcPct val="90000"/>
-              </a:lnSpc>
-              <a:spcBef>
-                <a:spcPts val="0"/>
-              </a:spcBef>
-              <a:spcAft>
-                <a:spcPts val="0"/>
-              </a:spcAft>
-              <a:buClr>
-                <a:schemeClr val="lt1"/>
-              </a:buClr>
-              <a:buSzPts val="5500"/>
-              <a:buFont typeface="Bebas Neue"/>
-              <a:buNone/>
-              <a:defRPr sz="7333" b="0" i="0" u="none" strike="noStrike" cap="none">
-                <a:solidFill>
-                  <a:schemeClr val="lt1"/>
-                </a:solidFill>
-                <a:latin typeface="Bebas Neue"/>
-                <a:ea typeface="Bebas Neue"/>
-                <a:cs typeface="Bebas Neue"/>
-                <a:sym typeface="Bebas Neue"/>
-              </a:defRPr>
-            </a:lvl4pPr>
-            <a:lvl5pPr marR="0" lvl="4" algn="ctr" rtl="0" eaLnBrk="1" hangingPunct="1">
-              <a:lnSpc>
-                <a:spcPct val="90000"/>
-              </a:lnSpc>
-              <a:spcBef>
-                <a:spcPts val="0"/>
-              </a:spcBef>
-              <a:spcAft>
-                <a:spcPts val="0"/>
-              </a:spcAft>
-              <a:buClr>
-                <a:schemeClr val="lt1"/>
-              </a:buClr>
-              <a:buSzPts val="5500"/>
-              <a:buFont typeface="Bebas Neue"/>
-              <a:buNone/>
-              <a:defRPr sz="7333" b="0" i="0" u="none" strike="noStrike" cap="none">
-                <a:solidFill>
-                  <a:schemeClr val="lt1"/>
-                </a:solidFill>
-                <a:latin typeface="Bebas Neue"/>
-                <a:ea typeface="Bebas Neue"/>
-                <a:cs typeface="Bebas Neue"/>
-                <a:sym typeface="Bebas Neue"/>
-              </a:defRPr>
-            </a:lvl5pPr>
-            <a:lvl6pPr marR="0" lvl="5" algn="ctr" rtl="0" eaLnBrk="1" hangingPunct="1">
-              <a:lnSpc>
-                <a:spcPct val="90000"/>
-              </a:lnSpc>
-              <a:spcBef>
-                <a:spcPts val="0"/>
-              </a:spcBef>
-              <a:spcAft>
-                <a:spcPts val="0"/>
-              </a:spcAft>
-              <a:buClr>
-                <a:schemeClr val="lt1"/>
-              </a:buClr>
-              <a:buSzPts val="5500"/>
-              <a:buFont typeface="Bebas Neue"/>
-              <a:buNone/>
-              <a:defRPr sz="7333" b="0" i="0" u="none" strike="noStrike" cap="none">
-                <a:solidFill>
-                  <a:schemeClr val="lt1"/>
-                </a:solidFill>
-                <a:latin typeface="Bebas Neue"/>
-                <a:ea typeface="Bebas Neue"/>
-                <a:cs typeface="Bebas Neue"/>
-                <a:sym typeface="Bebas Neue"/>
-              </a:defRPr>
-            </a:lvl6pPr>
-            <a:lvl7pPr marR="0" lvl="6" algn="ctr" rtl="0" eaLnBrk="1" hangingPunct="1">
-              <a:lnSpc>
-                <a:spcPct val="90000"/>
-              </a:lnSpc>
-              <a:spcBef>
-                <a:spcPts val="0"/>
-              </a:spcBef>
-              <a:spcAft>
-                <a:spcPts val="0"/>
-              </a:spcAft>
-              <a:buClr>
-                <a:schemeClr val="lt1"/>
-              </a:buClr>
-              <a:buSzPts val="5500"/>
-              <a:buFont typeface="Bebas Neue"/>
-              <a:buNone/>
-              <a:defRPr sz="7333" b="0" i="0" u="none" strike="noStrike" cap="none">
-                <a:solidFill>
-                  <a:schemeClr val="lt1"/>
-                </a:solidFill>
-                <a:latin typeface="Bebas Neue"/>
-                <a:ea typeface="Bebas Neue"/>
-                <a:cs typeface="Bebas Neue"/>
-                <a:sym typeface="Bebas Neue"/>
-              </a:defRPr>
-            </a:lvl7pPr>
-            <a:lvl8pPr marR="0" lvl="7" algn="ctr" rtl="0" eaLnBrk="1" hangingPunct="1">
-              <a:lnSpc>
-                <a:spcPct val="90000"/>
-              </a:lnSpc>
-              <a:spcBef>
-                <a:spcPts val="0"/>
-              </a:spcBef>
-              <a:spcAft>
-                <a:spcPts val="0"/>
-              </a:spcAft>
-              <a:buClr>
-                <a:schemeClr val="lt1"/>
-              </a:buClr>
-              <a:buSzPts val="5500"/>
-              <a:buFont typeface="Bebas Neue"/>
-              <a:buNone/>
-              <a:defRPr sz="7333" b="0" i="0" u="none" strike="noStrike" cap="none">
-                <a:solidFill>
-                  <a:schemeClr val="lt1"/>
-                </a:solidFill>
-                <a:latin typeface="Bebas Neue"/>
-                <a:ea typeface="Bebas Neue"/>
-                <a:cs typeface="Bebas Neue"/>
-                <a:sym typeface="Bebas Neue"/>
-              </a:defRPr>
-            </a:lvl8pPr>
-            <a:lvl9pPr marR="0" lvl="8" algn="ctr" rtl="0" eaLnBrk="1" hangingPunct="1">
-              <a:lnSpc>
-                <a:spcPct val="90000"/>
-              </a:lnSpc>
-              <a:spcBef>
-                <a:spcPts val="0"/>
-              </a:spcBef>
-              <a:spcAft>
-                <a:spcPts val="0"/>
-              </a:spcAft>
-              <a:buClr>
-                <a:schemeClr val="lt1"/>
-              </a:buClr>
-              <a:buSzPts val="5500"/>
-              <a:buFont typeface="Bebas Neue"/>
-              <a:buNone/>
-              <a:defRPr sz="7333" b="0" i="0" u="none" strike="noStrike" cap="none">
-                <a:solidFill>
-                  <a:schemeClr val="lt1"/>
-                </a:solidFill>
-                <a:latin typeface="Bebas Neue"/>
-                <a:ea typeface="Bebas Neue"/>
-                <a:cs typeface="Bebas Neue"/>
-                <a:sym typeface="Bebas Neue"/>
-              </a:defRPr>
-            </a:lvl9pPr>
-          </a:lstStyle>
+          <a:bodyPr/>
+          <a:lstStyle/>
           <a:p>
-            <a:r>
-              <a:rPr lang="fr-CH" sz="1600" dirty="0"/>
-              <a:t>Maxime Bugnion, Matteo Meyer</a:t>
-            </a:r>
-          </a:p>
-          <a:p>
-            <a:r>
-              <a:rPr lang="fr-CH" sz="1600" dirty="0"/>
-              <a:t>3M1</a:t>
-            </a:r>
+            <a:endParaRPr lang="fr-CH" dirty="0"/>
           </a:p>
         </p:txBody>
       </p:sp>
     </p:spTree>
     <p:extLst>
       <p:ext uri="{BB962C8B-B14F-4D97-AF65-F5344CB8AC3E}">
-        <p14:creationId xmlns:p14="http://schemas.microsoft.com/office/powerpoint/2010/main" val="3014422926"/>
+        <p14:creationId xmlns:p14="http://schemas.microsoft.com/office/powerpoint/2010/main" val="1475921357"/>
       </p:ext>
     </p:extLst>
   </p:cSld>
@@ -24249,208 +20359,7 @@
 </p:sld>
 </file>
 
-<file path=ppt/slides/slide30.xml><?xml version="1.0" encoding="utf-8"?>
-<p:sld xmlns:a="http://schemas.openxmlformats.org/drawingml/2006/main" xmlns:r="http://schemas.openxmlformats.org/officeDocument/2006/relationships" xmlns:p="http://schemas.openxmlformats.org/presentationml/2006/main">
-  <p:cSld>
-    <p:spTree>
-      <p:nvGrpSpPr>
-        <p:cNvPr id="1" name=""/>
-        <p:cNvGrpSpPr/>
-        <p:nvPr/>
-      </p:nvGrpSpPr>
-      <p:grpSpPr>
-        <a:xfrm>
-          <a:off x="0" y="0"/>
-          <a:ext cx="0" cy="0"/>
-          <a:chOff x="0" y="0"/>
-          <a:chExt cx="0" cy="0"/>
-        </a:xfrm>
-      </p:grpSpPr>
-      <p:sp>
-        <p:nvSpPr>
-          <p:cNvPr id="2" name="Titre 1">
-            <a:extLst>
-              <a:ext uri="{FF2B5EF4-FFF2-40B4-BE49-F238E27FC236}">
-                <a16:creationId xmlns:a16="http://schemas.microsoft.com/office/drawing/2014/main" id="{9BA81311-6E97-CC43-9A67-290631C975C3}"/>
-              </a:ext>
-            </a:extLst>
-          </p:cNvPr>
-          <p:cNvSpPr>
-            <a:spLocks noGrp="1"/>
-          </p:cNvSpPr>
-          <p:nvPr>
-            <p:ph type="title"/>
-          </p:nvPr>
-        </p:nvSpPr>
-        <p:spPr/>
-        <p:txBody>
-          <a:bodyPr/>
-          <a:lstStyle/>
-          <a:p>
-            <a:r>
-              <a:rPr lang="fr-FR" dirty="0"/>
-              <a:t>Dessiner à l’écran</a:t>
-            </a:r>
-          </a:p>
-        </p:txBody>
-      </p:sp>
-      <p:sp>
-        <p:nvSpPr>
-          <p:cNvPr id="3" name="Espace réservé du contenu 2">
-            <a:extLst>
-              <a:ext uri="{FF2B5EF4-FFF2-40B4-BE49-F238E27FC236}">
-                <a16:creationId xmlns:a16="http://schemas.microsoft.com/office/drawing/2014/main" id="{0CB35ED6-124A-9049-9F79-86B66C7694BD}"/>
-              </a:ext>
-            </a:extLst>
-          </p:cNvPr>
-          <p:cNvSpPr>
-            <a:spLocks noGrp="1"/>
-          </p:cNvSpPr>
-          <p:nvPr>
-            <p:ph idx="1"/>
-          </p:nvPr>
-        </p:nvSpPr>
-        <p:spPr/>
-        <p:txBody>
-          <a:bodyPr/>
-          <a:lstStyle/>
-          <a:p>
-            <a:r>
-              <a:rPr lang="fr-FR" dirty="0"/>
-              <a:t>Montrez comment sont dessinés vos éléments graphiques</a:t>
-            </a:r>
-          </a:p>
-          <a:p>
-            <a:r>
-              <a:rPr lang="fr-FR" dirty="0"/>
-              <a:t>Arrière-fond</a:t>
-            </a:r>
-          </a:p>
-          <a:p>
-            <a:r>
-              <a:rPr lang="fr-FR" dirty="0"/>
-              <a:t>Player</a:t>
-            </a:r>
-          </a:p>
-          <a:p>
-            <a:r>
-              <a:rPr lang="fr-FR" dirty="0"/>
-              <a:t>Texte</a:t>
-            </a:r>
-          </a:p>
-          <a:p>
-            <a:r>
-              <a:rPr lang="fr-FR" dirty="0"/>
-              <a:t>Autre </a:t>
-            </a:r>
-            <a:r>
-              <a:rPr lang="fr-FR" dirty="0" err="1"/>
-              <a:t>sprites</a:t>
-            </a:r>
-            <a:endParaRPr lang="fr-FR" dirty="0"/>
-          </a:p>
-        </p:txBody>
-      </p:sp>
-      <p:sp>
-        <p:nvSpPr>
-          <p:cNvPr id="4" name="Espace réservé de la date 3">
-            <a:extLst>
-              <a:ext uri="{FF2B5EF4-FFF2-40B4-BE49-F238E27FC236}">
-                <a16:creationId xmlns:a16="http://schemas.microsoft.com/office/drawing/2014/main" id="{88AFAD5C-5D85-BC4B-94F4-F1B3628C59D0}"/>
-              </a:ext>
-            </a:extLst>
-          </p:cNvPr>
-          <p:cNvSpPr>
-            <a:spLocks noGrp="1"/>
-          </p:cNvSpPr>
-          <p:nvPr>
-            <p:ph type="dt" sz="half" idx="10"/>
-          </p:nvPr>
-        </p:nvSpPr>
-        <p:spPr/>
-        <p:txBody>
-          <a:bodyPr/>
-          <a:lstStyle/>
-          <a:p>
-            <a:r>
-              <a:rPr lang="fr-CH"/>
-              <a:t>18/06/2021</a:t>
-            </a:r>
-            <a:endParaRPr lang="fr-FR"/>
-          </a:p>
-        </p:txBody>
-      </p:sp>
-      <p:sp>
-        <p:nvSpPr>
-          <p:cNvPr id="5" name="Espace réservé du pied de page 4">
-            <a:extLst>
-              <a:ext uri="{FF2B5EF4-FFF2-40B4-BE49-F238E27FC236}">
-                <a16:creationId xmlns:a16="http://schemas.microsoft.com/office/drawing/2014/main" id="{F0BC6B61-CADD-BD4F-B215-C568ECEEA18C}"/>
-              </a:ext>
-            </a:extLst>
-          </p:cNvPr>
-          <p:cNvSpPr>
-            <a:spLocks noGrp="1"/>
-          </p:cNvSpPr>
-          <p:nvPr>
-            <p:ph type="ftr" sz="quarter" idx="11"/>
-          </p:nvPr>
-        </p:nvSpPr>
-        <p:spPr/>
-        <p:txBody>
-          <a:bodyPr/>
-          <a:lstStyle/>
-          <a:p>
-            <a:r>
-              <a:rPr lang="fr-FR"/>
-              <a:t>nom des élèves - nom du jeu</a:t>
-            </a:r>
-          </a:p>
-        </p:txBody>
-      </p:sp>
-      <p:sp>
-        <p:nvSpPr>
-          <p:cNvPr id="6" name="Espace réservé du numéro de diapositive 5">
-            <a:extLst>
-              <a:ext uri="{FF2B5EF4-FFF2-40B4-BE49-F238E27FC236}">
-                <a16:creationId xmlns:a16="http://schemas.microsoft.com/office/drawing/2014/main" id="{45F3F050-6F9F-4D43-9058-CF86CD8DF00E}"/>
-              </a:ext>
-            </a:extLst>
-          </p:cNvPr>
-          <p:cNvSpPr>
-            <a:spLocks noGrp="1"/>
-          </p:cNvSpPr>
-          <p:nvPr>
-            <p:ph type="sldNum" sz="quarter" idx="12"/>
-          </p:nvPr>
-        </p:nvSpPr>
-        <p:spPr/>
-        <p:txBody>
-          <a:bodyPr/>
-          <a:lstStyle/>
-          <a:p>
-            <a:fld id="{8565C1E6-8FB8-4442-BEDC-4DDD643D2FC5}" type="slidenum">
-              <a:rPr lang="fr-FR" smtClean="0"/>
-              <a:t>30</a:t>
-            </a:fld>
-            <a:endParaRPr lang="fr-FR"/>
-          </a:p>
-        </p:txBody>
-      </p:sp>
-    </p:spTree>
-    <p:extLst>
-      <p:ext uri="{BB962C8B-B14F-4D97-AF65-F5344CB8AC3E}">
-        <p14:creationId xmlns:p14="http://schemas.microsoft.com/office/powerpoint/2010/main" val="3655317770"/>
-      </p:ext>
-    </p:extLst>
-  </p:cSld>
-  <p:clrMapOvr>
-    <a:masterClrMapping/>
-  </p:clrMapOvr>
-</p:sld>
-</file>
-
-<file path=ppt/slides/slide31.xml><?xml version="1.0" encoding="utf-8"?>
+<file path=ppt/slides/slide20.xml><?xml version="1.0" encoding="utf-8"?>
 <p:sld xmlns:a="http://schemas.openxmlformats.org/drawingml/2006/main" xmlns:r="http://schemas.openxmlformats.org/officeDocument/2006/relationships" xmlns:p="http://schemas.openxmlformats.org/presentationml/2006/main">
   <p:cSld>
     <p:spTree>
@@ -24490,11 +20399,11 @@
           <a:p>
             <a:r>
               <a:rPr lang="en-US" dirty="0" err="1"/>
-              <a:t>Blitting</a:t>
+              <a:t>Bliting</a:t>
             </a:r>
             <a:r>
               <a:rPr lang="en-US" dirty="0"/>
-              <a:t> du jeu</a:t>
+              <a:t> des sprites</a:t>
             </a:r>
             <a:endParaRPr lang="fr-CH" dirty="0"/>
           </a:p>
@@ -24541,11 +20450,37 @@
           <a:p>
             <a:r>
               <a:rPr lang="en-US" dirty="0"/>
-              <a:t>Le </a:t>
-            </a:r>
+              <a:t>Le personage</a:t>
+            </a:r>
+          </a:p>
+          <a:p>
             <a:r>
               <a:rPr lang="en-US" dirty="0" err="1"/>
-              <a:t>personnage</a:t>
+              <a:t>Blit</a:t>
+            </a:r>
+            <a:r>
+              <a:rPr lang="en-US" dirty="0"/>
+              <a:t> les sprites du combat </a:t>
+            </a:r>
+            <a:r>
+              <a:rPr lang="en-US" dirty="0" err="1"/>
+              <a:t>lorsqu’un</a:t>
+            </a:r>
+            <a:r>
+              <a:rPr lang="en-US" dirty="0"/>
+              <a:t> combat </a:t>
+            </a:r>
+            <a:r>
+              <a:rPr lang="en-US" dirty="0" err="1"/>
+              <a:t>est</a:t>
+            </a:r>
+            <a:r>
+              <a:rPr lang="en-US" dirty="0"/>
+              <a:t> </a:t>
+            </a:r>
+            <a:r>
+              <a:rPr lang="en-US" dirty="0" err="1"/>
+              <a:t>lancé</a:t>
             </a:r>
             <a:endParaRPr lang="fr-CH" dirty="0"/>
           </a:p>
@@ -24574,7 +20509,7 @@
           <a:p>
             <a:fld id="{8565C1E6-8FB8-4442-BEDC-4DDD643D2FC5}" type="slidenum">
               <a:rPr lang="fr-FR" smtClean="0"/>
-              <a:t>31</a:t>
+              <a:t>20</a:t>
             </a:fld>
             <a:endParaRPr lang="fr-FR"/>
           </a:p>
@@ -24618,191 +20553,7 @@
 </p:sld>
 </file>
 
-<file path=ppt/slides/slide32.xml><?xml version="1.0" encoding="utf-8"?>
-<p:sld xmlns:a="http://schemas.openxmlformats.org/drawingml/2006/main" xmlns:r="http://schemas.openxmlformats.org/officeDocument/2006/relationships" xmlns:p="http://schemas.openxmlformats.org/presentationml/2006/main">
-  <p:cSld>
-    <p:spTree>
-      <p:nvGrpSpPr>
-        <p:cNvPr id="1" name=""/>
-        <p:cNvGrpSpPr/>
-        <p:nvPr/>
-      </p:nvGrpSpPr>
-      <p:grpSpPr>
-        <a:xfrm>
-          <a:off x="0" y="0"/>
-          <a:ext cx="0" cy="0"/>
-          <a:chOff x="0" y="0"/>
-          <a:chExt cx="0" cy="0"/>
-        </a:xfrm>
-      </p:grpSpPr>
-      <p:sp>
-        <p:nvSpPr>
-          <p:cNvPr id="2" name="Titre 1">
-            <a:extLst>
-              <a:ext uri="{FF2B5EF4-FFF2-40B4-BE49-F238E27FC236}">
-                <a16:creationId xmlns:a16="http://schemas.microsoft.com/office/drawing/2014/main" id="{761793A7-324F-0143-A3B4-809462330CED}"/>
-              </a:ext>
-            </a:extLst>
-          </p:cNvPr>
-          <p:cNvSpPr>
-            <a:spLocks noGrp="1"/>
-          </p:cNvSpPr>
-          <p:nvPr>
-            <p:ph type="title"/>
-          </p:nvPr>
-        </p:nvSpPr>
-        <p:spPr/>
-        <p:txBody>
-          <a:bodyPr/>
-          <a:lstStyle/>
-          <a:p>
-            <a:r>
-              <a:rPr lang="fr-FR" dirty="0"/>
-              <a:t>Score</a:t>
-            </a:r>
-          </a:p>
-        </p:txBody>
-      </p:sp>
-      <p:sp>
-        <p:nvSpPr>
-          <p:cNvPr id="3" name="Espace réservé du contenu 2">
-            <a:extLst>
-              <a:ext uri="{FF2B5EF4-FFF2-40B4-BE49-F238E27FC236}">
-                <a16:creationId xmlns:a16="http://schemas.microsoft.com/office/drawing/2014/main" id="{6EE13606-7CFC-0D40-A157-801009745353}"/>
-              </a:ext>
-            </a:extLst>
-          </p:cNvPr>
-          <p:cNvSpPr>
-            <a:spLocks noGrp="1"/>
-          </p:cNvSpPr>
-          <p:nvPr>
-            <p:ph idx="1"/>
-          </p:nvPr>
-        </p:nvSpPr>
-        <p:spPr/>
-        <p:txBody>
-          <a:bodyPr/>
-          <a:lstStyle/>
-          <a:p>
-            <a:r>
-              <a:rPr lang="fr-FR" dirty="0"/>
-              <a:t>Comment est calculé le score</a:t>
-            </a:r>
-          </a:p>
-          <a:p>
-            <a:r>
-              <a:rPr lang="fr-FR" dirty="0"/>
-              <a:t>Comment est-il affiché</a:t>
-            </a:r>
-          </a:p>
-          <a:p>
-            <a:r>
-              <a:rPr lang="fr-FR" dirty="0"/>
-              <a:t>Comment se termine le jeu</a:t>
-            </a:r>
-          </a:p>
-        </p:txBody>
-      </p:sp>
-      <p:sp>
-        <p:nvSpPr>
-          <p:cNvPr id="4" name="Espace réservé de la date 3">
-            <a:extLst>
-              <a:ext uri="{FF2B5EF4-FFF2-40B4-BE49-F238E27FC236}">
-                <a16:creationId xmlns:a16="http://schemas.microsoft.com/office/drawing/2014/main" id="{2A322D7C-2285-A94A-872B-355521CE9578}"/>
-              </a:ext>
-            </a:extLst>
-          </p:cNvPr>
-          <p:cNvSpPr>
-            <a:spLocks noGrp="1"/>
-          </p:cNvSpPr>
-          <p:nvPr>
-            <p:ph type="dt" sz="half" idx="10"/>
-          </p:nvPr>
-        </p:nvSpPr>
-        <p:spPr/>
-        <p:txBody>
-          <a:bodyPr/>
-          <a:lstStyle/>
-          <a:p>
-            <a:r>
-              <a:rPr lang="fr-CH"/>
-              <a:t>18/06/2021</a:t>
-            </a:r>
-            <a:endParaRPr lang="fr-FR"/>
-          </a:p>
-        </p:txBody>
-      </p:sp>
-      <p:sp>
-        <p:nvSpPr>
-          <p:cNvPr id="5" name="Espace réservé du pied de page 4">
-            <a:extLst>
-              <a:ext uri="{FF2B5EF4-FFF2-40B4-BE49-F238E27FC236}">
-                <a16:creationId xmlns:a16="http://schemas.microsoft.com/office/drawing/2014/main" id="{624F43BC-8EEE-DB46-95D7-771433C616BC}"/>
-              </a:ext>
-            </a:extLst>
-          </p:cNvPr>
-          <p:cNvSpPr>
-            <a:spLocks noGrp="1"/>
-          </p:cNvSpPr>
-          <p:nvPr>
-            <p:ph type="ftr" sz="quarter" idx="11"/>
-          </p:nvPr>
-        </p:nvSpPr>
-        <p:spPr/>
-        <p:txBody>
-          <a:bodyPr/>
-          <a:lstStyle/>
-          <a:p>
-            <a:r>
-              <a:rPr lang="fr-FR"/>
-              <a:t>nom des élèves - nom du jeu</a:t>
-            </a:r>
-          </a:p>
-        </p:txBody>
-      </p:sp>
-      <p:sp>
-        <p:nvSpPr>
-          <p:cNvPr id="6" name="Espace réservé du numéro de diapositive 5">
-            <a:extLst>
-              <a:ext uri="{FF2B5EF4-FFF2-40B4-BE49-F238E27FC236}">
-                <a16:creationId xmlns:a16="http://schemas.microsoft.com/office/drawing/2014/main" id="{5F6196CC-DD65-444D-AAFE-DED8D3A04B80}"/>
-              </a:ext>
-            </a:extLst>
-          </p:cNvPr>
-          <p:cNvSpPr>
-            <a:spLocks noGrp="1"/>
-          </p:cNvSpPr>
-          <p:nvPr>
-            <p:ph type="sldNum" sz="quarter" idx="12"/>
-          </p:nvPr>
-        </p:nvSpPr>
-        <p:spPr/>
-        <p:txBody>
-          <a:bodyPr/>
-          <a:lstStyle/>
-          <a:p>
-            <a:fld id="{8565C1E6-8FB8-4442-BEDC-4DDD643D2FC5}" type="slidenum">
-              <a:rPr lang="fr-FR" smtClean="0"/>
-              <a:t>32</a:t>
-            </a:fld>
-            <a:endParaRPr lang="fr-FR"/>
-          </a:p>
-        </p:txBody>
-      </p:sp>
-    </p:spTree>
-    <p:extLst>
-      <p:ext uri="{BB962C8B-B14F-4D97-AF65-F5344CB8AC3E}">
-        <p14:creationId xmlns:p14="http://schemas.microsoft.com/office/powerpoint/2010/main" val="4043672838"/>
-      </p:ext>
-    </p:extLst>
-  </p:cSld>
-  <p:clrMapOvr>
-    <a:masterClrMapping/>
-  </p:clrMapOvr>
-</p:sld>
-</file>
-
-<file path=ppt/slides/slide33.xml><?xml version="1.0" encoding="utf-8"?>
+<file path=ppt/slides/slide21.xml><?xml version="1.0" encoding="utf-8"?>
 <p:sld xmlns:a="http://schemas.openxmlformats.org/drawingml/2006/main" xmlns:r="http://schemas.openxmlformats.org/officeDocument/2006/relationships" xmlns:p="http://schemas.openxmlformats.org/presentationml/2006/main">
   <p:cSld>
     <p:spTree>
@@ -24907,7 +20658,7 @@
             </a:r>
             <a:r>
               <a:rPr lang="en-US" dirty="0" err="1"/>
-              <a:t>pokemon</a:t>
+              <a:t>pokémon</a:t>
             </a:r>
             <a:r>
               <a:rPr lang="en-US" dirty="0"/>
@@ -25029,7 +20780,7 @@
           <a:p>
             <a:fld id="{8565C1E6-8FB8-4442-BEDC-4DDD643D2FC5}" type="slidenum">
               <a:rPr lang="fr-FR" smtClean="0"/>
-              <a:t>33</a:t>
+              <a:t>21</a:t>
             </a:fld>
             <a:endParaRPr lang="fr-FR"/>
           </a:p>
@@ -25073,191 +20824,7 @@
 </p:sld>
 </file>
 
-<file path=ppt/slides/slide34.xml><?xml version="1.0" encoding="utf-8"?>
-<p:sld xmlns:a="http://schemas.openxmlformats.org/drawingml/2006/main" xmlns:r="http://schemas.openxmlformats.org/officeDocument/2006/relationships" xmlns:p="http://schemas.openxmlformats.org/presentationml/2006/main">
-  <p:cSld>
-    <p:spTree>
-      <p:nvGrpSpPr>
-        <p:cNvPr id="1" name=""/>
-        <p:cNvGrpSpPr/>
-        <p:nvPr/>
-      </p:nvGrpSpPr>
-      <p:grpSpPr>
-        <a:xfrm>
-          <a:off x="0" y="0"/>
-          <a:ext cx="0" cy="0"/>
-          <a:chOff x="0" y="0"/>
-          <a:chExt cx="0" cy="0"/>
-        </a:xfrm>
-      </p:grpSpPr>
-      <p:sp>
-        <p:nvSpPr>
-          <p:cNvPr id="2" name="Titre 1">
-            <a:extLst>
-              <a:ext uri="{FF2B5EF4-FFF2-40B4-BE49-F238E27FC236}">
-                <a16:creationId xmlns:a16="http://schemas.microsoft.com/office/drawing/2014/main" id="{0AEB4B52-26A3-B948-BD66-B309282174D0}"/>
-              </a:ext>
-            </a:extLst>
-          </p:cNvPr>
-          <p:cNvSpPr>
-            <a:spLocks noGrp="1"/>
-          </p:cNvSpPr>
-          <p:nvPr>
-            <p:ph type="title"/>
-          </p:nvPr>
-        </p:nvSpPr>
-        <p:spPr/>
-        <p:txBody>
-          <a:bodyPr/>
-          <a:lstStyle/>
-          <a:p>
-            <a:r>
-              <a:rPr lang="fr-FR" dirty="0"/>
-              <a:t>Conclusion</a:t>
-            </a:r>
-          </a:p>
-        </p:txBody>
-      </p:sp>
-      <p:sp>
-        <p:nvSpPr>
-          <p:cNvPr id="3" name="Espace réservé du contenu 2">
-            <a:extLst>
-              <a:ext uri="{FF2B5EF4-FFF2-40B4-BE49-F238E27FC236}">
-                <a16:creationId xmlns:a16="http://schemas.microsoft.com/office/drawing/2014/main" id="{976D8031-2111-0142-A8F6-4E96FD239497}"/>
-              </a:ext>
-            </a:extLst>
-          </p:cNvPr>
-          <p:cNvSpPr>
-            <a:spLocks noGrp="1"/>
-          </p:cNvSpPr>
-          <p:nvPr>
-            <p:ph idx="1"/>
-          </p:nvPr>
-        </p:nvSpPr>
-        <p:spPr/>
-        <p:txBody>
-          <a:bodyPr/>
-          <a:lstStyle/>
-          <a:p>
-            <a:r>
-              <a:rPr lang="fr-FR" dirty="0"/>
-              <a:t>Les forces de votre projet</a:t>
-            </a:r>
-          </a:p>
-          <a:p>
-            <a:r>
-              <a:rPr lang="fr-FR" dirty="0"/>
-              <a:t>Les faiblesses de votre projet</a:t>
-            </a:r>
-          </a:p>
-          <a:p>
-            <a:r>
-              <a:rPr lang="fr-FR" dirty="0"/>
-              <a:t>Ce que vous avez appris</a:t>
-            </a:r>
-          </a:p>
-        </p:txBody>
-      </p:sp>
-      <p:sp>
-        <p:nvSpPr>
-          <p:cNvPr id="4" name="Espace réservé de la date 3">
-            <a:extLst>
-              <a:ext uri="{FF2B5EF4-FFF2-40B4-BE49-F238E27FC236}">
-                <a16:creationId xmlns:a16="http://schemas.microsoft.com/office/drawing/2014/main" id="{5A9CE54A-EC2B-2C40-AF3A-9B7D4B56170F}"/>
-              </a:ext>
-            </a:extLst>
-          </p:cNvPr>
-          <p:cNvSpPr>
-            <a:spLocks noGrp="1"/>
-          </p:cNvSpPr>
-          <p:nvPr>
-            <p:ph type="dt" sz="half" idx="10"/>
-          </p:nvPr>
-        </p:nvSpPr>
-        <p:spPr/>
-        <p:txBody>
-          <a:bodyPr/>
-          <a:lstStyle/>
-          <a:p>
-            <a:r>
-              <a:rPr lang="fr-CH"/>
-              <a:t>18/06/2021</a:t>
-            </a:r>
-            <a:endParaRPr lang="fr-FR"/>
-          </a:p>
-        </p:txBody>
-      </p:sp>
-      <p:sp>
-        <p:nvSpPr>
-          <p:cNvPr id="5" name="Espace réservé du pied de page 4">
-            <a:extLst>
-              <a:ext uri="{FF2B5EF4-FFF2-40B4-BE49-F238E27FC236}">
-                <a16:creationId xmlns:a16="http://schemas.microsoft.com/office/drawing/2014/main" id="{14D3DFD1-AD11-6846-943E-0A6E0E9D586D}"/>
-              </a:ext>
-            </a:extLst>
-          </p:cNvPr>
-          <p:cNvSpPr>
-            <a:spLocks noGrp="1"/>
-          </p:cNvSpPr>
-          <p:nvPr>
-            <p:ph type="ftr" sz="quarter" idx="11"/>
-          </p:nvPr>
-        </p:nvSpPr>
-        <p:spPr/>
-        <p:txBody>
-          <a:bodyPr/>
-          <a:lstStyle/>
-          <a:p>
-            <a:r>
-              <a:rPr lang="fr-FR"/>
-              <a:t>nom des élèves - nom du jeu</a:t>
-            </a:r>
-          </a:p>
-        </p:txBody>
-      </p:sp>
-      <p:sp>
-        <p:nvSpPr>
-          <p:cNvPr id="6" name="Espace réservé du numéro de diapositive 5">
-            <a:extLst>
-              <a:ext uri="{FF2B5EF4-FFF2-40B4-BE49-F238E27FC236}">
-                <a16:creationId xmlns:a16="http://schemas.microsoft.com/office/drawing/2014/main" id="{546C0E99-979E-834A-98EA-1008F29E6F5F}"/>
-              </a:ext>
-            </a:extLst>
-          </p:cNvPr>
-          <p:cNvSpPr>
-            <a:spLocks noGrp="1"/>
-          </p:cNvSpPr>
-          <p:nvPr>
-            <p:ph type="sldNum" sz="quarter" idx="12"/>
-          </p:nvPr>
-        </p:nvSpPr>
-        <p:spPr/>
-        <p:txBody>
-          <a:bodyPr/>
-          <a:lstStyle/>
-          <a:p>
-            <a:fld id="{8565C1E6-8FB8-4442-BEDC-4DDD643D2FC5}" type="slidenum">
-              <a:rPr lang="fr-FR" smtClean="0"/>
-              <a:t>34</a:t>
-            </a:fld>
-            <a:endParaRPr lang="fr-FR"/>
-          </a:p>
-        </p:txBody>
-      </p:sp>
-    </p:spTree>
-    <p:extLst>
-      <p:ext uri="{BB962C8B-B14F-4D97-AF65-F5344CB8AC3E}">
-        <p14:creationId xmlns:p14="http://schemas.microsoft.com/office/powerpoint/2010/main" val="3527365754"/>
-      </p:ext>
-    </p:extLst>
-  </p:cSld>
-  <p:clrMapOvr>
-    <a:masterClrMapping/>
-  </p:clrMapOvr>
-</p:sld>
-</file>
-
-<file path=ppt/slides/slide35.xml><?xml version="1.0" encoding="utf-8"?>
+<file path=ppt/slides/slide22.xml><?xml version="1.0" encoding="utf-8"?>
 <p:sld xmlns:a="http://schemas.openxmlformats.org/drawingml/2006/main" xmlns:r="http://schemas.openxmlformats.org/officeDocument/2006/relationships" xmlns:p="http://schemas.openxmlformats.org/presentationml/2006/main">
   <p:cSld>
     <p:spTree>
@@ -25290,12 +20857,20 @@
             <p:ph type="title"/>
           </p:nvPr>
         </p:nvSpPr>
-        <p:spPr/>
+        <p:spPr>
+          <a:xfrm>
+            <a:off x="1363367" y="1266625"/>
+            <a:ext cx="9465200" cy="477200"/>
+          </a:xfrm>
+        </p:spPr>
         <p:txBody>
           <a:bodyPr/>
           <a:lstStyle/>
           <a:p>
-            <a:endParaRPr lang="fr-CH"/>
+            <a:r>
+              <a:rPr lang="fr-CH" dirty="0"/>
+              <a:t>Conclusion</a:t>
+            </a:r>
           </a:p>
         </p:txBody>
       </p:sp>
@@ -25315,12 +20890,97 @@
             <p:ph type="body" idx="1"/>
           </p:nvPr>
         </p:nvSpPr>
-        <p:spPr/>
+        <p:spPr>
+          <a:xfrm>
+            <a:off x="1363367" y="1867613"/>
+            <a:ext cx="9465200" cy="3653200"/>
+          </a:xfrm>
+        </p:spPr>
         <p:txBody>
           <a:bodyPr/>
           <a:lstStyle/>
           <a:p>
-            <a:endParaRPr lang="fr-CH"/>
+            <a:r>
+              <a:rPr lang="fr-CH" dirty="0"/>
+              <a:t>Forces :</a:t>
+            </a:r>
+          </a:p>
+          <a:p>
+            <a:pPr lvl="1"/>
+            <a:r>
+              <a:rPr lang="fr-CH" dirty="0"/>
+              <a:t>Deux phases distinctes de jeu</a:t>
+            </a:r>
+          </a:p>
+          <a:p>
+            <a:pPr lvl="1"/>
+            <a:endParaRPr lang="fr-CH" dirty="0"/>
+          </a:p>
+          <a:p>
+            <a:pPr lvl="1"/>
+            <a:r>
+              <a:rPr lang="fr-CH" dirty="0"/>
+              <a:t>Utilise le pavé directionnel ainsi que la souris</a:t>
+            </a:r>
+          </a:p>
+          <a:p>
+            <a:pPr lvl="1"/>
+            <a:endParaRPr lang="fr-CH" dirty="0"/>
+          </a:p>
+          <a:p>
+            <a:pPr lvl="1"/>
+            <a:r>
+              <a:rPr lang="fr-CH" dirty="0"/>
+              <a:t>Possibilité infinie de création de </a:t>
+            </a:r>
+            <a:r>
+              <a:rPr lang="fr-CH" dirty="0" err="1"/>
+              <a:t>pokémon</a:t>
+            </a:r>
+            <a:r>
+              <a:rPr lang="fr-CH" dirty="0"/>
+              <a:t> et attaques</a:t>
+            </a:r>
+          </a:p>
+          <a:p>
+            <a:pPr lvl="1"/>
+            <a:endParaRPr lang="fr-CH" dirty="0"/>
+          </a:p>
+          <a:p>
+            <a:pPr lvl="1"/>
+            <a:r>
+              <a:rPr lang="fr-CH" dirty="0" err="1"/>
+              <a:t>Map</a:t>
+            </a:r>
+            <a:r>
+              <a:rPr lang="fr-CH" dirty="0"/>
+              <a:t> extensible</a:t>
+            </a:r>
+          </a:p>
+          <a:p>
+            <a:pPr lvl="1"/>
+            <a:endParaRPr lang="fr-CH" dirty="0"/>
+          </a:p>
+          <a:p>
+            <a:pPr lvl="1"/>
+            <a:r>
+              <a:rPr lang="fr-CH" dirty="0"/>
+              <a:t>Combat offrant plusieurs options</a:t>
+            </a:r>
+          </a:p>
+          <a:p>
+            <a:pPr marL="101598" indent="0">
+              <a:buNone/>
+            </a:pPr>
+            <a:endParaRPr lang="fr-CH" dirty="0"/>
+          </a:p>
+          <a:p>
+            <a:pPr lvl="1"/>
+            <a:endParaRPr lang="fr-CH" dirty="0"/>
+          </a:p>
+          <a:p>
+            <a:pPr lvl="1"/>
+            <a:endParaRPr lang="fr-CH" dirty="0"/>
           </a:p>
         </p:txBody>
       </p:sp>
@@ -25347,7 +21007,7 @@
           <a:p>
             <a:fld id="{8565C1E6-8FB8-4442-BEDC-4DDD643D2FC5}" type="slidenum">
               <a:rPr lang="fr-FR" smtClean="0"/>
-              <a:t>35</a:t>
+              <a:t>22</a:t>
             </a:fld>
             <a:endParaRPr lang="fr-FR"/>
           </a:p>
@@ -25391,7 +21051,7 @@
 </p:sld>
 </file>
 
-<file path=ppt/slides/slide36.xml><?xml version="1.0" encoding="utf-8"?>
+<file path=ppt/slides/slide23.xml><?xml version="1.0" encoding="utf-8"?>
 <p:sld xmlns:a="http://schemas.openxmlformats.org/drawingml/2006/main" xmlns:r="http://schemas.openxmlformats.org/officeDocument/2006/relationships" xmlns:p="http://schemas.openxmlformats.org/presentationml/2006/main">
   <p:cSld>
     <p:spTree>
@@ -25413,7 +21073,7 @@
           <p:cNvPr id="2" name="Titre 1">
             <a:extLst>
               <a:ext uri="{FF2B5EF4-FFF2-40B4-BE49-F238E27FC236}">
-                <a16:creationId xmlns:a16="http://schemas.microsoft.com/office/drawing/2014/main" id="{A7161967-913A-CE43-9AC7-9F0A3740DB7F}"/>
+                <a16:creationId xmlns:a16="http://schemas.microsoft.com/office/drawing/2014/main" id="{C018411F-5CBC-4C92-9FEF-6EA4279D9481}"/>
               </a:ext>
             </a:extLst>
           </p:cNvPr>
@@ -25430,18 +21090,18 @@
           <a:lstStyle/>
           <a:p>
             <a:r>
-              <a:rPr lang="fr-FR" dirty="0"/>
-              <a:t>Démonstration</a:t>
+              <a:rPr lang="fr-CH" dirty="0"/>
+              <a:t>Conclusion</a:t>
             </a:r>
           </a:p>
         </p:txBody>
       </p:sp>
       <p:sp>
         <p:nvSpPr>
-          <p:cNvPr id="3" name="Espace réservé du contenu 2">
+          <p:cNvPr id="3" name="Espace réservé du texte 2">
             <a:extLst>
               <a:ext uri="{FF2B5EF4-FFF2-40B4-BE49-F238E27FC236}">
-                <a16:creationId xmlns:a16="http://schemas.microsoft.com/office/drawing/2014/main" id="{9049641B-0544-1F4A-B56C-63D7378958AE}"/>
+                <a16:creationId xmlns:a16="http://schemas.microsoft.com/office/drawing/2014/main" id="{D14DAEB0-914F-440F-A934-4A39C94AF0B3}"/>
               </a:ext>
             </a:extLst>
           </p:cNvPr>
@@ -25449,7 +21109,7 @@
             <a:spLocks noGrp="1"/>
           </p:cNvSpPr>
           <p:nvPr>
-            <p:ph idx="1"/>
+            <p:ph type="body" idx="1"/>
           </p:nvPr>
         </p:nvSpPr>
         <p:spPr/>
@@ -25458,18 +21118,58 @@
           <a:lstStyle/>
           <a:p>
             <a:r>
-              <a:rPr lang="fr-FR" dirty="0"/>
-              <a:t>Faites une démonstration de votre jeu</a:t>
+              <a:rPr lang="fr-CH" dirty="0"/>
+              <a:t>Faiblesses :</a:t>
+            </a:r>
+          </a:p>
+          <a:p>
+            <a:pPr lvl="1"/>
+            <a:r>
+              <a:rPr lang="fr-CH" dirty="0"/>
+              <a:t>Manque de texte à l’écran</a:t>
+            </a:r>
+          </a:p>
+          <a:p>
+            <a:pPr lvl="1"/>
+            <a:endParaRPr lang="fr-CH" dirty="0"/>
+          </a:p>
+          <a:p>
+            <a:pPr lvl="1"/>
+            <a:r>
+              <a:rPr lang="fr-CH" dirty="0"/>
+              <a:t>Code pas optimisé</a:t>
+            </a:r>
+          </a:p>
+          <a:p>
+            <a:pPr lvl="1"/>
+            <a:endParaRPr lang="fr-CH" dirty="0"/>
+          </a:p>
+          <a:p>
+            <a:pPr lvl="1"/>
+            <a:r>
+              <a:rPr lang="fr-CH" dirty="0"/>
+              <a:t>Lag</a:t>
+            </a:r>
+          </a:p>
+          <a:p>
+            <a:pPr lvl="1"/>
+            <a:endParaRPr lang="fr-CH" dirty="0"/>
+          </a:p>
+          <a:p>
+            <a:pPr lvl="1"/>
+            <a:r>
+              <a:rPr lang="fr-CH" dirty="0"/>
+              <a:t>Pas fonctionnel à 100%</a:t>
             </a:r>
           </a:p>
         </p:txBody>
       </p:sp>
       <p:sp>
         <p:nvSpPr>
-          <p:cNvPr id="4" name="Espace réservé de la date 3">
+          <p:cNvPr id="4" name="Espace réservé du numéro de diapositive 3">
             <a:extLst>
               <a:ext uri="{FF2B5EF4-FFF2-40B4-BE49-F238E27FC236}">
-                <a16:creationId xmlns:a16="http://schemas.microsoft.com/office/drawing/2014/main" id="{352B2156-317D-6944-9B33-FE7239F093CB}"/>
+                <a16:creationId xmlns:a16="http://schemas.microsoft.com/office/drawing/2014/main" id="{89DA5508-4173-40A8-AD52-63F0DE0371EC}"/>
               </a:ext>
             </a:extLst>
           </p:cNvPr>
@@ -25477,64 +21177,7 @@
             <a:spLocks noGrp="1"/>
           </p:cNvSpPr>
           <p:nvPr>
-            <p:ph type="dt" sz="half" idx="10"/>
-          </p:nvPr>
-        </p:nvSpPr>
-        <p:spPr/>
-        <p:txBody>
-          <a:bodyPr/>
-          <a:lstStyle/>
-          <a:p>
-            <a:r>
-              <a:rPr lang="fr-CH"/>
-              <a:t>18/06/2021</a:t>
-            </a:r>
-            <a:endParaRPr lang="fr-FR"/>
-          </a:p>
-        </p:txBody>
-      </p:sp>
-      <p:sp>
-        <p:nvSpPr>
-          <p:cNvPr id="5" name="Espace réservé du pied de page 4">
-            <a:extLst>
-              <a:ext uri="{FF2B5EF4-FFF2-40B4-BE49-F238E27FC236}">
-                <a16:creationId xmlns:a16="http://schemas.microsoft.com/office/drawing/2014/main" id="{ECA31ECD-A7B5-9B45-A220-A54CF25D6472}"/>
-              </a:ext>
-            </a:extLst>
-          </p:cNvPr>
-          <p:cNvSpPr>
-            <a:spLocks noGrp="1"/>
-          </p:cNvSpPr>
-          <p:nvPr>
-            <p:ph type="ftr" sz="quarter" idx="11"/>
-          </p:nvPr>
-        </p:nvSpPr>
-        <p:spPr/>
-        <p:txBody>
-          <a:bodyPr/>
-          <a:lstStyle/>
-          <a:p>
-            <a:r>
-              <a:rPr lang="fr-FR"/>
-              <a:t>nom des élèves - nom du jeu</a:t>
-            </a:r>
-          </a:p>
-        </p:txBody>
-      </p:sp>
-      <p:sp>
-        <p:nvSpPr>
-          <p:cNvPr id="6" name="Espace réservé du numéro de diapositive 5">
-            <a:extLst>
-              <a:ext uri="{FF2B5EF4-FFF2-40B4-BE49-F238E27FC236}">
-                <a16:creationId xmlns:a16="http://schemas.microsoft.com/office/drawing/2014/main" id="{B4944AC8-0F56-2A4B-8039-B037138330F2}"/>
-              </a:ext>
-            </a:extLst>
-          </p:cNvPr>
-          <p:cNvSpPr>
-            <a:spLocks noGrp="1"/>
-          </p:cNvSpPr>
-          <p:nvPr>
-            <p:ph type="sldNum" sz="quarter" idx="12"/>
+            <p:ph type="sldNum" idx="12"/>
           </p:nvPr>
         </p:nvSpPr>
         <p:spPr/>
@@ -25544,16 +21187,531 @@
           <a:p>
             <a:fld id="{8565C1E6-8FB8-4442-BEDC-4DDD643D2FC5}" type="slidenum">
               <a:rPr lang="fr-FR" smtClean="0"/>
-              <a:t>36</a:t>
+              <a:t>23</a:t>
             </a:fld>
             <a:endParaRPr lang="fr-FR"/>
+          </a:p>
+        </p:txBody>
+      </p:sp>
+      <p:sp>
+        <p:nvSpPr>
+          <p:cNvPr id="5" name="Espace réservé du contenu 4">
+            <a:extLst>
+              <a:ext uri="{FF2B5EF4-FFF2-40B4-BE49-F238E27FC236}">
+                <a16:creationId xmlns:a16="http://schemas.microsoft.com/office/drawing/2014/main" id="{860F68B6-40DD-4891-AC72-3ADC535AE864}"/>
+              </a:ext>
+            </a:extLst>
+          </p:cNvPr>
+          <p:cNvSpPr>
+            <a:spLocks noGrp="1"/>
+          </p:cNvSpPr>
+          <p:nvPr>
+            <p:ph sz="quarter" idx="13"/>
+          </p:nvPr>
+        </p:nvSpPr>
+        <p:spPr/>
+        <p:txBody>
+          <a:bodyPr/>
+          <a:lstStyle/>
+          <a:p>
+            <a:endParaRPr lang="fr-CH"/>
           </a:p>
         </p:txBody>
       </p:sp>
     </p:spTree>
     <p:extLst>
       <p:ext uri="{BB962C8B-B14F-4D97-AF65-F5344CB8AC3E}">
-        <p14:creationId xmlns:p14="http://schemas.microsoft.com/office/powerpoint/2010/main" val="3909723806"/>
+        <p14:creationId xmlns:p14="http://schemas.microsoft.com/office/powerpoint/2010/main" val="326561208"/>
+      </p:ext>
+    </p:extLst>
+  </p:cSld>
+  <p:clrMapOvr>
+    <a:masterClrMapping/>
+  </p:clrMapOvr>
+</p:sld>
+</file>
+
+<file path=ppt/slides/slide24.xml><?xml version="1.0" encoding="utf-8"?>
+<p:sld xmlns:a="http://schemas.openxmlformats.org/drawingml/2006/main" xmlns:r="http://schemas.openxmlformats.org/officeDocument/2006/relationships" xmlns:p="http://schemas.openxmlformats.org/presentationml/2006/main">
+  <p:cSld>
+    <p:spTree>
+      <p:nvGrpSpPr>
+        <p:cNvPr id="1" name=""/>
+        <p:cNvGrpSpPr/>
+        <p:nvPr/>
+      </p:nvGrpSpPr>
+      <p:grpSpPr>
+        <a:xfrm>
+          <a:off x="0" y="0"/>
+          <a:ext cx="0" cy="0"/>
+          <a:chOff x="0" y="0"/>
+          <a:chExt cx="0" cy="0"/>
+        </a:xfrm>
+      </p:grpSpPr>
+      <p:sp>
+        <p:nvSpPr>
+          <p:cNvPr id="2" name="Titre 1">
+            <a:extLst>
+              <a:ext uri="{FF2B5EF4-FFF2-40B4-BE49-F238E27FC236}">
+                <a16:creationId xmlns:a16="http://schemas.microsoft.com/office/drawing/2014/main" id="{3C41D17C-6371-4A00-B11F-6954D4158D08}"/>
+              </a:ext>
+            </a:extLst>
+          </p:cNvPr>
+          <p:cNvSpPr>
+            <a:spLocks noGrp="1"/>
+          </p:cNvSpPr>
+          <p:nvPr>
+            <p:ph type="title"/>
+          </p:nvPr>
+        </p:nvSpPr>
+        <p:spPr>
+          <a:xfrm>
+            <a:off x="1363367" y="1241426"/>
+            <a:ext cx="9465200" cy="477200"/>
+          </a:xfrm>
+        </p:spPr>
+        <p:txBody>
+          <a:bodyPr/>
+          <a:lstStyle/>
+          <a:p>
+            <a:r>
+              <a:rPr lang="fr-CH" dirty="0"/>
+              <a:t>Conclusion</a:t>
+            </a:r>
+          </a:p>
+        </p:txBody>
+      </p:sp>
+      <p:sp>
+        <p:nvSpPr>
+          <p:cNvPr id="3" name="Espace réservé du texte 2">
+            <a:extLst>
+              <a:ext uri="{FF2B5EF4-FFF2-40B4-BE49-F238E27FC236}">
+                <a16:creationId xmlns:a16="http://schemas.microsoft.com/office/drawing/2014/main" id="{4332F035-2DE9-4457-A76C-FCF9C38FCB7D}"/>
+              </a:ext>
+            </a:extLst>
+          </p:cNvPr>
+          <p:cNvSpPr>
+            <a:spLocks noGrp="1"/>
+          </p:cNvSpPr>
+          <p:nvPr>
+            <p:ph type="body" idx="1"/>
+          </p:nvPr>
+        </p:nvSpPr>
+        <p:spPr/>
+        <p:txBody>
+          <a:bodyPr/>
+          <a:lstStyle/>
+          <a:p>
+            <a:r>
+              <a:rPr lang="fr-CH" dirty="0"/>
+              <a:t>Appris :</a:t>
+            </a:r>
+          </a:p>
+          <a:p>
+            <a:pPr lvl="1"/>
+            <a:r>
+              <a:rPr lang="fr-CH" dirty="0"/>
+              <a:t>Utilisation de </a:t>
+            </a:r>
+            <a:r>
+              <a:rPr lang="fr-CH" dirty="0" err="1"/>
+              <a:t>pygame</a:t>
+            </a:r>
+            <a:endParaRPr lang="fr-CH" dirty="0"/>
+          </a:p>
+          <a:p>
+            <a:pPr lvl="2"/>
+            <a:r>
+              <a:rPr lang="fr-CH" dirty="0"/>
+              <a:t>Utilisation des </a:t>
+            </a:r>
+            <a:r>
+              <a:rPr lang="fr-CH" dirty="0" err="1"/>
+              <a:t>mask</a:t>
+            </a:r>
+            <a:r>
+              <a:rPr lang="fr-CH" dirty="0"/>
+              <a:t>, </a:t>
+            </a:r>
+            <a:r>
+              <a:rPr lang="fr-CH" dirty="0" err="1"/>
+              <a:t>rect</a:t>
+            </a:r>
+            <a:endParaRPr lang="fr-CH" dirty="0"/>
+          </a:p>
+          <a:p>
+            <a:pPr lvl="2"/>
+            <a:r>
+              <a:rPr lang="fr-CH" dirty="0"/>
+              <a:t>Utilisation de mixer</a:t>
+            </a:r>
+          </a:p>
+          <a:p>
+            <a:pPr marL="1320767" lvl="2" indent="0">
+              <a:buNone/>
+            </a:pPr>
+            <a:endParaRPr lang="fr-CH" dirty="0"/>
+          </a:p>
+          <a:p>
+            <a:pPr lvl="1"/>
+            <a:r>
+              <a:rPr lang="fr-CH" dirty="0"/>
+              <a:t>Utilisation des classes</a:t>
+            </a:r>
+          </a:p>
+          <a:p>
+            <a:pPr lvl="1"/>
+            <a:endParaRPr lang="fr-CH" dirty="0"/>
+          </a:p>
+          <a:p>
+            <a:pPr lvl="1"/>
+            <a:r>
+              <a:rPr lang="fr-CH" dirty="0"/>
+              <a:t>Subtilité de python (p.ex. méthode </a:t>
+            </a:r>
+            <a:r>
+              <a:rPr lang="fr-CH" dirty="0" err="1"/>
+              <a:t>isinstance</a:t>
+            </a:r>
+            <a:r>
+              <a:rPr lang="fr-CH" dirty="0"/>
+              <a:t>)</a:t>
+            </a:r>
+          </a:p>
+          <a:p>
+            <a:pPr lvl="1"/>
+            <a:endParaRPr lang="fr-CH" dirty="0"/>
+          </a:p>
+        </p:txBody>
+      </p:sp>
+      <p:sp>
+        <p:nvSpPr>
+          <p:cNvPr id="4" name="Espace réservé du numéro de diapositive 3">
+            <a:extLst>
+              <a:ext uri="{FF2B5EF4-FFF2-40B4-BE49-F238E27FC236}">
+                <a16:creationId xmlns:a16="http://schemas.microsoft.com/office/drawing/2014/main" id="{3A4CBBEC-9AB2-432A-945B-6EAAD51CAAC4}"/>
+              </a:ext>
+            </a:extLst>
+          </p:cNvPr>
+          <p:cNvSpPr>
+            <a:spLocks noGrp="1"/>
+          </p:cNvSpPr>
+          <p:nvPr>
+            <p:ph type="sldNum" idx="12"/>
+          </p:nvPr>
+        </p:nvSpPr>
+        <p:spPr/>
+        <p:txBody>
+          <a:bodyPr/>
+          <a:lstStyle/>
+          <a:p>
+            <a:fld id="{8565C1E6-8FB8-4442-BEDC-4DDD643D2FC5}" type="slidenum">
+              <a:rPr lang="fr-FR" smtClean="0"/>
+              <a:t>24</a:t>
+            </a:fld>
+            <a:endParaRPr lang="fr-FR"/>
+          </a:p>
+        </p:txBody>
+      </p:sp>
+      <p:sp>
+        <p:nvSpPr>
+          <p:cNvPr id="5" name="Espace réservé du contenu 4">
+            <a:extLst>
+              <a:ext uri="{FF2B5EF4-FFF2-40B4-BE49-F238E27FC236}">
+                <a16:creationId xmlns:a16="http://schemas.microsoft.com/office/drawing/2014/main" id="{F70775E4-B48F-4E90-AEB4-D48DF45B9BE1}"/>
+              </a:ext>
+            </a:extLst>
+          </p:cNvPr>
+          <p:cNvSpPr>
+            <a:spLocks noGrp="1"/>
+          </p:cNvSpPr>
+          <p:nvPr>
+            <p:ph sz="quarter" idx="13"/>
+          </p:nvPr>
+        </p:nvSpPr>
+        <p:spPr/>
+        <p:txBody>
+          <a:bodyPr/>
+          <a:lstStyle/>
+          <a:p>
+            <a:endParaRPr lang="fr-CH"/>
+          </a:p>
+        </p:txBody>
+      </p:sp>
+    </p:spTree>
+    <p:extLst>
+      <p:ext uri="{BB962C8B-B14F-4D97-AF65-F5344CB8AC3E}">
+        <p14:creationId xmlns:p14="http://schemas.microsoft.com/office/powerpoint/2010/main" val="440648700"/>
+      </p:ext>
+    </p:extLst>
+  </p:cSld>
+  <p:clrMapOvr>
+    <a:masterClrMapping/>
+  </p:clrMapOvr>
+</p:sld>
+</file>
+
+<file path=ppt/slides/slide25.xml><?xml version="1.0" encoding="utf-8"?>
+<p:sld xmlns:a="http://schemas.openxmlformats.org/drawingml/2006/main" xmlns:r="http://schemas.openxmlformats.org/officeDocument/2006/relationships" xmlns:p="http://schemas.openxmlformats.org/presentationml/2006/main">
+  <p:cSld>
+    <p:spTree>
+      <p:nvGrpSpPr>
+        <p:cNvPr id="1" name=""/>
+        <p:cNvGrpSpPr/>
+        <p:nvPr/>
+      </p:nvGrpSpPr>
+      <p:grpSpPr>
+        <a:xfrm>
+          <a:off x="0" y="0"/>
+          <a:ext cx="0" cy="0"/>
+          <a:chOff x="0" y="0"/>
+          <a:chExt cx="0" cy="0"/>
+        </a:xfrm>
+      </p:grpSpPr>
+      <p:sp>
+        <p:nvSpPr>
+          <p:cNvPr id="2" name="Titre 1">
+            <a:extLst>
+              <a:ext uri="{FF2B5EF4-FFF2-40B4-BE49-F238E27FC236}">
+                <a16:creationId xmlns:a16="http://schemas.microsoft.com/office/drawing/2014/main" id="{4A2F86CC-4921-4D80-A7AB-486E85D0BB46}"/>
+              </a:ext>
+            </a:extLst>
+          </p:cNvPr>
+          <p:cNvSpPr>
+            <a:spLocks noGrp="1"/>
+          </p:cNvSpPr>
+          <p:nvPr>
+            <p:ph type="ctrTitle"/>
+          </p:nvPr>
+        </p:nvSpPr>
+        <p:spPr/>
+        <p:txBody>
+          <a:bodyPr/>
+          <a:lstStyle/>
+          <a:p>
+            <a:r>
+              <a:rPr lang="fr-CH" dirty="0"/>
+              <a:t>Démonstration</a:t>
+            </a:r>
+          </a:p>
+        </p:txBody>
+      </p:sp>
+    </p:spTree>
+    <p:extLst>
+      <p:ext uri="{BB962C8B-B14F-4D97-AF65-F5344CB8AC3E}">
+        <p14:creationId xmlns:p14="http://schemas.microsoft.com/office/powerpoint/2010/main" val="509641371"/>
+      </p:ext>
+    </p:extLst>
+  </p:cSld>
+  <p:clrMapOvr>
+    <a:masterClrMapping/>
+  </p:clrMapOvr>
+</p:sld>
+</file>
+
+<file path=ppt/slides/slide3.xml><?xml version="1.0" encoding="utf-8"?>
+<p:sld xmlns:a="http://schemas.openxmlformats.org/drawingml/2006/main" xmlns:r="http://schemas.openxmlformats.org/officeDocument/2006/relationships" xmlns:p="http://schemas.openxmlformats.org/presentationml/2006/main">
+  <p:cSld>
+    <p:spTree>
+      <p:nvGrpSpPr>
+        <p:cNvPr id="1" name=""/>
+        <p:cNvGrpSpPr/>
+        <p:nvPr/>
+      </p:nvGrpSpPr>
+      <p:grpSpPr>
+        <a:xfrm>
+          <a:off x="0" y="0"/>
+          <a:ext cx="0" cy="0"/>
+          <a:chOff x="0" y="0"/>
+          <a:chExt cx="0" cy="0"/>
+        </a:xfrm>
+      </p:grpSpPr>
+      <p:sp>
+        <p:nvSpPr>
+          <p:cNvPr id="2" name="Titre 1">
+            <a:extLst>
+              <a:ext uri="{FF2B5EF4-FFF2-40B4-BE49-F238E27FC236}">
+                <a16:creationId xmlns:a16="http://schemas.microsoft.com/office/drawing/2014/main" id="{81CF8AF6-57FC-4DEA-98FA-B348CB382496}"/>
+              </a:ext>
+            </a:extLst>
+          </p:cNvPr>
+          <p:cNvSpPr>
+            <a:spLocks noGrp="1"/>
+          </p:cNvSpPr>
+          <p:nvPr>
+            <p:ph type="title"/>
+          </p:nvPr>
+        </p:nvSpPr>
+        <p:spPr/>
+        <p:txBody>
+          <a:bodyPr/>
+          <a:lstStyle/>
+          <a:p>
+            <a:r>
+              <a:rPr lang="fr-CH" sz="4000" dirty="0"/>
+              <a:t>Sources, aides, inspirations</a:t>
+            </a:r>
+          </a:p>
+        </p:txBody>
+      </p:sp>
+      <p:sp>
+        <p:nvSpPr>
+          <p:cNvPr id="3" name="Espace réservé du texte 2">
+            <a:extLst>
+              <a:ext uri="{FF2B5EF4-FFF2-40B4-BE49-F238E27FC236}">
+                <a16:creationId xmlns:a16="http://schemas.microsoft.com/office/drawing/2014/main" id="{B4C4BE0E-943A-41C1-9C0A-910D4F9A27D8}"/>
+              </a:ext>
+            </a:extLst>
+          </p:cNvPr>
+          <p:cNvSpPr>
+            <a:spLocks noGrp="1"/>
+          </p:cNvSpPr>
+          <p:nvPr>
+            <p:ph type="body" idx="1"/>
+          </p:nvPr>
+        </p:nvSpPr>
+        <p:spPr>
+          <a:xfrm>
+            <a:off x="1363367" y="1885393"/>
+            <a:ext cx="9465200" cy="3653200"/>
+          </a:xfrm>
+        </p:spPr>
+        <p:txBody>
+          <a:bodyPr/>
+          <a:lstStyle/>
+          <a:p>
+            <a:r>
+              <a:rPr lang="fr-CH" dirty="0"/>
+              <a:t>Version simplifiée du jeu Pokémon</a:t>
+            </a:r>
+          </a:p>
+          <a:p>
+            <a:r>
+              <a:rPr lang="fr-CH" dirty="0"/>
+              <a:t>Satoshi </a:t>
+            </a:r>
+            <a:r>
+              <a:rPr lang="fr-CH" dirty="0" err="1"/>
+              <a:t>Tajiri</a:t>
+            </a:r>
+            <a:r>
+              <a:rPr lang="fr-CH" dirty="0"/>
+              <a:t> en 1996</a:t>
+            </a:r>
+          </a:p>
+          <a:p>
+            <a:r>
+              <a:rPr lang="fr-CH" dirty="0"/>
+              <a:t>Jeu vidéo, manga, animé, jeux de cartes à collectionner</a:t>
+            </a:r>
+          </a:p>
+          <a:p>
+            <a:r>
+              <a:rPr lang="fr-CH" dirty="0">
+                <a:hlinkClick r:id="rId2"/>
+              </a:rPr>
+              <a:t>https://fr.wikipedia.org/wiki/Pok%C3%A9mon</a:t>
+            </a:r>
+            <a:endParaRPr lang="fr-CH" dirty="0"/>
+          </a:p>
+          <a:p>
+            <a:r>
+              <a:rPr lang="fr-CH" dirty="0">
+                <a:hlinkClick r:id="rId3"/>
+              </a:rPr>
+              <a:t>https://www.pokemon.com/fr/</a:t>
+            </a:r>
+            <a:endParaRPr lang="fr-CH" dirty="0"/>
+          </a:p>
+          <a:p>
+            <a:r>
+              <a:rPr lang="fr-CH" dirty="0">
+                <a:hlinkClick r:id="rId4"/>
+              </a:rPr>
+              <a:t>https://docs.python.org/3/tutorial/index.html</a:t>
+            </a:r>
+            <a:endParaRPr lang="fr-CH" dirty="0"/>
+          </a:p>
+          <a:p>
+            <a:r>
+              <a:rPr lang="fr-CH" dirty="0">
+                <a:hlinkClick r:id="rId5"/>
+              </a:rPr>
+              <a:t>https://www.pygame.org/docs/</a:t>
+            </a:r>
+            <a:endParaRPr lang="fr-CH" dirty="0"/>
+          </a:p>
+          <a:p>
+            <a:r>
+              <a:rPr lang="fr-CH" dirty="0"/>
+              <a:t>https://stackoverflow.com/</a:t>
+            </a:r>
+          </a:p>
+        </p:txBody>
+      </p:sp>
+      <p:sp>
+        <p:nvSpPr>
+          <p:cNvPr id="4" name="Espace réservé du numéro de diapositive 3">
+            <a:extLst>
+              <a:ext uri="{FF2B5EF4-FFF2-40B4-BE49-F238E27FC236}">
+                <a16:creationId xmlns:a16="http://schemas.microsoft.com/office/drawing/2014/main" id="{95EF18BA-7193-4E53-9D38-4D838CE36AC2}"/>
+              </a:ext>
+            </a:extLst>
+          </p:cNvPr>
+          <p:cNvSpPr>
+            <a:spLocks noGrp="1"/>
+          </p:cNvSpPr>
+          <p:nvPr>
+            <p:ph type="sldNum" idx="12"/>
+          </p:nvPr>
+        </p:nvSpPr>
+        <p:spPr/>
+        <p:txBody>
+          <a:bodyPr/>
+          <a:lstStyle/>
+          <a:p>
+            <a:fld id="{8565C1E6-8FB8-4442-BEDC-4DDD643D2FC5}" type="slidenum">
+              <a:rPr lang="fr-FR" smtClean="0"/>
+              <a:t>3</a:t>
+            </a:fld>
+            <a:endParaRPr lang="fr-FR"/>
+          </a:p>
+        </p:txBody>
+      </p:sp>
+      <p:sp>
+        <p:nvSpPr>
+          <p:cNvPr id="6" name="Espace réservé du contenu 4">
+            <a:extLst>
+              <a:ext uri="{FF2B5EF4-FFF2-40B4-BE49-F238E27FC236}">
+                <a16:creationId xmlns:a16="http://schemas.microsoft.com/office/drawing/2014/main" id="{5361C5EF-1008-4C8D-AFD2-B3194586ED23}"/>
+              </a:ext>
+            </a:extLst>
+          </p:cNvPr>
+          <p:cNvSpPr>
+            <a:spLocks noGrp="1"/>
+          </p:cNvSpPr>
+          <p:nvPr>
+            <p:ph sz="quarter" idx="13"/>
+          </p:nvPr>
+        </p:nvSpPr>
+        <p:spPr>
+          <a:xfrm>
+            <a:off x="4186752" y="5883201"/>
+            <a:ext cx="3818429" cy="280988"/>
+          </a:xfrm>
+        </p:spPr>
+        <p:txBody>
+          <a:bodyPr/>
+          <a:lstStyle/>
+          <a:p>
+            <a:endParaRPr lang="fr-CH" dirty="0"/>
+          </a:p>
+        </p:txBody>
+      </p:sp>
+    </p:spTree>
+    <p:extLst>
+      <p:ext uri="{BB962C8B-B14F-4D97-AF65-F5344CB8AC3E}">
+        <p14:creationId xmlns:p14="http://schemas.microsoft.com/office/powerpoint/2010/main" val="3014422926"/>
       </p:ext>
     </p:extLst>
   </p:cSld>
@@ -25713,7 +21871,7 @@
           <a:bodyPr/>
           <a:lstStyle/>
           <a:p>
-            <a:endParaRPr lang="fr-CH"/>
+            <a:endParaRPr lang="fr-CH" dirty="0"/>
           </a:p>
         </p:txBody>
       </p:sp>
@@ -25731,243 +21889,6 @@
 </file>
 
 <file path=ppt/slides/slide5.xml><?xml version="1.0" encoding="utf-8"?>
-<p:sld xmlns:a="http://schemas.openxmlformats.org/drawingml/2006/main" xmlns:r="http://schemas.openxmlformats.org/officeDocument/2006/relationships" xmlns:p="http://schemas.openxmlformats.org/presentationml/2006/main">
-  <p:cSld>
-    <p:spTree>
-      <p:nvGrpSpPr>
-        <p:cNvPr id="1" name=""/>
-        <p:cNvGrpSpPr/>
-        <p:nvPr/>
-      </p:nvGrpSpPr>
-      <p:grpSpPr>
-        <a:xfrm>
-          <a:off x="0" y="0"/>
-          <a:ext cx="0" cy="0"/>
-          <a:chOff x="0" y="0"/>
-          <a:chExt cx="0" cy="0"/>
-        </a:xfrm>
-      </p:grpSpPr>
-      <p:sp>
-        <p:nvSpPr>
-          <p:cNvPr id="2" name="Titre 1">
-            <a:extLst>
-              <a:ext uri="{FF2B5EF4-FFF2-40B4-BE49-F238E27FC236}">
-                <a16:creationId xmlns:a16="http://schemas.microsoft.com/office/drawing/2014/main" id="{9C1CA717-0FFD-6449-9F36-230399539E2E}"/>
-              </a:ext>
-            </a:extLst>
-          </p:cNvPr>
-          <p:cNvSpPr>
-            <a:spLocks noGrp="1"/>
-          </p:cNvSpPr>
-          <p:nvPr>
-            <p:ph type="title"/>
-          </p:nvPr>
-        </p:nvSpPr>
-        <p:spPr/>
-        <p:txBody>
-          <a:bodyPr/>
-          <a:lstStyle/>
-          <a:p>
-            <a:r>
-              <a:rPr lang="fr-FR" dirty="0"/>
-              <a:t>Statistiques</a:t>
-            </a:r>
-          </a:p>
-        </p:txBody>
-      </p:sp>
-      <p:sp>
-        <p:nvSpPr>
-          <p:cNvPr id="3" name="Espace réservé du contenu 2">
-            <a:extLst>
-              <a:ext uri="{FF2B5EF4-FFF2-40B4-BE49-F238E27FC236}">
-                <a16:creationId xmlns:a16="http://schemas.microsoft.com/office/drawing/2014/main" id="{20BCDC61-368F-2E49-A89E-F22BD6006CA0}"/>
-              </a:ext>
-            </a:extLst>
-          </p:cNvPr>
-          <p:cNvSpPr>
-            <a:spLocks noGrp="1"/>
-          </p:cNvSpPr>
-          <p:nvPr>
-            <p:ph idx="1"/>
-          </p:nvPr>
-        </p:nvSpPr>
-        <p:spPr/>
-        <p:txBody>
-          <a:bodyPr>
-            <a:normAutofit fontScale="92500" lnSpcReduction="10000"/>
-          </a:bodyPr>
-          <a:lstStyle/>
-          <a:p>
-            <a:r>
-              <a:rPr lang="fr-FR" dirty="0"/>
-              <a:t>Nombre de fichiers code</a:t>
-            </a:r>
-          </a:p>
-          <a:p>
-            <a:r>
-              <a:rPr lang="fr-FR" dirty="0"/>
-              <a:t>Nombre de lignes de code</a:t>
-            </a:r>
-          </a:p>
-          <a:p>
-            <a:r>
-              <a:rPr lang="fr-FR" dirty="0"/>
-              <a:t>Nombre de commit sur GitHub</a:t>
-            </a:r>
-          </a:p>
-          <a:p>
-            <a:r>
-              <a:rPr lang="fr-FR" dirty="0"/>
-              <a:t>Nombre d’heures passé au projet</a:t>
-            </a:r>
-          </a:p>
-          <a:p>
-            <a:r>
-              <a:rPr lang="fr-FR" dirty="0"/>
-              <a:t>Répartition entre les 2 partenaires</a:t>
-            </a:r>
-          </a:p>
-          <a:p>
-            <a:r>
-              <a:rPr lang="fr-FR" dirty="0"/>
-              <a:t>Nombre de classes définis</a:t>
-            </a:r>
-          </a:p>
-          <a:p>
-            <a:r>
-              <a:rPr lang="fr-FR" dirty="0"/>
-              <a:t>Fichiers ressources</a:t>
-            </a:r>
-          </a:p>
-          <a:p>
-            <a:pPr lvl="1"/>
-            <a:r>
-              <a:rPr lang="fr-FR" dirty="0"/>
-              <a:t>images</a:t>
-            </a:r>
-          </a:p>
-          <a:p>
-            <a:pPr lvl="1"/>
-            <a:r>
-              <a:rPr lang="fr-FR" dirty="0"/>
-              <a:t>son</a:t>
-            </a:r>
-          </a:p>
-          <a:p>
-            <a:pPr lvl="1"/>
-            <a:r>
-              <a:rPr lang="fr-FR" dirty="0"/>
-              <a:t>police</a:t>
-            </a:r>
-          </a:p>
-          <a:p>
-            <a:pPr marL="0" indent="0">
-              <a:buNone/>
-            </a:pPr>
-            <a:endParaRPr lang="fr-FR" dirty="0"/>
-          </a:p>
-        </p:txBody>
-      </p:sp>
-      <p:sp>
-        <p:nvSpPr>
-          <p:cNvPr id="4" name="Espace réservé de la date 3">
-            <a:extLst>
-              <a:ext uri="{FF2B5EF4-FFF2-40B4-BE49-F238E27FC236}">
-                <a16:creationId xmlns:a16="http://schemas.microsoft.com/office/drawing/2014/main" id="{6B7C9E8B-E172-3D4E-8163-77BBDDE5603D}"/>
-              </a:ext>
-            </a:extLst>
-          </p:cNvPr>
-          <p:cNvSpPr>
-            <a:spLocks noGrp="1"/>
-          </p:cNvSpPr>
-          <p:nvPr>
-            <p:ph type="dt" sz="half" idx="10"/>
-          </p:nvPr>
-        </p:nvSpPr>
-        <p:spPr/>
-        <p:txBody>
-          <a:bodyPr/>
-          <a:lstStyle/>
-          <a:p>
-            <a:r>
-              <a:rPr lang="fr-CH"/>
-              <a:t>18/06/2021</a:t>
-            </a:r>
-            <a:endParaRPr lang="fr-FR"/>
-          </a:p>
-        </p:txBody>
-      </p:sp>
-      <p:sp>
-        <p:nvSpPr>
-          <p:cNvPr id="5" name="Espace réservé du pied de page 4">
-            <a:extLst>
-              <a:ext uri="{FF2B5EF4-FFF2-40B4-BE49-F238E27FC236}">
-                <a16:creationId xmlns:a16="http://schemas.microsoft.com/office/drawing/2014/main" id="{730325C1-C150-AB41-9470-A348968CFB61}"/>
-              </a:ext>
-            </a:extLst>
-          </p:cNvPr>
-          <p:cNvSpPr>
-            <a:spLocks noGrp="1"/>
-          </p:cNvSpPr>
-          <p:nvPr>
-            <p:ph type="ftr" sz="quarter" idx="11"/>
-          </p:nvPr>
-        </p:nvSpPr>
-        <p:spPr/>
-        <p:txBody>
-          <a:bodyPr/>
-          <a:lstStyle/>
-          <a:p>
-            <a:r>
-              <a:rPr lang="fr-FR"/>
-              <a:t>nom des élèves - nom du jeu</a:t>
-            </a:r>
-          </a:p>
-        </p:txBody>
-      </p:sp>
-      <p:sp>
-        <p:nvSpPr>
-          <p:cNvPr id="6" name="Espace réservé du numéro de diapositive 5">
-            <a:extLst>
-              <a:ext uri="{FF2B5EF4-FFF2-40B4-BE49-F238E27FC236}">
-                <a16:creationId xmlns:a16="http://schemas.microsoft.com/office/drawing/2014/main" id="{63D76458-AC8C-A443-A86F-18ADD4CA5DB7}"/>
-              </a:ext>
-            </a:extLst>
-          </p:cNvPr>
-          <p:cNvSpPr>
-            <a:spLocks noGrp="1"/>
-          </p:cNvSpPr>
-          <p:nvPr>
-            <p:ph type="sldNum" sz="quarter" idx="12"/>
-          </p:nvPr>
-        </p:nvSpPr>
-        <p:spPr/>
-        <p:txBody>
-          <a:bodyPr/>
-          <a:lstStyle/>
-          <a:p>
-            <a:fld id="{8565C1E6-8FB8-4442-BEDC-4DDD643D2FC5}" type="slidenum">
-              <a:rPr lang="fr-FR" smtClean="0"/>
-              <a:t>5</a:t>
-            </a:fld>
-            <a:endParaRPr lang="fr-FR" dirty="0"/>
-          </a:p>
-        </p:txBody>
-      </p:sp>
-    </p:spTree>
-    <p:extLst>
-      <p:ext uri="{BB962C8B-B14F-4D97-AF65-F5344CB8AC3E}">
-        <p14:creationId xmlns:p14="http://schemas.microsoft.com/office/powerpoint/2010/main" val="3849782470"/>
-      </p:ext>
-    </p:extLst>
-  </p:cSld>
-  <p:clrMapOvr>
-    <a:masterClrMapping/>
-  </p:clrMapOvr>
-</p:sld>
-</file>
-
-<file path=ppt/slides/slide6.xml><?xml version="1.0" encoding="utf-8"?>
 <p:sld xmlns:a="http://schemas.openxmlformats.org/drawingml/2006/main" xmlns:r="http://schemas.openxmlformats.org/officeDocument/2006/relationships" xmlns:p="http://schemas.openxmlformats.org/presentationml/2006/main">
   <p:cSld>
     <p:spTree>
@@ -26193,13 +22114,13 @@
               <a:rPr lang="fr-CH" dirty="0">
                 <a:cs typeface="Arial" panose="020B0604020202020204" pitchFamily="34" charset="0"/>
               </a:rPr>
-              <a:t>z classes</a:t>
+              <a:t>7 classes</a:t>
             </a:r>
           </a:p>
           <a:p>
             <a:r>
               <a:rPr lang="fr-CH" dirty="0"/>
-              <a:t>X images, 2 sons, 0 polices</a:t>
+              <a:t>60 images, 2 sons</a:t>
             </a:r>
           </a:p>
         </p:txBody>
@@ -26227,9 +22148,39 @@
           <a:p>
             <a:fld id="{8565C1E6-8FB8-4442-BEDC-4DDD643D2FC5}" type="slidenum">
               <a:rPr lang="fr-FR" smtClean="0"/>
-              <a:t>6</a:t>
+              <a:t>5</a:t>
             </a:fld>
             <a:endParaRPr lang="fr-FR"/>
+          </a:p>
+        </p:txBody>
+      </p:sp>
+      <p:sp>
+        <p:nvSpPr>
+          <p:cNvPr id="5" name="Espace réservé du contenu 4">
+            <a:extLst>
+              <a:ext uri="{FF2B5EF4-FFF2-40B4-BE49-F238E27FC236}">
+                <a16:creationId xmlns:a16="http://schemas.microsoft.com/office/drawing/2014/main" id="{83FA125D-0929-4FDE-B2D8-B9E534B4B6CC}"/>
+              </a:ext>
+            </a:extLst>
+          </p:cNvPr>
+          <p:cNvSpPr>
+            <a:spLocks noGrp="1"/>
+          </p:cNvSpPr>
+          <p:nvPr>
+            <p:ph sz="quarter" idx="13"/>
+          </p:nvPr>
+        </p:nvSpPr>
+        <p:spPr>
+          <a:xfrm>
+            <a:off x="4186752" y="5883201"/>
+            <a:ext cx="3818429" cy="280988"/>
+          </a:xfrm>
+        </p:spPr>
+        <p:txBody>
+          <a:bodyPr/>
+          <a:lstStyle/>
+          <a:p>
+            <a:endParaRPr lang="fr-CH" dirty="0"/>
           </a:p>
         </p:txBody>
       </p:sp>
@@ -26246,213 +22197,7 @@
 </p:sld>
 </file>
 
-<file path=ppt/slides/slide7.xml><?xml version="1.0" encoding="utf-8"?>
-<p:sld xmlns:a="http://schemas.openxmlformats.org/drawingml/2006/main" xmlns:r="http://schemas.openxmlformats.org/officeDocument/2006/relationships" xmlns:p="http://schemas.openxmlformats.org/presentationml/2006/main">
-  <p:cSld>
-    <p:spTree>
-      <p:nvGrpSpPr>
-        <p:cNvPr id="1" name=""/>
-        <p:cNvGrpSpPr/>
-        <p:nvPr/>
-      </p:nvGrpSpPr>
-      <p:grpSpPr>
-        <a:xfrm>
-          <a:off x="0" y="0"/>
-          <a:ext cx="0" cy="0"/>
-          <a:chOff x="0" y="0"/>
-          <a:chExt cx="0" cy="0"/>
-        </a:xfrm>
-      </p:grpSpPr>
-      <p:sp>
-        <p:nvSpPr>
-          <p:cNvPr id="2" name="Titre 1">
-            <a:extLst>
-              <a:ext uri="{FF2B5EF4-FFF2-40B4-BE49-F238E27FC236}">
-                <a16:creationId xmlns:a16="http://schemas.microsoft.com/office/drawing/2014/main" id="{269F722D-9BA4-7540-9F1E-EE0EA721E821}"/>
-              </a:ext>
-            </a:extLst>
-          </p:cNvPr>
-          <p:cNvSpPr>
-            <a:spLocks noGrp="1"/>
-          </p:cNvSpPr>
-          <p:nvPr>
-            <p:ph type="title"/>
-          </p:nvPr>
-        </p:nvSpPr>
-        <p:spPr/>
-        <p:txBody>
-          <a:bodyPr/>
-          <a:lstStyle/>
-          <a:p>
-            <a:r>
-              <a:rPr lang="fr-FR" dirty="0"/>
-              <a:t>GitHub et environnement de programmation</a:t>
-            </a:r>
-          </a:p>
-        </p:txBody>
-      </p:sp>
-      <p:sp>
-        <p:nvSpPr>
-          <p:cNvPr id="3" name="Espace réservé du contenu 2">
-            <a:extLst>
-              <a:ext uri="{FF2B5EF4-FFF2-40B4-BE49-F238E27FC236}">
-                <a16:creationId xmlns:a16="http://schemas.microsoft.com/office/drawing/2014/main" id="{18B82FCB-6DFF-9648-9663-7274A2B53FD7}"/>
-              </a:ext>
-            </a:extLst>
-          </p:cNvPr>
-          <p:cNvSpPr>
-            <a:spLocks noGrp="1"/>
-          </p:cNvSpPr>
-          <p:nvPr>
-            <p:ph idx="1"/>
-          </p:nvPr>
-        </p:nvSpPr>
-        <p:spPr/>
-        <p:txBody>
-          <a:bodyPr/>
-          <a:lstStyle/>
-          <a:p>
-            <a:r>
-              <a:rPr lang="fr-FR" dirty="0"/>
-              <a:t>Expliquez votre mode de travail</a:t>
-            </a:r>
-          </a:p>
-          <a:p>
-            <a:r>
-              <a:rPr lang="fr-FR" dirty="0"/>
-              <a:t>Comment avez-vous collaboré à l’aide de GitHub</a:t>
-            </a:r>
-          </a:p>
-          <a:p>
-            <a:r>
-              <a:rPr lang="fr-FR" dirty="0"/>
-              <a:t>Quel éditeur avez-vous utilisé</a:t>
-            </a:r>
-          </a:p>
-          <a:p>
-            <a:r>
-              <a:rPr lang="fr-FR" dirty="0"/>
-              <a:t>Autres outils (</a:t>
-            </a:r>
-            <a:r>
-              <a:rPr lang="fr-FR" dirty="0" err="1"/>
-              <a:t>draw.io</a:t>
-            </a:r>
-            <a:r>
-              <a:rPr lang="fr-FR" dirty="0"/>
-              <a:t>, éditeur d’image, </a:t>
-            </a:r>
-            <a:r>
-              <a:rPr lang="fr-FR" dirty="0" err="1"/>
-              <a:t>etc</a:t>
-            </a:r>
-            <a:r>
-              <a:rPr lang="fr-FR" dirty="0"/>
-              <a:t>)</a:t>
-            </a:r>
-          </a:p>
-        </p:txBody>
-      </p:sp>
-      <p:sp>
-        <p:nvSpPr>
-          <p:cNvPr id="4" name="Espace réservé de la date 3">
-            <a:extLst>
-              <a:ext uri="{FF2B5EF4-FFF2-40B4-BE49-F238E27FC236}">
-                <a16:creationId xmlns:a16="http://schemas.microsoft.com/office/drawing/2014/main" id="{74153CAD-DBA7-5B48-BA0A-827313317069}"/>
-              </a:ext>
-            </a:extLst>
-          </p:cNvPr>
-          <p:cNvSpPr>
-            <a:spLocks noGrp="1"/>
-          </p:cNvSpPr>
-          <p:nvPr>
-            <p:ph type="dt" sz="half" idx="10"/>
-          </p:nvPr>
-        </p:nvSpPr>
-        <p:spPr/>
-        <p:txBody>
-          <a:bodyPr/>
-          <a:lstStyle/>
-          <a:p>
-            <a:r>
-              <a:rPr lang="fr-CH"/>
-              <a:t>18/06/2021</a:t>
-            </a:r>
-            <a:endParaRPr lang="fr-FR"/>
-          </a:p>
-        </p:txBody>
-      </p:sp>
-      <p:sp>
-        <p:nvSpPr>
-          <p:cNvPr id="5" name="Espace réservé du pied de page 4">
-            <a:extLst>
-              <a:ext uri="{FF2B5EF4-FFF2-40B4-BE49-F238E27FC236}">
-                <a16:creationId xmlns:a16="http://schemas.microsoft.com/office/drawing/2014/main" id="{6A79363F-905A-0243-921C-C18AAE7C6F2C}"/>
-              </a:ext>
-            </a:extLst>
-          </p:cNvPr>
-          <p:cNvSpPr>
-            <a:spLocks noGrp="1"/>
-          </p:cNvSpPr>
-          <p:nvPr>
-            <p:ph type="ftr" sz="quarter" idx="11"/>
-          </p:nvPr>
-        </p:nvSpPr>
-        <p:spPr/>
-        <p:txBody>
-          <a:bodyPr/>
-          <a:lstStyle/>
-          <a:p>
-            <a:r>
-              <a:rPr lang="fr-FR"/>
-              <a:t>nom des élèves - nom du jeu</a:t>
-            </a:r>
-          </a:p>
-        </p:txBody>
-      </p:sp>
-      <p:sp>
-        <p:nvSpPr>
-          <p:cNvPr id="6" name="Espace réservé du numéro de diapositive 5">
-            <a:extLst>
-              <a:ext uri="{FF2B5EF4-FFF2-40B4-BE49-F238E27FC236}">
-                <a16:creationId xmlns:a16="http://schemas.microsoft.com/office/drawing/2014/main" id="{5731BCA8-17D5-4C48-8975-4F5B8A09C369}"/>
-              </a:ext>
-            </a:extLst>
-          </p:cNvPr>
-          <p:cNvSpPr>
-            <a:spLocks noGrp="1"/>
-          </p:cNvSpPr>
-          <p:nvPr>
-            <p:ph type="sldNum" sz="quarter" idx="12"/>
-          </p:nvPr>
-        </p:nvSpPr>
-        <p:spPr/>
-        <p:txBody>
-          <a:bodyPr/>
-          <a:lstStyle/>
-          <a:p>
-            <a:fld id="{8565C1E6-8FB8-4442-BEDC-4DDD643D2FC5}" type="slidenum">
-              <a:rPr lang="fr-FR" smtClean="0"/>
-              <a:t>7</a:t>
-            </a:fld>
-            <a:endParaRPr lang="fr-FR"/>
-          </a:p>
-        </p:txBody>
-      </p:sp>
-    </p:spTree>
-    <p:extLst>
-      <p:ext uri="{BB962C8B-B14F-4D97-AF65-F5344CB8AC3E}">
-        <p14:creationId xmlns:p14="http://schemas.microsoft.com/office/powerpoint/2010/main" val="3121249430"/>
-      </p:ext>
-    </p:extLst>
-  </p:cSld>
-  <p:clrMapOvr>
-    <a:masterClrMapping/>
-  </p:clrMapOvr>
-</p:sld>
-</file>
-
-<file path=ppt/slides/slide8.xml><?xml version="1.0" encoding="utf-8"?>
+<file path=ppt/slides/slide6.xml><?xml version="1.0" encoding="utf-8"?>
 <p:sld xmlns:a="http://schemas.openxmlformats.org/drawingml/2006/main" xmlns:r="http://schemas.openxmlformats.org/officeDocument/2006/relationships" xmlns:p="http://schemas.openxmlformats.org/presentationml/2006/main">
   <p:cSld>
     <p:spTree>
@@ -26594,9 +22339,39 @@
           <a:p>
             <a:fld id="{8565C1E6-8FB8-4442-BEDC-4DDD643D2FC5}" type="slidenum">
               <a:rPr lang="fr-FR" smtClean="0"/>
-              <a:t>8</a:t>
+              <a:t>6</a:t>
             </a:fld>
             <a:endParaRPr lang="fr-FR" dirty="0"/>
+          </a:p>
+        </p:txBody>
+      </p:sp>
+      <p:sp>
+        <p:nvSpPr>
+          <p:cNvPr id="5" name="Espace réservé du contenu 4">
+            <a:extLst>
+              <a:ext uri="{FF2B5EF4-FFF2-40B4-BE49-F238E27FC236}">
+                <a16:creationId xmlns:a16="http://schemas.microsoft.com/office/drawing/2014/main" id="{B00F3472-3192-4A07-AC07-815E0FA44121}"/>
+              </a:ext>
+            </a:extLst>
+          </p:cNvPr>
+          <p:cNvSpPr>
+            <a:spLocks noGrp="1"/>
+          </p:cNvSpPr>
+          <p:nvPr>
+            <p:ph sz="quarter" idx="13"/>
+          </p:nvPr>
+        </p:nvSpPr>
+        <p:spPr>
+          <a:xfrm>
+            <a:off x="4186752" y="5883201"/>
+            <a:ext cx="3818429" cy="280988"/>
+          </a:xfrm>
+        </p:spPr>
+        <p:txBody>
+          <a:bodyPr/>
+          <a:lstStyle/>
+          <a:p>
+            <a:endParaRPr lang="fr-CH" dirty="0"/>
           </a:p>
         </p:txBody>
       </p:sp>
@@ -26604,6 +22379,248 @@
     <p:extLst>
       <p:ext uri="{BB962C8B-B14F-4D97-AF65-F5344CB8AC3E}">
         <p14:creationId xmlns:p14="http://schemas.microsoft.com/office/powerpoint/2010/main" val="3878228522"/>
+      </p:ext>
+    </p:extLst>
+  </p:cSld>
+  <p:clrMapOvr>
+    <a:masterClrMapping/>
+  </p:clrMapOvr>
+</p:sld>
+</file>
+
+<file path=ppt/slides/slide7.xml><?xml version="1.0" encoding="utf-8"?>
+<p:sld xmlns:a="http://schemas.openxmlformats.org/drawingml/2006/main" xmlns:r="http://schemas.openxmlformats.org/officeDocument/2006/relationships" xmlns:p="http://schemas.openxmlformats.org/presentationml/2006/main">
+  <p:cSld>
+    <p:spTree>
+      <p:nvGrpSpPr>
+        <p:cNvPr id="1" name=""/>
+        <p:cNvGrpSpPr/>
+        <p:nvPr/>
+      </p:nvGrpSpPr>
+      <p:grpSpPr>
+        <a:xfrm>
+          <a:off x="0" y="0"/>
+          <a:ext cx="0" cy="0"/>
+          <a:chOff x="0" y="0"/>
+          <a:chExt cx="0" cy="0"/>
+        </a:xfrm>
+      </p:grpSpPr>
+      <p:sp>
+        <p:nvSpPr>
+          <p:cNvPr id="2" name="Espace réservé du numéro de diapositive 1">
+            <a:extLst>
+              <a:ext uri="{FF2B5EF4-FFF2-40B4-BE49-F238E27FC236}">
+                <a16:creationId xmlns:a16="http://schemas.microsoft.com/office/drawing/2014/main" id="{61C8BDC3-DB0D-4845-9368-F0E7B6DF3D31}"/>
+              </a:ext>
+            </a:extLst>
+          </p:cNvPr>
+          <p:cNvSpPr>
+            <a:spLocks noGrp="1"/>
+          </p:cNvSpPr>
+          <p:nvPr>
+            <p:ph type="sldNum" idx="12"/>
+          </p:nvPr>
+        </p:nvSpPr>
+        <p:spPr/>
+        <p:txBody>
+          <a:bodyPr/>
+          <a:lstStyle/>
+          <a:p>
+            <a:fld id="{8565C1E6-8FB8-4442-BEDC-4DDD643D2FC5}" type="slidenum">
+              <a:rPr lang="fr-FR" smtClean="0"/>
+              <a:t>7</a:t>
+            </a:fld>
+            <a:endParaRPr lang="fr-FR"/>
+          </a:p>
+        </p:txBody>
+      </p:sp>
+      <p:pic>
+        <p:nvPicPr>
+          <p:cNvPr id="4" name="Picture 3" descr="A screenshot of a computer game&#10;&#10;Description automatically generated with low confidence">
+            <a:extLst>
+              <a:ext uri="{FF2B5EF4-FFF2-40B4-BE49-F238E27FC236}">
+                <a16:creationId xmlns:a16="http://schemas.microsoft.com/office/drawing/2014/main" id="{F706FA4B-D8C9-450C-AE2C-55A6DF46AB3C}"/>
+              </a:ext>
+            </a:extLst>
+          </p:cNvPr>
+          <p:cNvPicPr>
+            <a:picLocks noChangeAspect="1"/>
+          </p:cNvPicPr>
+          <p:nvPr/>
+        </p:nvPicPr>
+        <p:blipFill>
+          <a:blip r:embed="rId2"/>
+          <a:stretch>
+            <a:fillRect/>
+          </a:stretch>
+        </p:blipFill>
+        <p:spPr>
+          <a:xfrm>
+            <a:off x="804807" y="808856"/>
+            <a:ext cx="5087953" cy="5240288"/>
+          </a:xfrm>
+          <a:prstGeom prst="rect">
+            <a:avLst/>
+          </a:prstGeom>
+        </p:spPr>
+      </p:pic>
+      <p:pic>
+        <p:nvPicPr>
+          <p:cNvPr id="6" name="Picture 5" descr="A screenshot of a game&#10;&#10;Description automatically generated with low confidence">
+            <a:extLst>
+              <a:ext uri="{FF2B5EF4-FFF2-40B4-BE49-F238E27FC236}">
+                <a16:creationId xmlns:a16="http://schemas.microsoft.com/office/drawing/2014/main" id="{3CEA79B4-A462-4289-B152-FE306A90A006}"/>
+              </a:ext>
+            </a:extLst>
+          </p:cNvPr>
+          <p:cNvPicPr>
+            <a:picLocks noChangeAspect="1"/>
+          </p:cNvPicPr>
+          <p:nvPr/>
+        </p:nvPicPr>
+        <p:blipFill>
+          <a:blip r:embed="rId3"/>
+          <a:stretch>
+            <a:fillRect/>
+          </a:stretch>
+        </p:blipFill>
+        <p:spPr>
+          <a:xfrm>
+            <a:off x="6299240" y="808856"/>
+            <a:ext cx="5087953" cy="5240288"/>
+          </a:xfrm>
+          <a:prstGeom prst="rect">
+            <a:avLst/>
+          </a:prstGeom>
+        </p:spPr>
+      </p:pic>
+      <p:sp>
+        <p:nvSpPr>
+          <p:cNvPr id="5" name="Espace réservé du contenu 4">
+            <a:extLst>
+              <a:ext uri="{FF2B5EF4-FFF2-40B4-BE49-F238E27FC236}">
+                <a16:creationId xmlns:a16="http://schemas.microsoft.com/office/drawing/2014/main" id="{DC6B745C-D379-4320-A8FD-78CE4FF4B7AB}"/>
+              </a:ext>
+            </a:extLst>
+          </p:cNvPr>
+          <p:cNvSpPr>
+            <a:spLocks noGrp="1"/>
+          </p:cNvSpPr>
+          <p:nvPr>
+            <p:ph sz="quarter" idx="13"/>
+          </p:nvPr>
+        </p:nvSpPr>
+        <p:spPr>
+          <a:xfrm>
+            <a:off x="4186785" y="6110665"/>
+            <a:ext cx="3818429" cy="280988"/>
+          </a:xfrm>
+        </p:spPr>
+        <p:txBody>
+          <a:bodyPr/>
+          <a:lstStyle/>
+          <a:p>
+            <a:endParaRPr lang="fr-CH" dirty="0"/>
+          </a:p>
+        </p:txBody>
+      </p:sp>
+    </p:spTree>
+    <p:extLst>
+      <p:ext uri="{BB962C8B-B14F-4D97-AF65-F5344CB8AC3E}">
+        <p14:creationId xmlns:p14="http://schemas.microsoft.com/office/powerpoint/2010/main" val="2277943480"/>
+      </p:ext>
+    </p:extLst>
+  </p:cSld>
+  <p:clrMapOvr>
+    <a:masterClrMapping/>
+  </p:clrMapOvr>
+</p:sld>
+</file>
+
+<file path=ppt/slides/slide8.xml><?xml version="1.0" encoding="utf-8"?>
+<p:sld xmlns:a="http://schemas.openxmlformats.org/drawingml/2006/main" xmlns:r="http://schemas.openxmlformats.org/officeDocument/2006/relationships" xmlns:p="http://schemas.openxmlformats.org/presentationml/2006/main">
+  <p:cSld>
+    <p:spTree>
+      <p:nvGrpSpPr>
+        <p:cNvPr id="1" name=""/>
+        <p:cNvGrpSpPr/>
+        <p:nvPr/>
+      </p:nvGrpSpPr>
+      <p:grpSpPr>
+        <a:xfrm>
+          <a:off x="0" y="0"/>
+          <a:ext cx="0" cy="0"/>
+          <a:chOff x="0" y="0"/>
+          <a:chExt cx="0" cy="0"/>
+        </a:xfrm>
+      </p:grpSpPr>
+      <p:sp>
+        <p:nvSpPr>
+          <p:cNvPr id="2" name="Titre 1">
+            <a:extLst>
+              <a:ext uri="{FF2B5EF4-FFF2-40B4-BE49-F238E27FC236}">
+                <a16:creationId xmlns:a16="http://schemas.microsoft.com/office/drawing/2014/main" id="{EF680992-8882-44AC-BCCA-F3E002263BF3}"/>
+              </a:ext>
+            </a:extLst>
+          </p:cNvPr>
+          <p:cNvSpPr>
+            <a:spLocks noGrp="1"/>
+          </p:cNvSpPr>
+          <p:nvPr>
+            <p:ph type="ctrTitle"/>
+          </p:nvPr>
+        </p:nvSpPr>
+        <p:spPr>
+          <a:xfrm>
+            <a:off x="914400" y="357546"/>
+            <a:ext cx="10363200" cy="810400"/>
+          </a:xfrm>
+        </p:spPr>
+        <p:txBody>
+          <a:bodyPr/>
+          <a:lstStyle/>
+          <a:p>
+            <a:r>
+              <a:rPr lang="fr-CH" sz="4000" dirty="0"/>
+              <a:t>Diagramme des classes</a:t>
+            </a:r>
+          </a:p>
+        </p:txBody>
+      </p:sp>
+      <p:pic>
+        <p:nvPicPr>
+          <p:cNvPr id="4" name="Image 3">
+            <a:extLst>
+              <a:ext uri="{FF2B5EF4-FFF2-40B4-BE49-F238E27FC236}">
+                <a16:creationId xmlns:a16="http://schemas.microsoft.com/office/drawing/2014/main" id="{8512EE10-EA63-4E53-823B-16CCD74B713B}"/>
+              </a:ext>
+            </a:extLst>
+          </p:cNvPr>
+          <p:cNvPicPr>
+            <a:picLocks noChangeAspect="1"/>
+          </p:cNvPicPr>
+          <p:nvPr/>
+        </p:nvPicPr>
+        <p:blipFill>
+          <a:blip r:embed="rId2"/>
+          <a:stretch>
+            <a:fillRect/>
+          </a:stretch>
+        </p:blipFill>
+        <p:spPr>
+          <a:xfrm>
+            <a:off x="2747486" y="868998"/>
+            <a:ext cx="6697028" cy="5425336"/>
+          </a:xfrm>
+          <a:prstGeom prst="rect">
+            <a:avLst/>
+          </a:prstGeom>
+        </p:spPr>
+      </p:pic>
+    </p:spTree>
+    <p:extLst>
+      <p:ext uri="{BB962C8B-B14F-4D97-AF65-F5344CB8AC3E}">
+        <p14:creationId xmlns:p14="http://schemas.microsoft.com/office/powerpoint/2010/main" val="3255486712"/>
       </p:ext>
     </p:extLst>
   </p:cSld>
@@ -26635,7 +22652,7 @@
           <p:cNvPr id="2" name="Titre 1">
             <a:extLst>
               <a:ext uri="{FF2B5EF4-FFF2-40B4-BE49-F238E27FC236}">
-                <a16:creationId xmlns:a16="http://schemas.microsoft.com/office/drawing/2014/main" id="{77E0B4CD-F920-4544-82AD-1220B8CAE26B}"/>
+                <a16:creationId xmlns:a16="http://schemas.microsoft.com/office/drawing/2014/main" id="{FAD85DF3-8B49-4FC9-B533-438C05DF1BCB}"/>
               </a:ext>
             </a:extLst>
           </p:cNvPr>
@@ -26652,18 +22669,23 @@
           <a:lstStyle/>
           <a:p>
             <a:r>
-              <a:rPr lang="fr-FR" dirty="0"/>
-              <a:t>Capture d’écran</a:t>
-            </a:r>
+              <a:rPr lang="en-US" dirty="0"/>
+              <a:t>Class </a:t>
+            </a:r>
+            <a:r>
+              <a:rPr lang="en-US" dirty="0" err="1"/>
+              <a:t>Joueur</a:t>
+            </a:r>
+            <a:endParaRPr lang="fr-CH" dirty="0"/>
           </a:p>
         </p:txBody>
       </p:sp>
       <p:sp>
         <p:nvSpPr>
-          <p:cNvPr id="3" name="Espace réservé du contenu 2">
+          <p:cNvPr id="3" name="Espace réservé du texte 2">
             <a:extLst>
               <a:ext uri="{FF2B5EF4-FFF2-40B4-BE49-F238E27FC236}">
-                <a16:creationId xmlns:a16="http://schemas.microsoft.com/office/drawing/2014/main" id="{7CBD2B1B-5690-C14E-85DD-96EB2C5DC0D3}"/>
+                <a16:creationId xmlns:a16="http://schemas.microsoft.com/office/drawing/2014/main" id="{82EB8EC1-4453-4FF8-A734-A5BABEB86016}"/>
               </a:ext>
             </a:extLst>
           </p:cNvPr>
@@ -26671,7 +22693,7 @@
             <a:spLocks noGrp="1"/>
           </p:cNvSpPr>
           <p:nvPr>
-            <p:ph idx="1"/>
+            <p:ph type="body" idx="1"/>
           </p:nvPr>
         </p:nvSpPr>
         <p:spPr/>
@@ -26680,24 +22702,98 @@
           <a:lstStyle/>
           <a:p>
             <a:r>
-              <a:rPr lang="fr-FR" dirty="0"/>
-              <a:t>Montrez une capture d’écran de votre jeux</a:t>
+              <a:rPr lang="fr-CH" dirty="0"/>
+              <a:t>Classe décrivant le joueur</a:t>
             </a:r>
           </a:p>
           <a:p>
             <a:r>
-              <a:rPr lang="fr-FR" dirty="0"/>
-              <a:t>Expliquez les éléments graphiques</a:t>
+              <a:rPr lang="fr-CH" dirty="0"/>
+              <a:t>Attributs : pour le </a:t>
+            </a:r>
+            <a:r>
+              <a:rPr lang="fr-CH" dirty="0" err="1"/>
+              <a:t>sprite</a:t>
+            </a:r>
+            <a:r>
+              <a:rPr lang="fr-CH" dirty="0"/>
+              <a:t> + pour les mécanismes du jeu</a:t>
+            </a:r>
+          </a:p>
+          <a:p>
+            <a:pPr lvl="1"/>
+            <a:r>
+              <a:rPr lang="fr-CH" dirty="0"/>
+              <a:t>Sprite : p.ex. </a:t>
+            </a:r>
+            <a:r>
+              <a:rPr lang="fr-CH" dirty="0" err="1"/>
+              <a:t>self.sheet</a:t>
+            </a:r>
+            <a:r>
+              <a:rPr lang="fr-CH" dirty="0"/>
+              <a:t> = image</a:t>
+            </a:r>
+          </a:p>
+          <a:p>
+            <a:pPr lvl="1"/>
+            <a:r>
+              <a:rPr lang="fr-CH" dirty="0"/>
+              <a:t>Mécanisme : </a:t>
+            </a:r>
+            <a:r>
+              <a:rPr lang="fr-CH" dirty="0" err="1"/>
+              <a:t>self.equipe</a:t>
+            </a:r>
+            <a:r>
+              <a:rPr lang="fr-CH" dirty="0"/>
+              <a:t> = équipe de </a:t>
+            </a:r>
+            <a:r>
+              <a:rPr lang="fr-CH" dirty="0" err="1"/>
+              <a:t>pokémon</a:t>
+            </a:r>
+            <a:endParaRPr lang="fr-CH" dirty="0"/>
+          </a:p>
+          <a:p>
+            <a:r>
+              <a:rPr lang="fr-CH" dirty="0"/>
+              <a:t>Méthodes : pour son déplacement</a:t>
+            </a:r>
+          </a:p>
+          <a:p>
+            <a:pPr lvl="1"/>
+            <a:r>
+              <a:rPr lang="fr-CH" dirty="0" err="1"/>
+              <a:t>Draw</a:t>
+            </a:r>
+            <a:r>
+              <a:rPr lang="fr-CH" dirty="0"/>
+              <a:t>(self) : pour afficher le personnage</a:t>
+            </a:r>
+          </a:p>
+          <a:p>
+            <a:pPr lvl="1"/>
+            <a:r>
+              <a:rPr lang="fr-CH" dirty="0"/>
+              <a:t>Déplacer(self) : pour déplacer le personnage</a:t>
+            </a:r>
+          </a:p>
+          <a:p>
+            <a:pPr lvl="1"/>
+            <a:r>
+              <a:rPr lang="fr-CH" dirty="0"/>
+              <a:t>Marcher(self) : pour animer la marche du personnage</a:t>
             </a:r>
           </a:p>
         </p:txBody>
       </p:sp>
       <p:sp>
         <p:nvSpPr>
-          <p:cNvPr id="4" name="Espace réservé de la date 3">
+          <p:cNvPr id="4" name="Espace réservé du numéro de diapositive 3">
             <a:extLst>
               <a:ext uri="{FF2B5EF4-FFF2-40B4-BE49-F238E27FC236}">
-                <a16:creationId xmlns:a16="http://schemas.microsoft.com/office/drawing/2014/main" id="{DABCA7CA-08E7-304F-B168-0702D7B3756E}"/>
+                <a16:creationId xmlns:a16="http://schemas.microsoft.com/office/drawing/2014/main" id="{09268419-872A-47D1-ACE2-E400F6B94C97}"/>
               </a:ext>
             </a:extLst>
           </p:cNvPr>
@@ -26705,64 +22801,7 @@
             <a:spLocks noGrp="1"/>
           </p:cNvSpPr>
           <p:nvPr>
-            <p:ph type="dt" sz="half" idx="10"/>
-          </p:nvPr>
-        </p:nvSpPr>
-        <p:spPr/>
-        <p:txBody>
-          <a:bodyPr/>
-          <a:lstStyle/>
-          <a:p>
-            <a:r>
-              <a:rPr lang="fr-CH"/>
-              <a:t>18/06/2021</a:t>
-            </a:r>
-            <a:endParaRPr lang="fr-FR"/>
-          </a:p>
-        </p:txBody>
-      </p:sp>
-      <p:sp>
-        <p:nvSpPr>
-          <p:cNvPr id="5" name="Espace réservé du pied de page 4">
-            <a:extLst>
-              <a:ext uri="{FF2B5EF4-FFF2-40B4-BE49-F238E27FC236}">
-                <a16:creationId xmlns:a16="http://schemas.microsoft.com/office/drawing/2014/main" id="{7C6020FA-2281-1943-B714-860A771C95EB}"/>
-              </a:ext>
-            </a:extLst>
-          </p:cNvPr>
-          <p:cNvSpPr>
-            <a:spLocks noGrp="1"/>
-          </p:cNvSpPr>
-          <p:nvPr>
-            <p:ph type="ftr" sz="quarter" idx="11"/>
-          </p:nvPr>
-        </p:nvSpPr>
-        <p:spPr/>
-        <p:txBody>
-          <a:bodyPr/>
-          <a:lstStyle/>
-          <a:p>
-            <a:r>
-              <a:rPr lang="fr-FR" dirty="0"/>
-              <a:t>nom des élèves - nom du jeu</a:t>
-            </a:r>
-          </a:p>
-        </p:txBody>
-      </p:sp>
-      <p:sp>
-        <p:nvSpPr>
-          <p:cNvPr id="6" name="Espace réservé du numéro de diapositive 5">
-            <a:extLst>
-              <a:ext uri="{FF2B5EF4-FFF2-40B4-BE49-F238E27FC236}">
-                <a16:creationId xmlns:a16="http://schemas.microsoft.com/office/drawing/2014/main" id="{7E41C883-C0D5-7D43-BAF7-B01F4775DE17}"/>
-              </a:ext>
-            </a:extLst>
-          </p:cNvPr>
-          <p:cNvSpPr>
-            <a:spLocks noGrp="1"/>
-          </p:cNvSpPr>
-          <p:nvPr>
-            <p:ph type="sldNum" sz="quarter" idx="12"/>
+            <p:ph type="sldNum" idx="12"/>
           </p:nvPr>
         </p:nvSpPr>
         <p:spPr/>
@@ -26778,10 +22817,35 @@
           </a:p>
         </p:txBody>
       </p:sp>
+      <p:sp>
+        <p:nvSpPr>
+          <p:cNvPr id="9" name="Content Placeholder 8">
+            <a:extLst>
+              <a:ext uri="{FF2B5EF4-FFF2-40B4-BE49-F238E27FC236}">
+                <a16:creationId xmlns:a16="http://schemas.microsoft.com/office/drawing/2014/main" id="{60C84F78-EE4C-4C28-906E-B106A7F49FFA}"/>
+              </a:ext>
+            </a:extLst>
+          </p:cNvPr>
+          <p:cNvSpPr>
+            <a:spLocks noGrp="1"/>
+          </p:cNvSpPr>
+          <p:nvPr>
+            <p:ph sz="quarter" idx="13"/>
+          </p:nvPr>
+        </p:nvSpPr>
+        <p:spPr/>
+        <p:txBody>
+          <a:bodyPr/>
+          <a:lstStyle/>
+          <a:p>
+            <a:endParaRPr lang="fr-CH" dirty="0"/>
+          </a:p>
+        </p:txBody>
+      </p:sp>
     </p:spTree>
     <p:extLst>
       <p:ext uri="{BB962C8B-B14F-4D97-AF65-F5344CB8AC3E}">
-        <p14:creationId xmlns:p14="http://schemas.microsoft.com/office/powerpoint/2010/main" val="538487353"/>
+        <p14:creationId xmlns:p14="http://schemas.microsoft.com/office/powerpoint/2010/main" val="3621672181"/>
       </p:ext>
     </p:extLst>
   </p:cSld>

--- a/game/copie modifs/examen oral.pptx
+++ b/game/copie modifs/examen oral.pptx
@@ -19426,7 +19426,7 @@
         </p:blipFill>
         <p:spPr>
           <a:xfrm>
-            <a:off x="2117725" y="190499"/>
+            <a:off x="2117725" y="90557"/>
             <a:ext cx="7956550" cy="5813525"/>
           </a:xfrm>
           <a:prstGeom prst="rect">
@@ -19434,6 +19434,36 @@
           </a:prstGeom>
         </p:spPr>
       </p:pic>
+      <p:sp>
+        <p:nvSpPr>
+          <p:cNvPr id="4" name="Espace réservé du contenu 4">
+            <a:extLst>
+              <a:ext uri="{FF2B5EF4-FFF2-40B4-BE49-F238E27FC236}">
+                <a16:creationId xmlns:a16="http://schemas.microsoft.com/office/drawing/2014/main" id="{A1C65312-BD80-4B98-9727-9E3F5658B7AB}"/>
+              </a:ext>
+            </a:extLst>
+          </p:cNvPr>
+          <p:cNvSpPr>
+            <a:spLocks noGrp="1"/>
+          </p:cNvSpPr>
+          <p:nvPr>
+            <p:ph sz="quarter" idx="13"/>
+          </p:nvPr>
+        </p:nvSpPr>
+        <p:spPr>
+          <a:xfrm>
+            <a:off x="4186752" y="6023695"/>
+            <a:ext cx="3818429" cy="280988"/>
+          </a:xfrm>
+        </p:spPr>
+        <p:txBody>
+          <a:bodyPr/>
+          <a:lstStyle/>
+          <a:p>
+            <a:endParaRPr lang="fr-CH" dirty="0"/>
+          </a:p>
+        </p:txBody>
+      </p:sp>
     </p:spTree>
     <p:extLst>
       <p:ext uri="{BB962C8B-B14F-4D97-AF65-F5344CB8AC3E}">
@@ -19641,7 +19671,7 @@
           <a:bodyPr/>
           <a:lstStyle/>
           <a:p>
-            <a:endParaRPr lang="fr-CH"/>
+            <a:endParaRPr lang="fr-CH" dirty="0"/>
           </a:p>
         </p:txBody>
       </p:sp>
@@ -19734,6 +19764,36 @@
           </a:prstGeom>
         </p:spPr>
       </p:pic>
+      <p:sp>
+        <p:nvSpPr>
+          <p:cNvPr id="5" name="Espace réservé du contenu 4">
+            <a:extLst>
+              <a:ext uri="{FF2B5EF4-FFF2-40B4-BE49-F238E27FC236}">
+                <a16:creationId xmlns:a16="http://schemas.microsoft.com/office/drawing/2014/main" id="{1665C6FC-D9F2-4131-BBDA-E507C5646B4C}"/>
+              </a:ext>
+            </a:extLst>
+          </p:cNvPr>
+          <p:cNvSpPr>
+            <a:spLocks noGrp="1"/>
+          </p:cNvSpPr>
+          <p:nvPr>
+            <p:ph sz="quarter" idx="13"/>
+          </p:nvPr>
+        </p:nvSpPr>
+        <p:spPr>
+          <a:xfrm>
+            <a:off x="4186752" y="5883201"/>
+            <a:ext cx="3818429" cy="280988"/>
+          </a:xfrm>
+        </p:spPr>
+        <p:txBody>
+          <a:bodyPr/>
+          <a:lstStyle/>
+          <a:p>
+            <a:endParaRPr lang="fr-CH" dirty="0"/>
+          </a:p>
+        </p:txBody>
+      </p:sp>
     </p:spTree>
     <p:extLst>
       <p:ext uri="{BB962C8B-B14F-4D97-AF65-F5344CB8AC3E}">
@@ -20127,6 +20187,36 @@
           </a:prstGeom>
         </p:spPr>
       </p:pic>
+      <p:sp>
+        <p:nvSpPr>
+          <p:cNvPr id="5" name="Espace réservé du contenu 4">
+            <a:extLst>
+              <a:ext uri="{FF2B5EF4-FFF2-40B4-BE49-F238E27FC236}">
+                <a16:creationId xmlns:a16="http://schemas.microsoft.com/office/drawing/2014/main" id="{A51BE100-0CCA-4A33-AC24-BDF7873C3106}"/>
+              </a:ext>
+            </a:extLst>
+          </p:cNvPr>
+          <p:cNvSpPr>
+            <a:spLocks noGrp="1"/>
+          </p:cNvSpPr>
+          <p:nvPr>
+            <p:ph sz="quarter" idx="13"/>
+          </p:nvPr>
+        </p:nvSpPr>
+        <p:spPr>
+          <a:xfrm>
+            <a:off x="4186752" y="5883201"/>
+            <a:ext cx="3818429" cy="280988"/>
+          </a:xfrm>
+        </p:spPr>
+        <p:txBody>
+          <a:bodyPr/>
+          <a:lstStyle/>
+          <a:p>
+            <a:endParaRPr lang="fr-CH" dirty="0"/>
+          </a:p>
+        </p:txBody>
+      </p:sp>
     </p:spTree>
     <p:extLst>
       <p:ext uri="{BB962C8B-B14F-4D97-AF65-F5344CB8AC3E}">
@@ -21434,7 +21524,7 @@
           <a:bodyPr/>
           <a:lstStyle/>
           <a:p>
-            <a:endParaRPr lang="fr-CH"/>
+            <a:endParaRPr lang="fr-CH" dirty="0"/>
           </a:p>
         </p:txBody>
       </p:sp>
@@ -21972,7 +22062,7 @@
           <a:p>
             <a:r>
               <a:rPr lang="fr-CH" dirty="0"/>
-              <a:t>x lignes</a:t>
+              <a:t>644 lignes</a:t>
             </a:r>
           </a:p>
           <a:p>

--- a/game/copie modifs/examen oral.pptx
+++ b/game/copie modifs/examen oral.pptx
@@ -18639,6 +18639,301 @@
           </a:xfrm>
         </p:spPr>
       </p:pic>
+      <p:sp>
+        <p:nvSpPr>
+          <p:cNvPr id="5" name="Titre 1">
+            <a:extLst>
+              <a:ext uri="{FF2B5EF4-FFF2-40B4-BE49-F238E27FC236}">
+                <a16:creationId xmlns:a16="http://schemas.microsoft.com/office/drawing/2014/main" id="{B14B0F64-07AF-4F6E-9BA3-088EB392A086}"/>
+              </a:ext>
+            </a:extLst>
+          </p:cNvPr>
+          <p:cNvSpPr txBox="1">
+            <a:spLocks/>
+          </p:cNvSpPr>
+          <p:nvPr/>
+        </p:nvSpPr>
+        <p:spPr>
+          <a:xfrm>
+            <a:off x="914367" y="5927935"/>
+            <a:ext cx="10363200" cy="810400"/>
+          </a:xfrm>
+          <a:prstGeom prst="rect">
+            <a:avLst/>
+          </a:prstGeom>
+          <a:noFill/>
+          <a:ln>
+            <a:noFill/>
+          </a:ln>
+          <a:effectLst>
+            <a:reflection stA="25000" endPos="60000" fadeDir="5400012" sy="-100000" algn="bl" rotWithShape="0"/>
+          </a:effectLst>
+        </p:spPr>
+        <p:txBody>
+          <a:bodyPr spcFirstLastPara="1" wrap="square" lIns="0" tIns="0" rIns="0" bIns="0" anchor="t" anchorCtr="0">
+            <a:noAutofit/>
+          </a:bodyPr>
+          <a:lstStyle>
+            <a:defPPr marR="0" lvl="0" algn="l" rtl="0">
+              <a:lnSpc>
+                <a:spcPct val="100000"/>
+              </a:lnSpc>
+              <a:spcBef>
+                <a:spcPts val="0"/>
+              </a:spcBef>
+              <a:spcAft>
+                <a:spcPts val="0"/>
+              </a:spcAft>
+            </a:defPPr>
+            <a:lvl1pPr marR="0" lvl="0" algn="ctr" rtl="0" eaLnBrk="1" hangingPunct="1">
+              <a:lnSpc>
+                <a:spcPct val="90000"/>
+              </a:lnSpc>
+              <a:spcBef>
+                <a:spcPts val="0"/>
+              </a:spcBef>
+              <a:spcAft>
+                <a:spcPts val="0"/>
+              </a:spcAft>
+              <a:buClr>
+                <a:schemeClr val="lt1"/>
+              </a:buClr>
+              <a:buSzPts val="5500"/>
+              <a:buFont typeface="Bebas Neue"/>
+              <a:buNone/>
+              <a:defRPr sz="7333" b="0" i="0" u="none" strike="noStrike" cap="none">
+                <a:solidFill>
+                  <a:schemeClr val="lt1"/>
+                </a:solidFill>
+                <a:latin typeface="Bebas Neue"/>
+                <a:ea typeface="Bebas Neue"/>
+                <a:cs typeface="Bebas Neue"/>
+                <a:sym typeface="Bebas Neue"/>
+              </a:defRPr>
+            </a:lvl1pPr>
+            <a:lvl2pPr marR="0" lvl="1" algn="ctr" rtl="0" eaLnBrk="1" hangingPunct="1">
+              <a:lnSpc>
+                <a:spcPct val="90000"/>
+              </a:lnSpc>
+              <a:spcBef>
+                <a:spcPts val="0"/>
+              </a:spcBef>
+              <a:spcAft>
+                <a:spcPts val="0"/>
+              </a:spcAft>
+              <a:buClr>
+                <a:schemeClr val="lt1"/>
+              </a:buClr>
+              <a:buSzPts val="5500"/>
+              <a:buFont typeface="Bebas Neue"/>
+              <a:buNone/>
+              <a:defRPr sz="7333" b="0" i="0" u="none" strike="noStrike" cap="none">
+                <a:solidFill>
+                  <a:schemeClr val="lt1"/>
+                </a:solidFill>
+                <a:latin typeface="Bebas Neue"/>
+                <a:ea typeface="Bebas Neue"/>
+                <a:cs typeface="Bebas Neue"/>
+                <a:sym typeface="Bebas Neue"/>
+              </a:defRPr>
+            </a:lvl2pPr>
+            <a:lvl3pPr marR="0" lvl="2" algn="ctr" rtl="0" eaLnBrk="1" hangingPunct="1">
+              <a:lnSpc>
+                <a:spcPct val="90000"/>
+              </a:lnSpc>
+              <a:spcBef>
+                <a:spcPts val="0"/>
+              </a:spcBef>
+              <a:spcAft>
+                <a:spcPts val="0"/>
+              </a:spcAft>
+              <a:buClr>
+                <a:schemeClr val="lt1"/>
+              </a:buClr>
+              <a:buSzPts val="5500"/>
+              <a:buFont typeface="Bebas Neue"/>
+              <a:buNone/>
+              <a:defRPr sz="7333" b="0" i="0" u="none" strike="noStrike" cap="none">
+                <a:solidFill>
+                  <a:schemeClr val="lt1"/>
+                </a:solidFill>
+                <a:latin typeface="Bebas Neue"/>
+                <a:ea typeface="Bebas Neue"/>
+                <a:cs typeface="Bebas Neue"/>
+                <a:sym typeface="Bebas Neue"/>
+              </a:defRPr>
+            </a:lvl3pPr>
+            <a:lvl4pPr marR="0" lvl="3" algn="ctr" rtl="0" eaLnBrk="1" hangingPunct="1">
+              <a:lnSpc>
+                <a:spcPct val="90000"/>
+              </a:lnSpc>
+              <a:spcBef>
+                <a:spcPts val="0"/>
+              </a:spcBef>
+              <a:spcAft>
+                <a:spcPts val="0"/>
+              </a:spcAft>
+              <a:buClr>
+                <a:schemeClr val="lt1"/>
+              </a:buClr>
+              <a:buSzPts val="5500"/>
+              <a:buFont typeface="Bebas Neue"/>
+              <a:buNone/>
+              <a:defRPr sz="7333" b="0" i="0" u="none" strike="noStrike" cap="none">
+                <a:solidFill>
+                  <a:schemeClr val="lt1"/>
+                </a:solidFill>
+                <a:latin typeface="Bebas Neue"/>
+                <a:ea typeface="Bebas Neue"/>
+                <a:cs typeface="Bebas Neue"/>
+                <a:sym typeface="Bebas Neue"/>
+              </a:defRPr>
+            </a:lvl4pPr>
+            <a:lvl5pPr marR="0" lvl="4" algn="ctr" rtl="0" eaLnBrk="1" hangingPunct="1">
+              <a:lnSpc>
+                <a:spcPct val="90000"/>
+              </a:lnSpc>
+              <a:spcBef>
+                <a:spcPts val="0"/>
+              </a:spcBef>
+              <a:spcAft>
+                <a:spcPts val="0"/>
+              </a:spcAft>
+              <a:buClr>
+                <a:schemeClr val="lt1"/>
+              </a:buClr>
+              <a:buSzPts val="5500"/>
+              <a:buFont typeface="Bebas Neue"/>
+              <a:buNone/>
+              <a:defRPr sz="7333" b="0" i="0" u="none" strike="noStrike" cap="none">
+                <a:solidFill>
+                  <a:schemeClr val="lt1"/>
+                </a:solidFill>
+                <a:latin typeface="Bebas Neue"/>
+                <a:ea typeface="Bebas Neue"/>
+                <a:cs typeface="Bebas Neue"/>
+                <a:sym typeface="Bebas Neue"/>
+              </a:defRPr>
+            </a:lvl5pPr>
+            <a:lvl6pPr marR="0" lvl="5" algn="ctr" rtl="0" eaLnBrk="1" hangingPunct="1">
+              <a:lnSpc>
+                <a:spcPct val="90000"/>
+              </a:lnSpc>
+              <a:spcBef>
+                <a:spcPts val="0"/>
+              </a:spcBef>
+              <a:spcAft>
+                <a:spcPts val="0"/>
+              </a:spcAft>
+              <a:buClr>
+                <a:schemeClr val="lt1"/>
+              </a:buClr>
+              <a:buSzPts val="5500"/>
+              <a:buFont typeface="Bebas Neue"/>
+              <a:buNone/>
+              <a:defRPr sz="7333" b="0" i="0" u="none" strike="noStrike" cap="none">
+                <a:solidFill>
+                  <a:schemeClr val="lt1"/>
+                </a:solidFill>
+                <a:latin typeface="Bebas Neue"/>
+                <a:ea typeface="Bebas Neue"/>
+                <a:cs typeface="Bebas Neue"/>
+                <a:sym typeface="Bebas Neue"/>
+              </a:defRPr>
+            </a:lvl6pPr>
+            <a:lvl7pPr marR="0" lvl="6" algn="ctr" rtl="0" eaLnBrk="1" hangingPunct="1">
+              <a:lnSpc>
+                <a:spcPct val="90000"/>
+              </a:lnSpc>
+              <a:spcBef>
+                <a:spcPts val="0"/>
+              </a:spcBef>
+              <a:spcAft>
+                <a:spcPts val="0"/>
+              </a:spcAft>
+              <a:buClr>
+                <a:schemeClr val="lt1"/>
+              </a:buClr>
+              <a:buSzPts val="5500"/>
+              <a:buFont typeface="Bebas Neue"/>
+              <a:buNone/>
+              <a:defRPr sz="7333" b="0" i="0" u="none" strike="noStrike" cap="none">
+                <a:solidFill>
+                  <a:schemeClr val="lt1"/>
+                </a:solidFill>
+                <a:latin typeface="Bebas Neue"/>
+                <a:ea typeface="Bebas Neue"/>
+                <a:cs typeface="Bebas Neue"/>
+                <a:sym typeface="Bebas Neue"/>
+              </a:defRPr>
+            </a:lvl7pPr>
+            <a:lvl8pPr marR="0" lvl="7" algn="ctr" rtl="0" eaLnBrk="1" hangingPunct="1">
+              <a:lnSpc>
+                <a:spcPct val="90000"/>
+              </a:lnSpc>
+              <a:spcBef>
+                <a:spcPts val="0"/>
+              </a:spcBef>
+              <a:spcAft>
+                <a:spcPts val="0"/>
+              </a:spcAft>
+              <a:buClr>
+                <a:schemeClr val="lt1"/>
+              </a:buClr>
+              <a:buSzPts val="5500"/>
+              <a:buFont typeface="Bebas Neue"/>
+              <a:buNone/>
+              <a:defRPr sz="7333" b="0" i="0" u="none" strike="noStrike" cap="none">
+                <a:solidFill>
+                  <a:schemeClr val="lt1"/>
+                </a:solidFill>
+                <a:latin typeface="Bebas Neue"/>
+                <a:ea typeface="Bebas Neue"/>
+                <a:cs typeface="Bebas Neue"/>
+                <a:sym typeface="Bebas Neue"/>
+              </a:defRPr>
+            </a:lvl8pPr>
+            <a:lvl9pPr marR="0" lvl="8" algn="ctr" rtl="0" eaLnBrk="1" hangingPunct="1">
+              <a:lnSpc>
+                <a:spcPct val="90000"/>
+              </a:lnSpc>
+              <a:spcBef>
+                <a:spcPts val="0"/>
+              </a:spcBef>
+              <a:spcAft>
+                <a:spcPts val="0"/>
+              </a:spcAft>
+              <a:buClr>
+                <a:schemeClr val="lt1"/>
+              </a:buClr>
+              <a:buSzPts val="5500"/>
+              <a:buFont typeface="Bebas Neue"/>
+              <a:buNone/>
+              <a:defRPr sz="7333" b="0" i="0" u="none" strike="noStrike" cap="none">
+                <a:solidFill>
+                  <a:schemeClr val="lt1"/>
+                </a:solidFill>
+                <a:latin typeface="Bebas Neue"/>
+                <a:ea typeface="Bebas Neue"/>
+                <a:cs typeface="Bebas Neue"/>
+                <a:sym typeface="Bebas Neue"/>
+              </a:defRPr>
+            </a:lvl9pPr>
+          </a:lstStyle>
+          <a:p>
+            <a:r>
+              <a:rPr lang="fr-CH" sz="1600" dirty="0"/>
+              <a:t>Maxime Bugnion, Matteo Meyer</a:t>
+            </a:r>
+          </a:p>
+          <a:p>
+            <a:r>
+              <a:rPr lang="fr-CH" sz="1600" dirty="0"/>
+              <a:t>3M1</a:t>
+            </a:r>
+          </a:p>
+        </p:txBody>
+      </p:sp>
     </p:spTree>
     <p:extLst>
       <p:ext uri="{BB962C8B-B14F-4D97-AF65-F5344CB8AC3E}">
@@ -18826,6 +19121,301 @@
           </a:xfrm>
         </p:spPr>
       </p:pic>
+      <p:sp>
+        <p:nvSpPr>
+          <p:cNvPr id="6" name="Titre 1">
+            <a:extLst>
+              <a:ext uri="{FF2B5EF4-FFF2-40B4-BE49-F238E27FC236}">
+                <a16:creationId xmlns:a16="http://schemas.microsoft.com/office/drawing/2014/main" id="{6F25B20A-D31F-45F6-BF1E-4B11C5BC0EFC}"/>
+              </a:ext>
+            </a:extLst>
+          </p:cNvPr>
+          <p:cNvSpPr txBox="1">
+            <a:spLocks/>
+          </p:cNvSpPr>
+          <p:nvPr/>
+        </p:nvSpPr>
+        <p:spPr>
+          <a:xfrm>
+            <a:off x="914400" y="5927935"/>
+            <a:ext cx="10363200" cy="810400"/>
+          </a:xfrm>
+          <a:prstGeom prst="rect">
+            <a:avLst/>
+          </a:prstGeom>
+          <a:noFill/>
+          <a:ln>
+            <a:noFill/>
+          </a:ln>
+          <a:effectLst>
+            <a:reflection stA="25000" endPos="60000" fadeDir="5400012" sy="-100000" algn="bl" rotWithShape="0"/>
+          </a:effectLst>
+        </p:spPr>
+        <p:txBody>
+          <a:bodyPr spcFirstLastPara="1" wrap="square" lIns="0" tIns="0" rIns="0" bIns="0" anchor="t" anchorCtr="0">
+            <a:noAutofit/>
+          </a:bodyPr>
+          <a:lstStyle>
+            <a:defPPr marR="0" lvl="0" algn="l" rtl="0">
+              <a:lnSpc>
+                <a:spcPct val="100000"/>
+              </a:lnSpc>
+              <a:spcBef>
+                <a:spcPts val="0"/>
+              </a:spcBef>
+              <a:spcAft>
+                <a:spcPts val="0"/>
+              </a:spcAft>
+            </a:defPPr>
+            <a:lvl1pPr marR="0" lvl="0" algn="ctr" rtl="0" eaLnBrk="1" hangingPunct="1">
+              <a:lnSpc>
+                <a:spcPct val="90000"/>
+              </a:lnSpc>
+              <a:spcBef>
+                <a:spcPts val="0"/>
+              </a:spcBef>
+              <a:spcAft>
+                <a:spcPts val="0"/>
+              </a:spcAft>
+              <a:buClr>
+                <a:schemeClr val="lt1"/>
+              </a:buClr>
+              <a:buSzPts val="5500"/>
+              <a:buFont typeface="Bebas Neue"/>
+              <a:buNone/>
+              <a:defRPr sz="7333" b="0" i="0" u="none" strike="noStrike" cap="none">
+                <a:solidFill>
+                  <a:schemeClr val="lt1"/>
+                </a:solidFill>
+                <a:latin typeface="Bebas Neue"/>
+                <a:ea typeface="Bebas Neue"/>
+                <a:cs typeface="Bebas Neue"/>
+                <a:sym typeface="Bebas Neue"/>
+              </a:defRPr>
+            </a:lvl1pPr>
+            <a:lvl2pPr marR="0" lvl="1" algn="ctr" rtl="0" eaLnBrk="1" hangingPunct="1">
+              <a:lnSpc>
+                <a:spcPct val="90000"/>
+              </a:lnSpc>
+              <a:spcBef>
+                <a:spcPts val="0"/>
+              </a:spcBef>
+              <a:spcAft>
+                <a:spcPts val="0"/>
+              </a:spcAft>
+              <a:buClr>
+                <a:schemeClr val="lt1"/>
+              </a:buClr>
+              <a:buSzPts val="5500"/>
+              <a:buFont typeface="Bebas Neue"/>
+              <a:buNone/>
+              <a:defRPr sz="7333" b="0" i="0" u="none" strike="noStrike" cap="none">
+                <a:solidFill>
+                  <a:schemeClr val="lt1"/>
+                </a:solidFill>
+                <a:latin typeface="Bebas Neue"/>
+                <a:ea typeface="Bebas Neue"/>
+                <a:cs typeface="Bebas Neue"/>
+                <a:sym typeface="Bebas Neue"/>
+              </a:defRPr>
+            </a:lvl2pPr>
+            <a:lvl3pPr marR="0" lvl="2" algn="ctr" rtl="0" eaLnBrk="1" hangingPunct="1">
+              <a:lnSpc>
+                <a:spcPct val="90000"/>
+              </a:lnSpc>
+              <a:spcBef>
+                <a:spcPts val="0"/>
+              </a:spcBef>
+              <a:spcAft>
+                <a:spcPts val="0"/>
+              </a:spcAft>
+              <a:buClr>
+                <a:schemeClr val="lt1"/>
+              </a:buClr>
+              <a:buSzPts val="5500"/>
+              <a:buFont typeface="Bebas Neue"/>
+              <a:buNone/>
+              <a:defRPr sz="7333" b="0" i="0" u="none" strike="noStrike" cap="none">
+                <a:solidFill>
+                  <a:schemeClr val="lt1"/>
+                </a:solidFill>
+                <a:latin typeface="Bebas Neue"/>
+                <a:ea typeface="Bebas Neue"/>
+                <a:cs typeface="Bebas Neue"/>
+                <a:sym typeface="Bebas Neue"/>
+              </a:defRPr>
+            </a:lvl3pPr>
+            <a:lvl4pPr marR="0" lvl="3" algn="ctr" rtl="0" eaLnBrk="1" hangingPunct="1">
+              <a:lnSpc>
+                <a:spcPct val="90000"/>
+              </a:lnSpc>
+              <a:spcBef>
+                <a:spcPts val="0"/>
+              </a:spcBef>
+              <a:spcAft>
+                <a:spcPts val="0"/>
+              </a:spcAft>
+              <a:buClr>
+                <a:schemeClr val="lt1"/>
+              </a:buClr>
+              <a:buSzPts val="5500"/>
+              <a:buFont typeface="Bebas Neue"/>
+              <a:buNone/>
+              <a:defRPr sz="7333" b="0" i="0" u="none" strike="noStrike" cap="none">
+                <a:solidFill>
+                  <a:schemeClr val="lt1"/>
+                </a:solidFill>
+                <a:latin typeface="Bebas Neue"/>
+                <a:ea typeface="Bebas Neue"/>
+                <a:cs typeface="Bebas Neue"/>
+                <a:sym typeface="Bebas Neue"/>
+              </a:defRPr>
+            </a:lvl4pPr>
+            <a:lvl5pPr marR="0" lvl="4" algn="ctr" rtl="0" eaLnBrk="1" hangingPunct="1">
+              <a:lnSpc>
+                <a:spcPct val="90000"/>
+              </a:lnSpc>
+              <a:spcBef>
+                <a:spcPts val="0"/>
+              </a:spcBef>
+              <a:spcAft>
+                <a:spcPts val="0"/>
+              </a:spcAft>
+              <a:buClr>
+                <a:schemeClr val="lt1"/>
+              </a:buClr>
+              <a:buSzPts val="5500"/>
+              <a:buFont typeface="Bebas Neue"/>
+              <a:buNone/>
+              <a:defRPr sz="7333" b="0" i="0" u="none" strike="noStrike" cap="none">
+                <a:solidFill>
+                  <a:schemeClr val="lt1"/>
+                </a:solidFill>
+                <a:latin typeface="Bebas Neue"/>
+                <a:ea typeface="Bebas Neue"/>
+                <a:cs typeface="Bebas Neue"/>
+                <a:sym typeface="Bebas Neue"/>
+              </a:defRPr>
+            </a:lvl5pPr>
+            <a:lvl6pPr marR="0" lvl="5" algn="ctr" rtl="0" eaLnBrk="1" hangingPunct="1">
+              <a:lnSpc>
+                <a:spcPct val="90000"/>
+              </a:lnSpc>
+              <a:spcBef>
+                <a:spcPts val="0"/>
+              </a:spcBef>
+              <a:spcAft>
+                <a:spcPts val="0"/>
+              </a:spcAft>
+              <a:buClr>
+                <a:schemeClr val="lt1"/>
+              </a:buClr>
+              <a:buSzPts val="5500"/>
+              <a:buFont typeface="Bebas Neue"/>
+              <a:buNone/>
+              <a:defRPr sz="7333" b="0" i="0" u="none" strike="noStrike" cap="none">
+                <a:solidFill>
+                  <a:schemeClr val="lt1"/>
+                </a:solidFill>
+                <a:latin typeface="Bebas Neue"/>
+                <a:ea typeface="Bebas Neue"/>
+                <a:cs typeface="Bebas Neue"/>
+                <a:sym typeface="Bebas Neue"/>
+              </a:defRPr>
+            </a:lvl6pPr>
+            <a:lvl7pPr marR="0" lvl="6" algn="ctr" rtl="0" eaLnBrk="1" hangingPunct="1">
+              <a:lnSpc>
+                <a:spcPct val="90000"/>
+              </a:lnSpc>
+              <a:spcBef>
+                <a:spcPts val="0"/>
+              </a:spcBef>
+              <a:spcAft>
+                <a:spcPts val="0"/>
+              </a:spcAft>
+              <a:buClr>
+                <a:schemeClr val="lt1"/>
+              </a:buClr>
+              <a:buSzPts val="5500"/>
+              <a:buFont typeface="Bebas Neue"/>
+              <a:buNone/>
+              <a:defRPr sz="7333" b="0" i="0" u="none" strike="noStrike" cap="none">
+                <a:solidFill>
+                  <a:schemeClr val="lt1"/>
+                </a:solidFill>
+                <a:latin typeface="Bebas Neue"/>
+                <a:ea typeface="Bebas Neue"/>
+                <a:cs typeface="Bebas Neue"/>
+                <a:sym typeface="Bebas Neue"/>
+              </a:defRPr>
+            </a:lvl7pPr>
+            <a:lvl8pPr marR="0" lvl="7" algn="ctr" rtl="0" eaLnBrk="1" hangingPunct="1">
+              <a:lnSpc>
+                <a:spcPct val="90000"/>
+              </a:lnSpc>
+              <a:spcBef>
+                <a:spcPts val="0"/>
+              </a:spcBef>
+              <a:spcAft>
+                <a:spcPts val="0"/>
+              </a:spcAft>
+              <a:buClr>
+                <a:schemeClr val="lt1"/>
+              </a:buClr>
+              <a:buSzPts val="5500"/>
+              <a:buFont typeface="Bebas Neue"/>
+              <a:buNone/>
+              <a:defRPr sz="7333" b="0" i="0" u="none" strike="noStrike" cap="none">
+                <a:solidFill>
+                  <a:schemeClr val="lt1"/>
+                </a:solidFill>
+                <a:latin typeface="Bebas Neue"/>
+                <a:ea typeface="Bebas Neue"/>
+                <a:cs typeface="Bebas Neue"/>
+                <a:sym typeface="Bebas Neue"/>
+              </a:defRPr>
+            </a:lvl8pPr>
+            <a:lvl9pPr marR="0" lvl="8" algn="ctr" rtl="0" eaLnBrk="1" hangingPunct="1">
+              <a:lnSpc>
+                <a:spcPct val="90000"/>
+              </a:lnSpc>
+              <a:spcBef>
+                <a:spcPts val="0"/>
+              </a:spcBef>
+              <a:spcAft>
+                <a:spcPts val="0"/>
+              </a:spcAft>
+              <a:buClr>
+                <a:schemeClr val="lt1"/>
+              </a:buClr>
+              <a:buSzPts val="5500"/>
+              <a:buFont typeface="Bebas Neue"/>
+              <a:buNone/>
+              <a:defRPr sz="7333" b="0" i="0" u="none" strike="noStrike" cap="none">
+                <a:solidFill>
+                  <a:schemeClr val="lt1"/>
+                </a:solidFill>
+                <a:latin typeface="Bebas Neue"/>
+                <a:ea typeface="Bebas Neue"/>
+                <a:cs typeface="Bebas Neue"/>
+                <a:sym typeface="Bebas Neue"/>
+              </a:defRPr>
+            </a:lvl9pPr>
+          </a:lstStyle>
+          <a:p>
+            <a:r>
+              <a:rPr lang="fr-CH" sz="1600" dirty="0"/>
+              <a:t>Maxime Bugnion, Matteo Meyer</a:t>
+            </a:r>
+          </a:p>
+          <a:p>
+            <a:r>
+              <a:rPr lang="fr-CH" sz="1600" dirty="0"/>
+              <a:t>3M1</a:t>
+            </a:r>
+          </a:p>
+        </p:txBody>
+      </p:sp>
     </p:spTree>
     <p:extLst>
       <p:ext uri="{BB962C8B-B14F-4D97-AF65-F5344CB8AC3E}">
@@ -19345,6 +19935,301 @@
           </a:xfrm>
         </p:spPr>
       </p:pic>
+      <p:sp>
+        <p:nvSpPr>
+          <p:cNvPr id="6" name="Titre 1">
+            <a:extLst>
+              <a:ext uri="{FF2B5EF4-FFF2-40B4-BE49-F238E27FC236}">
+                <a16:creationId xmlns:a16="http://schemas.microsoft.com/office/drawing/2014/main" id="{4733783B-A88E-46E3-9583-77DE4C58296B}"/>
+              </a:ext>
+            </a:extLst>
+          </p:cNvPr>
+          <p:cNvSpPr txBox="1">
+            <a:spLocks/>
+          </p:cNvSpPr>
+          <p:nvPr/>
+        </p:nvSpPr>
+        <p:spPr>
+          <a:xfrm>
+            <a:off x="914400" y="5927935"/>
+            <a:ext cx="10363200" cy="810400"/>
+          </a:xfrm>
+          <a:prstGeom prst="rect">
+            <a:avLst/>
+          </a:prstGeom>
+          <a:noFill/>
+          <a:ln>
+            <a:noFill/>
+          </a:ln>
+          <a:effectLst>
+            <a:reflection stA="25000" endPos="60000" fadeDir="5400012" sy="-100000" algn="bl" rotWithShape="0"/>
+          </a:effectLst>
+        </p:spPr>
+        <p:txBody>
+          <a:bodyPr spcFirstLastPara="1" wrap="square" lIns="0" tIns="0" rIns="0" bIns="0" anchor="t" anchorCtr="0">
+            <a:noAutofit/>
+          </a:bodyPr>
+          <a:lstStyle>
+            <a:defPPr marR="0" lvl="0" algn="l" rtl="0">
+              <a:lnSpc>
+                <a:spcPct val="100000"/>
+              </a:lnSpc>
+              <a:spcBef>
+                <a:spcPts val="0"/>
+              </a:spcBef>
+              <a:spcAft>
+                <a:spcPts val="0"/>
+              </a:spcAft>
+            </a:defPPr>
+            <a:lvl1pPr marR="0" lvl="0" algn="ctr" rtl="0" eaLnBrk="1" hangingPunct="1">
+              <a:lnSpc>
+                <a:spcPct val="90000"/>
+              </a:lnSpc>
+              <a:spcBef>
+                <a:spcPts val="0"/>
+              </a:spcBef>
+              <a:spcAft>
+                <a:spcPts val="0"/>
+              </a:spcAft>
+              <a:buClr>
+                <a:schemeClr val="lt1"/>
+              </a:buClr>
+              <a:buSzPts val="5500"/>
+              <a:buFont typeface="Bebas Neue"/>
+              <a:buNone/>
+              <a:defRPr sz="7333" b="0" i="0" u="none" strike="noStrike" cap="none">
+                <a:solidFill>
+                  <a:schemeClr val="lt1"/>
+                </a:solidFill>
+                <a:latin typeface="Bebas Neue"/>
+                <a:ea typeface="Bebas Neue"/>
+                <a:cs typeface="Bebas Neue"/>
+                <a:sym typeface="Bebas Neue"/>
+              </a:defRPr>
+            </a:lvl1pPr>
+            <a:lvl2pPr marR="0" lvl="1" algn="ctr" rtl="0" eaLnBrk="1" hangingPunct="1">
+              <a:lnSpc>
+                <a:spcPct val="90000"/>
+              </a:lnSpc>
+              <a:spcBef>
+                <a:spcPts val="0"/>
+              </a:spcBef>
+              <a:spcAft>
+                <a:spcPts val="0"/>
+              </a:spcAft>
+              <a:buClr>
+                <a:schemeClr val="lt1"/>
+              </a:buClr>
+              <a:buSzPts val="5500"/>
+              <a:buFont typeface="Bebas Neue"/>
+              <a:buNone/>
+              <a:defRPr sz="7333" b="0" i="0" u="none" strike="noStrike" cap="none">
+                <a:solidFill>
+                  <a:schemeClr val="lt1"/>
+                </a:solidFill>
+                <a:latin typeface="Bebas Neue"/>
+                <a:ea typeface="Bebas Neue"/>
+                <a:cs typeface="Bebas Neue"/>
+                <a:sym typeface="Bebas Neue"/>
+              </a:defRPr>
+            </a:lvl2pPr>
+            <a:lvl3pPr marR="0" lvl="2" algn="ctr" rtl="0" eaLnBrk="1" hangingPunct="1">
+              <a:lnSpc>
+                <a:spcPct val="90000"/>
+              </a:lnSpc>
+              <a:spcBef>
+                <a:spcPts val="0"/>
+              </a:spcBef>
+              <a:spcAft>
+                <a:spcPts val="0"/>
+              </a:spcAft>
+              <a:buClr>
+                <a:schemeClr val="lt1"/>
+              </a:buClr>
+              <a:buSzPts val="5500"/>
+              <a:buFont typeface="Bebas Neue"/>
+              <a:buNone/>
+              <a:defRPr sz="7333" b="0" i="0" u="none" strike="noStrike" cap="none">
+                <a:solidFill>
+                  <a:schemeClr val="lt1"/>
+                </a:solidFill>
+                <a:latin typeface="Bebas Neue"/>
+                <a:ea typeface="Bebas Neue"/>
+                <a:cs typeface="Bebas Neue"/>
+                <a:sym typeface="Bebas Neue"/>
+              </a:defRPr>
+            </a:lvl3pPr>
+            <a:lvl4pPr marR="0" lvl="3" algn="ctr" rtl="0" eaLnBrk="1" hangingPunct="1">
+              <a:lnSpc>
+                <a:spcPct val="90000"/>
+              </a:lnSpc>
+              <a:spcBef>
+                <a:spcPts val="0"/>
+              </a:spcBef>
+              <a:spcAft>
+                <a:spcPts val="0"/>
+              </a:spcAft>
+              <a:buClr>
+                <a:schemeClr val="lt1"/>
+              </a:buClr>
+              <a:buSzPts val="5500"/>
+              <a:buFont typeface="Bebas Neue"/>
+              <a:buNone/>
+              <a:defRPr sz="7333" b="0" i="0" u="none" strike="noStrike" cap="none">
+                <a:solidFill>
+                  <a:schemeClr val="lt1"/>
+                </a:solidFill>
+                <a:latin typeface="Bebas Neue"/>
+                <a:ea typeface="Bebas Neue"/>
+                <a:cs typeface="Bebas Neue"/>
+                <a:sym typeface="Bebas Neue"/>
+              </a:defRPr>
+            </a:lvl4pPr>
+            <a:lvl5pPr marR="0" lvl="4" algn="ctr" rtl="0" eaLnBrk="1" hangingPunct="1">
+              <a:lnSpc>
+                <a:spcPct val="90000"/>
+              </a:lnSpc>
+              <a:spcBef>
+                <a:spcPts val="0"/>
+              </a:spcBef>
+              <a:spcAft>
+                <a:spcPts val="0"/>
+              </a:spcAft>
+              <a:buClr>
+                <a:schemeClr val="lt1"/>
+              </a:buClr>
+              <a:buSzPts val="5500"/>
+              <a:buFont typeface="Bebas Neue"/>
+              <a:buNone/>
+              <a:defRPr sz="7333" b="0" i="0" u="none" strike="noStrike" cap="none">
+                <a:solidFill>
+                  <a:schemeClr val="lt1"/>
+                </a:solidFill>
+                <a:latin typeface="Bebas Neue"/>
+                <a:ea typeface="Bebas Neue"/>
+                <a:cs typeface="Bebas Neue"/>
+                <a:sym typeface="Bebas Neue"/>
+              </a:defRPr>
+            </a:lvl5pPr>
+            <a:lvl6pPr marR="0" lvl="5" algn="ctr" rtl="0" eaLnBrk="1" hangingPunct="1">
+              <a:lnSpc>
+                <a:spcPct val="90000"/>
+              </a:lnSpc>
+              <a:spcBef>
+                <a:spcPts val="0"/>
+              </a:spcBef>
+              <a:spcAft>
+                <a:spcPts val="0"/>
+              </a:spcAft>
+              <a:buClr>
+                <a:schemeClr val="lt1"/>
+              </a:buClr>
+              <a:buSzPts val="5500"/>
+              <a:buFont typeface="Bebas Neue"/>
+              <a:buNone/>
+              <a:defRPr sz="7333" b="0" i="0" u="none" strike="noStrike" cap="none">
+                <a:solidFill>
+                  <a:schemeClr val="lt1"/>
+                </a:solidFill>
+                <a:latin typeface="Bebas Neue"/>
+                <a:ea typeface="Bebas Neue"/>
+                <a:cs typeface="Bebas Neue"/>
+                <a:sym typeface="Bebas Neue"/>
+              </a:defRPr>
+            </a:lvl6pPr>
+            <a:lvl7pPr marR="0" lvl="6" algn="ctr" rtl="0" eaLnBrk="1" hangingPunct="1">
+              <a:lnSpc>
+                <a:spcPct val="90000"/>
+              </a:lnSpc>
+              <a:spcBef>
+                <a:spcPts val="0"/>
+              </a:spcBef>
+              <a:spcAft>
+                <a:spcPts val="0"/>
+              </a:spcAft>
+              <a:buClr>
+                <a:schemeClr val="lt1"/>
+              </a:buClr>
+              <a:buSzPts val="5500"/>
+              <a:buFont typeface="Bebas Neue"/>
+              <a:buNone/>
+              <a:defRPr sz="7333" b="0" i="0" u="none" strike="noStrike" cap="none">
+                <a:solidFill>
+                  <a:schemeClr val="lt1"/>
+                </a:solidFill>
+                <a:latin typeface="Bebas Neue"/>
+                <a:ea typeface="Bebas Neue"/>
+                <a:cs typeface="Bebas Neue"/>
+                <a:sym typeface="Bebas Neue"/>
+              </a:defRPr>
+            </a:lvl7pPr>
+            <a:lvl8pPr marR="0" lvl="7" algn="ctr" rtl="0" eaLnBrk="1" hangingPunct="1">
+              <a:lnSpc>
+                <a:spcPct val="90000"/>
+              </a:lnSpc>
+              <a:spcBef>
+                <a:spcPts val="0"/>
+              </a:spcBef>
+              <a:spcAft>
+                <a:spcPts val="0"/>
+              </a:spcAft>
+              <a:buClr>
+                <a:schemeClr val="lt1"/>
+              </a:buClr>
+              <a:buSzPts val="5500"/>
+              <a:buFont typeface="Bebas Neue"/>
+              <a:buNone/>
+              <a:defRPr sz="7333" b="0" i="0" u="none" strike="noStrike" cap="none">
+                <a:solidFill>
+                  <a:schemeClr val="lt1"/>
+                </a:solidFill>
+                <a:latin typeface="Bebas Neue"/>
+                <a:ea typeface="Bebas Neue"/>
+                <a:cs typeface="Bebas Neue"/>
+                <a:sym typeface="Bebas Neue"/>
+              </a:defRPr>
+            </a:lvl8pPr>
+            <a:lvl9pPr marR="0" lvl="8" algn="ctr" rtl="0" eaLnBrk="1" hangingPunct="1">
+              <a:lnSpc>
+                <a:spcPct val="90000"/>
+              </a:lnSpc>
+              <a:spcBef>
+                <a:spcPts val="0"/>
+              </a:spcBef>
+              <a:spcAft>
+                <a:spcPts val="0"/>
+              </a:spcAft>
+              <a:buClr>
+                <a:schemeClr val="lt1"/>
+              </a:buClr>
+              <a:buSzPts val="5500"/>
+              <a:buFont typeface="Bebas Neue"/>
+              <a:buNone/>
+              <a:defRPr sz="7333" b="0" i="0" u="none" strike="noStrike" cap="none">
+                <a:solidFill>
+                  <a:schemeClr val="lt1"/>
+                </a:solidFill>
+                <a:latin typeface="Bebas Neue"/>
+                <a:ea typeface="Bebas Neue"/>
+                <a:cs typeface="Bebas Neue"/>
+                <a:sym typeface="Bebas Neue"/>
+              </a:defRPr>
+            </a:lvl9pPr>
+          </a:lstStyle>
+          <a:p>
+            <a:r>
+              <a:rPr lang="fr-CH" sz="1600" dirty="0"/>
+              <a:t>Maxime Bugnion, Matteo Meyer</a:t>
+            </a:r>
+          </a:p>
+          <a:p>
+            <a:r>
+              <a:rPr lang="fr-CH" sz="1600" dirty="0"/>
+              <a:t>3M1</a:t>
+            </a:r>
+          </a:p>
+        </p:txBody>
+      </p:sp>
     </p:spTree>
     <p:extLst>
       <p:ext uri="{BB962C8B-B14F-4D97-AF65-F5344CB8AC3E}">
@@ -22699,8 +23584,8 @@
         </p:blipFill>
         <p:spPr>
           <a:xfrm>
-            <a:off x="2747486" y="868998"/>
-            <a:ext cx="6697028" cy="5425336"/>
+            <a:off x="2620269" y="868998"/>
+            <a:ext cx="6951462" cy="5631456"/>
           </a:xfrm>
           <a:prstGeom prst="rect">
             <a:avLst/>

--- a/game/copie modifs/examen oral.pptx
+++ b/game/copie modifs/examen oral.pptx
@@ -363,7 +363,7 @@
           <a:p>
             <a:fld id="{683C1052-1DDE-E048-83ED-6645F631790F}" type="datetimeFigureOut">
               <a:rPr lang="fr-FR" smtClean="0"/>
-              <a:t>17/06/2021</a:t>
+              <a:t>18/06/2021</a:t>
             </a:fld>
             <a:endParaRPr lang="fr-FR"/>
           </a:p>
@@ -628,6 +628,2007 @@
     </a:lvl9pPr>
   </p:notesStyle>
 </p:notesMaster>
+</file>
+
+<file path=ppt/notesSlides/notesSlide1.xml><?xml version="1.0" encoding="utf-8"?>
+<p:notes xmlns:a="http://schemas.openxmlformats.org/drawingml/2006/main" xmlns:r="http://schemas.openxmlformats.org/officeDocument/2006/relationships" xmlns:p="http://schemas.openxmlformats.org/presentationml/2006/main">
+  <p:cSld>
+    <p:spTree>
+      <p:nvGrpSpPr>
+        <p:cNvPr id="1" name=""/>
+        <p:cNvGrpSpPr/>
+        <p:nvPr/>
+      </p:nvGrpSpPr>
+      <p:grpSpPr>
+        <a:xfrm>
+          <a:off x="0" y="0"/>
+          <a:ext cx="0" cy="0"/>
+          <a:chOff x="0" y="0"/>
+          <a:chExt cx="0" cy="0"/>
+        </a:xfrm>
+      </p:grpSpPr>
+      <p:sp>
+        <p:nvSpPr>
+          <p:cNvPr id="2" name="Espace réservé de l'image des diapositives 1"/>
+          <p:cNvSpPr>
+            <a:spLocks noGrp="1" noRot="1" noChangeAspect="1"/>
+          </p:cNvSpPr>
+          <p:nvPr>
+            <p:ph type="sldImg"/>
+          </p:nvPr>
+        </p:nvSpPr>
+        <p:spPr/>
+      </p:sp>
+      <p:sp>
+        <p:nvSpPr>
+          <p:cNvPr id="3" name="Espace réservé des notes 2"/>
+          <p:cNvSpPr>
+            <a:spLocks noGrp="1"/>
+          </p:cNvSpPr>
+          <p:nvPr>
+            <p:ph type="body" idx="1"/>
+          </p:nvPr>
+        </p:nvSpPr>
+        <p:spPr/>
+        <p:txBody>
+          <a:bodyPr/>
+          <a:lstStyle/>
+          <a:p>
+            <a:r>
+              <a:rPr lang="fr-CH" dirty="0"/>
+              <a:t>Matteo</a:t>
+            </a:r>
+          </a:p>
+        </p:txBody>
+      </p:sp>
+      <p:sp>
+        <p:nvSpPr>
+          <p:cNvPr id="4" name="Espace réservé du numéro de diapositive 3"/>
+          <p:cNvSpPr>
+            <a:spLocks noGrp="1"/>
+          </p:cNvSpPr>
+          <p:nvPr>
+            <p:ph type="sldNum" sz="quarter" idx="5"/>
+          </p:nvPr>
+        </p:nvSpPr>
+        <p:spPr/>
+        <p:txBody>
+          <a:bodyPr/>
+          <a:lstStyle/>
+          <a:p>
+            <a:fld id="{C5BC8565-3BE2-E84B-97A0-FA785777CB34}" type="slidenum">
+              <a:rPr lang="fr-FR" smtClean="0"/>
+              <a:t>2</a:t>
+            </a:fld>
+            <a:endParaRPr lang="fr-FR"/>
+          </a:p>
+        </p:txBody>
+      </p:sp>
+    </p:spTree>
+    <p:extLst>
+      <p:ext uri="{BB962C8B-B14F-4D97-AF65-F5344CB8AC3E}">
+        <p14:creationId xmlns:p14="http://schemas.microsoft.com/office/powerpoint/2010/main" val="1866391952"/>
+      </p:ext>
+    </p:extLst>
+  </p:cSld>
+  <p:clrMapOvr>
+    <a:masterClrMapping/>
+  </p:clrMapOvr>
+</p:notes>
+</file>
+
+<file path=ppt/notesSlides/notesSlide10.xml><?xml version="1.0" encoding="utf-8"?>
+<p:notes xmlns:a="http://schemas.openxmlformats.org/drawingml/2006/main" xmlns:r="http://schemas.openxmlformats.org/officeDocument/2006/relationships" xmlns:p="http://schemas.openxmlformats.org/presentationml/2006/main">
+  <p:cSld>
+    <p:spTree>
+      <p:nvGrpSpPr>
+        <p:cNvPr id="1" name=""/>
+        <p:cNvGrpSpPr/>
+        <p:nvPr/>
+      </p:nvGrpSpPr>
+      <p:grpSpPr>
+        <a:xfrm>
+          <a:off x="0" y="0"/>
+          <a:ext cx="0" cy="0"/>
+          <a:chOff x="0" y="0"/>
+          <a:chExt cx="0" cy="0"/>
+        </a:xfrm>
+      </p:grpSpPr>
+      <p:sp>
+        <p:nvSpPr>
+          <p:cNvPr id="2" name="Espace réservé de l'image des diapositives 1"/>
+          <p:cNvSpPr>
+            <a:spLocks noGrp="1" noRot="1" noChangeAspect="1"/>
+          </p:cNvSpPr>
+          <p:nvPr>
+            <p:ph type="sldImg"/>
+          </p:nvPr>
+        </p:nvSpPr>
+        <p:spPr/>
+      </p:sp>
+      <p:sp>
+        <p:nvSpPr>
+          <p:cNvPr id="3" name="Espace réservé des notes 2"/>
+          <p:cNvSpPr>
+            <a:spLocks noGrp="1"/>
+          </p:cNvSpPr>
+          <p:nvPr>
+            <p:ph type="body" idx="1"/>
+          </p:nvPr>
+        </p:nvSpPr>
+        <p:spPr/>
+        <p:txBody>
+          <a:bodyPr/>
+          <a:lstStyle/>
+          <a:p>
+            <a:r>
+              <a:rPr lang="fr-CH" dirty="0"/>
+              <a:t>Maxime</a:t>
+            </a:r>
+          </a:p>
+        </p:txBody>
+      </p:sp>
+      <p:sp>
+        <p:nvSpPr>
+          <p:cNvPr id="4" name="Espace réservé du numéro de diapositive 3"/>
+          <p:cNvSpPr>
+            <a:spLocks noGrp="1"/>
+          </p:cNvSpPr>
+          <p:nvPr>
+            <p:ph type="sldNum" sz="quarter" idx="5"/>
+          </p:nvPr>
+        </p:nvSpPr>
+        <p:spPr/>
+        <p:txBody>
+          <a:bodyPr/>
+          <a:lstStyle/>
+          <a:p>
+            <a:fld id="{C5BC8565-3BE2-E84B-97A0-FA785777CB34}" type="slidenum">
+              <a:rPr lang="fr-FR" smtClean="0"/>
+              <a:t>11</a:t>
+            </a:fld>
+            <a:endParaRPr lang="fr-FR"/>
+          </a:p>
+        </p:txBody>
+      </p:sp>
+    </p:spTree>
+    <p:extLst>
+      <p:ext uri="{BB962C8B-B14F-4D97-AF65-F5344CB8AC3E}">
+        <p14:creationId xmlns:p14="http://schemas.microsoft.com/office/powerpoint/2010/main" val="233993800"/>
+      </p:ext>
+    </p:extLst>
+  </p:cSld>
+  <p:clrMapOvr>
+    <a:masterClrMapping/>
+  </p:clrMapOvr>
+</p:notes>
+</file>
+
+<file path=ppt/notesSlides/notesSlide11.xml><?xml version="1.0" encoding="utf-8"?>
+<p:notes xmlns:a="http://schemas.openxmlformats.org/drawingml/2006/main" xmlns:r="http://schemas.openxmlformats.org/officeDocument/2006/relationships" xmlns:p="http://schemas.openxmlformats.org/presentationml/2006/main">
+  <p:cSld>
+    <p:spTree>
+      <p:nvGrpSpPr>
+        <p:cNvPr id="1" name=""/>
+        <p:cNvGrpSpPr/>
+        <p:nvPr/>
+      </p:nvGrpSpPr>
+      <p:grpSpPr>
+        <a:xfrm>
+          <a:off x="0" y="0"/>
+          <a:ext cx="0" cy="0"/>
+          <a:chOff x="0" y="0"/>
+          <a:chExt cx="0" cy="0"/>
+        </a:xfrm>
+      </p:grpSpPr>
+      <p:sp>
+        <p:nvSpPr>
+          <p:cNvPr id="2" name="Espace réservé de l'image des diapositives 1"/>
+          <p:cNvSpPr>
+            <a:spLocks noGrp="1" noRot="1" noChangeAspect="1"/>
+          </p:cNvSpPr>
+          <p:nvPr>
+            <p:ph type="sldImg"/>
+          </p:nvPr>
+        </p:nvSpPr>
+        <p:spPr/>
+      </p:sp>
+      <p:sp>
+        <p:nvSpPr>
+          <p:cNvPr id="3" name="Espace réservé des notes 2"/>
+          <p:cNvSpPr>
+            <a:spLocks noGrp="1"/>
+          </p:cNvSpPr>
+          <p:nvPr>
+            <p:ph type="body" idx="1"/>
+          </p:nvPr>
+        </p:nvSpPr>
+        <p:spPr/>
+        <p:txBody>
+          <a:bodyPr/>
+          <a:lstStyle/>
+          <a:p>
+            <a:r>
+              <a:rPr lang="fr-CH" dirty="0"/>
+              <a:t>Matteo</a:t>
+            </a:r>
+          </a:p>
+        </p:txBody>
+      </p:sp>
+      <p:sp>
+        <p:nvSpPr>
+          <p:cNvPr id="4" name="Espace réservé du numéro de diapositive 3"/>
+          <p:cNvSpPr>
+            <a:spLocks noGrp="1"/>
+          </p:cNvSpPr>
+          <p:nvPr>
+            <p:ph type="sldNum" sz="quarter" idx="5"/>
+          </p:nvPr>
+        </p:nvSpPr>
+        <p:spPr/>
+        <p:txBody>
+          <a:bodyPr/>
+          <a:lstStyle/>
+          <a:p>
+            <a:fld id="{C5BC8565-3BE2-E84B-97A0-FA785777CB34}" type="slidenum">
+              <a:rPr lang="fr-FR" smtClean="0"/>
+              <a:t>12</a:t>
+            </a:fld>
+            <a:endParaRPr lang="fr-FR"/>
+          </a:p>
+        </p:txBody>
+      </p:sp>
+    </p:spTree>
+    <p:extLst>
+      <p:ext uri="{BB962C8B-B14F-4D97-AF65-F5344CB8AC3E}">
+        <p14:creationId xmlns:p14="http://schemas.microsoft.com/office/powerpoint/2010/main" val="3018874407"/>
+      </p:ext>
+    </p:extLst>
+  </p:cSld>
+  <p:clrMapOvr>
+    <a:masterClrMapping/>
+  </p:clrMapOvr>
+</p:notes>
+</file>
+
+<file path=ppt/notesSlides/notesSlide12.xml><?xml version="1.0" encoding="utf-8"?>
+<p:notes xmlns:a="http://schemas.openxmlformats.org/drawingml/2006/main" xmlns:r="http://schemas.openxmlformats.org/officeDocument/2006/relationships" xmlns:p="http://schemas.openxmlformats.org/presentationml/2006/main">
+  <p:cSld>
+    <p:spTree>
+      <p:nvGrpSpPr>
+        <p:cNvPr id="1" name=""/>
+        <p:cNvGrpSpPr/>
+        <p:nvPr/>
+      </p:nvGrpSpPr>
+      <p:grpSpPr>
+        <a:xfrm>
+          <a:off x="0" y="0"/>
+          <a:ext cx="0" cy="0"/>
+          <a:chOff x="0" y="0"/>
+          <a:chExt cx="0" cy="0"/>
+        </a:xfrm>
+      </p:grpSpPr>
+      <p:sp>
+        <p:nvSpPr>
+          <p:cNvPr id="2" name="Espace réservé de l'image des diapositives 1"/>
+          <p:cNvSpPr>
+            <a:spLocks noGrp="1" noRot="1" noChangeAspect="1"/>
+          </p:cNvSpPr>
+          <p:nvPr>
+            <p:ph type="sldImg"/>
+          </p:nvPr>
+        </p:nvSpPr>
+        <p:spPr/>
+      </p:sp>
+      <p:sp>
+        <p:nvSpPr>
+          <p:cNvPr id="3" name="Espace réservé des notes 2"/>
+          <p:cNvSpPr>
+            <a:spLocks noGrp="1"/>
+          </p:cNvSpPr>
+          <p:nvPr>
+            <p:ph type="body" idx="1"/>
+          </p:nvPr>
+        </p:nvSpPr>
+        <p:spPr/>
+        <p:txBody>
+          <a:bodyPr/>
+          <a:lstStyle/>
+          <a:p>
+            <a:r>
+              <a:rPr lang="fr-CH" dirty="0"/>
+              <a:t>Maxime</a:t>
+            </a:r>
+          </a:p>
+        </p:txBody>
+      </p:sp>
+      <p:sp>
+        <p:nvSpPr>
+          <p:cNvPr id="4" name="Espace réservé du numéro de diapositive 3"/>
+          <p:cNvSpPr>
+            <a:spLocks noGrp="1"/>
+          </p:cNvSpPr>
+          <p:nvPr>
+            <p:ph type="sldNum" sz="quarter" idx="5"/>
+          </p:nvPr>
+        </p:nvSpPr>
+        <p:spPr/>
+        <p:txBody>
+          <a:bodyPr/>
+          <a:lstStyle/>
+          <a:p>
+            <a:fld id="{C5BC8565-3BE2-E84B-97A0-FA785777CB34}" type="slidenum">
+              <a:rPr lang="fr-FR" smtClean="0"/>
+              <a:t>13</a:t>
+            </a:fld>
+            <a:endParaRPr lang="fr-FR"/>
+          </a:p>
+        </p:txBody>
+      </p:sp>
+    </p:spTree>
+    <p:extLst>
+      <p:ext uri="{BB962C8B-B14F-4D97-AF65-F5344CB8AC3E}">
+        <p14:creationId xmlns:p14="http://schemas.microsoft.com/office/powerpoint/2010/main" val="275812289"/>
+      </p:ext>
+    </p:extLst>
+  </p:cSld>
+  <p:clrMapOvr>
+    <a:masterClrMapping/>
+  </p:clrMapOvr>
+</p:notes>
+</file>
+
+<file path=ppt/notesSlides/notesSlide13.xml><?xml version="1.0" encoding="utf-8"?>
+<p:notes xmlns:a="http://schemas.openxmlformats.org/drawingml/2006/main" xmlns:r="http://schemas.openxmlformats.org/officeDocument/2006/relationships" xmlns:p="http://schemas.openxmlformats.org/presentationml/2006/main">
+  <p:cSld>
+    <p:spTree>
+      <p:nvGrpSpPr>
+        <p:cNvPr id="1" name=""/>
+        <p:cNvGrpSpPr/>
+        <p:nvPr/>
+      </p:nvGrpSpPr>
+      <p:grpSpPr>
+        <a:xfrm>
+          <a:off x="0" y="0"/>
+          <a:ext cx="0" cy="0"/>
+          <a:chOff x="0" y="0"/>
+          <a:chExt cx="0" cy="0"/>
+        </a:xfrm>
+      </p:grpSpPr>
+      <p:sp>
+        <p:nvSpPr>
+          <p:cNvPr id="2" name="Espace réservé de l'image des diapositives 1"/>
+          <p:cNvSpPr>
+            <a:spLocks noGrp="1" noRot="1" noChangeAspect="1"/>
+          </p:cNvSpPr>
+          <p:nvPr>
+            <p:ph type="sldImg"/>
+          </p:nvPr>
+        </p:nvSpPr>
+        <p:spPr/>
+      </p:sp>
+      <p:sp>
+        <p:nvSpPr>
+          <p:cNvPr id="3" name="Espace réservé des notes 2"/>
+          <p:cNvSpPr>
+            <a:spLocks noGrp="1"/>
+          </p:cNvSpPr>
+          <p:nvPr>
+            <p:ph type="body" idx="1"/>
+          </p:nvPr>
+        </p:nvSpPr>
+        <p:spPr/>
+        <p:txBody>
+          <a:bodyPr/>
+          <a:lstStyle/>
+          <a:p>
+            <a:r>
+              <a:rPr lang="fr-CH" dirty="0"/>
+              <a:t>Matteo</a:t>
+            </a:r>
+          </a:p>
+        </p:txBody>
+      </p:sp>
+      <p:sp>
+        <p:nvSpPr>
+          <p:cNvPr id="4" name="Espace réservé du numéro de diapositive 3"/>
+          <p:cNvSpPr>
+            <a:spLocks noGrp="1"/>
+          </p:cNvSpPr>
+          <p:nvPr>
+            <p:ph type="sldNum" sz="quarter" idx="5"/>
+          </p:nvPr>
+        </p:nvSpPr>
+        <p:spPr/>
+        <p:txBody>
+          <a:bodyPr/>
+          <a:lstStyle/>
+          <a:p>
+            <a:fld id="{C5BC8565-3BE2-E84B-97A0-FA785777CB34}" type="slidenum">
+              <a:rPr lang="fr-FR" smtClean="0"/>
+              <a:t>14</a:t>
+            </a:fld>
+            <a:endParaRPr lang="fr-FR"/>
+          </a:p>
+        </p:txBody>
+      </p:sp>
+    </p:spTree>
+    <p:extLst>
+      <p:ext uri="{BB962C8B-B14F-4D97-AF65-F5344CB8AC3E}">
+        <p14:creationId xmlns:p14="http://schemas.microsoft.com/office/powerpoint/2010/main" val="2490572224"/>
+      </p:ext>
+    </p:extLst>
+  </p:cSld>
+  <p:clrMapOvr>
+    <a:masterClrMapping/>
+  </p:clrMapOvr>
+</p:notes>
+</file>
+
+<file path=ppt/notesSlides/notesSlide14.xml><?xml version="1.0" encoding="utf-8"?>
+<p:notes xmlns:a="http://schemas.openxmlformats.org/drawingml/2006/main" xmlns:r="http://schemas.openxmlformats.org/officeDocument/2006/relationships" xmlns:p="http://schemas.openxmlformats.org/presentationml/2006/main">
+  <p:cSld>
+    <p:spTree>
+      <p:nvGrpSpPr>
+        <p:cNvPr id="1" name=""/>
+        <p:cNvGrpSpPr/>
+        <p:nvPr/>
+      </p:nvGrpSpPr>
+      <p:grpSpPr>
+        <a:xfrm>
+          <a:off x="0" y="0"/>
+          <a:ext cx="0" cy="0"/>
+          <a:chOff x="0" y="0"/>
+          <a:chExt cx="0" cy="0"/>
+        </a:xfrm>
+      </p:grpSpPr>
+      <p:sp>
+        <p:nvSpPr>
+          <p:cNvPr id="2" name="Espace réservé de l'image des diapositives 1"/>
+          <p:cNvSpPr>
+            <a:spLocks noGrp="1" noRot="1" noChangeAspect="1"/>
+          </p:cNvSpPr>
+          <p:nvPr>
+            <p:ph type="sldImg"/>
+          </p:nvPr>
+        </p:nvSpPr>
+        <p:spPr/>
+      </p:sp>
+      <p:sp>
+        <p:nvSpPr>
+          <p:cNvPr id="3" name="Espace réservé des notes 2"/>
+          <p:cNvSpPr>
+            <a:spLocks noGrp="1"/>
+          </p:cNvSpPr>
+          <p:nvPr>
+            <p:ph type="body" idx="1"/>
+          </p:nvPr>
+        </p:nvSpPr>
+        <p:spPr/>
+        <p:txBody>
+          <a:bodyPr/>
+          <a:lstStyle/>
+          <a:p>
+            <a:r>
+              <a:rPr lang="fr-CH" dirty="0"/>
+              <a:t>Matteo</a:t>
+            </a:r>
+          </a:p>
+        </p:txBody>
+      </p:sp>
+      <p:sp>
+        <p:nvSpPr>
+          <p:cNvPr id="4" name="Espace réservé du numéro de diapositive 3"/>
+          <p:cNvSpPr>
+            <a:spLocks noGrp="1"/>
+          </p:cNvSpPr>
+          <p:nvPr>
+            <p:ph type="sldNum" sz="quarter" idx="5"/>
+          </p:nvPr>
+        </p:nvSpPr>
+        <p:spPr/>
+        <p:txBody>
+          <a:bodyPr/>
+          <a:lstStyle/>
+          <a:p>
+            <a:fld id="{C5BC8565-3BE2-E84B-97A0-FA785777CB34}" type="slidenum">
+              <a:rPr lang="fr-FR" smtClean="0"/>
+              <a:t>15</a:t>
+            </a:fld>
+            <a:endParaRPr lang="fr-FR"/>
+          </a:p>
+        </p:txBody>
+      </p:sp>
+    </p:spTree>
+    <p:extLst>
+      <p:ext uri="{BB962C8B-B14F-4D97-AF65-F5344CB8AC3E}">
+        <p14:creationId xmlns:p14="http://schemas.microsoft.com/office/powerpoint/2010/main" val="3672810902"/>
+      </p:ext>
+    </p:extLst>
+  </p:cSld>
+  <p:clrMapOvr>
+    <a:masterClrMapping/>
+  </p:clrMapOvr>
+</p:notes>
+</file>
+
+<file path=ppt/notesSlides/notesSlide15.xml><?xml version="1.0" encoding="utf-8"?>
+<p:notes xmlns:a="http://schemas.openxmlformats.org/drawingml/2006/main" xmlns:r="http://schemas.openxmlformats.org/officeDocument/2006/relationships" xmlns:p="http://schemas.openxmlformats.org/presentationml/2006/main">
+  <p:cSld>
+    <p:spTree>
+      <p:nvGrpSpPr>
+        <p:cNvPr id="1" name=""/>
+        <p:cNvGrpSpPr/>
+        <p:nvPr/>
+      </p:nvGrpSpPr>
+      <p:grpSpPr>
+        <a:xfrm>
+          <a:off x="0" y="0"/>
+          <a:ext cx="0" cy="0"/>
+          <a:chOff x="0" y="0"/>
+          <a:chExt cx="0" cy="0"/>
+        </a:xfrm>
+      </p:grpSpPr>
+      <p:sp>
+        <p:nvSpPr>
+          <p:cNvPr id="2" name="Espace réservé de l'image des diapositives 1"/>
+          <p:cNvSpPr>
+            <a:spLocks noGrp="1" noRot="1" noChangeAspect="1"/>
+          </p:cNvSpPr>
+          <p:nvPr>
+            <p:ph type="sldImg"/>
+          </p:nvPr>
+        </p:nvSpPr>
+        <p:spPr/>
+      </p:sp>
+      <p:sp>
+        <p:nvSpPr>
+          <p:cNvPr id="3" name="Espace réservé des notes 2"/>
+          <p:cNvSpPr>
+            <a:spLocks noGrp="1"/>
+          </p:cNvSpPr>
+          <p:nvPr>
+            <p:ph type="body" idx="1"/>
+          </p:nvPr>
+        </p:nvSpPr>
+        <p:spPr/>
+        <p:txBody>
+          <a:bodyPr/>
+          <a:lstStyle/>
+          <a:p>
+            <a:r>
+              <a:rPr lang="fr-CH" dirty="0"/>
+              <a:t>Maxime</a:t>
+            </a:r>
+          </a:p>
+        </p:txBody>
+      </p:sp>
+      <p:sp>
+        <p:nvSpPr>
+          <p:cNvPr id="4" name="Espace réservé du numéro de diapositive 3"/>
+          <p:cNvSpPr>
+            <a:spLocks noGrp="1"/>
+          </p:cNvSpPr>
+          <p:nvPr>
+            <p:ph type="sldNum" sz="quarter" idx="5"/>
+          </p:nvPr>
+        </p:nvSpPr>
+        <p:spPr/>
+        <p:txBody>
+          <a:bodyPr/>
+          <a:lstStyle/>
+          <a:p>
+            <a:fld id="{C5BC8565-3BE2-E84B-97A0-FA785777CB34}" type="slidenum">
+              <a:rPr lang="fr-FR" smtClean="0"/>
+              <a:t>16</a:t>
+            </a:fld>
+            <a:endParaRPr lang="fr-FR"/>
+          </a:p>
+        </p:txBody>
+      </p:sp>
+    </p:spTree>
+    <p:extLst>
+      <p:ext uri="{BB962C8B-B14F-4D97-AF65-F5344CB8AC3E}">
+        <p14:creationId xmlns:p14="http://schemas.microsoft.com/office/powerpoint/2010/main" val="2783718298"/>
+      </p:ext>
+    </p:extLst>
+  </p:cSld>
+  <p:clrMapOvr>
+    <a:masterClrMapping/>
+  </p:clrMapOvr>
+</p:notes>
+</file>
+
+<file path=ppt/notesSlides/notesSlide16.xml><?xml version="1.0" encoding="utf-8"?>
+<p:notes xmlns:a="http://schemas.openxmlformats.org/drawingml/2006/main" xmlns:r="http://schemas.openxmlformats.org/officeDocument/2006/relationships" xmlns:p="http://schemas.openxmlformats.org/presentationml/2006/main">
+  <p:cSld>
+    <p:spTree>
+      <p:nvGrpSpPr>
+        <p:cNvPr id="1" name=""/>
+        <p:cNvGrpSpPr/>
+        <p:nvPr/>
+      </p:nvGrpSpPr>
+      <p:grpSpPr>
+        <a:xfrm>
+          <a:off x="0" y="0"/>
+          <a:ext cx="0" cy="0"/>
+          <a:chOff x="0" y="0"/>
+          <a:chExt cx="0" cy="0"/>
+        </a:xfrm>
+      </p:grpSpPr>
+      <p:sp>
+        <p:nvSpPr>
+          <p:cNvPr id="2" name="Espace réservé de l'image des diapositives 1"/>
+          <p:cNvSpPr>
+            <a:spLocks noGrp="1" noRot="1" noChangeAspect="1"/>
+          </p:cNvSpPr>
+          <p:nvPr>
+            <p:ph type="sldImg"/>
+          </p:nvPr>
+        </p:nvSpPr>
+        <p:spPr/>
+      </p:sp>
+      <p:sp>
+        <p:nvSpPr>
+          <p:cNvPr id="3" name="Espace réservé des notes 2"/>
+          <p:cNvSpPr>
+            <a:spLocks noGrp="1"/>
+          </p:cNvSpPr>
+          <p:nvPr>
+            <p:ph type="body" idx="1"/>
+          </p:nvPr>
+        </p:nvSpPr>
+        <p:spPr/>
+        <p:txBody>
+          <a:bodyPr/>
+          <a:lstStyle/>
+          <a:p>
+            <a:r>
+              <a:rPr lang="fr-CH" dirty="0"/>
+              <a:t>Maxime</a:t>
+            </a:r>
+          </a:p>
+        </p:txBody>
+      </p:sp>
+      <p:sp>
+        <p:nvSpPr>
+          <p:cNvPr id="4" name="Espace réservé du numéro de diapositive 3"/>
+          <p:cNvSpPr>
+            <a:spLocks noGrp="1"/>
+          </p:cNvSpPr>
+          <p:nvPr>
+            <p:ph type="sldNum" sz="quarter" idx="5"/>
+          </p:nvPr>
+        </p:nvSpPr>
+        <p:spPr/>
+        <p:txBody>
+          <a:bodyPr/>
+          <a:lstStyle/>
+          <a:p>
+            <a:fld id="{C5BC8565-3BE2-E84B-97A0-FA785777CB34}" type="slidenum">
+              <a:rPr lang="fr-FR" smtClean="0"/>
+              <a:t>17</a:t>
+            </a:fld>
+            <a:endParaRPr lang="fr-FR"/>
+          </a:p>
+        </p:txBody>
+      </p:sp>
+    </p:spTree>
+    <p:extLst>
+      <p:ext uri="{BB962C8B-B14F-4D97-AF65-F5344CB8AC3E}">
+        <p14:creationId xmlns:p14="http://schemas.microsoft.com/office/powerpoint/2010/main" val="3461490945"/>
+      </p:ext>
+    </p:extLst>
+  </p:cSld>
+  <p:clrMapOvr>
+    <a:masterClrMapping/>
+  </p:clrMapOvr>
+</p:notes>
+</file>
+
+<file path=ppt/notesSlides/notesSlide17.xml><?xml version="1.0" encoding="utf-8"?>
+<p:notes xmlns:a="http://schemas.openxmlformats.org/drawingml/2006/main" xmlns:r="http://schemas.openxmlformats.org/officeDocument/2006/relationships" xmlns:p="http://schemas.openxmlformats.org/presentationml/2006/main">
+  <p:cSld>
+    <p:spTree>
+      <p:nvGrpSpPr>
+        <p:cNvPr id="1" name=""/>
+        <p:cNvGrpSpPr/>
+        <p:nvPr/>
+      </p:nvGrpSpPr>
+      <p:grpSpPr>
+        <a:xfrm>
+          <a:off x="0" y="0"/>
+          <a:ext cx="0" cy="0"/>
+          <a:chOff x="0" y="0"/>
+          <a:chExt cx="0" cy="0"/>
+        </a:xfrm>
+      </p:grpSpPr>
+      <p:sp>
+        <p:nvSpPr>
+          <p:cNvPr id="2" name="Espace réservé de l'image des diapositives 1"/>
+          <p:cNvSpPr>
+            <a:spLocks noGrp="1" noRot="1" noChangeAspect="1"/>
+          </p:cNvSpPr>
+          <p:nvPr>
+            <p:ph type="sldImg"/>
+          </p:nvPr>
+        </p:nvSpPr>
+        <p:spPr/>
+      </p:sp>
+      <p:sp>
+        <p:nvSpPr>
+          <p:cNvPr id="3" name="Espace réservé des notes 2"/>
+          <p:cNvSpPr>
+            <a:spLocks noGrp="1"/>
+          </p:cNvSpPr>
+          <p:nvPr>
+            <p:ph type="body" idx="1"/>
+          </p:nvPr>
+        </p:nvSpPr>
+        <p:spPr/>
+        <p:txBody>
+          <a:bodyPr/>
+          <a:lstStyle/>
+          <a:p>
+            <a:r>
+              <a:rPr lang="fr-CH" dirty="0"/>
+              <a:t>Matteo</a:t>
+            </a:r>
+          </a:p>
+        </p:txBody>
+      </p:sp>
+      <p:sp>
+        <p:nvSpPr>
+          <p:cNvPr id="4" name="Espace réservé du numéro de diapositive 3"/>
+          <p:cNvSpPr>
+            <a:spLocks noGrp="1"/>
+          </p:cNvSpPr>
+          <p:nvPr>
+            <p:ph type="sldNum" sz="quarter" idx="5"/>
+          </p:nvPr>
+        </p:nvSpPr>
+        <p:spPr/>
+        <p:txBody>
+          <a:bodyPr/>
+          <a:lstStyle/>
+          <a:p>
+            <a:fld id="{C5BC8565-3BE2-E84B-97A0-FA785777CB34}" type="slidenum">
+              <a:rPr lang="fr-FR" smtClean="0"/>
+              <a:t>18</a:t>
+            </a:fld>
+            <a:endParaRPr lang="fr-FR"/>
+          </a:p>
+        </p:txBody>
+      </p:sp>
+    </p:spTree>
+    <p:extLst>
+      <p:ext uri="{BB962C8B-B14F-4D97-AF65-F5344CB8AC3E}">
+        <p14:creationId xmlns:p14="http://schemas.microsoft.com/office/powerpoint/2010/main" val="2987932239"/>
+      </p:ext>
+    </p:extLst>
+  </p:cSld>
+  <p:clrMapOvr>
+    <a:masterClrMapping/>
+  </p:clrMapOvr>
+</p:notes>
+</file>
+
+<file path=ppt/notesSlides/notesSlide18.xml><?xml version="1.0" encoding="utf-8"?>
+<p:notes xmlns:a="http://schemas.openxmlformats.org/drawingml/2006/main" xmlns:r="http://schemas.openxmlformats.org/officeDocument/2006/relationships" xmlns:p="http://schemas.openxmlformats.org/presentationml/2006/main">
+  <p:cSld>
+    <p:spTree>
+      <p:nvGrpSpPr>
+        <p:cNvPr id="1" name=""/>
+        <p:cNvGrpSpPr/>
+        <p:nvPr/>
+      </p:nvGrpSpPr>
+      <p:grpSpPr>
+        <a:xfrm>
+          <a:off x="0" y="0"/>
+          <a:ext cx="0" cy="0"/>
+          <a:chOff x="0" y="0"/>
+          <a:chExt cx="0" cy="0"/>
+        </a:xfrm>
+      </p:grpSpPr>
+      <p:sp>
+        <p:nvSpPr>
+          <p:cNvPr id="2" name="Espace réservé de l'image des diapositives 1"/>
+          <p:cNvSpPr>
+            <a:spLocks noGrp="1" noRot="1" noChangeAspect="1"/>
+          </p:cNvSpPr>
+          <p:nvPr>
+            <p:ph type="sldImg"/>
+          </p:nvPr>
+        </p:nvSpPr>
+        <p:spPr/>
+      </p:sp>
+      <p:sp>
+        <p:nvSpPr>
+          <p:cNvPr id="3" name="Espace réservé des notes 2"/>
+          <p:cNvSpPr>
+            <a:spLocks noGrp="1"/>
+          </p:cNvSpPr>
+          <p:nvPr>
+            <p:ph type="body" idx="1"/>
+          </p:nvPr>
+        </p:nvSpPr>
+        <p:spPr/>
+        <p:txBody>
+          <a:bodyPr/>
+          <a:lstStyle/>
+          <a:p>
+            <a:r>
+              <a:rPr lang="fr-CH" dirty="0"/>
+              <a:t>Matteo</a:t>
+            </a:r>
+          </a:p>
+        </p:txBody>
+      </p:sp>
+      <p:sp>
+        <p:nvSpPr>
+          <p:cNvPr id="4" name="Espace réservé du numéro de diapositive 3"/>
+          <p:cNvSpPr>
+            <a:spLocks noGrp="1"/>
+          </p:cNvSpPr>
+          <p:nvPr>
+            <p:ph type="sldNum" sz="quarter" idx="5"/>
+          </p:nvPr>
+        </p:nvSpPr>
+        <p:spPr/>
+        <p:txBody>
+          <a:bodyPr/>
+          <a:lstStyle/>
+          <a:p>
+            <a:fld id="{C5BC8565-3BE2-E84B-97A0-FA785777CB34}" type="slidenum">
+              <a:rPr lang="fr-FR" smtClean="0"/>
+              <a:t>19</a:t>
+            </a:fld>
+            <a:endParaRPr lang="fr-FR"/>
+          </a:p>
+        </p:txBody>
+      </p:sp>
+    </p:spTree>
+    <p:extLst>
+      <p:ext uri="{BB962C8B-B14F-4D97-AF65-F5344CB8AC3E}">
+        <p14:creationId xmlns:p14="http://schemas.microsoft.com/office/powerpoint/2010/main" val="1303367091"/>
+      </p:ext>
+    </p:extLst>
+  </p:cSld>
+  <p:clrMapOvr>
+    <a:masterClrMapping/>
+  </p:clrMapOvr>
+</p:notes>
+</file>
+
+<file path=ppt/notesSlides/notesSlide19.xml><?xml version="1.0" encoding="utf-8"?>
+<p:notes xmlns:a="http://schemas.openxmlformats.org/drawingml/2006/main" xmlns:r="http://schemas.openxmlformats.org/officeDocument/2006/relationships" xmlns:p="http://schemas.openxmlformats.org/presentationml/2006/main">
+  <p:cSld>
+    <p:spTree>
+      <p:nvGrpSpPr>
+        <p:cNvPr id="1" name=""/>
+        <p:cNvGrpSpPr/>
+        <p:nvPr/>
+      </p:nvGrpSpPr>
+      <p:grpSpPr>
+        <a:xfrm>
+          <a:off x="0" y="0"/>
+          <a:ext cx="0" cy="0"/>
+          <a:chOff x="0" y="0"/>
+          <a:chExt cx="0" cy="0"/>
+        </a:xfrm>
+      </p:grpSpPr>
+      <p:sp>
+        <p:nvSpPr>
+          <p:cNvPr id="2" name="Espace réservé de l'image des diapositives 1"/>
+          <p:cNvSpPr>
+            <a:spLocks noGrp="1" noRot="1" noChangeAspect="1"/>
+          </p:cNvSpPr>
+          <p:nvPr>
+            <p:ph type="sldImg"/>
+          </p:nvPr>
+        </p:nvSpPr>
+        <p:spPr/>
+      </p:sp>
+      <p:sp>
+        <p:nvSpPr>
+          <p:cNvPr id="3" name="Espace réservé des notes 2"/>
+          <p:cNvSpPr>
+            <a:spLocks noGrp="1"/>
+          </p:cNvSpPr>
+          <p:nvPr>
+            <p:ph type="body" idx="1"/>
+          </p:nvPr>
+        </p:nvSpPr>
+        <p:spPr/>
+        <p:txBody>
+          <a:bodyPr/>
+          <a:lstStyle/>
+          <a:p>
+            <a:r>
+              <a:rPr lang="fr-CH" dirty="0"/>
+              <a:t>Maxime</a:t>
+            </a:r>
+          </a:p>
+        </p:txBody>
+      </p:sp>
+      <p:sp>
+        <p:nvSpPr>
+          <p:cNvPr id="4" name="Espace réservé du numéro de diapositive 3"/>
+          <p:cNvSpPr>
+            <a:spLocks noGrp="1"/>
+          </p:cNvSpPr>
+          <p:nvPr>
+            <p:ph type="sldNum" sz="quarter" idx="5"/>
+          </p:nvPr>
+        </p:nvSpPr>
+        <p:spPr/>
+        <p:txBody>
+          <a:bodyPr/>
+          <a:lstStyle/>
+          <a:p>
+            <a:fld id="{C5BC8565-3BE2-E84B-97A0-FA785777CB34}" type="slidenum">
+              <a:rPr lang="fr-FR" smtClean="0"/>
+              <a:t>20</a:t>
+            </a:fld>
+            <a:endParaRPr lang="fr-FR"/>
+          </a:p>
+        </p:txBody>
+      </p:sp>
+    </p:spTree>
+    <p:extLst>
+      <p:ext uri="{BB962C8B-B14F-4D97-AF65-F5344CB8AC3E}">
+        <p14:creationId xmlns:p14="http://schemas.microsoft.com/office/powerpoint/2010/main" val="537189992"/>
+      </p:ext>
+    </p:extLst>
+  </p:cSld>
+  <p:clrMapOvr>
+    <a:masterClrMapping/>
+  </p:clrMapOvr>
+</p:notes>
+</file>
+
+<file path=ppt/notesSlides/notesSlide2.xml><?xml version="1.0" encoding="utf-8"?>
+<p:notes xmlns:a="http://schemas.openxmlformats.org/drawingml/2006/main" xmlns:r="http://schemas.openxmlformats.org/officeDocument/2006/relationships" xmlns:p="http://schemas.openxmlformats.org/presentationml/2006/main">
+  <p:cSld>
+    <p:spTree>
+      <p:nvGrpSpPr>
+        <p:cNvPr id="1" name=""/>
+        <p:cNvGrpSpPr/>
+        <p:nvPr/>
+      </p:nvGrpSpPr>
+      <p:grpSpPr>
+        <a:xfrm>
+          <a:off x="0" y="0"/>
+          <a:ext cx="0" cy="0"/>
+          <a:chOff x="0" y="0"/>
+          <a:chExt cx="0" cy="0"/>
+        </a:xfrm>
+      </p:grpSpPr>
+      <p:sp>
+        <p:nvSpPr>
+          <p:cNvPr id="2" name="Espace réservé de l'image des diapositives 1"/>
+          <p:cNvSpPr>
+            <a:spLocks noGrp="1" noRot="1" noChangeAspect="1"/>
+          </p:cNvSpPr>
+          <p:nvPr>
+            <p:ph type="sldImg"/>
+          </p:nvPr>
+        </p:nvSpPr>
+        <p:spPr/>
+      </p:sp>
+      <p:sp>
+        <p:nvSpPr>
+          <p:cNvPr id="3" name="Espace réservé des notes 2"/>
+          <p:cNvSpPr>
+            <a:spLocks noGrp="1"/>
+          </p:cNvSpPr>
+          <p:nvPr>
+            <p:ph type="body" idx="1"/>
+          </p:nvPr>
+        </p:nvSpPr>
+        <p:spPr/>
+        <p:txBody>
+          <a:bodyPr/>
+          <a:lstStyle/>
+          <a:p>
+            <a:r>
+              <a:rPr lang="fr-CH" dirty="0"/>
+              <a:t>Matteo</a:t>
+            </a:r>
+          </a:p>
+        </p:txBody>
+      </p:sp>
+      <p:sp>
+        <p:nvSpPr>
+          <p:cNvPr id="4" name="Espace réservé du numéro de diapositive 3"/>
+          <p:cNvSpPr>
+            <a:spLocks noGrp="1"/>
+          </p:cNvSpPr>
+          <p:nvPr>
+            <p:ph type="sldNum" sz="quarter" idx="5"/>
+          </p:nvPr>
+        </p:nvSpPr>
+        <p:spPr/>
+        <p:txBody>
+          <a:bodyPr/>
+          <a:lstStyle/>
+          <a:p>
+            <a:fld id="{C5BC8565-3BE2-E84B-97A0-FA785777CB34}" type="slidenum">
+              <a:rPr lang="fr-FR" smtClean="0"/>
+              <a:t>3</a:t>
+            </a:fld>
+            <a:endParaRPr lang="fr-FR"/>
+          </a:p>
+        </p:txBody>
+      </p:sp>
+    </p:spTree>
+    <p:extLst>
+      <p:ext uri="{BB962C8B-B14F-4D97-AF65-F5344CB8AC3E}">
+        <p14:creationId xmlns:p14="http://schemas.microsoft.com/office/powerpoint/2010/main" val="2122726473"/>
+      </p:ext>
+    </p:extLst>
+  </p:cSld>
+  <p:clrMapOvr>
+    <a:masterClrMapping/>
+  </p:clrMapOvr>
+</p:notes>
+</file>
+
+<file path=ppt/notesSlides/notesSlide20.xml><?xml version="1.0" encoding="utf-8"?>
+<p:notes xmlns:a="http://schemas.openxmlformats.org/drawingml/2006/main" xmlns:r="http://schemas.openxmlformats.org/officeDocument/2006/relationships" xmlns:p="http://schemas.openxmlformats.org/presentationml/2006/main">
+  <p:cSld>
+    <p:spTree>
+      <p:nvGrpSpPr>
+        <p:cNvPr id="1" name=""/>
+        <p:cNvGrpSpPr/>
+        <p:nvPr/>
+      </p:nvGrpSpPr>
+      <p:grpSpPr>
+        <a:xfrm>
+          <a:off x="0" y="0"/>
+          <a:ext cx="0" cy="0"/>
+          <a:chOff x="0" y="0"/>
+          <a:chExt cx="0" cy="0"/>
+        </a:xfrm>
+      </p:grpSpPr>
+      <p:sp>
+        <p:nvSpPr>
+          <p:cNvPr id="2" name="Espace réservé de l'image des diapositives 1"/>
+          <p:cNvSpPr>
+            <a:spLocks noGrp="1" noRot="1" noChangeAspect="1"/>
+          </p:cNvSpPr>
+          <p:nvPr>
+            <p:ph type="sldImg"/>
+          </p:nvPr>
+        </p:nvSpPr>
+        <p:spPr/>
+      </p:sp>
+      <p:sp>
+        <p:nvSpPr>
+          <p:cNvPr id="3" name="Espace réservé des notes 2"/>
+          <p:cNvSpPr>
+            <a:spLocks noGrp="1"/>
+          </p:cNvSpPr>
+          <p:nvPr>
+            <p:ph type="body" idx="1"/>
+          </p:nvPr>
+        </p:nvSpPr>
+        <p:spPr/>
+        <p:txBody>
+          <a:bodyPr/>
+          <a:lstStyle/>
+          <a:p>
+            <a:r>
+              <a:rPr lang="fr-CH" dirty="0"/>
+              <a:t>Maxime</a:t>
+            </a:r>
+          </a:p>
+        </p:txBody>
+      </p:sp>
+      <p:sp>
+        <p:nvSpPr>
+          <p:cNvPr id="4" name="Espace réservé du numéro de diapositive 3"/>
+          <p:cNvSpPr>
+            <a:spLocks noGrp="1"/>
+          </p:cNvSpPr>
+          <p:nvPr>
+            <p:ph type="sldNum" sz="quarter" idx="5"/>
+          </p:nvPr>
+        </p:nvSpPr>
+        <p:spPr/>
+        <p:txBody>
+          <a:bodyPr/>
+          <a:lstStyle/>
+          <a:p>
+            <a:fld id="{C5BC8565-3BE2-E84B-97A0-FA785777CB34}" type="slidenum">
+              <a:rPr lang="fr-FR" smtClean="0"/>
+              <a:t>21</a:t>
+            </a:fld>
+            <a:endParaRPr lang="fr-FR"/>
+          </a:p>
+        </p:txBody>
+      </p:sp>
+    </p:spTree>
+    <p:extLst>
+      <p:ext uri="{BB962C8B-B14F-4D97-AF65-F5344CB8AC3E}">
+        <p14:creationId xmlns:p14="http://schemas.microsoft.com/office/powerpoint/2010/main" val="3166730920"/>
+      </p:ext>
+    </p:extLst>
+  </p:cSld>
+  <p:clrMapOvr>
+    <a:masterClrMapping/>
+  </p:clrMapOvr>
+</p:notes>
+</file>
+
+<file path=ppt/notesSlides/notesSlide21.xml><?xml version="1.0" encoding="utf-8"?>
+<p:notes xmlns:a="http://schemas.openxmlformats.org/drawingml/2006/main" xmlns:r="http://schemas.openxmlformats.org/officeDocument/2006/relationships" xmlns:p="http://schemas.openxmlformats.org/presentationml/2006/main">
+  <p:cSld>
+    <p:spTree>
+      <p:nvGrpSpPr>
+        <p:cNvPr id="1" name=""/>
+        <p:cNvGrpSpPr/>
+        <p:nvPr/>
+      </p:nvGrpSpPr>
+      <p:grpSpPr>
+        <a:xfrm>
+          <a:off x="0" y="0"/>
+          <a:ext cx="0" cy="0"/>
+          <a:chOff x="0" y="0"/>
+          <a:chExt cx="0" cy="0"/>
+        </a:xfrm>
+      </p:grpSpPr>
+      <p:sp>
+        <p:nvSpPr>
+          <p:cNvPr id="2" name="Espace réservé de l'image des diapositives 1"/>
+          <p:cNvSpPr>
+            <a:spLocks noGrp="1" noRot="1" noChangeAspect="1"/>
+          </p:cNvSpPr>
+          <p:nvPr>
+            <p:ph type="sldImg"/>
+          </p:nvPr>
+        </p:nvSpPr>
+        <p:spPr/>
+      </p:sp>
+      <p:sp>
+        <p:nvSpPr>
+          <p:cNvPr id="3" name="Espace réservé des notes 2"/>
+          <p:cNvSpPr>
+            <a:spLocks noGrp="1"/>
+          </p:cNvSpPr>
+          <p:nvPr>
+            <p:ph type="body" idx="1"/>
+          </p:nvPr>
+        </p:nvSpPr>
+        <p:spPr/>
+        <p:txBody>
+          <a:bodyPr/>
+          <a:lstStyle/>
+          <a:p>
+            <a:r>
+              <a:rPr lang="fr-CH" dirty="0"/>
+              <a:t>Matteo</a:t>
+            </a:r>
+          </a:p>
+        </p:txBody>
+      </p:sp>
+      <p:sp>
+        <p:nvSpPr>
+          <p:cNvPr id="4" name="Espace réservé du numéro de diapositive 3"/>
+          <p:cNvSpPr>
+            <a:spLocks noGrp="1"/>
+          </p:cNvSpPr>
+          <p:nvPr>
+            <p:ph type="sldNum" sz="quarter" idx="5"/>
+          </p:nvPr>
+        </p:nvSpPr>
+        <p:spPr/>
+        <p:txBody>
+          <a:bodyPr/>
+          <a:lstStyle/>
+          <a:p>
+            <a:fld id="{C5BC8565-3BE2-E84B-97A0-FA785777CB34}" type="slidenum">
+              <a:rPr lang="fr-FR" smtClean="0"/>
+              <a:t>22</a:t>
+            </a:fld>
+            <a:endParaRPr lang="fr-FR"/>
+          </a:p>
+        </p:txBody>
+      </p:sp>
+    </p:spTree>
+    <p:extLst>
+      <p:ext uri="{BB962C8B-B14F-4D97-AF65-F5344CB8AC3E}">
+        <p14:creationId xmlns:p14="http://schemas.microsoft.com/office/powerpoint/2010/main" val="1309852535"/>
+      </p:ext>
+    </p:extLst>
+  </p:cSld>
+  <p:clrMapOvr>
+    <a:masterClrMapping/>
+  </p:clrMapOvr>
+</p:notes>
+</file>
+
+<file path=ppt/notesSlides/notesSlide22.xml><?xml version="1.0" encoding="utf-8"?>
+<p:notes xmlns:a="http://schemas.openxmlformats.org/drawingml/2006/main" xmlns:r="http://schemas.openxmlformats.org/officeDocument/2006/relationships" xmlns:p="http://schemas.openxmlformats.org/presentationml/2006/main">
+  <p:cSld>
+    <p:spTree>
+      <p:nvGrpSpPr>
+        <p:cNvPr id="1" name=""/>
+        <p:cNvGrpSpPr/>
+        <p:nvPr/>
+      </p:nvGrpSpPr>
+      <p:grpSpPr>
+        <a:xfrm>
+          <a:off x="0" y="0"/>
+          <a:ext cx="0" cy="0"/>
+          <a:chOff x="0" y="0"/>
+          <a:chExt cx="0" cy="0"/>
+        </a:xfrm>
+      </p:grpSpPr>
+      <p:sp>
+        <p:nvSpPr>
+          <p:cNvPr id="2" name="Espace réservé de l'image des diapositives 1"/>
+          <p:cNvSpPr>
+            <a:spLocks noGrp="1" noRot="1" noChangeAspect="1"/>
+          </p:cNvSpPr>
+          <p:nvPr>
+            <p:ph type="sldImg"/>
+          </p:nvPr>
+        </p:nvSpPr>
+        <p:spPr/>
+      </p:sp>
+      <p:sp>
+        <p:nvSpPr>
+          <p:cNvPr id="3" name="Espace réservé des notes 2"/>
+          <p:cNvSpPr>
+            <a:spLocks noGrp="1"/>
+          </p:cNvSpPr>
+          <p:nvPr>
+            <p:ph type="body" idx="1"/>
+          </p:nvPr>
+        </p:nvSpPr>
+        <p:spPr/>
+        <p:txBody>
+          <a:bodyPr/>
+          <a:lstStyle/>
+          <a:p>
+            <a:r>
+              <a:rPr lang="fr-CH" dirty="0"/>
+              <a:t>Maxime</a:t>
+            </a:r>
+          </a:p>
+        </p:txBody>
+      </p:sp>
+      <p:sp>
+        <p:nvSpPr>
+          <p:cNvPr id="4" name="Espace réservé du numéro de diapositive 3"/>
+          <p:cNvSpPr>
+            <a:spLocks noGrp="1"/>
+          </p:cNvSpPr>
+          <p:nvPr>
+            <p:ph type="sldNum" sz="quarter" idx="5"/>
+          </p:nvPr>
+        </p:nvSpPr>
+        <p:spPr/>
+        <p:txBody>
+          <a:bodyPr/>
+          <a:lstStyle/>
+          <a:p>
+            <a:fld id="{C5BC8565-3BE2-E84B-97A0-FA785777CB34}" type="slidenum">
+              <a:rPr lang="fr-FR" smtClean="0"/>
+              <a:t>23</a:t>
+            </a:fld>
+            <a:endParaRPr lang="fr-FR"/>
+          </a:p>
+        </p:txBody>
+      </p:sp>
+    </p:spTree>
+    <p:extLst>
+      <p:ext uri="{BB962C8B-B14F-4D97-AF65-F5344CB8AC3E}">
+        <p14:creationId xmlns:p14="http://schemas.microsoft.com/office/powerpoint/2010/main" val="2331441669"/>
+      </p:ext>
+    </p:extLst>
+  </p:cSld>
+  <p:clrMapOvr>
+    <a:masterClrMapping/>
+  </p:clrMapOvr>
+</p:notes>
+</file>
+
+<file path=ppt/notesSlides/notesSlide23.xml><?xml version="1.0" encoding="utf-8"?>
+<p:notes xmlns:a="http://schemas.openxmlformats.org/drawingml/2006/main" xmlns:r="http://schemas.openxmlformats.org/officeDocument/2006/relationships" xmlns:p="http://schemas.openxmlformats.org/presentationml/2006/main">
+  <p:cSld>
+    <p:spTree>
+      <p:nvGrpSpPr>
+        <p:cNvPr id="1" name=""/>
+        <p:cNvGrpSpPr/>
+        <p:nvPr/>
+      </p:nvGrpSpPr>
+      <p:grpSpPr>
+        <a:xfrm>
+          <a:off x="0" y="0"/>
+          <a:ext cx="0" cy="0"/>
+          <a:chOff x="0" y="0"/>
+          <a:chExt cx="0" cy="0"/>
+        </a:xfrm>
+      </p:grpSpPr>
+      <p:sp>
+        <p:nvSpPr>
+          <p:cNvPr id="2" name="Espace réservé de l'image des diapositives 1"/>
+          <p:cNvSpPr>
+            <a:spLocks noGrp="1" noRot="1" noChangeAspect="1"/>
+          </p:cNvSpPr>
+          <p:nvPr>
+            <p:ph type="sldImg"/>
+          </p:nvPr>
+        </p:nvSpPr>
+        <p:spPr/>
+      </p:sp>
+      <p:sp>
+        <p:nvSpPr>
+          <p:cNvPr id="3" name="Espace réservé des notes 2"/>
+          <p:cNvSpPr>
+            <a:spLocks noGrp="1"/>
+          </p:cNvSpPr>
+          <p:nvPr>
+            <p:ph type="body" idx="1"/>
+          </p:nvPr>
+        </p:nvSpPr>
+        <p:spPr/>
+        <p:txBody>
+          <a:bodyPr/>
+          <a:lstStyle/>
+          <a:p>
+            <a:r>
+              <a:rPr lang="fr-CH" dirty="0"/>
+              <a:t>Les deux</a:t>
+            </a:r>
+          </a:p>
+        </p:txBody>
+      </p:sp>
+      <p:sp>
+        <p:nvSpPr>
+          <p:cNvPr id="4" name="Espace réservé du numéro de diapositive 3"/>
+          <p:cNvSpPr>
+            <a:spLocks noGrp="1"/>
+          </p:cNvSpPr>
+          <p:nvPr>
+            <p:ph type="sldNum" sz="quarter" idx="5"/>
+          </p:nvPr>
+        </p:nvSpPr>
+        <p:spPr/>
+        <p:txBody>
+          <a:bodyPr/>
+          <a:lstStyle/>
+          <a:p>
+            <a:fld id="{C5BC8565-3BE2-E84B-97A0-FA785777CB34}" type="slidenum">
+              <a:rPr lang="fr-FR" smtClean="0"/>
+              <a:t>24</a:t>
+            </a:fld>
+            <a:endParaRPr lang="fr-FR"/>
+          </a:p>
+        </p:txBody>
+      </p:sp>
+    </p:spTree>
+    <p:extLst>
+      <p:ext uri="{BB962C8B-B14F-4D97-AF65-F5344CB8AC3E}">
+        <p14:creationId xmlns:p14="http://schemas.microsoft.com/office/powerpoint/2010/main" val="356110584"/>
+      </p:ext>
+    </p:extLst>
+  </p:cSld>
+  <p:clrMapOvr>
+    <a:masterClrMapping/>
+  </p:clrMapOvr>
+</p:notes>
+</file>
+
+<file path=ppt/notesSlides/notesSlide3.xml><?xml version="1.0" encoding="utf-8"?>
+<p:notes xmlns:a="http://schemas.openxmlformats.org/drawingml/2006/main" xmlns:r="http://schemas.openxmlformats.org/officeDocument/2006/relationships" xmlns:p="http://schemas.openxmlformats.org/presentationml/2006/main">
+  <p:cSld>
+    <p:spTree>
+      <p:nvGrpSpPr>
+        <p:cNvPr id="1" name=""/>
+        <p:cNvGrpSpPr/>
+        <p:nvPr/>
+      </p:nvGrpSpPr>
+      <p:grpSpPr>
+        <a:xfrm>
+          <a:off x="0" y="0"/>
+          <a:ext cx="0" cy="0"/>
+          <a:chOff x="0" y="0"/>
+          <a:chExt cx="0" cy="0"/>
+        </a:xfrm>
+      </p:grpSpPr>
+      <p:sp>
+        <p:nvSpPr>
+          <p:cNvPr id="2" name="Espace réservé de l'image des diapositives 1"/>
+          <p:cNvSpPr>
+            <a:spLocks noGrp="1" noRot="1" noChangeAspect="1"/>
+          </p:cNvSpPr>
+          <p:nvPr>
+            <p:ph type="sldImg"/>
+          </p:nvPr>
+        </p:nvSpPr>
+        <p:spPr/>
+      </p:sp>
+      <p:sp>
+        <p:nvSpPr>
+          <p:cNvPr id="3" name="Espace réservé des notes 2"/>
+          <p:cNvSpPr>
+            <a:spLocks noGrp="1"/>
+          </p:cNvSpPr>
+          <p:nvPr>
+            <p:ph type="body" idx="1"/>
+          </p:nvPr>
+        </p:nvSpPr>
+        <p:spPr/>
+        <p:txBody>
+          <a:bodyPr/>
+          <a:lstStyle/>
+          <a:p>
+            <a:r>
+              <a:rPr lang="fr-CH" dirty="0"/>
+              <a:t>Matteo</a:t>
+            </a:r>
+          </a:p>
+        </p:txBody>
+      </p:sp>
+      <p:sp>
+        <p:nvSpPr>
+          <p:cNvPr id="4" name="Espace réservé du numéro de diapositive 3"/>
+          <p:cNvSpPr>
+            <a:spLocks noGrp="1"/>
+          </p:cNvSpPr>
+          <p:nvPr>
+            <p:ph type="sldNum" sz="quarter" idx="5"/>
+          </p:nvPr>
+        </p:nvSpPr>
+        <p:spPr/>
+        <p:txBody>
+          <a:bodyPr/>
+          <a:lstStyle/>
+          <a:p>
+            <a:fld id="{C5BC8565-3BE2-E84B-97A0-FA785777CB34}" type="slidenum">
+              <a:rPr lang="fr-FR" smtClean="0"/>
+              <a:t>4</a:t>
+            </a:fld>
+            <a:endParaRPr lang="fr-FR"/>
+          </a:p>
+        </p:txBody>
+      </p:sp>
+    </p:spTree>
+    <p:extLst>
+      <p:ext uri="{BB962C8B-B14F-4D97-AF65-F5344CB8AC3E}">
+        <p14:creationId xmlns:p14="http://schemas.microsoft.com/office/powerpoint/2010/main" val="2095951478"/>
+      </p:ext>
+    </p:extLst>
+  </p:cSld>
+  <p:clrMapOvr>
+    <a:masterClrMapping/>
+  </p:clrMapOvr>
+</p:notes>
+</file>
+
+<file path=ppt/notesSlides/notesSlide4.xml><?xml version="1.0" encoding="utf-8"?>
+<p:notes xmlns:a="http://schemas.openxmlformats.org/drawingml/2006/main" xmlns:r="http://schemas.openxmlformats.org/officeDocument/2006/relationships" xmlns:p="http://schemas.openxmlformats.org/presentationml/2006/main">
+  <p:cSld>
+    <p:spTree>
+      <p:nvGrpSpPr>
+        <p:cNvPr id="1" name=""/>
+        <p:cNvGrpSpPr/>
+        <p:nvPr/>
+      </p:nvGrpSpPr>
+      <p:grpSpPr>
+        <a:xfrm>
+          <a:off x="0" y="0"/>
+          <a:ext cx="0" cy="0"/>
+          <a:chOff x="0" y="0"/>
+          <a:chExt cx="0" cy="0"/>
+        </a:xfrm>
+      </p:grpSpPr>
+      <p:sp>
+        <p:nvSpPr>
+          <p:cNvPr id="2" name="Espace réservé de l'image des diapositives 1"/>
+          <p:cNvSpPr>
+            <a:spLocks noGrp="1" noRot="1" noChangeAspect="1"/>
+          </p:cNvSpPr>
+          <p:nvPr>
+            <p:ph type="sldImg"/>
+          </p:nvPr>
+        </p:nvSpPr>
+        <p:spPr/>
+      </p:sp>
+      <p:sp>
+        <p:nvSpPr>
+          <p:cNvPr id="3" name="Espace réservé des notes 2"/>
+          <p:cNvSpPr>
+            <a:spLocks noGrp="1"/>
+          </p:cNvSpPr>
+          <p:nvPr>
+            <p:ph type="body" idx="1"/>
+          </p:nvPr>
+        </p:nvSpPr>
+        <p:spPr/>
+        <p:txBody>
+          <a:bodyPr/>
+          <a:lstStyle/>
+          <a:p>
+            <a:r>
+              <a:rPr lang="fr-CH" dirty="0"/>
+              <a:t>Maxime</a:t>
+            </a:r>
+          </a:p>
+        </p:txBody>
+      </p:sp>
+      <p:sp>
+        <p:nvSpPr>
+          <p:cNvPr id="4" name="Espace réservé du numéro de diapositive 3"/>
+          <p:cNvSpPr>
+            <a:spLocks noGrp="1"/>
+          </p:cNvSpPr>
+          <p:nvPr>
+            <p:ph type="sldNum" sz="quarter" idx="5"/>
+          </p:nvPr>
+        </p:nvSpPr>
+        <p:spPr/>
+        <p:txBody>
+          <a:bodyPr/>
+          <a:lstStyle/>
+          <a:p>
+            <a:fld id="{C5BC8565-3BE2-E84B-97A0-FA785777CB34}" type="slidenum">
+              <a:rPr lang="fr-FR" smtClean="0"/>
+              <a:t>5</a:t>
+            </a:fld>
+            <a:endParaRPr lang="fr-FR"/>
+          </a:p>
+        </p:txBody>
+      </p:sp>
+    </p:spTree>
+    <p:extLst>
+      <p:ext uri="{BB962C8B-B14F-4D97-AF65-F5344CB8AC3E}">
+        <p14:creationId xmlns:p14="http://schemas.microsoft.com/office/powerpoint/2010/main" val="3190349491"/>
+      </p:ext>
+    </p:extLst>
+  </p:cSld>
+  <p:clrMapOvr>
+    <a:masterClrMapping/>
+  </p:clrMapOvr>
+</p:notes>
+</file>
+
+<file path=ppt/notesSlides/notesSlide5.xml><?xml version="1.0" encoding="utf-8"?>
+<p:notes xmlns:a="http://schemas.openxmlformats.org/drawingml/2006/main" xmlns:r="http://schemas.openxmlformats.org/officeDocument/2006/relationships" xmlns:p="http://schemas.openxmlformats.org/presentationml/2006/main">
+  <p:cSld>
+    <p:spTree>
+      <p:nvGrpSpPr>
+        <p:cNvPr id="1" name=""/>
+        <p:cNvGrpSpPr/>
+        <p:nvPr/>
+      </p:nvGrpSpPr>
+      <p:grpSpPr>
+        <a:xfrm>
+          <a:off x="0" y="0"/>
+          <a:ext cx="0" cy="0"/>
+          <a:chOff x="0" y="0"/>
+          <a:chExt cx="0" cy="0"/>
+        </a:xfrm>
+      </p:grpSpPr>
+      <p:sp>
+        <p:nvSpPr>
+          <p:cNvPr id="2" name="Espace réservé de l'image des diapositives 1"/>
+          <p:cNvSpPr>
+            <a:spLocks noGrp="1" noRot="1" noChangeAspect="1"/>
+          </p:cNvSpPr>
+          <p:nvPr>
+            <p:ph type="sldImg"/>
+          </p:nvPr>
+        </p:nvSpPr>
+        <p:spPr/>
+      </p:sp>
+      <p:sp>
+        <p:nvSpPr>
+          <p:cNvPr id="3" name="Espace réservé des notes 2"/>
+          <p:cNvSpPr>
+            <a:spLocks noGrp="1"/>
+          </p:cNvSpPr>
+          <p:nvPr>
+            <p:ph type="body" idx="1"/>
+          </p:nvPr>
+        </p:nvSpPr>
+        <p:spPr/>
+        <p:txBody>
+          <a:bodyPr/>
+          <a:lstStyle/>
+          <a:p>
+            <a:r>
+              <a:rPr lang="fr-CH" dirty="0"/>
+              <a:t>Maxime</a:t>
+            </a:r>
+          </a:p>
+        </p:txBody>
+      </p:sp>
+      <p:sp>
+        <p:nvSpPr>
+          <p:cNvPr id="4" name="Espace réservé du numéro de diapositive 3"/>
+          <p:cNvSpPr>
+            <a:spLocks noGrp="1"/>
+          </p:cNvSpPr>
+          <p:nvPr>
+            <p:ph type="sldNum" sz="quarter" idx="5"/>
+          </p:nvPr>
+        </p:nvSpPr>
+        <p:spPr/>
+        <p:txBody>
+          <a:bodyPr/>
+          <a:lstStyle/>
+          <a:p>
+            <a:fld id="{C5BC8565-3BE2-E84B-97A0-FA785777CB34}" type="slidenum">
+              <a:rPr lang="fr-FR" smtClean="0"/>
+              <a:t>6</a:t>
+            </a:fld>
+            <a:endParaRPr lang="fr-FR"/>
+          </a:p>
+        </p:txBody>
+      </p:sp>
+    </p:spTree>
+    <p:extLst>
+      <p:ext uri="{BB962C8B-B14F-4D97-AF65-F5344CB8AC3E}">
+        <p14:creationId xmlns:p14="http://schemas.microsoft.com/office/powerpoint/2010/main" val="3717820876"/>
+      </p:ext>
+    </p:extLst>
+  </p:cSld>
+  <p:clrMapOvr>
+    <a:masterClrMapping/>
+  </p:clrMapOvr>
+</p:notes>
+</file>
+
+<file path=ppt/notesSlides/notesSlide6.xml><?xml version="1.0" encoding="utf-8"?>
+<p:notes xmlns:a="http://schemas.openxmlformats.org/drawingml/2006/main" xmlns:r="http://schemas.openxmlformats.org/officeDocument/2006/relationships" xmlns:p="http://schemas.openxmlformats.org/presentationml/2006/main">
+  <p:cSld>
+    <p:spTree>
+      <p:nvGrpSpPr>
+        <p:cNvPr id="1" name=""/>
+        <p:cNvGrpSpPr/>
+        <p:nvPr/>
+      </p:nvGrpSpPr>
+      <p:grpSpPr>
+        <a:xfrm>
+          <a:off x="0" y="0"/>
+          <a:ext cx="0" cy="0"/>
+          <a:chOff x="0" y="0"/>
+          <a:chExt cx="0" cy="0"/>
+        </a:xfrm>
+      </p:grpSpPr>
+      <p:sp>
+        <p:nvSpPr>
+          <p:cNvPr id="2" name="Espace réservé de l'image des diapositives 1"/>
+          <p:cNvSpPr>
+            <a:spLocks noGrp="1" noRot="1" noChangeAspect="1"/>
+          </p:cNvSpPr>
+          <p:nvPr>
+            <p:ph type="sldImg"/>
+          </p:nvPr>
+        </p:nvSpPr>
+        <p:spPr/>
+      </p:sp>
+      <p:sp>
+        <p:nvSpPr>
+          <p:cNvPr id="3" name="Espace réservé des notes 2"/>
+          <p:cNvSpPr>
+            <a:spLocks noGrp="1"/>
+          </p:cNvSpPr>
+          <p:nvPr>
+            <p:ph type="body" idx="1"/>
+          </p:nvPr>
+        </p:nvSpPr>
+        <p:spPr/>
+        <p:txBody>
+          <a:bodyPr/>
+          <a:lstStyle/>
+          <a:p>
+            <a:r>
+              <a:rPr lang="fr-CH" dirty="0"/>
+              <a:t>Matteo</a:t>
+            </a:r>
+          </a:p>
+        </p:txBody>
+      </p:sp>
+      <p:sp>
+        <p:nvSpPr>
+          <p:cNvPr id="4" name="Espace réservé du numéro de diapositive 3"/>
+          <p:cNvSpPr>
+            <a:spLocks noGrp="1"/>
+          </p:cNvSpPr>
+          <p:nvPr>
+            <p:ph type="sldNum" sz="quarter" idx="5"/>
+          </p:nvPr>
+        </p:nvSpPr>
+        <p:spPr/>
+        <p:txBody>
+          <a:bodyPr/>
+          <a:lstStyle/>
+          <a:p>
+            <a:fld id="{C5BC8565-3BE2-E84B-97A0-FA785777CB34}" type="slidenum">
+              <a:rPr lang="fr-FR" smtClean="0"/>
+              <a:t>7</a:t>
+            </a:fld>
+            <a:endParaRPr lang="fr-FR"/>
+          </a:p>
+        </p:txBody>
+      </p:sp>
+    </p:spTree>
+    <p:extLst>
+      <p:ext uri="{BB962C8B-B14F-4D97-AF65-F5344CB8AC3E}">
+        <p14:creationId xmlns:p14="http://schemas.microsoft.com/office/powerpoint/2010/main" val="2124090208"/>
+      </p:ext>
+    </p:extLst>
+  </p:cSld>
+  <p:clrMapOvr>
+    <a:masterClrMapping/>
+  </p:clrMapOvr>
+</p:notes>
+</file>
+
+<file path=ppt/notesSlides/notesSlide7.xml><?xml version="1.0" encoding="utf-8"?>
+<p:notes xmlns:a="http://schemas.openxmlformats.org/drawingml/2006/main" xmlns:r="http://schemas.openxmlformats.org/officeDocument/2006/relationships" xmlns:p="http://schemas.openxmlformats.org/presentationml/2006/main">
+  <p:cSld>
+    <p:spTree>
+      <p:nvGrpSpPr>
+        <p:cNvPr id="1" name=""/>
+        <p:cNvGrpSpPr/>
+        <p:nvPr/>
+      </p:nvGrpSpPr>
+      <p:grpSpPr>
+        <a:xfrm>
+          <a:off x="0" y="0"/>
+          <a:ext cx="0" cy="0"/>
+          <a:chOff x="0" y="0"/>
+          <a:chExt cx="0" cy="0"/>
+        </a:xfrm>
+      </p:grpSpPr>
+      <p:sp>
+        <p:nvSpPr>
+          <p:cNvPr id="2" name="Espace réservé de l'image des diapositives 1"/>
+          <p:cNvSpPr>
+            <a:spLocks noGrp="1" noRot="1" noChangeAspect="1"/>
+          </p:cNvSpPr>
+          <p:nvPr>
+            <p:ph type="sldImg"/>
+          </p:nvPr>
+        </p:nvSpPr>
+        <p:spPr/>
+      </p:sp>
+      <p:sp>
+        <p:nvSpPr>
+          <p:cNvPr id="3" name="Espace réservé des notes 2"/>
+          <p:cNvSpPr>
+            <a:spLocks noGrp="1"/>
+          </p:cNvSpPr>
+          <p:nvPr>
+            <p:ph type="body" idx="1"/>
+          </p:nvPr>
+        </p:nvSpPr>
+        <p:spPr/>
+        <p:txBody>
+          <a:bodyPr/>
+          <a:lstStyle/>
+          <a:p>
+            <a:r>
+              <a:rPr lang="fr-CH" dirty="0"/>
+              <a:t>Maxime</a:t>
+            </a:r>
+          </a:p>
+        </p:txBody>
+      </p:sp>
+      <p:sp>
+        <p:nvSpPr>
+          <p:cNvPr id="4" name="Espace réservé du numéro de diapositive 3"/>
+          <p:cNvSpPr>
+            <a:spLocks noGrp="1"/>
+          </p:cNvSpPr>
+          <p:nvPr>
+            <p:ph type="sldNum" sz="quarter" idx="5"/>
+          </p:nvPr>
+        </p:nvSpPr>
+        <p:spPr/>
+        <p:txBody>
+          <a:bodyPr/>
+          <a:lstStyle/>
+          <a:p>
+            <a:fld id="{C5BC8565-3BE2-E84B-97A0-FA785777CB34}" type="slidenum">
+              <a:rPr lang="fr-FR" smtClean="0"/>
+              <a:t>8</a:t>
+            </a:fld>
+            <a:endParaRPr lang="fr-FR"/>
+          </a:p>
+        </p:txBody>
+      </p:sp>
+    </p:spTree>
+    <p:extLst>
+      <p:ext uri="{BB962C8B-B14F-4D97-AF65-F5344CB8AC3E}">
+        <p14:creationId xmlns:p14="http://schemas.microsoft.com/office/powerpoint/2010/main" val="70566617"/>
+      </p:ext>
+    </p:extLst>
+  </p:cSld>
+  <p:clrMapOvr>
+    <a:masterClrMapping/>
+  </p:clrMapOvr>
+</p:notes>
+</file>
+
+<file path=ppt/notesSlides/notesSlide8.xml><?xml version="1.0" encoding="utf-8"?>
+<p:notes xmlns:a="http://schemas.openxmlformats.org/drawingml/2006/main" xmlns:r="http://schemas.openxmlformats.org/officeDocument/2006/relationships" xmlns:p="http://schemas.openxmlformats.org/presentationml/2006/main">
+  <p:cSld>
+    <p:spTree>
+      <p:nvGrpSpPr>
+        <p:cNvPr id="1" name=""/>
+        <p:cNvGrpSpPr/>
+        <p:nvPr/>
+      </p:nvGrpSpPr>
+      <p:grpSpPr>
+        <a:xfrm>
+          <a:off x="0" y="0"/>
+          <a:ext cx="0" cy="0"/>
+          <a:chOff x="0" y="0"/>
+          <a:chExt cx="0" cy="0"/>
+        </a:xfrm>
+      </p:grpSpPr>
+      <p:sp>
+        <p:nvSpPr>
+          <p:cNvPr id="2" name="Espace réservé de l'image des diapositives 1"/>
+          <p:cNvSpPr>
+            <a:spLocks noGrp="1" noRot="1" noChangeAspect="1"/>
+          </p:cNvSpPr>
+          <p:nvPr>
+            <p:ph type="sldImg"/>
+          </p:nvPr>
+        </p:nvSpPr>
+        <p:spPr/>
+      </p:sp>
+      <p:sp>
+        <p:nvSpPr>
+          <p:cNvPr id="3" name="Espace réservé des notes 2"/>
+          <p:cNvSpPr>
+            <a:spLocks noGrp="1"/>
+          </p:cNvSpPr>
+          <p:nvPr>
+            <p:ph type="body" idx="1"/>
+          </p:nvPr>
+        </p:nvSpPr>
+        <p:spPr/>
+        <p:txBody>
+          <a:bodyPr/>
+          <a:lstStyle/>
+          <a:p>
+            <a:r>
+              <a:rPr lang="fr-CH" dirty="0"/>
+              <a:t>Maxime</a:t>
+            </a:r>
+          </a:p>
+        </p:txBody>
+      </p:sp>
+      <p:sp>
+        <p:nvSpPr>
+          <p:cNvPr id="4" name="Espace réservé du numéro de diapositive 3"/>
+          <p:cNvSpPr>
+            <a:spLocks noGrp="1"/>
+          </p:cNvSpPr>
+          <p:nvPr>
+            <p:ph type="sldNum" sz="quarter" idx="5"/>
+          </p:nvPr>
+        </p:nvSpPr>
+        <p:spPr/>
+        <p:txBody>
+          <a:bodyPr/>
+          <a:lstStyle/>
+          <a:p>
+            <a:fld id="{C5BC8565-3BE2-E84B-97A0-FA785777CB34}" type="slidenum">
+              <a:rPr lang="fr-FR" smtClean="0"/>
+              <a:t>9</a:t>
+            </a:fld>
+            <a:endParaRPr lang="fr-FR"/>
+          </a:p>
+        </p:txBody>
+      </p:sp>
+    </p:spTree>
+    <p:extLst>
+      <p:ext uri="{BB962C8B-B14F-4D97-AF65-F5344CB8AC3E}">
+        <p14:creationId xmlns:p14="http://schemas.microsoft.com/office/powerpoint/2010/main" val="2239571425"/>
+      </p:ext>
+    </p:extLst>
+  </p:cSld>
+  <p:clrMapOvr>
+    <a:masterClrMapping/>
+  </p:clrMapOvr>
+</p:notes>
+</file>
+
+<file path=ppt/notesSlides/notesSlide9.xml><?xml version="1.0" encoding="utf-8"?>
+<p:notes xmlns:a="http://schemas.openxmlformats.org/drawingml/2006/main" xmlns:r="http://schemas.openxmlformats.org/officeDocument/2006/relationships" xmlns:p="http://schemas.openxmlformats.org/presentationml/2006/main">
+  <p:cSld>
+    <p:spTree>
+      <p:nvGrpSpPr>
+        <p:cNvPr id="1" name=""/>
+        <p:cNvGrpSpPr/>
+        <p:nvPr/>
+      </p:nvGrpSpPr>
+      <p:grpSpPr>
+        <a:xfrm>
+          <a:off x="0" y="0"/>
+          <a:ext cx="0" cy="0"/>
+          <a:chOff x="0" y="0"/>
+          <a:chExt cx="0" cy="0"/>
+        </a:xfrm>
+      </p:grpSpPr>
+      <p:sp>
+        <p:nvSpPr>
+          <p:cNvPr id="2" name="Espace réservé de l'image des diapositives 1"/>
+          <p:cNvSpPr>
+            <a:spLocks noGrp="1" noRot="1" noChangeAspect="1"/>
+          </p:cNvSpPr>
+          <p:nvPr>
+            <p:ph type="sldImg"/>
+          </p:nvPr>
+        </p:nvSpPr>
+        <p:spPr/>
+      </p:sp>
+      <p:sp>
+        <p:nvSpPr>
+          <p:cNvPr id="3" name="Espace réservé des notes 2"/>
+          <p:cNvSpPr>
+            <a:spLocks noGrp="1"/>
+          </p:cNvSpPr>
+          <p:nvPr>
+            <p:ph type="body" idx="1"/>
+          </p:nvPr>
+        </p:nvSpPr>
+        <p:spPr/>
+        <p:txBody>
+          <a:bodyPr/>
+          <a:lstStyle/>
+          <a:p>
+            <a:r>
+              <a:rPr lang="fr-CH" dirty="0"/>
+              <a:t>Matteo</a:t>
+            </a:r>
+          </a:p>
+        </p:txBody>
+      </p:sp>
+      <p:sp>
+        <p:nvSpPr>
+          <p:cNvPr id="4" name="Espace réservé du numéro de diapositive 3"/>
+          <p:cNvSpPr>
+            <a:spLocks noGrp="1"/>
+          </p:cNvSpPr>
+          <p:nvPr>
+            <p:ph type="sldNum" sz="quarter" idx="5"/>
+          </p:nvPr>
+        </p:nvSpPr>
+        <p:spPr/>
+        <p:txBody>
+          <a:bodyPr/>
+          <a:lstStyle/>
+          <a:p>
+            <a:fld id="{C5BC8565-3BE2-E84B-97A0-FA785777CB34}" type="slidenum">
+              <a:rPr lang="fr-FR" smtClean="0"/>
+              <a:t>10</a:t>
+            </a:fld>
+            <a:endParaRPr lang="fr-FR"/>
+          </a:p>
+        </p:txBody>
+      </p:sp>
+    </p:spTree>
+    <p:extLst>
+      <p:ext uri="{BB962C8B-B14F-4D97-AF65-F5344CB8AC3E}">
+        <p14:creationId xmlns:p14="http://schemas.microsoft.com/office/powerpoint/2010/main" val="629834538"/>
+      </p:ext>
+    </p:extLst>
+  </p:cSld>
+  <p:clrMapOvr>
+    <a:masterClrMapping/>
+  </p:clrMapOvr>
+</p:notes>
 </file>
 
 <file path=ppt/slideLayouts/slideLayout1.xml><?xml version="1.0" encoding="utf-8"?>
@@ -18627,7 +20628,7 @@
           </p:nvPr>
         </p:nvPicPr>
         <p:blipFill>
-          <a:blip r:embed="rId2"/>
+          <a:blip r:embed="rId3"/>
           <a:stretch>
             <a:fillRect/>
           </a:stretch>
@@ -19109,7 +21110,7 @@
           </p:nvPr>
         </p:nvPicPr>
         <p:blipFill>
-          <a:blip r:embed="rId2"/>
+          <a:blip r:embed="rId3"/>
           <a:stretch>
             <a:fillRect/>
           </a:stretch>
@@ -19923,7 +21924,7 @@
           </p:nvPr>
         </p:nvPicPr>
         <p:blipFill>
-          <a:blip r:embed="rId2"/>
+          <a:blip r:embed="rId3"/>
           <a:stretch>
             <a:fillRect/>
           </a:stretch>
@@ -20304,51 +22305,50 @@
           <p:nvPr/>
         </p:nvPicPr>
         <p:blipFill>
-          <a:blip r:embed="rId2"/>
+          <a:blip r:embed="rId3"/>
           <a:stretch>
             <a:fillRect/>
           </a:stretch>
         </p:blipFill>
         <p:spPr>
           <a:xfrm>
-            <a:off x="2117725" y="90557"/>
-            <a:ext cx="7956550" cy="5813525"/>
+            <a:off x="363348" y="1158240"/>
+            <a:ext cx="5813932" cy="4248002"/>
           </a:xfrm>
           <a:prstGeom prst="rect">
             <a:avLst/>
           </a:prstGeom>
         </p:spPr>
       </p:pic>
-      <p:sp>
-        <p:nvSpPr>
-          <p:cNvPr id="4" name="Espace réservé du contenu 4">
+      <p:pic>
+        <p:nvPicPr>
+          <p:cNvPr id="5" name="Espace réservé du contenu 4">
             <a:extLst>
               <a:ext uri="{FF2B5EF4-FFF2-40B4-BE49-F238E27FC236}">
-                <a16:creationId xmlns:a16="http://schemas.microsoft.com/office/drawing/2014/main" id="{A1C65312-BD80-4B98-9727-9E3F5658B7AB}"/>
+                <a16:creationId xmlns:a16="http://schemas.microsoft.com/office/drawing/2014/main" id="{9149E592-1FA6-4959-B13A-0D2AD488D626}"/>
               </a:ext>
             </a:extLst>
           </p:cNvPr>
-          <p:cNvSpPr>
-            <a:spLocks noGrp="1"/>
-          </p:cNvSpPr>
+          <p:cNvPicPr>
+            <a:picLocks noGrp="1" noChangeAspect="1"/>
+          </p:cNvPicPr>
           <p:nvPr>
             <p:ph sz="quarter" idx="13"/>
           </p:nvPr>
-        </p:nvSpPr>
+        </p:nvPicPr>
+        <p:blipFill>
+          <a:blip r:embed="rId4"/>
+          <a:stretch>
+            <a:fillRect/>
+          </a:stretch>
+        </p:blipFill>
         <p:spPr>
           <a:xfrm>
-            <a:off x="4186752" y="6023695"/>
-            <a:ext cx="3818429" cy="280988"/>
+            <a:off x="6685280" y="1158240"/>
+            <a:ext cx="4373739" cy="4248002"/>
           </a:xfrm>
         </p:spPr>
-        <p:txBody>
-          <a:bodyPr/>
-          <a:lstStyle/>
-          <a:p>
-            <a:endParaRPr lang="fr-CH" dirty="0"/>
-          </a:p>
-        </p:txBody>
-      </p:sp>
+      </p:pic>
     </p:spTree>
     <p:extLst>
       <p:ext uri="{BB962C8B-B14F-4D97-AF65-F5344CB8AC3E}">
@@ -20634,7 +22634,7 @@
           <p:nvPr/>
         </p:nvPicPr>
         <p:blipFill>
-          <a:blip r:embed="rId2"/>
+          <a:blip r:embed="rId3"/>
           <a:stretch>
             <a:fillRect/>
           </a:stretch>
@@ -21027,7 +23027,7 @@
           <p:nvPr/>
         </p:nvPicPr>
         <p:blipFill>
-          <a:blip r:embed="rId2"/>
+          <a:blip r:embed="rId3"/>
           <a:stretch>
             <a:fillRect/>
           </a:stretch>
@@ -21057,7 +23057,7 @@
           <p:nvPr/>
         </p:nvPicPr>
         <p:blipFill>
-          <a:blip r:embed="rId3"/>
+          <a:blip r:embed="rId4"/>
           <a:stretch>
             <a:fillRect/>
           </a:stretch>
@@ -22583,18 +24583,9 @@
           <a:p>
             <a:r>
               <a:rPr lang="fr-CH" dirty="0">
-                <a:hlinkClick r:id="rId2"/>
+                <a:hlinkClick r:id="rId3"/>
               </a:rPr>
               <a:t>https://fr.wikipedia.org/wiki/Pok%C3%A9mon</a:t>
-            </a:r>
-            <a:endParaRPr lang="fr-CH" dirty="0"/>
-          </a:p>
-          <a:p>
-            <a:r>
-              <a:rPr lang="fr-CH" dirty="0">
-                <a:hlinkClick r:id="rId3"/>
-              </a:rPr>
-              <a:t>https://www.pokemon.com/fr/</a:t>
             </a:r>
             <a:endParaRPr lang="fr-CH" dirty="0"/>
           </a:p>
@@ -22603,7 +24594,7 @@
               <a:rPr lang="fr-CH" dirty="0">
                 <a:hlinkClick r:id="rId4"/>
               </a:rPr>
-              <a:t>https://docs.python.org/3/tutorial/index.html</a:t>
+              <a:t>https://www.pokemon.com/fr/</a:t>
             </a:r>
             <a:endParaRPr lang="fr-CH" dirty="0"/>
           </a:p>
@@ -22611,6 +24602,15 @@
             <a:r>
               <a:rPr lang="fr-CH" dirty="0">
                 <a:hlinkClick r:id="rId5"/>
+              </a:rPr>
+              <a:t>https://docs.python.org/3/tutorial/index.html</a:t>
+            </a:r>
+            <a:endParaRPr lang="fr-CH" dirty="0"/>
+          </a:p>
+          <a:p>
+            <a:r>
+              <a:rPr lang="fr-CH" dirty="0">
+                <a:hlinkClick r:id="rId6"/>
               </a:rPr>
               <a:t>https://www.pygame.org/docs/</a:t>
             </a:r>
@@ -22764,7 +24764,7 @@
           <a:p>
             <a:r>
               <a:rPr lang="fr-CH" dirty="0">
-                <a:hlinkClick r:id="rId2"/>
+                <a:hlinkClick r:id="rId3"/>
               </a:rPr>
               <a:t>https://www.youtube.com/watch?v=2Jmty_NiaXc</a:t>
             </a:r>
@@ -22773,7 +24773,7 @@
           <a:p>
             <a:r>
               <a:rPr lang="fr-CH" dirty="0">
-                <a:hlinkClick r:id="rId3"/>
+                <a:hlinkClick r:id="rId4"/>
               </a:rPr>
               <a:t>https://www.youtube.com/watch?v=NdJQopRuH1E</a:t>
             </a:r>
@@ -22782,7 +24782,7 @@
           <a:p>
             <a:r>
               <a:rPr lang="fr-CH" dirty="0">
-                <a:hlinkClick r:id="rId4"/>
+                <a:hlinkClick r:id="rId5"/>
               </a:rPr>
               <a:t>https://youtubetomp4.io/</a:t>
             </a:r>
@@ -23008,49 +25008,49 @@
             <a:r>
               <a:rPr lang="en-US" b="1" u="none" strike="noStrike" dirty="0">
                 <a:effectLst/>
-                <a:hlinkClick r:id="rId2"/>
+                <a:hlinkClick r:id="rId3"/>
               </a:rPr>
               <a:t>2,859</a:t>
             </a:r>
             <a:r>
               <a:rPr lang="en-US" u="none" strike="noStrike" dirty="0">
                 <a:effectLst/>
-                <a:hlinkClick r:id="rId2"/>
+                <a:hlinkClick r:id="rId3"/>
               </a:rPr>
               <a:t> </a:t>
             </a:r>
             <a:r>
               <a:rPr lang="en-US" b="1" u="none" strike="noStrike" dirty="0">
                 <a:effectLst/>
-                <a:hlinkClick r:id="rId2"/>
+                <a:hlinkClick r:id="rId3"/>
               </a:rPr>
               <a:t>additions</a:t>
             </a:r>
             <a:r>
               <a:rPr lang="en-US" u="none" strike="noStrike" dirty="0">
                 <a:effectLst/>
-                <a:hlinkClick r:id="rId2"/>
+                <a:hlinkClick r:id="rId3"/>
               </a:rPr>
               <a:t> and </a:t>
             </a:r>
             <a:r>
               <a:rPr lang="en-US" b="1" u="none" strike="noStrike" dirty="0">
                 <a:effectLst/>
-                <a:hlinkClick r:id="rId2"/>
+                <a:hlinkClick r:id="rId3"/>
               </a:rPr>
               <a:t>101</a:t>
             </a:r>
             <a:r>
               <a:rPr lang="en-US" u="none" strike="noStrike" dirty="0">
                 <a:effectLst/>
-                <a:hlinkClick r:id="rId2"/>
+                <a:hlinkClick r:id="rId3"/>
               </a:rPr>
               <a:t> </a:t>
             </a:r>
             <a:r>
               <a:rPr lang="en-US" b="1" u="none" strike="noStrike" dirty="0">
                 <a:effectLst/>
-                <a:hlinkClick r:id="rId2"/>
+                <a:hlinkClick r:id="rId3"/>
               </a:rPr>
               <a:t>deletions</a:t>
             </a:r>
@@ -23424,7 +25424,7 @@
           <p:nvPr/>
         </p:nvPicPr>
         <p:blipFill>
-          <a:blip r:embed="rId2"/>
+          <a:blip r:embed="rId3"/>
           <a:stretch>
             <a:fillRect/>
           </a:stretch>
@@ -23454,7 +25454,7 @@
           <p:nvPr/>
         </p:nvPicPr>
         <p:blipFill>
-          <a:blip r:embed="rId3"/>
+          <a:blip r:embed="rId4"/>
           <a:stretch>
             <a:fillRect/>
           </a:stretch>
@@ -23577,7 +25577,7 @@
           <p:nvPr/>
         </p:nvPicPr>
         <p:blipFill>
-          <a:blip r:embed="rId2"/>
+          <a:blip r:embed="rId3"/>
           <a:stretch>
             <a:fillRect/>
           </a:stretch>
